--- a/project_management/external_meetings/ICR Workspace Mtg Sept 2008 Slides.pptx
+++ b/project_management/external_meetings/ICR Workspace Mtg Sept 2008 Slides.pptx
@@ -3249,10 +3249,6 @@
               <a:rPr lang="en-US" dirty="0" err="1" smtClean="0"/>
               <a:t>caIntegrator</a:t>
             </a:r>
-            <a:r>
-              <a:rPr lang="en-US" dirty="0" smtClean="0"/>
-              <a:t> (old)</a:t>
-            </a:r>
             <a:endParaRPr lang="en-US" dirty="0"/>
           </a:p>
         </p:txBody>
@@ -3281,7 +3277,7 @@
           <a:p>
             <a:r>
               <a:rPr lang="en-US" dirty="0" smtClean="0"/>
-              <a:t>caIntegrator2 (new)</a:t>
+              <a:t>caIntegrator2</a:t>
             </a:r>
             <a:endParaRPr lang="en-US" dirty="0"/>
           </a:p>
@@ -3866,11 +3862,7 @@
           <a:p>
             <a:r>
               <a:rPr lang="en-US" sz="1200" dirty="0" smtClean="0"/>
-              <a:t>Process repeated again for each </a:t>
-            </a:r>
-            <a:r>
-              <a:rPr lang="en-US" sz="1200" dirty="0" smtClean="0"/>
-              <a:t>project, reusing code and developer expertise.</a:t>
+              <a:t>Process repeated again for each project, reusing code and developer expertise.</a:t>
             </a:r>
             <a:endParaRPr lang="en-US" sz="1200" dirty="0"/>
           </a:p>
@@ -4294,7 +4286,7 @@
         </p:nvSpPr>
         <p:spPr>
           <a:xfrm>
-            <a:off x="4191000" y="3365142"/>
+            <a:off x="4013202" y="3623269"/>
             <a:ext cx="1981200" cy="923330"/>
           </a:xfrm>
           <a:prstGeom prst="rect">
@@ -4378,7 +4370,7 @@
         </p:nvCxnSpPr>
         <p:spPr>
           <a:xfrm>
-            <a:off x="5638800" y="3831272"/>
+            <a:off x="5461002" y="4089399"/>
             <a:ext cx="381000" cy="1588"/>
           </a:xfrm>
           <a:prstGeom prst="straightConnector1">
@@ -4412,7 +4404,7 @@
         <p:spPr>
           <a:xfrm>
             <a:off x="7848600" y="3048000"/>
-            <a:ext cx="1143000" cy="2031325"/>
+            <a:ext cx="1143000" cy="1200329"/>
           </a:xfrm>
           <a:prstGeom prst="rect">
             <a:avLst/>
@@ -4438,16 +4430,7 @@
               <a:rPr lang="en-US" dirty="0" smtClean="0"/>
               <a:t>Public</a:t>
             </a:r>
-          </a:p>
-          <a:p>
             <a:endParaRPr lang="en-US" dirty="0" smtClean="0"/>
-          </a:p>
-          <a:p>
-            <a:r>
-              <a:rPr lang="en-US" dirty="0" smtClean="0"/>
-              <a:t>Study Manager</a:t>
-            </a:r>
-            <a:endParaRPr lang="en-US" dirty="0"/>
           </a:p>
         </p:txBody>
       </p:sp>
@@ -4588,7 +4571,7 @@
         </p:nvCxnSpPr>
         <p:spPr>
           <a:xfrm flipV="1">
-            <a:off x="3657600" y="6553200"/>
+            <a:off x="3640666" y="6544733"/>
             <a:ext cx="838200" cy="76200"/>
           </a:xfrm>
           <a:prstGeom prst="straightConnector1">
@@ -4659,7 +4642,7 @@
         </p:blipFill>
         <p:spPr>
           <a:xfrm>
-            <a:off x="6865800" y="4245928"/>
+            <a:off x="6865800" y="4191000"/>
             <a:ext cx="629800" cy="478472"/>
           </a:xfrm>
           <a:prstGeom prst="rect">
@@ -4705,8 +4688,8 @@
         </p:nvSpPr>
         <p:spPr>
           <a:xfrm>
-            <a:off x="7010400" y="4476690"/>
-            <a:ext cx="838200" cy="400110"/>
+            <a:off x="6756402" y="4442822"/>
+            <a:ext cx="1143000" cy="246221"/>
           </a:xfrm>
           <a:prstGeom prst="rect">
             <a:avLst/>
@@ -4894,6 +4877,36 @@
           </a:fontRef>
         </p:style>
       </p:cxnSp>
+      <p:sp>
+        <p:nvSpPr>
+          <p:cNvPr id="59" name="TextBox 58"/>
+          <p:cNvSpPr txBox="1"/>
+          <p:nvPr/>
+        </p:nvSpPr>
+        <p:spPr>
+          <a:xfrm>
+            <a:off x="7848600" y="4382869"/>
+            <a:ext cx="1066800" cy="646331"/>
+          </a:xfrm>
+          <a:prstGeom prst="rect">
+            <a:avLst/>
+          </a:prstGeom>
+          <a:noFill/>
+        </p:spPr>
+        <p:txBody>
+          <a:bodyPr wrap="square" rtlCol="0">
+            <a:spAutoFit/>
+          </a:bodyPr>
+          <a:lstStyle/>
+          <a:p>
+            <a:r>
+              <a:rPr lang="en-US" dirty="0" smtClean="0"/>
+              <a:t>Study Manager</a:t>
+            </a:r>
+            <a:endParaRPr lang="en-US" dirty="0"/>
+          </a:p>
+        </p:txBody>
+      </p:sp>
     </p:spTree>
   </p:cSld>
   <p:clrMapOvr>
@@ -6054,7 +6067,7 @@
                                 </p:cTn>
                               </p:par>
                               <p:par>
-                                <p:cTn id="93" presetID="1" presetClass="entr" presetSubtype="0" fill="hold" nodeType="withEffect">
+                                <p:cTn id="93" presetID="1" presetClass="entr" presetSubtype="0" fill="hold" grpId="0" nodeType="withEffect">
                                   <p:stCondLst>
                                     <p:cond delay="0"/>
                                   </p:stCondLst>
@@ -6067,7 +6080,7 @@
                                           </p:stCondLst>
                                         </p:cTn>
                                         <p:tgtEl>
-                                          <p:spTgt spid="56"/>
+                                          <p:spTgt spid="58"/>
                                         </p:tgtEl>
                                         <p:attrNameLst>
                                           <p:attrName>style.visibility</p:attrName>
@@ -6094,7 +6107,7 @@
                                           </p:stCondLst>
                                         </p:cTn>
                                         <p:tgtEl>
-                                          <p:spTgt spid="99"/>
+                                          <p:spTgt spid="57"/>
                                         </p:tgtEl>
                                         <p:attrNameLst>
                                           <p:attrName>style.visibility</p:attrName>
@@ -6107,35 +6120,26 @@
                                   </p:childTnLst>
                                 </p:cTn>
                               </p:par>
+                            </p:childTnLst>
+                          </p:cTn>
+                        </p:par>
+                      </p:childTnLst>
+                    </p:cTn>
+                  </p:par>
+                  <p:par>
+                    <p:cTn id="97" fill="hold">
+                      <p:stCondLst>
+                        <p:cond delay="indefinite"/>
+                      </p:stCondLst>
+                      <p:childTnLst>
+                        <p:par>
+                          <p:cTn id="98" fill="hold">
+                            <p:stCondLst>
+                              <p:cond delay="0"/>
+                            </p:stCondLst>
+                            <p:childTnLst>
                               <p:par>
-                                <p:cTn id="97" presetID="1" presetClass="entr" presetSubtype="0" fill="hold" grpId="0" nodeType="withEffect">
-                                  <p:stCondLst>
-                                    <p:cond delay="0"/>
-                                  </p:stCondLst>
-                                  <p:childTnLst>
-                                    <p:set>
-                                      <p:cBhvr>
-                                        <p:cTn id="98" dur="1" fill="hold">
-                                          <p:stCondLst>
-                                            <p:cond delay="0"/>
-                                          </p:stCondLst>
-                                        </p:cTn>
-                                        <p:tgtEl>
-                                          <p:spTgt spid="58"/>
-                                        </p:tgtEl>
-                                        <p:attrNameLst>
-                                          <p:attrName>style.visibility</p:attrName>
-                                        </p:attrNameLst>
-                                      </p:cBhvr>
-                                      <p:to>
-                                        <p:strVal val="visible"/>
-                                      </p:to>
-                                    </p:set>
-                                  </p:childTnLst>
-                                </p:cTn>
-                              </p:par>
-                              <p:par>
-                                <p:cTn id="99" presetID="1" presetClass="entr" presetSubtype="0" fill="hold" grpId="0" nodeType="withEffect">
+                                <p:cTn id="99" presetID="1" presetClass="entr" presetSubtype="0" fill="hold" nodeType="clickEffect">
                                   <p:stCondLst>
                                     <p:cond delay="0"/>
                                   </p:stCondLst>
@@ -6148,7 +6152,7 @@
                                           </p:stCondLst>
                                         </p:cTn>
                                         <p:tgtEl>
-                                          <p:spTgt spid="57"/>
+                                          <p:spTgt spid="102"/>
                                         </p:tgtEl>
                                         <p:attrNameLst>
                                           <p:attrName>style.visibility</p:attrName>
@@ -6175,6 +6179,33 @@
                                           </p:stCondLst>
                                         </p:cTn>
                                         <p:tgtEl>
+                                          <p:spTgt spid="59"/>
+                                        </p:tgtEl>
+                                        <p:attrNameLst>
+                                          <p:attrName>style.visibility</p:attrName>
+                                        </p:attrNameLst>
+                                      </p:cBhvr>
+                                      <p:to>
+                                        <p:strVal val="visible"/>
+                                      </p:to>
+                                    </p:set>
+                                  </p:childTnLst>
+                                </p:cTn>
+                              </p:par>
+                              <p:par>
+                                <p:cTn id="103" presetID="1" presetClass="entr" presetSubtype="0" fill="hold" grpId="0" nodeType="withEffect">
+                                  <p:stCondLst>
+                                    <p:cond delay="0"/>
+                                  </p:stCondLst>
+                                  <p:childTnLst>
+                                    <p:set>
+                                      <p:cBhvr>
+                                        <p:cTn id="104" dur="1" fill="hold">
+                                          <p:stCondLst>
+                                            <p:cond delay="0"/>
+                                          </p:stCondLst>
+                                        </p:cTn>
+                                        <p:tgtEl>
                                           <p:spTgt spid="100"/>
                                         </p:tgtEl>
                                         <p:attrNameLst>
@@ -6189,14 +6220,14 @@
                                 </p:cTn>
                               </p:par>
                               <p:par>
-                                <p:cTn id="103" presetID="1" presetClass="entr" presetSubtype="0" fill="hold" nodeType="withEffect">
+                                <p:cTn id="105" presetID="1" presetClass="entr" presetSubtype="0" fill="hold" nodeType="withEffect">
                                   <p:stCondLst>
                                     <p:cond delay="0"/>
                                   </p:stCondLst>
                                   <p:childTnLst>
                                     <p:set>
                                       <p:cBhvr>
-                                        <p:cTn id="104" dur="1" fill="hold">
+                                        <p:cTn id="106" dur="1" fill="hold">
                                           <p:stCondLst>
                                             <p:cond delay="0"/>
                                           </p:stCondLst>
@@ -6215,62 +6246,26 @@
                                   </p:childTnLst>
                                 </p:cTn>
                               </p:par>
+                            </p:childTnLst>
+                          </p:cTn>
+                        </p:par>
+                      </p:childTnLst>
+                    </p:cTn>
+                  </p:par>
+                  <p:par>
+                    <p:cTn id="107" fill="hold">
+                      <p:stCondLst>
+                        <p:cond delay="indefinite"/>
+                      </p:stCondLst>
+                      <p:childTnLst>
+                        <p:par>
+                          <p:cTn id="108" fill="hold">
+                            <p:stCondLst>
+                              <p:cond delay="0"/>
+                            </p:stCondLst>
+                            <p:childTnLst>
                               <p:par>
-                                <p:cTn id="105" presetID="1" presetClass="entr" presetSubtype="0" fill="hold" grpId="0" nodeType="withEffect">
-                                  <p:stCondLst>
-                                    <p:cond delay="0"/>
-                                  </p:stCondLst>
-                                  <p:childTnLst>
-                                    <p:set>
-                                      <p:cBhvr>
-                                        <p:cTn id="106" dur="1" fill="hold">
-                                          <p:stCondLst>
-                                            <p:cond delay="0"/>
-                                          </p:stCondLst>
-                                        </p:cTn>
-                                        <p:tgtEl>
-                                          <p:spTgt spid="78"/>
-                                        </p:tgtEl>
-                                        <p:attrNameLst>
-                                          <p:attrName>style.visibility</p:attrName>
-                                        </p:attrNameLst>
-                                      </p:cBhvr>
-                                      <p:to>
-                                        <p:strVal val="visible"/>
-                                      </p:to>
-                                    </p:set>
-                                  </p:childTnLst>
-                                </p:cTn>
-                              </p:par>
-                              <p:par>
-                                <p:cTn id="107" presetID="1" presetClass="entr" presetSubtype="0" fill="hold" nodeType="withEffect">
-                                  <p:stCondLst>
-                                    <p:cond delay="0"/>
-                                  </p:stCondLst>
-                                  <p:childTnLst>
-                                    <p:set>
-                                      <p:cBhvr>
-                                        <p:cTn id="108" dur="1" fill="hold">
-                                          <p:stCondLst>
-                                            <p:cond delay="0"/>
-                                          </p:stCondLst>
-                                        </p:cTn>
-                                        <p:tgtEl>
-                                          <p:spTgt spid="102"/>
-                                        </p:tgtEl>
-                                        <p:attrNameLst>
-                                          <p:attrName>style.visibility</p:attrName>
-                                        </p:attrNameLst>
-                                      </p:cBhvr>
-                                      <p:to>
-                                        <p:strVal val="visible"/>
-                                      </p:to>
-                                    </p:set>
-                                  </p:childTnLst>
-                                </p:cTn>
-                              </p:par>
-                              <p:par>
-                                <p:cTn id="109" presetID="1" presetClass="entr" presetSubtype="0" fill="hold" nodeType="withEffect">
+                                <p:cTn id="109" presetID="1" presetClass="entr" presetSubtype="0" fill="hold" nodeType="clickEffect">
                                   <p:stCondLst>
                                     <p:cond delay="0"/>
                                   </p:stCondLst>
@@ -6283,7 +6278,7 @@
                                           </p:stCondLst>
                                         </p:cTn>
                                         <p:tgtEl>
-                                          <p:spTgt spid="80"/>
+                                          <p:spTgt spid="104"/>
                                         </p:tgtEl>
                                         <p:attrNameLst>
                                           <p:attrName>style.visibility</p:attrName>
@@ -6310,7 +6305,61 @@
                                           </p:stCondLst>
                                         </p:cTn>
                                         <p:tgtEl>
-                                          <p:spTgt spid="79"/>
+                                          <p:spTgt spid="106"/>
+                                        </p:tgtEl>
+                                        <p:attrNameLst>
+                                          <p:attrName>style.visibility</p:attrName>
+                                        </p:attrNameLst>
+                                      </p:cBhvr>
+                                      <p:to>
+                                        <p:strVal val="visible"/>
+                                      </p:to>
+                                    </p:set>
+                                  </p:childTnLst>
+                                </p:cTn>
+                              </p:par>
+                              <p:par>
+                                <p:cTn id="113" presetID="1" presetClass="entr" presetSubtype="0" fill="hold" nodeType="withEffect">
+                                  <p:stCondLst>
+                                    <p:cond delay="0"/>
+                                  </p:stCondLst>
+                                  <p:childTnLst>
+                                    <p:set>
+                                      <p:cBhvr>
+                                        <p:cTn id="114" dur="1" fill="hold">
+                                          <p:stCondLst>
+                                            <p:cond delay="0"/>
+                                          </p:stCondLst>
+                                        </p:cTn>
+                                        <p:tgtEl>
+                                          <p:spTgt spid="108"/>
+                                        </p:tgtEl>
+                                        <p:attrNameLst>
+                                          <p:attrName>style.visibility</p:attrName>
+                                        </p:attrNameLst>
+                                      </p:cBhvr>
+                                      <p:to>
+                                        <p:strVal val="visible"/>
+                                      </p:to>
+                                    </p:set>
+                                  </p:childTnLst>
+                                </p:cTn>
+                              </p:par>
+                              <p:par>
+                                <p:cTn id="115" presetID="1" presetClass="entr" presetSubtype="0" fill="hold" nodeType="withEffect">
+                                  <p:stCondLst>
+                                    <p:cond delay="0"/>
+                                  </p:stCondLst>
+                                  <p:childTnLst>
+                                    <p:set>
+                                      <p:cBhvr>
+                                        <p:cTn id="116" dur="1" fill="hold">
+                                          <p:stCondLst>
+                                            <p:cond delay="0"/>
+                                          </p:stCondLst>
+                                        </p:cTn>
+                                        <p:tgtEl>
+                                          <p:spTgt spid="110"/>
                                         </p:tgtEl>
                                         <p:attrNameLst>
                                           <p:attrName>style.visibility</p:attrName>
@@ -6330,73 +6379,19 @@
                     </p:cTn>
                   </p:par>
                   <p:par>
-                    <p:cTn id="113" fill="hold">
+                    <p:cTn id="117" fill="hold">
                       <p:stCondLst>
                         <p:cond delay="indefinite"/>
                       </p:stCondLst>
                       <p:childTnLst>
                         <p:par>
-                          <p:cTn id="114" fill="hold">
+                          <p:cTn id="118" fill="hold">
                             <p:stCondLst>
                               <p:cond delay="0"/>
                             </p:stCondLst>
                             <p:childTnLst>
                               <p:par>
-                                <p:cTn id="115" presetID="1" presetClass="entr" presetSubtype="0" fill="hold" nodeType="clickEffect">
-                                  <p:stCondLst>
-                                    <p:cond delay="0"/>
-                                  </p:stCondLst>
-                                  <p:childTnLst>
-                                    <p:set>
-                                      <p:cBhvr>
-                                        <p:cTn id="116" dur="1" fill="hold">
-                                          <p:stCondLst>
-                                            <p:cond delay="0"/>
-                                          </p:stCondLst>
-                                        </p:cTn>
-                                        <p:tgtEl>
-                                          <p:spTgt spid="104"/>
-                                        </p:tgtEl>
-                                        <p:attrNameLst>
-                                          <p:attrName>style.visibility</p:attrName>
-                                        </p:attrNameLst>
-                                      </p:cBhvr>
-                                      <p:to>
-                                        <p:strVal val="visible"/>
-                                      </p:to>
-                                    </p:set>
-                                  </p:childTnLst>
-                                </p:cTn>
-                              </p:par>
-                              <p:par>
-                                <p:cTn id="117" presetID="1" presetClass="entr" presetSubtype="0" fill="hold" nodeType="withEffect">
-                                  <p:stCondLst>
-                                    <p:cond delay="0"/>
-                                  </p:stCondLst>
-                                  <p:childTnLst>
-                                    <p:set>
-                                      <p:cBhvr>
-                                        <p:cTn id="118" dur="1" fill="hold">
-                                          <p:stCondLst>
-                                            <p:cond delay="0"/>
-                                          </p:stCondLst>
-                                        </p:cTn>
-                                        <p:tgtEl>
-                                          <p:spTgt spid="106"/>
-                                        </p:tgtEl>
-                                        <p:attrNameLst>
-                                          <p:attrName>style.visibility</p:attrName>
-                                        </p:attrNameLst>
-                                      </p:cBhvr>
-                                      <p:to>
-                                        <p:strVal val="visible"/>
-                                      </p:to>
-                                    </p:set>
-                                  </p:childTnLst>
-                                </p:cTn>
-                              </p:par>
-                              <p:par>
-                                <p:cTn id="119" presetID="1" presetClass="entr" presetSubtype="0" fill="hold" nodeType="withEffect">
+                                <p:cTn id="119" presetID="1" presetClass="entr" presetSubtype="0" fill="hold" grpId="0" nodeType="clickEffect">
                                   <p:stCondLst>
                                     <p:cond delay="0"/>
                                   </p:stCondLst>
@@ -6409,7 +6404,7 @@
                                           </p:stCondLst>
                                         </p:cTn>
                                         <p:tgtEl>
-                                          <p:spTgt spid="108"/>
+                                          <p:spTgt spid="78"/>
                                         </p:tgtEl>
                                         <p:attrNameLst>
                                           <p:attrName>style.visibility</p:attrName>
@@ -6436,7 +6431,88 @@
                                           </p:stCondLst>
                                         </p:cTn>
                                         <p:tgtEl>
-                                          <p:spTgt spid="110"/>
+                                          <p:spTgt spid="80"/>
+                                        </p:tgtEl>
+                                        <p:attrNameLst>
+                                          <p:attrName>style.visibility</p:attrName>
+                                        </p:attrNameLst>
+                                      </p:cBhvr>
+                                      <p:to>
+                                        <p:strVal val="visible"/>
+                                      </p:to>
+                                    </p:set>
+                                  </p:childTnLst>
+                                </p:cTn>
+                              </p:par>
+                              <p:par>
+                                <p:cTn id="123" presetID="1" presetClass="entr" presetSubtype="0" fill="hold" nodeType="withEffect">
+                                  <p:stCondLst>
+                                    <p:cond delay="0"/>
+                                  </p:stCondLst>
+                                  <p:childTnLst>
+                                    <p:set>
+                                      <p:cBhvr>
+                                        <p:cTn id="124" dur="1" fill="hold">
+                                          <p:stCondLst>
+                                            <p:cond delay="0"/>
+                                          </p:stCondLst>
+                                        </p:cTn>
+                                        <p:tgtEl>
+                                          <p:spTgt spid="79"/>
+                                        </p:tgtEl>
+                                        <p:attrNameLst>
+                                          <p:attrName>style.visibility</p:attrName>
+                                        </p:attrNameLst>
+                                      </p:cBhvr>
+                                      <p:to>
+                                        <p:strVal val="visible"/>
+                                      </p:to>
+                                    </p:set>
+                                  </p:childTnLst>
+                                </p:cTn>
+                              </p:par>
+                              <p:par>
+                                <p:cTn id="125" presetID="1" presetClass="entr" presetSubtype="0" fill="hold" nodeType="withEffect">
+                                  <p:stCondLst>
+                                    <p:cond delay="0"/>
+                                  </p:stCondLst>
+                                  <p:childTnLst>
+                                    <p:set>
+                                      <p:cBhvr>
+                                        <p:cTn id="126" dur="1" fill="hold">
+                                          <p:stCondLst>
+                                            <p:cond delay="0"/>
+                                          </p:stCondLst>
+                                        </p:cTn>
+                                        <p:tgtEl>
+                                          <p:spTgt spid="56"/>
+                                        </p:tgtEl>
+                                        <p:attrNameLst>
+                                          <p:attrName>style.visibility</p:attrName>
+                                        </p:attrNameLst>
+                                      </p:cBhvr>
+                                      <p:to>
+                                        <p:strVal val="visible"/>
+                                      </p:to>
+                                    </p:set>
+                                  </p:childTnLst>
+                                </p:cTn>
+                              </p:par>
+                              <p:par>
+                                <p:cTn id="127" presetID="1" presetClass="entr" presetSubtype="0" fill="hold" grpId="0" nodeType="withEffect">
+                                  <p:stCondLst>
+                                    <p:cond delay="0"/>
+                                  </p:stCondLst>
+                                  <p:childTnLst>
+                                    <p:set>
+                                      <p:cBhvr>
+                                        <p:cTn id="128" dur="1" fill="hold">
+                                          <p:stCondLst>
+                                            <p:cond delay="0"/>
+                                          </p:stCondLst>
+                                        </p:cTn>
+                                        <p:tgtEl>
+                                          <p:spTgt spid="99"/>
                                         </p:tgtEl>
                                         <p:attrNameLst>
                                           <p:attrName>style.visibility</p:attrName>
@@ -6501,6 +6577,7 @@
       <p:bldP spid="86" grpId="0"/>
       <p:bldP spid="99" grpId="0"/>
       <p:bldP spid="100" grpId="0"/>
+      <p:bldP spid="59" grpId="0"/>
     </p:bldLst>
   </p:timing>
 </p:sld>

--- a/project_management/external_meetings/ICR Workspace Mtg Sept 2008 Slides.pptx
+++ b/project_management/external_meetings/ICR Workspace Mtg Sept 2008 Slides.pptx
@@ -6,7 +6,8 @@
   </p:sldMasterIdLst>
   <p:sldIdLst>
     <p:sldId id="257" r:id="rId2"/>
-    <p:sldId id="258" r:id="rId3"/>
+    <p:sldId id="260" r:id="rId3"/>
+    <p:sldId id="258" r:id="rId4"/>
   </p:sldIdLst>
   <p:sldSz cx="9144000" cy="6858000" type="screen4x3"/>
   <p:notesSz cx="6858000" cy="9144000"/>
@@ -290,7 +291,7 @@
             <a:fld id="{BFF0141B-3676-46F2-8A5A-C346ECA90DD6}" type="datetimeFigureOut">
               <a:rPr lang="en-US" smtClean="0"/>
               <a:pPr/>
-              <a:t>9/8/2008</a:t>
+              <a:t>9/9/2008</a:t>
             </a:fld>
             <a:endParaRPr lang="en-US"/>
           </a:p>
@@ -457,7 +458,7 @@
             <a:fld id="{BFF0141B-3676-46F2-8A5A-C346ECA90DD6}" type="datetimeFigureOut">
               <a:rPr lang="en-US" smtClean="0"/>
               <a:pPr/>
-              <a:t>9/8/2008</a:t>
+              <a:t>9/9/2008</a:t>
             </a:fld>
             <a:endParaRPr lang="en-US"/>
           </a:p>
@@ -634,7 +635,7 @@
             <a:fld id="{BFF0141B-3676-46F2-8A5A-C346ECA90DD6}" type="datetimeFigureOut">
               <a:rPr lang="en-US" smtClean="0"/>
               <a:pPr/>
-              <a:t>9/8/2008</a:t>
+              <a:t>9/9/2008</a:t>
             </a:fld>
             <a:endParaRPr lang="en-US"/>
           </a:p>
@@ -801,7 +802,7 @@
             <a:fld id="{BFF0141B-3676-46F2-8A5A-C346ECA90DD6}" type="datetimeFigureOut">
               <a:rPr lang="en-US" smtClean="0"/>
               <a:pPr/>
-              <a:t>9/8/2008</a:t>
+              <a:t>9/9/2008</a:t>
             </a:fld>
             <a:endParaRPr lang="en-US"/>
           </a:p>
@@ -1044,7 +1045,7 @@
             <a:fld id="{BFF0141B-3676-46F2-8A5A-C346ECA90DD6}" type="datetimeFigureOut">
               <a:rPr lang="en-US" smtClean="0"/>
               <a:pPr/>
-              <a:t>9/8/2008</a:t>
+              <a:t>9/9/2008</a:t>
             </a:fld>
             <a:endParaRPr lang="en-US"/>
           </a:p>
@@ -1329,7 +1330,7 @@
             <a:fld id="{BFF0141B-3676-46F2-8A5A-C346ECA90DD6}" type="datetimeFigureOut">
               <a:rPr lang="en-US" smtClean="0"/>
               <a:pPr/>
-              <a:t>9/8/2008</a:t>
+              <a:t>9/9/2008</a:t>
             </a:fld>
             <a:endParaRPr lang="en-US"/>
           </a:p>
@@ -1748,7 +1749,7 @@
             <a:fld id="{BFF0141B-3676-46F2-8A5A-C346ECA90DD6}" type="datetimeFigureOut">
               <a:rPr lang="en-US" smtClean="0"/>
               <a:pPr/>
-              <a:t>9/8/2008</a:t>
+              <a:t>9/9/2008</a:t>
             </a:fld>
             <a:endParaRPr lang="en-US"/>
           </a:p>
@@ -1863,7 +1864,7 @@
             <a:fld id="{BFF0141B-3676-46F2-8A5A-C346ECA90DD6}" type="datetimeFigureOut">
               <a:rPr lang="en-US" smtClean="0"/>
               <a:pPr/>
-              <a:t>9/8/2008</a:t>
+              <a:t>9/9/2008</a:t>
             </a:fld>
             <a:endParaRPr lang="en-US"/>
           </a:p>
@@ -1955,7 +1956,7 @@
             <a:fld id="{BFF0141B-3676-46F2-8A5A-C346ECA90DD6}" type="datetimeFigureOut">
               <a:rPr lang="en-US" smtClean="0"/>
               <a:pPr/>
-              <a:t>9/8/2008</a:t>
+              <a:t>9/9/2008</a:t>
             </a:fld>
             <a:endParaRPr lang="en-US"/>
           </a:p>
@@ -2229,7 +2230,7 @@
             <a:fld id="{BFF0141B-3676-46F2-8A5A-C346ECA90DD6}" type="datetimeFigureOut">
               <a:rPr lang="en-US" smtClean="0"/>
               <a:pPr/>
-              <a:t>9/8/2008</a:t>
+              <a:t>9/9/2008</a:t>
             </a:fld>
             <a:endParaRPr lang="en-US"/>
           </a:p>
@@ -2479,7 +2480,7 @@
             <a:fld id="{BFF0141B-3676-46F2-8A5A-C346ECA90DD6}" type="datetimeFigureOut">
               <a:rPr lang="en-US" smtClean="0"/>
               <a:pPr/>
-              <a:t>9/8/2008</a:t>
+              <a:t>9/9/2008</a:t>
             </a:fld>
             <a:endParaRPr lang="en-US"/>
           </a:p>
@@ -2689,7 +2690,7 @@
             <a:fld id="{BFF0141B-3676-46F2-8A5A-C346ECA90DD6}" type="datetimeFigureOut">
               <a:rPr lang="en-US" smtClean="0"/>
               <a:pPr/>
-              <a:t>9/8/2008</a:t>
+              <a:t>9/9/2008</a:t>
             </a:fld>
             <a:endParaRPr lang="en-US"/>
           </a:p>
@@ -3062,14 +3063,14 @@
       </p:grpSpPr>
       <p:sp>
         <p:nvSpPr>
-          <p:cNvPr id="57" name="Flowchart: Magnetic Disk 56"/>
+          <p:cNvPr id="62" name="Flowchart: Magnetic Disk 61"/>
           <p:cNvSpPr/>
           <p:nvPr/>
         </p:nvSpPr>
         <p:spPr>
           <a:xfrm>
-            <a:off x="6629400" y="3678872"/>
-            <a:ext cx="609600" cy="609600"/>
+            <a:off x="4191000" y="3048000"/>
+            <a:ext cx="381000" cy="304800"/>
           </a:xfrm>
           <a:prstGeom prst="flowChartMagneticDisk">
             <a:avLst/>
@@ -3109,14 +3110,110 @@
       </p:sp>
       <p:sp>
         <p:nvSpPr>
-          <p:cNvPr id="28" name="Flowchart: Magnetic Disk 27"/>
+          <p:cNvPr id="46" name="TextBox 45"/>
+          <p:cNvSpPr txBox="1"/>
+          <p:nvPr/>
+        </p:nvSpPr>
+        <p:spPr>
+          <a:xfrm>
+            <a:off x="4055531" y="3048000"/>
+            <a:ext cx="838200" cy="369332"/>
+          </a:xfrm>
+          <a:prstGeom prst="rect">
+            <a:avLst/>
+          </a:prstGeom>
+          <a:noFill/>
+        </p:spPr>
+        <p:txBody>
+          <a:bodyPr wrap="square" rtlCol="0">
+            <a:spAutoFit/>
+          </a:bodyPr>
+          <a:lstStyle/>
+          <a:p>
+            <a:r>
+              <a:rPr lang="en-US" dirty="0" smtClean="0"/>
+              <a:t>NCIA</a:t>
+            </a:r>
+            <a:endParaRPr lang="en-US" dirty="0"/>
+          </a:p>
+        </p:txBody>
+      </p:sp>
+      <p:pic>
+        <p:nvPicPr>
+          <p:cNvPr id="63" name="Picture 2"/>
+          <p:cNvPicPr>
+            <a:picLocks noChangeAspect="1" noChangeArrowheads="1"/>
+          </p:cNvPicPr>
+          <p:nvPr/>
+        </p:nvPicPr>
+        <p:blipFill>
+          <a:blip r:embed="rId2" cstate="print"/>
+          <a:srcRect/>
+          <a:stretch>
+            <a:fillRect/>
+          </a:stretch>
+        </p:blipFill>
+        <p:spPr bwMode="auto">
+          <a:xfrm>
+            <a:off x="4541651" y="3505200"/>
+            <a:ext cx="411349" cy="304800"/>
+          </a:xfrm>
+          <a:prstGeom prst="rect">
+            <a:avLst/>
+          </a:prstGeom>
+          <a:noFill/>
+          <a:ln w="9525">
+            <a:noFill/>
+            <a:miter lim="800000"/>
+            <a:headEnd/>
+            <a:tailEnd/>
+          </a:ln>
+          <a:effectLst/>
+        </p:spPr>
+      </p:pic>
+      <p:pic>
+        <p:nvPicPr>
+          <p:cNvPr id="1026" name="Picture 2"/>
+          <p:cNvPicPr>
+            <a:picLocks noChangeAspect="1" noChangeArrowheads="1"/>
+          </p:cNvPicPr>
+          <p:nvPr/>
+        </p:nvPicPr>
+        <p:blipFill>
+          <a:blip r:embed="rId2" cstate="print"/>
+          <a:srcRect/>
+          <a:stretch>
+            <a:fillRect/>
+          </a:stretch>
+        </p:blipFill>
+        <p:spPr bwMode="auto">
+          <a:xfrm>
+            <a:off x="3962400" y="2616201"/>
+            <a:ext cx="411349" cy="304800"/>
+          </a:xfrm>
+          <a:prstGeom prst="rect">
+            <a:avLst/>
+          </a:prstGeom>
+          <a:noFill/>
+          <a:ln w="9525">
+            <a:noFill/>
+            <a:miter lim="800000"/>
+            <a:headEnd/>
+            <a:tailEnd/>
+          </a:ln>
+          <a:effectLst/>
+        </p:spPr>
+      </p:pic>
+      <p:sp>
+        <p:nvSpPr>
+          <p:cNvPr id="61" name="Flowchart: Magnetic Disk 60"/>
           <p:cNvSpPr/>
           <p:nvPr/>
         </p:nvSpPr>
         <p:spPr>
           <a:xfrm>
-            <a:off x="6781800" y="1600200"/>
-            <a:ext cx="609600" cy="609600"/>
+            <a:off x="3572933" y="2108199"/>
+            <a:ext cx="381000" cy="304800"/>
           </a:xfrm>
           <a:prstGeom prst="flowChartMagneticDisk">
             <a:avLst/>
@@ -3156,6 +3253,100 @@
       </p:sp>
       <p:sp>
         <p:nvSpPr>
+          <p:cNvPr id="57" name="Flowchart: Magnetic Disk 56"/>
+          <p:cNvSpPr/>
+          <p:nvPr/>
+        </p:nvSpPr>
+        <p:spPr>
+          <a:xfrm>
+            <a:off x="6578598" y="1773872"/>
+            <a:ext cx="609600" cy="609600"/>
+          </a:xfrm>
+          <a:prstGeom prst="flowChartMagneticDisk">
+            <a:avLst/>
+          </a:prstGeom>
+          <a:solidFill>
+            <a:schemeClr val="accent1">
+              <a:lumMod val="40000"/>
+              <a:lumOff val="60000"/>
+            </a:schemeClr>
+          </a:solidFill>
+          <a:ln w="12700"/>
+        </p:spPr>
+        <p:style>
+          <a:lnRef idx="2">
+            <a:schemeClr val="accent1">
+              <a:shade val="50000"/>
+            </a:schemeClr>
+          </a:lnRef>
+          <a:fillRef idx="1">
+            <a:schemeClr val="accent1"/>
+          </a:fillRef>
+          <a:effectRef idx="0">
+            <a:schemeClr val="accent1"/>
+          </a:effectRef>
+          <a:fontRef idx="minor">
+            <a:schemeClr val="lt1"/>
+          </a:fontRef>
+        </p:style>
+        <p:txBody>
+          <a:bodyPr rtlCol="0" anchor="ctr"/>
+          <a:lstStyle/>
+          <a:p>
+            <a:pPr algn="ctr"/>
+            <a:endParaRPr lang="en-US"/>
+          </a:p>
+        </p:txBody>
+      </p:sp>
+      <p:sp>
+        <p:nvSpPr>
+          <p:cNvPr id="28" name="Flowchart: Magnetic Disk 27"/>
+          <p:cNvSpPr/>
+          <p:nvPr/>
+        </p:nvSpPr>
+        <p:spPr>
+          <a:xfrm>
+            <a:off x="6781800" y="5405735"/>
+            <a:ext cx="609600" cy="609600"/>
+          </a:xfrm>
+          <a:prstGeom prst="flowChartMagneticDisk">
+            <a:avLst/>
+          </a:prstGeom>
+          <a:solidFill>
+            <a:schemeClr val="accent1">
+              <a:lumMod val="40000"/>
+              <a:lumOff val="60000"/>
+            </a:schemeClr>
+          </a:solidFill>
+          <a:ln w="12700"/>
+        </p:spPr>
+        <p:style>
+          <a:lnRef idx="2">
+            <a:schemeClr val="accent1">
+              <a:shade val="50000"/>
+            </a:schemeClr>
+          </a:lnRef>
+          <a:fillRef idx="1">
+            <a:schemeClr val="accent1"/>
+          </a:fillRef>
+          <a:effectRef idx="0">
+            <a:schemeClr val="accent1"/>
+          </a:effectRef>
+          <a:fontRef idx="minor">
+            <a:schemeClr val="lt1"/>
+          </a:fontRef>
+        </p:style>
+        <p:txBody>
+          <a:bodyPr rtlCol="0" anchor="ctr"/>
+          <a:lstStyle/>
+          <a:p>
+            <a:pPr algn="ctr"/>
+            <a:endParaRPr lang="en-US"/>
+          </a:p>
+        </p:txBody>
+      </p:sp>
+      <p:sp>
+        <p:nvSpPr>
           <p:cNvPr id="2" name="Title 1"/>
           <p:cNvSpPr>
             <a:spLocks noGrp="1"/>
@@ -3176,7 +3367,7 @@
           <a:p>
             <a:r>
               <a:rPr lang="en-US" sz="3600" dirty="0" smtClean="0"/>
-              <a:t>CaIntegrator2</a:t>
+              <a:t>How caIntegrator2</a:t>
             </a:r>
             <a:r>
               <a:rPr lang="en-US" dirty="0" smtClean="0"/>
@@ -3184,7 +3375,7 @@
             </a:r>
             <a:r>
               <a:rPr lang="en-US" sz="3600" dirty="0" smtClean="0"/>
-              <a:t>Overview</a:t>
+              <a:t>works</a:t>
             </a:r>
             <a:endParaRPr lang="en-US" sz="3600" dirty="0"/>
           </a:p>
@@ -3198,7 +3389,7 @@
         </p:nvCxnSpPr>
         <p:spPr>
           <a:xfrm>
-            <a:off x="0" y="2895600"/>
+            <a:off x="0" y="4189412"/>
             <a:ext cx="9144000" cy="1588"/>
           </a:xfrm>
           <a:prstGeom prst="line">
@@ -3231,7 +3422,7 @@
         </p:nvSpPr>
         <p:spPr>
           <a:xfrm>
-            <a:off x="76200" y="2514600"/>
+            <a:off x="76200" y="4191000"/>
             <a:ext cx="1905000" cy="369332"/>
           </a:xfrm>
           <a:prstGeom prst="rect">
@@ -3261,7 +3452,7 @@
         </p:nvSpPr>
         <p:spPr>
           <a:xfrm>
-            <a:off x="76200" y="2895600"/>
+            <a:off x="76200" y="3821668"/>
             <a:ext cx="2057400" cy="369332"/>
           </a:xfrm>
           <a:prstGeom prst="rect">
@@ -3291,7 +3482,7 @@
         </p:nvSpPr>
         <p:spPr>
           <a:xfrm>
-            <a:off x="228600" y="1447800"/>
+            <a:off x="228600" y="5253335"/>
             <a:ext cx="1143000" cy="646331"/>
           </a:xfrm>
           <a:prstGeom prst="rect">
@@ -3321,7 +3512,7 @@
         </p:nvSpPr>
         <p:spPr>
           <a:xfrm>
-            <a:off x="1981200" y="914400"/>
+            <a:off x="1981200" y="4719935"/>
             <a:ext cx="2209800" cy="369332"/>
           </a:xfrm>
           <a:prstGeom prst="rect">
@@ -3351,7 +3542,7 @@
         </p:nvSpPr>
         <p:spPr>
           <a:xfrm>
-            <a:off x="2362200" y="1447800"/>
+            <a:off x="2362200" y="5253335"/>
             <a:ext cx="1447800" cy="369332"/>
           </a:xfrm>
           <a:prstGeom prst="rect">
@@ -3381,7 +3572,7 @@
         </p:nvSpPr>
         <p:spPr>
           <a:xfrm>
-            <a:off x="2133600" y="1981200"/>
+            <a:off x="2133600" y="5786735"/>
             <a:ext cx="1524000" cy="369332"/>
           </a:xfrm>
           <a:prstGeom prst="rect">
@@ -3411,7 +3602,7 @@
         </p:nvCxnSpPr>
         <p:spPr>
           <a:xfrm flipV="1">
-            <a:off x="990600" y="1143000"/>
+            <a:off x="990600" y="4948535"/>
             <a:ext cx="914400" cy="304800"/>
           </a:xfrm>
           <a:prstGeom prst="straightConnector1">
@@ -3446,7 +3637,7 @@
         </p:nvCxnSpPr>
         <p:spPr>
           <a:xfrm flipV="1">
-            <a:off x="1143000" y="1632466"/>
+            <a:off x="1143000" y="5438001"/>
             <a:ext cx="1219200" cy="43934"/>
           </a:xfrm>
           <a:prstGeom prst="straightConnector1">
@@ -3479,7 +3670,7 @@
         </p:nvCxnSpPr>
         <p:spPr>
           <a:xfrm>
-            <a:off x="990600" y="1828800"/>
+            <a:off x="990600" y="5634335"/>
             <a:ext cx="1066800" cy="304800"/>
           </a:xfrm>
           <a:prstGeom prst="straightConnector1">
@@ -3512,7 +3703,7 @@
         </p:nvSpPr>
         <p:spPr>
           <a:xfrm>
-            <a:off x="4267200" y="1210270"/>
+            <a:off x="4267200" y="5015805"/>
             <a:ext cx="1981200" cy="923330"/>
           </a:xfrm>
           <a:prstGeom prst="rect">
@@ -3543,7 +3734,7 @@
           <p:nvPr/>
         </p:nvPicPr>
         <p:blipFill>
-          <a:blip r:embed="rId2" cstate="print"/>
+          <a:blip r:embed="rId3" cstate="print"/>
           <a:srcRect/>
           <a:stretch>
             <a:fillRect/>
@@ -3551,7 +3742,7 @@
         </p:blipFill>
         <p:spPr bwMode="auto">
           <a:xfrm>
-            <a:off x="6529388" y="1219200"/>
+            <a:off x="6529388" y="5024735"/>
             <a:ext cx="633412" cy="681769"/>
           </a:xfrm>
           <a:prstGeom prst="rect">
@@ -3575,7 +3766,7 @@
         </p:nvSpPr>
         <p:spPr>
           <a:xfrm>
-            <a:off x="6096000" y="1371600"/>
+            <a:off x="6096000" y="5177135"/>
             <a:ext cx="1219200" cy="523220"/>
           </a:xfrm>
           <a:prstGeom prst="rect">
@@ -3605,7 +3796,7 @@
         </p:nvCxnSpPr>
         <p:spPr>
           <a:xfrm>
-            <a:off x="3276600" y="1143000"/>
+            <a:off x="3276600" y="4948535"/>
             <a:ext cx="914400" cy="304800"/>
           </a:xfrm>
           <a:prstGeom prst="straightConnector1">
@@ -3640,7 +3831,7 @@
         </p:nvCxnSpPr>
         <p:spPr>
           <a:xfrm flipV="1">
-            <a:off x="3657600" y="1671935"/>
+            <a:off x="3657600" y="5477470"/>
             <a:ext cx="609600" cy="4465"/>
           </a:xfrm>
           <a:prstGeom prst="straightConnector1">
@@ -3675,7 +3866,7 @@
         </p:nvCxnSpPr>
         <p:spPr>
           <a:xfrm flipV="1">
-            <a:off x="3657600" y="1981200"/>
+            <a:off x="3657600" y="5786735"/>
             <a:ext cx="609600" cy="184666"/>
           </a:xfrm>
           <a:prstGeom prst="straightConnector1">
@@ -3708,7 +3899,7 @@
         </p:nvCxnSpPr>
         <p:spPr>
           <a:xfrm>
-            <a:off x="5638800" y="1676400"/>
+            <a:off x="5638800" y="5481935"/>
             <a:ext cx="457200" cy="1588"/>
           </a:xfrm>
           <a:prstGeom prst="straightConnector1">
@@ -3741,7 +3932,7 @@
         </p:nvSpPr>
         <p:spPr>
           <a:xfrm>
-            <a:off x="8001000" y="914400"/>
+            <a:off x="8001000" y="4719935"/>
             <a:ext cx="1143000" cy="1200329"/>
           </a:xfrm>
           <a:prstGeom prst="rect">
@@ -3780,7 +3971,7 @@
         </p:nvCxnSpPr>
         <p:spPr>
           <a:xfrm flipV="1">
-            <a:off x="7239000" y="1219200"/>
+            <a:off x="7239000" y="5024735"/>
             <a:ext cx="762000" cy="76200"/>
           </a:xfrm>
           <a:prstGeom prst="straightConnector1">
@@ -3813,7 +4004,7 @@
         </p:nvCxnSpPr>
         <p:spPr>
           <a:xfrm>
-            <a:off x="7239000" y="1447800"/>
+            <a:off x="7239000" y="5253335"/>
             <a:ext cx="762000" cy="381000"/>
           </a:xfrm>
           <a:prstGeom prst="straightConnector1">
@@ -3846,7 +4037,7 @@
         </p:nvSpPr>
         <p:spPr>
           <a:xfrm>
-            <a:off x="4495800" y="2438400"/>
+            <a:off x="4495800" y="6243935"/>
             <a:ext cx="2743200" cy="461665"/>
           </a:xfrm>
           <a:prstGeom prst="rect">
@@ -3876,7 +4067,7 @@
         </p:nvSpPr>
         <p:spPr>
           <a:xfrm>
-            <a:off x="228600" y="5498068"/>
+            <a:off x="228600" y="2602468"/>
             <a:ext cx="1143000" cy="646331"/>
           </a:xfrm>
           <a:prstGeom prst="rect">
@@ -3906,7 +4097,7 @@
         </p:nvSpPr>
         <p:spPr>
           <a:xfrm>
-            <a:off x="1828800" y="4964668"/>
+            <a:off x="1828800" y="2069068"/>
             <a:ext cx="2209800" cy="369332"/>
           </a:xfrm>
           <a:prstGeom prst="rect">
@@ -3936,7 +4127,7 @@
         </p:nvSpPr>
         <p:spPr>
           <a:xfrm>
-            <a:off x="1879602" y="5511801"/>
+            <a:off x="1879602" y="2616201"/>
             <a:ext cx="1447800" cy="369332"/>
           </a:xfrm>
           <a:prstGeom prst="rect">
@@ -3966,7 +4157,7 @@
         </p:nvSpPr>
         <p:spPr>
           <a:xfrm>
-            <a:off x="2133600" y="6031468"/>
+            <a:off x="2133600" y="3135868"/>
             <a:ext cx="1524000" cy="369332"/>
           </a:xfrm>
           <a:prstGeom prst="rect">
@@ -3996,7 +4187,7 @@
         </p:nvCxnSpPr>
         <p:spPr>
           <a:xfrm flipV="1">
-            <a:off x="990600" y="5257800"/>
+            <a:off x="990600" y="2362200"/>
             <a:ext cx="762000" cy="240268"/>
           </a:xfrm>
           <a:prstGeom prst="straightConnector1">
@@ -4029,7 +4220,7 @@
         </p:nvCxnSpPr>
         <p:spPr>
           <a:xfrm flipV="1">
-            <a:off x="1143000" y="5715000"/>
+            <a:off x="1143000" y="2819400"/>
             <a:ext cx="685800" cy="11668"/>
           </a:xfrm>
           <a:prstGeom prst="straightConnector1">
@@ -4062,7 +4253,7 @@
         </p:nvCxnSpPr>
         <p:spPr>
           <a:xfrm>
-            <a:off x="990600" y="5943600"/>
+            <a:off x="990600" y="3048000"/>
             <a:ext cx="1066800" cy="240268"/>
           </a:xfrm>
           <a:prstGeom prst="straightConnector1">
@@ -4095,7 +4286,7 @@
         </p:nvSpPr>
         <p:spPr>
           <a:xfrm>
-            <a:off x="3352800" y="4964668"/>
+            <a:off x="3352800" y="2069068"/>
             <a:ext cx="1295400" cy="369332"/>
           </a:xfrm>
           <a:prstGeom prst="rect">
@@ -4119,43 +4310,13 @@
       </p:sp>
       <p:sp>
         <p:nvSpPr>
-          <p:cNvPr id="46" name="TextBox 45"/>
-          <p:cNvSpPr txBox="1"/>
-          <p:nvPr/>
-        </p:nvSpPr>
-        <p:spPr>
-          <a:xfrm>
-            <a:off x="4114800" y="5943600"/>
-            <a:ext cx="838200" cy="369332"/>
-          </a:xfrm>
-          <a:prstGeom prst="rect">
-            <a:avLst/>
-          </a:prstGeom>
-          <a:noFill/>
-        </p:spPr>
-        <p:txBody>
-          <a:bodyPr wrap="square" rtlCol="0">
-            <a:spAutoFit/>
-          </a:bodyPr>
-          <a:lstStyle/>
-          <a:p>
-            <a:r>
-              <a:rPr lang="en-US" dirty="0" smtClean="0"/>
-              <a:t>NCIA</a:t>
-            </a:r>
-            <a:endParaRPr lang="en-US" dirty="0"/>
-          </a:p>
-        </p:txBody>
-      </p:sp>
-      <p:sp>
-        <p:nvSpPr>
           <p:cNvPr id="47" name="TextBox 46"/>
           <p:cNvSpPr txBox="1"/>
           <p:nvPr/>
         </p:nvSpPr>
         <p:spPr>
           <a:xfrm>
-            <a:off x="3886200" y="5486400"/>
+            <a:off x="3886200" y="2590800"/>
             <a:ext cx="762000" cy="369332"/>
           </a:xfrm>
           <a:prstGeom prst="rect">
@@ -4185,7 +4346,7 @@
         </p:nvCxnSpPr>
         <p:spPr>
           <a:xfrm>
-            <a:off x="3048000" y="5181600"/>
+            <a:off x="3048000" y="2286000"/>
             <a:ext cx="304800" cy="1588"/>
           </a:xfrm>
           <a:prstGeom prst="straightConnector1">
@@ -4220,7 +4381,7 @@
         </p:nvCxnSpPr>
         <p:spPr>
           <a:xfrm flipV="1">
-            <a:off x="3242735" y="5671066"/>
+            <a:off x="3242735" y="2775466"/>
             <a:ext cx="643465" cy="43934"/>
           </a:xfrm>
           <a:prstGeom prst="straightConnector1">
@@ -4253,7 +4414,7 @@
         </p:nvCxnSpPr>
         <p:spPr>
           <a:xfrm flipV="1">
-            <a:off x="3014132" y="6162134"/>
+            <a:off x="3014132" y="3266534"/>
             <a:ext cx="1066800" cy="43934"/>
           </a:xfrm>
           <a:prstGeom prst="straightConnector1">
@@ -4286,7 +4447,7 @@
         </p:nvSpPr>
         <p:spPr>
           <a:xfrm>
-            <a:off x="4013202" y="3623269"/>
+            <a:off x="3200400" y="905470"/>
             <a:ext cx="1981200" cy="923330"/>
           </a:xfrm>
           <a:prstGeom prst="rect">
@@ -4317,14 +4478,14 @@
           <p:nvPr/>
         </p:nvPicPr>
         <p:blipFill>
-          <a:blip r:embed="rId3" cstate="print"/>
+          <a:blip r:embed="rId4" cstate="print"/>
           <a:stretch>
             <a:fillRect/>
           </a:stretch>
         </p:blipFill>
         <p:spPr>
           <a:xfrm>
-            <a:off x="6180000" y="3276600"/>
+            <a:off x="6129198" y="1371600"/>
             <a:ext cx="830400" cy="630872"/>
           </a:xfrm>
           <a:prstGeom prst="rect">
@@ -4340,7 +4501,7 @@
         </p:nvSpPr>
         <p:spPr>
           <a:xfrm>
-            <a:off x="5858936" y="3893740"/>
+            <a:off x="5808134" y="1963339"/>
             <a:ext cx="1524000" cy="369332"/>
           </a:xfrm>
           <a:prstGeom prst="rect">
@@ -4370,8 +4531,8 @@
         </p:nvCxnSpPr>
         <p:spPr>
           <a:xfrm>
-            <a:off x="5461002" y="4089399"/>
-            <a:ext cx="381000" cy="1588"/>
+            <a:off x="4114800" y="1524000"/>
+            <a:ext cx="1752600" cy="533400"/>
           </a:xfrm>
           <a:prstGeom prst="straightConnector1">
             <a:avLst/>
@@ -4403,7 +4564,7 @@
         </p:nvSpPr>
         <p:spPr>
           <a:xfrm>
-            <a:off x="7848600" y="3048000"/>
+            <a:off x="7797798" y="1143000"/>
             <a:ext cx="1143000" cy="1200329"/>
           </a:xfrm>
           <a:prstGeom prst="rect">
@@ -4430,7 +4591,6 @@
               <a:rPr lang="en-US" dirty="0" smtClean="0"/>
               <a:t>Public</a:t>
             </a:r>
-            <a:endParaRPr lang="en-US" dirty="0" smtClean="0"/>
           </a:p>
         </p:txBody>
       </p:sp>
@@ -4442,7 +4602,7 @@
         </p:nvCxnSpPr>
         <p:spPr>
           <a:xfrm flipV="1">
-            <a:off x="7086600" y="3352800"/>
+            <a:off x="7035798" y="1447800"/>
             <a:ext cx="762000" cy="76200"/>
           </a:xfrm>
           <a:prstGeom prst="straightConnector1">
@@ -4475,7 +4635,7 @@
         </p:nvCxnSpPr>
         <p:spPr>
           <a:xfrm>
-            <a:off x="7086600" y="3581400"/>
+            <a:off x="7035798" y="1676400"/>
             <a:ext cx="762000" cy="381000"/>
           </a:xfrm>
           <a:prstGeom prst="straightConnector1">
@@ -4508,7 +4668,7 @@
         </p:nvSpPr>
         <p:spPr>
           <a:xfrm>
-            <a:off x="1676400" y="6412468"/>
+            <a:off x="1676400" y="3516868"/>
             <a:ext cx="2133600" cy="369332"/>
           </a:xfrm>
           <a:prstGeom prst="rect">
@@ -4538,7 +4698,7 @@
         </p:nvCxnSpPr>
         <p:spPr>
           <a:xfrm>
-            <a:off x="914400" y="6096000"/>
+            <a:off x="914400" y="3200400"/>
             <a:ext cx="762000" cy="381000"/>
           </a:xfrm>
           <a:prstGeom prst="straightConnector1">
@@ -4571,7 +4731,7 @@
         </p:nvCxnSpPr>
         <p:spPr>
           <a:xfrm flipV="1">
-            <a:off x="3640666" y="6544733"/>
+            <a:off x="3640666" y="3649133"/>
             <a:ext cx="838200" cy="76200"/>
           </a:xfrm>
           <a:prstGeom prst="straightConnector1">
@@ -4604,7 +4764,7 @@
         </p:nvSpPr>
         <p:spPr>
           <a:xfrm>
-            <a:off x="4461935" y="6361669"/>
+            <a:off x="4461935" y="3466069"/>
             <a:ext cx="762000" cy="369332"/>
           </a:xfrm>
           <a:prstGeom prst="rect">
@@ -4635,14 +4795,14 @@
           <p:nvPr/>
         </p:nvPicPr>
         <p:blipFill>
-          <a:blip r:embed="rId4" cstate="print"/>
+          <a:blip r:embed="rId5" cstate="print"/>
           <a:stretch>
             <a:fillRect/>
           </a:stretch>
         </p:blipFill>
         <p:spPr>
           <a:xfrm>
-            <a:off x="6865800" y="4191000"/>
+            <a:off x="6814998" y="2286000"/>
             <a:ext cx="629800" cy="478472"/>
           </a:xfrm>
           <a:prstGeom prst="rect">
@@ -4658,7 +4818,7 @@
         </p:nvSpPr>
         <p:spPr>
           <a:xfrm>
-            <a:off x="6324600" y="3657600"/>
+            <a:off x="6273798" y="1752600"/>
             <a:ext cx="838200" cy="246221"/>
           </a:xfrm>
           <a:prstGeom prst="rect">
@@ -4688,7 +4848,7 @@
         </p:nvSpPr>
         <p:spPr>
           <a:xfrm>
-            <a:off x="6756402" y="4442822"/>
+            <a:off x="6705600" y="2537822"/>
             <a:ext cx="1143000" cy="246221"/>
           </a:xfrm>
           <a:prstGeom prst="rect">
@@ -4718,7 +4878,7 @@
         </p:nvCxnSpPr>
         <p:spPr>
           <a:xfrm rot="10800000">
-            <a:off x="7543800" y="4495800"/>
+            <a:off x="7492998" y="2590800"/>
             <a:ext cx="304800" cy="76200"/>
           </a:xfrm>
           <a:prstGeom prst="straightConnector1">
@@ -4750,9 +4910,9 @@
           <p:nvPr/>
         </p:nvCxnSpPr>
         <p:spPr>
-          <a:xfrm flipV="1">
-            <a:off x="4191000" y="4495800"/>
-            <a:ext cx="2590800" cy="609600"/>
+          <a:xfrm>
+            <a:off x="4191000" y="2209800"/>
+            <a:ext cx="2209800" cy="76200"/>
           </a:xfrm>
           <a:prstGeom prst="straightConnector1">
             <a:avLst/>
@@ -4784,8 +4944,8 @@
         </p:nvCxnSpPr>
         <p:spPr>
           <a:xfrm flipV="1">
-            <a:off x="4419600" y="4648200"/>
-            <a:ext cx="2362200" cy="990600"/>
+            <a:off x="4419600" y="2362200"/>
+            <a:ext cx="2057400" cy="381000"/>
           </a:xfrm>
           <a:prstGeom prst="straightConnector1">
             <a:avLst/>
@@ -4817,8 +4977,8 @@
         </p:nvCxnSpPr>
         <p:spPr>
           <a:xfrm flipV="1">
-            <a:off x="4648200" y="4800600"/>
-            <a:ext cx="2133600" cy="1219200"/>
+            <a:off x="4648200" y="2438400"/>
+            <a:ext cx="1905000" cy="685800"/>
           </a:xfrm>
           <a:prstGeom prst="straightConnector1">
             <a:avLst/>
@@ -4852,8 +5012,8 @@
         </p:nvCxnSpPr>
         <p:spPr>
           <a:xfrm rot="5400000" flipH="1" flipV="1">
-            <a:off x="5146133" y="4497403"/>
-            <a:ext cx="1561069" cy="2167465"/>
+            <a:off x="5260433" y="2020903"/>
+            <a:ext cx="1027669" cy="1862665"/>
           </a:xfrm>
           <a:prstGeom prst="straightConnector1">
             <a:avLst/>
@@ -4885,7 +5045,7 @@
         </p:nvSpPr>
         <p:spPr>
           <a:xfrm>
-            <a:off x="7848600" y="4382869"/>
+            <a:off x="7797798" y="2477869"/>
             <a:ext cx="1066800" cy="646331"/>
           </a:xfrm>
           <a:prstGeom prst="rect">
@@ -5994,6 +6154,114 @@
                                   </p:childTnLst>
                                 </p:cTn>
                               </p:par>
+                              <p:par>
+                                <p:cTn id="87" presetID="1" presetClass="entr" presetSubtype="0" fill="hold" grpId="1" nodeType="withEffect">
+                                  <p:stCondLst>
+                                    <p:cond delay="0"/>
+                                  </p:stCondLst>
+                                  <p:childTnLst>
+                                    <p:set>
+                                      <p:cBhvr>
+                                        <p:cTn id="88" dur="1" fill="hold">
+                                          <p:stCondLst>
+                                            <p:cond delay="0"/>
+                                          </p:stCondLst>
+                                        </p:cTn>
+                                        <p:tgtEl>
+                                          <p:spTgt spid="61"/>
+                                        </p:tgtEl>
+                                        <p:attrNameLst>
+                                          <p:attrName>style.visibility</p:attrName>
+                                        </p:attrNameLst>
+                                      </p:cBhvr>
+                                      <p:to>
+                                        <p:strVal val="visible"/>
+                                      </p:to>
+                                    </p:set>
+                                  </p:childTnLst>
+                                </p:cTn>
+                              </p:par>
+                              <p:par>
+                                <p:cTn id="89" presetID="1" presetClass="entr" presetSubtype="0" fill="hold" nodeType="withEffect">
+                                  <p:stCondLst>
+                                    <p:cond delay="0"/>
+                                  </p:stCondLst>
+                                  <p:childTnLst>
+                                    <p:set>
+                                      <p:cBhvr>
+                                        <p:cTn id="90" dur="1" fill="hold">
+                                          <p:stCondLst>
+                                            <p:cond delay="0"/>
+                                          </p:stCondLst>
+                                        </p:cTn>
+                                        <p:tgtEl>
+                                          <p:spTgt spid="1026"/>
+                                        </p:tgtEl>
+                                        <p:attrNameLst>
+                                          <p:attrName>style.visibility</p:attrName>
+                                        </p:attrNameLst>
+                                      </p:cBhvr>
+                                      <p:to>
+                                        <p:strVal val="visible"/>
+                                      </p:to>
+                                    </p:set>
+                                  </p:childTnLst>
+                                </p:cTn>
+                              </p:par>
+                              <p:par>
+                                <p:cTn id="91" presetID="1" presetClass="entr" presetSubtype="0" fill="hold" grpId="1" nodeType="withEffect">
+                                  <p:stCondLst>
+                                    <p:cond delay="0"/>
+                                  </p:stCondLst>
+                                  <p:childTnLst>
+                                    <p:set>
+                                      <p:cBhvr>
+                                        <p:cTn id="92" dur="1" fill="hold">
+                                          <p:stCondLst>
+                                            <p:cond delay="0"/>
+                                          </p:stCondLst>
+                                        </p:cTn>
+                                        <p:tgtEl>
+                                          <p:spTgt spid="62"/>
+                                        </p:tgtEl>
+                                        <p:attrNameLst>
+                                          <p:attrName>style.visibility</p:attrName>
+                                        </p:attrNameLst>
+                                      </p:cBhvr>
+                                      <p:to>
+                                        <p:strVal val="visible"/>
+                                      </p:to>
+                                    </p:set>
+                                  </p:childTnLst>
+                                </p:cTn>
+                              </p:par>
+                              <p:par>
+                                <p:cTn id="93" presetID="1" presetClass="entr" presetSubtype="0" fill="hold" nodeType="withEffect">
+                                  <p:stCondLst>
+                                    <p:cond delay="0"/>
+                                  </p:stCondLst>
+                                  <p:childTnLst>
+                                    <p:set>
+                                      <p:cBhvr>
+                                        <p:cTn id="94" dur="1" fill="hold">
+                                          <p:stCondLst>
+                                            <p:cond delay="0"/>
+                                          </p:stCondLst>
+                                        </p:cTn>
+                                        <p:tgtEl>
+                                          <p:spTgt spid="63"/>
+                                        </p:tgtEl>
+                                        <p:attrNameLst>
+                                          <p:attrName>style.visibility</p:attrName>
+                                        </p:attrNameLst>
+                                      </p:cBhvr>
+                                      <p:to>
+                                        <p:strVal val="visible"/>
+                                      </p:to>
+                                    </p:set>
+                                  </p:childTnLst>
+                                </p:cTn>
+                              </p:par>
                             </p:childTnLst>
                           </p:cTn>
                         </p:par>
@@ -6001,26 +6269,26 @@
                     </p:cTn>
                   </p:par>
                   <p:par>
-                    <p:cTn id="87" fill="hold">
+                    <p:cTn id="95" fill="hold">
                       <p:stCondLst>
                         <p:cond delay="indefinite"/>
                       </p:stCondLst>
                       <p:childTnLst>
                         <p:par>
-                          <p:cTn id="88" fill="hold">
+                          <p:cTn id="96" fill="hold">
                             <p:stCondLst>
                               <p:cond delay="0"/>
                             </p:stCondLst>
                             <p:childTnLst>
                               <p:par>
-                                <p:cTn id="89" presetID="1" presetClass="entr" presetSubtype="0" fill="hold" grpId="0" nodeType="clickEffect">
+                                <p:cTn id="97" presetID="1" presetClass="entr" presetSubtype="0" fill="hold" grpId="0" nodeType="clickEffect">
                                   <p:stCondLst>
                                     <p:cond delay="0"/>
                                   </p:stCondLst>
                                   <p:childTnLst>
                                     <p:set>
                                       <p:cBhvr>
-                                        <p:cTn id="90" dur="1" fill="hold">
+                                        <p:cTn id="98" dur="1" fill="hold">
                                           <p:stCondLst>
                                             <p:cond delay="0"/>
                                           </p:stCondLst>
@@ -6040,106 +6308,7 @@
                                 </p:cTn>
                               </p:par>
                               <p:par>
-                                <p:cTn id="91" presetID="1" presetClass="entr" presetSubtype="0" fill="hold" nodeType="withEffect">
-                                  <p:stCondLst>
-                                    <p:cond delay="0"/>
-                                  </p:stCondLst>
-                                  <p:childTnLst>
-                                    <p:set>
-                                      <p:cBhvr>
-                                        <p:cTn id="92" dur="1" fill="hold">
-                                          <p:stCondLst>
-                                            <p:cond delay="0"/>
-                                          </p:stCondLst>
-                                        </p:cTn>
-                                        <p:tgtEl>
-                                          <p:spTgt spid="60"/>
-                                        </p:tgtEl>
-                                        <p:attrNameLst>
-                                          <p:attrName>style.visibility</p:attrName>
-                                        </p:attrNameLst>
-                                      </p:cBhvr>
-                                      <p:to>
-                                        <p:strVal val="visible"/>
-                                      </p:to>
-                                    </p:set>
-                                  </p:childTnLst>
-                                </p:cTn>
-                              </p:par>
-                              <p:par>
-                                <p:cTn id="93" presetID="1" presetClass="entr" presetSubtype="0" fill="hold" grpId="0" nodeType="withEffect">
-                                  <p:stCondLst>
-                                    <p:cond delay="0"/>
-                                  </p:stCondLst>
-                                  <p:childTnLst>
-                                    <p:set>
-                                      <p:cBhvr>
-                                        <p:cTn id="94" dur="1" fill="hold">
-                                          <p:stCondLst>
-                                            <p:cond delay="0"/>
-                                          </p:stCondLst>
-                                        </p:cTn>
-                                        <p:tgtEl>
-                                          <p:spTgt spid="58"/>
-                                        </p:tgtEl>
-                                        <p:attrNameLst>
-                                          <p:attrName>style.visibility</p:attrName>
-                                        </p:attrNameLst>
-                                      </p:cBhvr>
-                                      <p:to>
-                                        <p:strVal val="visible"/>
-                                      </p:to>
-                                    </p:set>
-                                  </p:childTnLst>
-                                </p:cTn>
-                              </p:par>
-                              <p:par>
-                                <p:cTn id="95" presetID="1" presetClass="entr" presetSubtype="0" fill="hold" grpId="0" nodeType="withEffect">
-                                  <p:stCondLst>
-                                    <p:cond delay="0"/>
-                                  </p:stCondLst>
-                                  <p:childTnLst>
-                                    <p:set>
-                                      <p:cBhvr>
-                                        <p:cTn id="96" dur="1" fill="hold">
-                                          <p:stCondLst>
-                                            <p:cond delay="0"/>
-                                          </p:stCondLst>
-                                        </p:cTn>
-                                        <p:tgtEl>
-                                          <p:spTgt spid="57"/>
-                                        </p:tgtEl>
-                                        <p:attrNameLst>
-                                          <p:attrName>style.visibility</p:attrName>
-                                        </p:attrNameLst>
-                                      </p:cBhvr>
-                                      <p:to>
-                                        <p:strVal val="visible"/>
-                                      </p:to>
-                                    </p:set>
-                                  </p:childTnLst>
-                                </p:cTn>
-                              </p:par>
-                            </p:childTnLst>
-                          </p:cTn>
-                        </p:par>
-                      </p:childTnLst>
-                    </p:cTn>
-                  </p:par>
-                  <p:par>
-                    <p:cTn id="97" fill="hold">
-                      <p:stCondLst>
-                        <p:cond delay="indefinite"/>
-                      </p:stCondLst>
-                      <p:childTnLst>
-                        <p:par>
-                          <p:cTn id="98" fill="hold">
-                            <p:stCondLst>
-                              <p:cond delay="0"/>
-                            </p:stCondLst>
-                            <p:childTnLst>
-                              <p:par>
-                                <p:cTn id="99" presetID="1" presetClass="entr" presetSubtype="0" fill="hold" nodeType="clickEffect">
+                                <p:cTn id="99" presetID="1" presetClass="entr" presetSubtype="0" fill="hold" nodeType="withEffect">
                                   <p:stCondLst>
                                     <p:cond delay="0"/>
                                   </p:stCondLst>
@@ -6152,7 +6321,7 @@
                                           </p:stCondLst>
                                         </p:cTn>
                                         <p:tgtEl>
-                                          <p:spTgt spid="102"/>
+                                          <p:spTgt spid="60"/>
                                         </p:tgtEl>
                                         <p:attrNameLst>
                                           <p:attrName>style.visibility</p:attrName>
@@ -6179,7 +6348,7 @@
                                           </p:stCondLst>
                                         </p:cTn>
                                         <p:tgtEl>
-                                          <p:spTgt spid="59"/>
+                                          <p:spTgt spid="58"/>
                                         </p:tgtEl>
                                         <p:attrNameLst>
                                           <p:attrName>style.visibility</p:attrName>
@@ -6206,34 +6375,7 @@
                                           </p:stCondLst>
                                         </p:cTn>
                                         <p:tgtEl>
-                                          <p:spTgt spid="100"/>
-                                        </p:tgtEl>
-                                        <p:attrNameLst>
-                                          <p:attrName>style.visibility</p:attrName>
-                                        </p:attrNameLst>
-                                      </p:cBhvr>
-                                      <p:to>
-                                        <p:strVal val="visible"/>
-                                      </p:to>
-                                    </p:set>
-                                  </p:childTnLst>
-                                </p:cTn>
-                              </p:par>
-                              <p:par>
-                                <p:cTn id="105" presetID="1" presetClass="entr" presetSubtype="0" fill="hold" nodeType="withEffect">
-                                  <p:stCondLst>
-                                    <p:cond delay="0"/>
-                                  </p:stCondLst>
-                                  <p:childTnLst>
-                                    <p:set>
-                                      <p:cBhvr>
-                                        <p:cTn id="106" dur="1" fill="hold">
-                                          <p:stCondLst>
-                                            <p:cond delay="0"/>
-                                          </p:stCondLst>
-                                        </p:cTn>
-                                        <p:tgtEl>
-                                          <p:spTgt spid="90"/>
+                                          <p:spTgt spid="57"/>
                                         </p:tgtEl>
                                         <p:attrNameLst>
                                           <p:attrName>style.visibility</p:attrName>
@@ -6253,32 +6395,32 @@
                     </p:cTn>
                   </p:par>
                   <p:par>
-                    <p:cTn id="107" fill="hold">
+                    <p:cTn id="105" fill="hold">
                       <p:stCondLst>
                         <p:cond delay="indefinite"/>
                       </p:stCondLst>
                       <p:childTnLst>
                         <p:par>
-                          <p:cTn id="108" fill="hold">
+                          <p:cTn id="106" fill="hold">
                             <p:stCondLst>
                               <p:cond delay="0"/>
                             </p:stCondLst>
                             <p:childTnLst>
                               <p:par>
-                                <p:cTn id="109" presetID="1" presetClass="entr" presetSubtype="0" fill="hold" nodeType="clickEffect">
+                                <p:cTn id="107" presetID="1" presetClass="entr" presetSubtype="0" fill="hold" nodeType="clickEffect">
                                   <p:stCondLst>
                                     <p:cond delay="0"/>
                                   </p:stCondLst>
                                   <p:childTnLst>
                                     <p:set>
                                       <p:cBhvr>
-                                        <p:cTn id="110" dur="1" fill="hold">
+                                        <p:cTn id="108" dur="1" fill="hold">
                                           <p:stCondLst>
                                             <p:cond delay="0"/>
                                           </p:stCondLst>
                                         </p:cTn>
                                         <p:tgtEl>
-                                          <p:spTgt spid="104"/>
+                                          <p:spTgt spid="102"/>
                                         </p:tgtEl>
                                         <p:attrNameLst>
                                           <p:attrName>style.visibility</p:attrName>
@@ -6292,7 +6434,34 @@
                                 </p:cTn>
                               </p:par>
                               <p:par>
-                                <p:cTn id="111" presetID="1" presetClass="entr" presetSubtype="0" fill="hold" nodeType="withEffect">
+                                <p:cTn id="109" presetID="1" presetClass="entr" presetSubtype="0" fill="hold" grpId="0" nodeType="withEffect">
+                                  <p:stCondLst>
+                                    <p:cond delay="0"/>
+                                  </p:stCondLst>
+                                  <p:childTnLst>
+                                    <p:set>
+                                      <p:cBhvr>
+                                        <p:cTn id="110" dur="1" fill="hold">
+                                          <p:stCondLst>
+                                            <p:cond delay="0"/>
+                                          </p:stCondLst>
+                                        </p:cTn>
+                                        <p:tgtEl>
+                                          <p:spTgt spid="59"/>
+                                        </p:tgtEl>
+                                        <p:attrNameLst>
+                                          <p:attrName>style.visibility</p:attrName>
+                                        </p:attrNameLst>
+                                      </p:cBhvr>
+                                      <p:to>
+                                        <p:strVal val="visible"/>
+                                      </p:to>
+                                    </p:set>
+                                  </p:childTnLst>
+                                </p:cTn>
+                              </p:par>
+                              <p:par>
+                                <p:cTn id="111" presetID="1" presetClass="entr" presetSubtype="0" fill="hold" grpId="0" nodeType="withEffect">
                                   <p:stCondLst>
                                     <p:cond delay="0"/>
                                   </p:stCondLst>
@@ -6305,7 +6474,7 @@
                                           </p:stCondLst>
                                         </p:cTn>
                                         <p:tgtEl>
-                                          <p:spTgt spid="106"/>
+                                          <p:spTgt spid="100"/>
                                         </p:tgtEl>
                                         <p:attrNameLst>
                                           <p:attrName>style.visibility</p:attrName>
@@ -6332,34 +6501,7 @@
                                           </p:stCondLst>
                                         </p:cTn>
                                         <p:tgtEl>
-                                          <p:spTgt spid="108"/>
-                                        </p:tgtEl>
-                                        <p:attrNameLst>
-                                          <p:attrName>style.visibility</p:attrName>
-                                        </p:attrNameLst>
-                                      </p:cBhvr>
-                                      <p:to>
-                                        <p:strVal val="visible"/>
-                                      </p:to>
-                                    </p:set>
-                                  </p:childTnLst>
-                                </p:cTn>
-                              </p:par>
-                              <p:par>
-                                <p:cTn id="115" presetID="1" presetClass="entr" presetSubtype="0" fill="hold" nodeType="withEffect">
-                                  <p:stCondLst>
-                                    <p:cond delay="0"/>
-                                  </p:stCondLst>
-                                  <p:childTnLst>
-                                    <p:set>
-                                      <p:cBhvr>
-                                        <p:cTn id="116" dur="1" fill="hold">
-                                          <p:stCondLst>
-                                            <p:cond delay="0"/>
-                                          </p:stCondLst>
-                                        </p:cTn>
-                                        <p:tgtEl>
-                                          <p:spTgt spid="110"/>
+                                          <p:spTgt spid="90"/>
                                         </p:tgtEl>
                                         <p:attrNameLst>
                                           <p:attrName>style.visibility</p:attrName>
@@ -6379,19 +6521,46 @@
                     </p:cTn>
                   </p:par>
                   <p:par>
-                    <p:cTn id="117" fill="hold">
+                    <p:cTn id="115" fill="hold">
                       <p:stCondLst>
                         <p:cond delay="indefinite"/>
                       </p:stCondLst>
                       <p:childTnLst>
                         <p:par>
-                          <p:cTn id="118" fill="hold">
+                          <p:cTn id="116" fill="hold">
                             <p:stCondLst>
                               <p:cond delay="0"/>
                             </p:stCondLst>
                             <p:childTnLst>
                               <p:par>
-                                <p:cTn id="119" presetID="1" presetClass="entr" presetSubtype="0" fill="hold" grpId="0" nodeType="clickEffect">
+                                <p:cTn id="117" presetID="1" presetClass="entr" presetSubtype="0" fill="hold" nodeType="clickEffect">
+                                  <p:stCondLst>
+                                    <p:cond delay="0"/>
+                                  </p:stCondLst>
+                                  <p:childTnLst>
+                                    <p:set>
+                                      <p:cBhvr>
+                                        <p:cTn id="118" dur="1" fill="hold">
+                                          <p:stCondLst>
+                                            <p:cond delay="0"/>
+                                          </p:stCondLst>
+                                        </p:cTn>
+                                        <p:tgtEl>
+                                          <p:spTgt spid="104"/>
+                                        </p:tgtEl>
+                                        <p:attrNameLst>
+                                          <p:attrName>style.visibility</p:attrName>
+                                        </p:attrNameLst>
+                                      </p:cBhvr>
+                                      <p:to>
+                                        <p:strVal val="visible"/>
+                                      </p:to>
+                                    </p:set>
+                                  </p:childTnLst>
+                                </p:cTn>
+                              </p:par>
+                              <p:par>
+                                <p:cTn id="119" presetID="1" presetClass="entr" presetSubtype="0" fill="hold" nodeType="withEffect">
                                   <p:stCondLst>
                                     <p:cond delay="0"/>
                                   </p:stCondLst>
@@ -6404,7 +6573,7 @@
                                           </p:stCondLst>
                                         </p:cTn>
                                         <p:tgtEl>
-                                          <p:spTgt spid="78"/>
+                                          <p:spTgt spid="106"/>
                                         </p:tgtEl>
                                         <p:attrNameLst>
                                           <p:attrName>style.visibility</p:attrName>
@@ -6431,7 +6600,7 @@
                                           </p:stCondLst>
                                         </p:cTn>
                                         <p:tgtEl>
-                                          <p:spTgt spid="80"/>
+                                          <p:spTgt spid="108"/>
                                         </p:tgtEl>
                                         <p:attrNameLst>
                                           <p:attrName>style.visibility</p:attrName>
@@ -6458,6 +6627,105 @@
                                           </p:stCondLst>
                                         </p:cTn>
                                         <p:tgtEl>
+                                          <p:spTgt spid="110"/>
+                                        </p:tgtEl>
+                                        <p:attrNameLst>
+                                          <p:attrName>style.visibility</p:attrName>
+                                        </p:attrNameLst>
+                                      </p:cBhvr>
+                                      <p:to>
+                                        <p:strVal val="visible"/>
+                                      </p:to>
+                                    </p:set>
+                                  </p:childTnLst>
+                                </p:cTn>
+                              </p:par>
+                            </p:childTnLst>
+                          </p:cTn>
+                        </p:par>
+                      </p:childTnLst>
+                    </p:cTn>
+                  </p:par>
+                  <p:par>
+                    <p:cTn id="125" fill="hold">
+                      <p:stCondLst>
+                        <p:cond delay="indefinite"/>
+                      </p:stCondLst>
+                      <p:childTnLst>
+                        <p:par>
+                          <p:cTn id="126" fill="hold">
+                            <p:stCondLst>
+                              <p:cond delay="0"/>
+                            </p:stCondLst>
+                            <p:childTnLst>
+                              <p:par>
+                                <p:cTn id="127" presetID="1" presetClass="entr" presetSubtype="0" fill="hold" grpId="0" nodeType="clickEffect">
+                                  <p:stCondLst>
+                                    <p:cond delay="0"/>
+                                  </p:stCondLst>
+                                  <p:childTnLst>
+                                    <p:set>
+                                      <p:cBhvr>
+                                        <p:cTn id="128" dur="1" fill="hold">
+                                          <p:stCondLst>
+                                            <p:cond delay="0"/>
+                                          </p:stCondLst>
+                                        </p:cTn>
+                                        <p:tgtEl>
+                                          <p:spTgt spid="78"/>
+                                        </p:tgtEl>
+                                        <p:attrNameLst>
+                                          <p:attrName>style.visibility</p:attrName>
+                                        </p:attrNameLst>
+                                      </p:cBhvr>
+                                      <p:to>
+                                        <p:strVal val="visible"/>
+                                      </p:to>
+                                    </p:set>
+                                  </p:childTnLst>
+                                </p:cTn>
+                              </p:par>
+                              <p:par>
+                                <p:cTn id="129" presetID="1" presetClass="entr" presetSubtype="0" fill="hold" nodeType="withEffect">
+                                  <p:stCondLst>
+                                    <p:cond delay="0"/>
+                                  </p:stCondLst>
+                                  <p:childTnLst>
+                                    <p:set>
+                                      <p:cBhvr>
+                                        <p:cTn id="130" dur="1" fill="hold">
+                                          <p:stCondLst>
+                                            <p:cond delay="0"/>
+                                          </p:stCondLst>
+                                        </p:cTn>
+                                        <p:tgtEl>
+                                          <p:spTgt spid="80"/>
+                                        </p:tgtEl>
+                                        <p:attrNameLst>
+                                          <p:attrName>style.visibility</p:attrName>
+                                        </p:attrNameLst>
+                                      </p:cBhvr>
+                                      <p:to>
+                                        <p:strVal val="visible"/>
+                                      </p:to>
+                                    </p:set>
+                                  </p:childTnLst>
+                                </p:cTn>
+                              </p:par>
+                              <p:par>
+                                <p:cTn id="131" presetID="1" presetClass="entr" presetSubtype="0" fill="hold" nodeType="withEffect">
+                                  <p:stCondLst>
+                                    <p:cond delay="0"/>
+                                  </p:stCondLst>
+                                  <p:childTnLst>
+                                    <p:set>
+                                      <p:cBhvr>
+                                        <p:cTn id="132" dur="1" fill="hold">
+                                          <p:stCondLst>
+                                            <p:cond delay="0"/>
+                                          </p:stCondLst>
+                                        </p:cTn>
+                                        <p:tgtEl>
                                           <p:spTgt spid="79"/>
                                         </p:tgtEl>
                                         <p:attrNameLst>
@@ -6472,14 +6740,14 @@
                                 </p:cTn>
                               </p:par>
                               <p:par>
-                                <p:cTn id="125" presetID="1" presetClass="entr" presetSubtype="0" fill="hold" nodeType="withEffect">
+                                <p:cTn id="133" presetID="1" presetClass="entr" presetSubtype="0" fill="hold" nodeType="withEffect">
                                   <p:stCondLst>
                                     <p:cond delay="0"/>
                                   </p:stCondLst>
                                   <p:childTnLst>
                                     <p:set>
                                       <p:cBhvr>
-                                        <p:cTn id="126" dur="1" fill="hold">
+                                        <p:cTn id="134" dur="1" fill="hold">
                                           <p:stCondLst>
                                             <p:cond delay="0"/>
                                           </p:stCondLst>
@@ -6499,20 +6767,74 @@
                                 </p:cTn>
                               </p:par>
                               <p:par>
-                                <p:cTn id="127" presetID="1" presetClass="entr" presetSubtype="0" fill="hold" grpId="0" nodeType="withEffect">
+                                <p:cTn id="135" presetID="1" presetClass="entr" presetSubtype="0" fill="hold" grpId="0" nodeType="withEffect">
                                   <p:stCondLst>
                                     <p:cond delay="0"/>
                                   </p:stCondLst>
                                   <p:childTnLst>
                                     <p:set>
                                       <p:cBhvr>
-                                        <p:cTn id="128" dur="1" fill="hold">
+                                        <p:cTn id="136" dur="1" fill="hold">
                                           <p:stCondLst>
                                             <p:cond delay="0"/>
                                           </p:stCondLst>
                                         </p:cTn>
                                         <p:tgtEl>
                                           <p:spTgt spid="99"/>
+                                        </p:tgtEl>
+                                        <p:attrNameLst>
+                                          <p:attrName>style.visibility</p:attrName>
+                                        </p:attrNameLst>
+                                      </p:cBhvr>
+                                      <p:to>
+                                        <p:strVal val="visible"/>
+                                      </p:to>
+                                    </p:set>
+                                  </p:childTnLst>
+                                </p:cTn>
+                              </p:par>
+                              <p:par>
+                                <p:cTn id="137" presetID="1" presetClass="entr" presetSubtype="0" fill="hold" grpId="0" nodeType="withEffect">
+                                  <p:stCondLst>
+                                    <p:cond delay="0"/>
+                                  </p:stCondLst>
+                                  <p:childTnLst>
+                                    <p:set>
+                                      <p:cBhvr>
+                                        <p:cTn id="138" dur="1" fill="hold">
+                                          <p:stCondLst>
+                                            <p:cond delay="0"/>
+                                          </p:stCondLst>
+                                        </p:cTn>
+                                        <p:tgtEl>
+                                          <p:spTgt spid="61"/>
+                                        </p:tgtEl>
+                                        <p:attrNameLst>
+                                          <p:attrName>style.visibility</p:attrName>
+                                        </p:attrNameLst>
+                                      </p:cBhvr>
+                                      <p:to>
+                                        <p:strVal val="visible"/>
+                                      </p:to>
+                                    </p:set>
+                                  </p:childTnLst>
+                                </p:cTn>
+                              </p:par>
+                              <p:par>
+                                <p:cTn id="139" presetID="1" presetClass="entr" presetSubtype="0" fill="hold" grpId="0" nodeType="withEffect">
+                                  <p:stCondLst>
+                                    <p:cond delay="0"/>
+                                  </p:stCondLst>
+                                  <p:childTnLst>
+                                    <p:set>
+                                      <p:cBhvr>
+                                        <p:cTn id="140" dur="1" fill="hold">
+                                          <p:stCondLst>
+                                            <p:cond delay="0"/>
+                                          </p:stCondLst>
+                                        </p:cTn>
+                                        <p:tgtEl>
+                                          <p:spTgt spid="62"/>
                                         </p:tgtEl>
                                         <p:attrNameLst>
                                           <p:attrName>style.visibility</p:attrName>
@@ -6553,6 +6875,11 @@
       </p:par>
     </p:tnLst>
     <p:bldLst>
+      <p:bldP spid="62" grpId="0" animBg="1"/>
+      <p:bldP spid="62" grpId="1" animBg="1"/>
+      <p:bldP spid="46" grpId="0"/>
+      <p:bldP spid="61" grpId="0" animBg="1"/>
+      <p:bldP spid="61" grpId="1" animBg="1"/>
       <p:bldP spid="57" grpId="0" animBg="1"/>
       <p:bldP spid="28" grpId="0" animBg="1"/>
       <p:bldP spid="9" grpId="0"/>
@@ -6568,7 +6895,6 @@
       <p:bldP spid="40" grpId="0"/>
       <p:bldP spid="41" grpId="0"/>
       <p:bldP spid="45" grpId="0"/>
-      <p:bldP spid="46" grpId="0"/>
       <p:bldP spid="47" grpId="0"/>
       <p:bldP spid="55" grpId="0"/>
       <p:bldP spid="58" grpId="0"/>
@@ -6584,6 +6910,68 @@
 </file>
 
 <file path=ppt/slides/slide2.xml><?xml version="1.0" encoding="utf-8"?>
+<p:sld xmlns:a="http://schemas.openxmlformats.org/drawingml/2006/main" xmlns:r="http://schemas.openxmlformats.org/officeDocument/2006/relationships" xmlns:p="http://schemas.openxmlformats.org/presentationml/2006/main">
+  <p:cSld>
+    <p:spTree>
+      <p:nvGrpSpPr>
+        <p:cNvPr id="1" name=""/>
+        <p:cNvGrpSpPr/>
+        <p:nvPr/>
+      </p:nvGrpSpPr>
+      <p:grpSpPr>
+        <a:xfrm>
+          <a:off x="0" y="0"/>
+          <a:ext cx="0" cy="0"/>
+          <a:chOff x="0" y="0"/>
+          <a:chExt cx="0" cy="0"/>
+        </a:xfrm>
+      </p:grpSpPr>
+      <p:sp>
+        <p:nvSpPr>
+          <p:cNvPr id="2" name="Title 1"/>
+          <p:cNvSpPr>
+            <a:spLocks noGrp="1"/>
+          </p:cNvSpPr>
+          <p:nvPr>
+            <p:ph type="title"/>
+          </p:nvPr>
+        </p:nvSpPr>
+        <p:spPr>
+          <a:xfrm>
+            <a:off x="457200" y="-76200"/>
+            <a:ext cx="8229600" cy="1143000"/>
+          </a:xfrm>
+        </p:spPr>
+        <p:txBody>
+          <a:bodyPr>
+            <a:normAutofit/>
+          </a:bodyPr>
+          <a:lstStyle/>
+          <a:p>
+            <a:r>
+              <a:rPr lang="en-US" sz="3600" dirty="0" smtClean="0"/>
+              <a:t>What you can do with caIntegrator2</a:t>
+            </a:r>
+            <a:endParaRPr lang="en-US" sz="3600" dirty="0"/>
+          </a:p>
+        </p:txBody>
+      </p:sp>
+    </p:spTree>
+  </p:cSld>
+  <p:clrMapOvr>
+    <a:masterClrMapping/>
+  </p:clrMapOvr>
+  <p:timing>
+    <p:tnLst>
+      <p:par>
+        <p:cTn id="1" dur="indefinite" restart="never" nodeType="tmRoot"/>
+      </p:par>
+    </p:tnLst>
+  </p:timing>
+</p:sld>
+</file>
+
+<file path=ppt/slides/slide3.xml><?xml version="1.0" encoding="utf-8"?>
 <p:sld xmlns:a="http://schemas.openxmlformats.org/drawingml/2006/main" xmlns:r="http://schemas.openxmlformats.org/officeDocument/2006/relationships" xmlns:p="http://schemas.openxmlformats.org/presentationml/2006/main">
   <p:cSld>
     <p:spTree>

--- a/project_management/external_meetings/ICR Workspace Mtg Sept 2008 Slides.pptx
+++ b/project_management/external_meetings/ICR Workspace Mtg Sept 2008 Slides.pptx
@@ -7,7 +7,7 @@
   <p:sldIdLst>
     <p:sldId id="257" r:id="rId2"/>
     <p:sldId id="260" r:id="rId3"/>
-    <p:sldId id="258" r:id="rId4"/>
+    <p:sldId id="261" r:id="rId4"/>
   </p:sldIdLst>
   <p:sldSz cx="9144000" cy="6858000" type="screen4x3"/>
   <p:notesSz cx="6858000" cy="9144000"/>
@@ -291,7 +291,7 @@
             <a:fld id="{BFF0141B-3676-46F2-8A5A-C346ECA90DD6}" type="datetimeFigureOut">
               <a:rPr lang="en-US" smtClean="0"/>
               <a:pPr/>
-              <a:t>9/9/2008</a:t>
+              <a:t>9/10/2008</a:t>
             </a:fld>
             <a:endParaRPr lang="en-US"/>
           </a:p>
@@ -458,7 +458,7 @@
             <a:fld id="{BFF0141B-3676-46F2-8A5A-C346ECA90DD6}" type="datetimeFigureOut">
               <a:rPr lang="en-US" smtClean="0"/>
               <a:pPr/>
-              <a:t>9/9/2008</a:t>
+              <a:t>9/10/2008</a:t>
             </a:fld>
             <a:endParaRPr lang="en-US"/>
           </a:p>
@@ -635,7 +635,7 @@
             <a:fld id="{BFF0141B-3676-46F2-8A5A-C346ECA90DD6}" type="datetimeFigureOut">
               <a:rPr lang="en-US" smtClean="0"/>
               <a:pPr/>
-              <a:t>9/9/2008</a:t>
+              <a:t>9/10/2008</a:t>
             </a:fld>
             <a:endParaRPr lang="en-US"/>
           </a:p>
@@ -802,7 +802,7 @@
             <a:fld id="{BFF0141B-3676-46F2-8A5A-C346ECA90DD6}" type="datetimeFigureOut">
               <a:rPr lang="en-US" smtClean="0"/>
               <a:pPr/>
-              <a:t>9/9/2008</a:t>
+              <a:t>9/10/2008</a:t>
             </a:fld>
             <a:endParaRPr lang="en-US"/>
           </a:p>
@@ -1045,7 +1045,7 @@
             <a:fld id="{BFF0141B-3676-46F2-8A5A-C346ECA90DD6}" type="datetimeFigureOut">
               <a:rPr lang="en-US" smtClean="0"/>
               <a:pPr/>
-              <a:t>9/9/2008</a:t>
+              <a:t>9/10/2008</a:t>
             </a:fld>
             <a:endParaRPr lang="en-US"/>
           </a:p>
@@ -1330,7 +1330,7 @@
             <a:fld id="{BFF0141B-3676-46F2-8A5A-C346ECA90DD6}" type="datetimeFigureOut">
               <a:rPr lang="en-US" smtClean="0"/>
               <a:pPr/>
-              <a:t>9/9/2008</a:t>
+              <a:t>9/10/2008</a:t>
             </a:fld>
             <a:endParaRPr lang="en-US"/>
           </a:p>
@@ -1749,7 +1749,7 @@
             <a:fld id="{BFF0141B-3676-46F2-8A5A-C346ECA90DD6}" type="datetimeFigureOut">
               <a:rPr lang="en-US" smtClean="0"/>
               <a:pPr/>
-              <a:t>9/9/2008</a:t>
+              <a:t>9/10/2008</a:t>
             </a:fld>
             <a:endParaRPr lang="en-US"/>
           </a:p>
@@ -1864,7 +1864,7 @@
             <a:fld id="{BFF0141B-3676-46F2-8A5A-C346ECA90DD6}" type="datetimeFigureOut">
               <a:rPr lang="en-US" smtClean="0"/>
               <a:pPr/>
-              <a:t>9/9/2008</a:t>
+              <a:t>9/10/2008</a:t>
             </a:fld>
             <a:endParaRPr lang="en-US"/>
           </a:p>
@@ -1956,7 +1956,7 @@
             <a:fld id="{BFF0141B-3676-46F2-8A5A-C346ECA90DD6}" type="datetimeFigureOut">
               <a:rPr lang="en-US" smtClean="0"/>
               <a:pPr/>
-              <a:t>9/9/2008</a:t>
+              <a:t>9/10/2008</a:t>
             </a:fld>
             <a:endParaRPr lang="en-US"/>
           </a:p>
@@ -2230,7 +2230,7 @@
             <a:fld id="{BFF0141B-3676-46F2-8A5A-C346ECA90DD6}" type="datetimeFigureOut">
               <a:rPr lang="en-US" smtClean="0"/>
               <a:pPr/>
-              <a:t>9/9/2008</a:t>
+              <a:t>9/10/2008</a:t>
             </a:fld>
             <a:endParaRPr lang="en-US"/>
           </a:p>
@@ -2480,7 +2480,7 @@
             <a:fld id="{BFF0141B-3676-46F2-8A5A-C346ECA90DD6}" type="datetimeFigureOut">
               <a:rPr lang="en-US" smtClean="0"/>
               <a:pPr/>
-              <a:t>9/9/2008</a:t>
+              <a:t>9/10/2008</a:t>
             </a:fld>
             <a:endParaRPr lang="en-US"/>
           </a:p>
@@ -2690,7 +2690,7 @@
             <a:fld id="{BFF0141B-3676-46F2-8A5A-C346ECA90DD6}" type="datetimeFigureOut">
               <a:rPr lang="en-US" smtClean="0"/>
               <a:pPr/>
-              <a:t>9/9/2008</a:t>
+              <a:t>9/10/2008</a:t>
             </a:fld>
             <a:endParaRPr lang="en-US"/>
           </a:p>
@@ -3061,93 +3061,16 @@
           <a:chExt cx="0" cy="0"/>
         </a:xfrm>
       </p:grpSpPr>
-      <p:sp>
-        <p:nvSpPr>
-          <p:cNvPr id="62" name="Flowchart: Magnetic Disk 61"/>
-          <p:cNvSpPr/>
-          <p:nvPr/>
-        </p:nvSpPr>
-        <p:spPr>
-          <a:xfrm>
-            <a:off x="4191000" y="3048000"/>
-            <a:ext cx="381000" cy="304800"/>
-          </a:xfrm>
-          <a:prstGeom prst="flowChartMagneticDisk">
-            <a:avLst/>
-          </a:prstGeom>
-          <a:solidFill>
-            <a:schemeClr val="accent1">
-              <a:lumMod val="40000"/>
-              <a:lumOff val="60000"/>
-            </a:schemeClr>
-          </a:solidFill>
-          <a:ln w="12700"/>
-        </p:spPr>
-        <p:style>
-          <a:lnRef idx="2">
-            <a:schemeClr val="accent1">
-              <a:shade val="50000"/>
-            </a:schemeClr>
-          </a:lnRef>
-          <a:fillRef idx="1">
-            <a:schemeClr val="accent1"/>
-          </a:fillRef>
-          <a:effectRef idx="0">
-            <a:schemeClr val="accent1"/>
-          </a:effectRef>
-          <a:fontRef idx="minor">
-            <a:schemeClr val="lt1"/>
-          </a:fontRef>
-        </p:style>
-        <p:txBody>
-          <a:bodyPr rtlCol="0" anchor="ctr"/>
-          <a:lstStyle/>
-          <a:p>
-            <a:pPr algn="ctr"/>
-            <a:endParaRPr lang="en-US"/>
-          </a:p>
-        </p:txBody>
-      </p:sp>
-      <p:sp>
-        <p:nvSpPr>
-          <p:cNvPr id="46" name="TextBox 45"/>
-          <p:cNvSpPr txBox="1"/>
-          <p:nvPr/>
-        </p:nvSpPr>
-        <p:spPr>
-          <a:xfrm>
-            <a:off x="4055531" y="3048000"/>
-            <a:ext cx="838200" cy="369332"/>
-          </a:xfrm>
-          <a:prstGeom prst="rect">
-            <a:avLst/>
-          </a:prstGeom>
-          <a:noFill/>
-        </p:spPr>
-        <p:txBody>
-          <a:bodyPr wrap="square" rtlCol="0">
-            <a:spAutoFit/>
-          </a:bodyPr>
-          <a:lstStyle/>
-          <a:p>
-            <a:r>
-              <a:rPr lang="en-US" dirty="0" smtClean="0"/>
-              <a:t>NCIA</a:t>
-            </a:r>
-            <a:endParaRPr lang="en-US" dirty="0"/>
-          </a:p>
-        </p:txBody>
-      </p:sp>
       <p:pic>
         <p:nvPicPr>
-          <p:cNvPr id="63" name="Picture 2"/>
+          <p:cNvPr id="1028" name="Picture 4"/>
           <p:cNvPicPr>
             <a:picLocks noChangeAspect="1" noChangeArrowheads="1"/>
           </p:cNvPicPr>
           <p:nvPr/>
         </p:nvPicPr>
         <p:blipFill>
-          <a:blip r:embed="rId2" cstate="print"/>
+          <a:blip r:embed="rId2"/>
           <a:srcRect/>
           <a:stretch>
             <a:fillRect/>
@@ -3155,8 +3078,8 @@
         </p:blipFill>
         <p:spPr bwMode="auto">
           <a:xfrm>
-            <a:off x="4541651" y="3505200"/>
-            <a:ext cx="411349" cy="304800"/>
+            <a:off x="3352800" y="1905000"/>
+            <a:ext cx="685800" cy="749104"/>
           </a:xfrm>
           <a:prstGeom prst="rect">
             <a:avLst/>
@@ -3173,14 +3096,38 @@
       </p:pic>
       <p:pic>
         <p:nvPicPr>
-          <p:cNvPr id="1026" name="Picture 2"/>
+          <p:cNvPr id="75" name="Picture 74" descr="NCIA logo.jpg"/>
+          <p:cNvPicPr>
+            <a:picLocks noChangeAspect="1"/>
+          </p:cNvPicPr>
+          <p:nvPr/>
+        </p:nvPicPr>
+        <p:blipFill>
+          <a:blip r:embed="rId3"/>
+          <a:stretch>
+            <a:fillRect/>
+          </a:stretch>
+        </p:blipFill>
+        <p:spPr>
+          <a:xfrm>
+            <a:off x="3733800" y="3048000"/>
+            <a:ext cx="1113692" cy="381000"/>
+          </a:xfrm>
+          <a:prstGeom prst="rect">
+            <a:avLst/>
+          </a:prstGeom>
+        </p:spPr>
+      </p:pic>
+      <p:pic>
+        <p:nvPicPr>
+          <p:cNvPr id="63" name="Picture 2"/>
           <p:cNvPicPr>
             <a:picLocks noChangeAspect="1" noChangeArrowheads="1"/>
           </p:cNvPicPr>
           <p:nvPr/>
         </p:nvPicPr>
         <p:blipFill>
-          <a:blip r:embed="rId2" cstate="print"/>
+          <a:blip r:embed="rId4" cstate="print"/>
           <a:srcRect/>
           <a:stretch>
             <a:fillRect/>
@@ -3188,7 +3135,7 @@
         </p:blipFill>
         <p:spPr bwMode="auto">
           <a:xfrm>
-            <a:off x="3962400" y="2616201"/>
+            <a:off x="4541651" y="3505200"/>
             <a:ext cx="411349" cy="304800"/>
           </a:xfrm>
           <a:prstGeom prst="rect">
@@ -3204,53 +3151,39 @@
           <a:effectLst/>
         </p:spPr>
       </p:pic>
-      <p:sp>
-        <p:nvSpPr>
-          <p:cNvPr id="61" name="Flowchart: Magnetic Disk 60"/>
-          <p:cNvSpPr/>
+      <p:pic>
+        <p:nvPicPr>
+          <p:cNvPr id="1026" name="Picture 2"/>
+          <p:cNvPicPr>
+            <a:picLocks noChangeAspect="1" noChangeArrowheads="1"/>
+          </p:cNvPicPr>
           <p:nvPr/>
-        </p:nvSpPr>
-        <p:spPr>
+        </p:nvPicPr>
+        <p:blipFill>
+          <a:blip r:embed="rId4" cstate="print"/>
+          <a:srcRect/>
+          <a:stretch>
+            <a:fillRect/>
+          </a:stretch>
+        </p:blipFill>
+        <p:spPr bwMode="auto">
           <a:xfrm>
-            <a:off x="3572933" y="2108199"/>
-            <a:ext cx="381000" cy="304800"/>
-          </a:xfrm>
-          <a:prstGeom prst="flowChartMagneticDisk">
+            <a:off x="3962400" y="2616201"/>
+            <a:ext cx="411349" cy="304800"/>
+          </a:xfrm>
+          <a:prstGeom prst="rect">
             <a:avLst/>
           </a:prstGeom>
-          <a:solidFill>
-            <a:schemeClr val="accent1">
-              <a:lumMod val="40000"/>
-              <a:lumOff val="60000"/>
-            </a:schemeClr>
-          </a:solidFill>
-          <a:ln w="12700"/>
-        </p:spPr>
-        <p:style>
-          <a:lnRef idx="2">
-            <a:schemeClr val="accent1">
-              <a:shade val="50000"/>
-            </a:schemeClr>
-          </a:lnRef>
-          <a:fillRef idx="1">
-            <a:schemeClr val="accent1"/>
-          </a:fillRef>
-          <a:effectRef idx="0">
-            <a:schemeClr val="accent1"/>
-          </a:effectRef>
-          <a:fontRef idx="minor">
-            <a:schemeClr val="lt1"/>
-          </a:fontRef>
-        </p:style>
-        <p:txBody>
-          <a:bodyPr rtlCol="0" anchor="ctr"/>
-          <a:lstStyle/>
-          <a:p>
-            <a:pPr algn="ctr"/>
-            <a:endParaRPr lang="en-US"/>
-          </a:p>
-        </p:txBody>
-      </p:sp>
+          <a:noFill/>
+          <a:ln w="9525">
+            <a:noFill/>
+            <a:miter lim="800000"/>
+            <a:headEnd/>
+            <a:tailEnd/>
+          </a:ln>
+          <a:effectLst/>
+        </p:spPr>
+      </p:pic>
       <p:sp>
         <p:nvSpPr>
           <p:cNvPr id="57" name="Flowchart: Magnetic Disk 56"/>
@@ -3734,7 +3667,7 @@
           <p:nvPr/>
         </p:nvPicPr>
         <p:blipFill>
-          <a:blip r:embed="rId3" cstate="print"/>
+          <a:blip r:embed="rId5" cstate="print"/>
           <a:srcRect/>
           <a:stretch>
             <a:fillRect/>
@@ -4280,36 +4213,6 @@
       </p:cxnSp>
       <p:sp>
         <p:nvSpPr>
-          <p:cNvPr id="45" name="TextBox 44"/>
-          <p:cNvSpPr txBox="1"/>
-          <p:nvPr/>
-        </p:nvSpPr>
-        <p:spPr>
-          <a:xfrm>
-            <a:off x="3352800" y="2069068"/>
-            <a:ext cx="1295400" cy="369332"/>
-          </a:xfrm>
-          <a:prstGeom prst="rect">
-            <a:avLst/>
-          </a:prstGeom>
-          <a:noFill/>
-        </p:spPr>
-        <p:txBody>
-          <a:bodyPr wrap="square" rtlCol="0">
-            <a:spAutoFit/>
-          </a:bodyPr>
-          <a:lstStyle/>
-          <a:p>
-            <a:r>
-              <a:rPr lang="en-US" dirty="0" err="1" smtClean="0"/>
-              <a:t>caArray</a:t>
-            </a:r>
-            <a:endParaRPr lang="en-US" dirty="0"/>
-          </a:p>
-        </p:txBody>
-      </p:sp>
-      <p:sp>
-        <p:nvSpPr>
           <p:cNvPr id="47" name="TextBox 46"/>
           <p:cNvSpPr txBox="1"/>
           <p:nvPr/>
@@ -4346,7 +4249,7 @@
         </p:nvCxnSpPr>
         <p:spPr>
           <a:xfrm>
-            <a:off x="3048000" y="2286000"/>
+            <a:off x="3005665" y="2294467"/>
             <a:ext cx="304800" cy="1588"/>
           </a:xfrm>
           <a:prstGeom prst="straightConnector1">
@@ -4414,8 +4317,8 @@
         </p:nvCxnSpPr>
         <p:spPr>
           <a:xfrm flipV="1">
-            <a:off x="3014132" y="3266534"/>
-            <a:ext cx="1066800" cy="43934"/>
+            <a:off x="2971800" y="3234265"/>
+            <a:ext cx="685800" cy="59266"/>
           </a:xfrm>
           <a:prstGeom prst="straightConnector1">
             <a:avLst/>
@@ -4478,7 +4381,7 @@
           <p:nvPr/>
         </p:nvPicPr>
         <p:blipFill>
-          <a:blip r:embed="rId4" cstate="print"/>
+          <a:blip r:embed="rId6" cstate="print"/>
           <a:stretch>
             <a:fillRect/>
           </a:stretch>
@@ -4795,7 +4698,7 @@
           <p:nvPr/>
         </p:nvPicPr>
         <p:blipFill>
-          <a:blip r:embed="rId5" cstate="print"/>
+          <a:blip r:embed="rId7" cstate="print"/>
           <a:stretch>
             <a:fillRect/>
           </a:stretch>
@@ -4818,8 +4721,8 @@
         </p:nvSpPr>
         <p:spPr>
           <a:xfrm>
-            <a:off x="6273798" y="1752600"/>
-            <a:ext cx="838200" cy="246221"/>
+            <a:off x="6536266" y="1608667"/>
+            <a:ext cx="736602" cy="400110"/>
           </a:xfrm>
           <a:prstGeom prst="rect">
             <a:avLst/>
@@ -4848,8 +4751,8 @@
         </p:nvSpPr>
         <p:spPr>
           <a:xfrm>
-            <a:off x="6705600" y="2537822"/>
-            <a:ext cx="1143000" cy="246221"/>
+            <a:off x="6993466" y="2531534"/>
+            <a:ext cx="838200" cy="400110"/>
           </a:xfrm>
           <a:prstGeom prst="rect">
             <a:avLst/>
@@ -4910,9 +4813,9 @@
           <p:nvPr/>
         </p:nvCxnSpPr>
         <p:spPr>
-          <a:xfrm>
-            <a:off x="4191000" y="2209800"/>
-            <a:ext cx="2209800" cy="76200"/>
+          <a:xfrm flipV="1">
+            <a:off x="3987801" y="2285986"/>
+            <a:ext cx="2438400" cy="42346"/>
           </a:xfrm>
           <a:prstGeom prst="straightConnector1">
             <a:avLst/>
@@ -4977,8 +4880,8 @@
         </p:nvCxnSpPr>
         <p:spPr>
           <a:xfrm flipV="1">
-            <a:off x="4648200" y="2438400"/>
-            <a:ext cx="1905000" cy="685800"/>
+            <a:off x="4893734" y="2396065"/>
+            <a:ext cx="1701801" cy="719668"/>
           </a:xfrm>
           <a:prstGeom prst="straightConnector1">
             <a:avLst/>
@@ -5005,15 +4908,13 @@
       <p:cxnSp>
         <p:nvCxnSpPr>
           <p:cNvPr id="110" name="Straight Arrow Connector 109"/>
-          <p:cNvCxnSpPr>
-            <a:stCxn id="86" idx="0"/>
-          </p:cNvCxnSpPr>
+          <p:cNvCxnSpPr/>
           <p:nvPr/>
         </p:nvCxnSpPr>
         <p:spPr>
-          <a:xfrm rot="5400000" flipH="1" flipV="1">
-            <a:off x="5260433" y="2020903"/>
-            <a:ext cx="1027669" cy="1862665"/>
+          <a:xfrm flipV="1">
+            <a:off x="5029200" y="2438402"/>
+            <a:ext cx="1676400" cy="1066798"/>
           </a:xfrm>
           <a:prstGeom prst="straightConnector1">
             <a:avLst/>
@@ -5067,6 +4968,105 @@
           </a:p>
         </p:txBody>
       </p:sp>
+      <p:pic>
+        <p:nvPicPr>
+          <p:cNvPr id="3" name="Picture 2"/>
+          <p:cNvPicPr>
+            <a:picLocks noChangeAspect="1" noChangeArrowheads="1"/>
+          </p:cNvPicPr>
+          <p:nvPr/>
+        </p:nvPicPr>
+        <p:blipFill>
+          <a:blip r:embed="rId8"/>
+          <a:srcRect/>
+          <a:stretch>
+            <a:fillRect/>
+          </a:stretch>
+        </p:blipFill>
+        <p:spPr bwMode="auto">
+          <a:xfrm>
+            <a:off x="6172200" y="3352800"/>
+            <a:ext cx="504825" cy="566526"/>
+          </a:xfrm>
+          <a:prstGeom prst="rect">
+            <a:avLst/>
+          </a:prstGeom>
+          <a:noFill/>
+          <a:ln w="9525">
+            <a:noFill/>
+            <a:miter lim="800000"/>
+            <a:headEnd/>
+            <a:tailEnd/>
+          </a:ln>
+          <a:effectLst/>
+        </p:spPr>
+      </p:pic>
+      <p:cxnSp>
+        <p:nvCxnSpPr>
+          <p:cNvPr id="70" name="Straight Arrow Connector 69"/>
+          <p:cNvCxnSpPr/>
+          <p:nvPr/>
+        </p:nvCxnSpPr>
+        <p:spPr>
+          <a:xfrm rot="10800000">
+            <a:off x="5791200" y="3031066"/>
+            <a:ext cx="347132" cy="304800"/>
+          </a:xfrm>
+          <a:prstGeom prst="straightConnector1">
+            <a:avLst/>
+          </a:prstGeom>
+          <a:ln>
+            <a:tailEnd type="oval"/>
+          </a:ln>
+        </p:spPr>
+        <p:style>
+          <a:lnRef idx="1">
+            <a:schemeClr val="accent1"/>
+          </a:lnRef>
+          <a:fillRef idx="0">
+            <a:schemeClr val="accent1"/>
+          </a:fillRef>
+          <a:effectRef idx="0">
+            <a:schemeClr val="accent1"/>
+          </a:effectRef>
+          <a:fontRef idx="minor">
+            <a:schemeClr val="tx1"/>
+          </a:fontRef>
+        </p:style>
+      </p:cxnSp>
+      <p:cxnSp>
+        <p:nvCxnSpPr>
+          <p:cNvPr id="72" name="Straight Arrow Connector 71"/>
+          <p:cNvCxnSpPr/>
+          <p:nvPr/>
+        </p:nvCxnSpPr>
+        <p:spPr>
+          <a:xfrm rot="16200000" flipV="1">
+            <a:off x="5583766" y="2569635"/>
+            <a:ext cx="762001" cy="651932"/>
+          </a:xfrm>
+          <a:prstGeom prst="straightConnector1">
+            <a:avLst/>
+          </a:prstGeom>
+          <a:ln>
+            <a:tailEnd type="oval"/>
+          </a:ln>
+        </p:spPr>
+        <p:style>
+          <a:lnRef idx="1">
+            <a:schemeClr val="accent1"/>
+          </a:lnRef>
+          <a:fillRef idx="0">
+            <a:schemeClr val="accent1"/>
+          </a:fillRef>
+          <a:effectRef idx="0">
+            <a:schemeClr val="accent1"/>
+          </a:effectRef>
+          <a:fontRef idx="minor">
+            <a:schemeClr val="tx1"/>
+          </a:fontRef>
+        </p:style>
+      </p:cxnSp>
     </p:spTree>
   </p:cSld>
   <p:clrMapOvr>
@@ -6087,33 +6087,6 @@
                                           </p:stCondLst>
                                         </p:cTn>
                                         <p:tgtEl>
-                                          <p:spTgt spid="46"/>
-                                        </p:tgtEl>
-                                        <p:attrNameLst>
-                                          <p:attrName>style.visibility</p:attrName>
-                                        </p:attrNameLst>
-                                      </p:cBhvr>
-                                      <p:to>
-                                        <p:strVal val="visible"/>
-                                      </p:to>
-                                    </p:set>
-                                  </p:childTnLst>
-                                </p:cTn>
-                              </p:par>
-                              <p:par>
-                                <p:cTn id="83" presetID="1" presetClass="entr" presetSubtype="0" fill="hold" grpId="0" nodeType="withEffect">
-                                  <p:stCondLst>
-                                    <p:cond delay="0"/>
-                                  </p:stCondLst>
-                                  <p:childTnLst>
-                                    <p:set>
-                                      <p:cBhvr>
-                                        <p:cTn id="84" dur="1" fill="hold">
-                                          <p:stCondLst>
-                                            <p:cond delay="0"/>
-                                          </p:stCondLst>
-                                        </p:cTn>
-                                        <p:tgtEl>
                                           <p:spTgt spid="47"/>
                                         </p:tgtEl>
                                         <p:attrNameLst>
@@ -6128,20 +6101,20 @@
                                 </p:cTn>
                               </p:par>
                               <p:par>
-                                <p:cTn id="85" presetID="1" presetClass="entr" presetSubtype="0" fill="hold" grpId="0" nodeType="withEffect">
+                                <p:cTn id="83" presetID="1" presetClass="entr" presetSubtype="0" fill="hold" nodeType="withEffect">
                                   <p:stCondLst>
                                     <p:cond delay="0"/>
                                   </p:stCondLst>
                                   <p:childTnLst>
                                     <p:set>
                                       <p:cBhvr>
-                                        <p:cTn id="86" dur="1" fill="hold">
+                                        <p:cTn id="84" dur="1" fill="hold">
                                           <p:stCondLst>
                                             <p:cond delay="0"/>
                                           </p:stCondLst>
                                         </p:cTn>
                                         <p:tgtEl>
-                                          <p:spTgt spid="45"/>
+                                          <p:spTgt spid="1026"/>
                                         </p:tgtEl>
                                         <p:attrNameLst>
                                           <p:attrName>style.visibility</p:attrName>
@@ -6155,7 +6128,34 @@
                                 </p:cTn>
                               </p:par>
                               <p:par>
-                                <p:cTn id="87" presetID="1" presetClass="entr" presetSubtype="0" fill="hold" grpId="1" nodeType="withEffect">
+                                <p:cTn id="85" presetID="1" presetClass="entr" presetSubtype="0" fill="hold" nodeType="withEffect">
+                                  <p:stCondLst>
+                                    <p:cond delay="0"/>
+                                  </p:stCondLst>
+                                  <p:childTnLst>
+                                    <p:set>
+                                      <p:cBhvr>
+                                        <p:cTn id="86" dur="1" fill="hold">
+                                          <p:stCondLst>
+                                            <p:cond delay="0"/>
+                                          </p:stCondLst>
+                                        </p:cTn>
+                                        <p:tgtEl>
+                                          <p:spTgt spid="63"/>
+                                        </p:tgtEl>
+                                        <p:attrNameLst>
+                                          <p:attrName>style.visibility</p:attrName>
+                                        </p:attrNameLst>
+                                      </p:cBhvr>
+                                      <p:to>
+                                        <p:strVal val="visible"/>
+                                      </p:to>
+                                    </p:set>
+                                  </p:childTnLst>
+                                </p:cTn>
+                              </p:par>
+                              <p:par>
+                                <p:cTn id="87" presetID="1" presetClass="entr" presetSubtype="0" fill="hold" nodeType="withEffect">
                                   <p:stCondLst>
                                     <p:cond delay="0"/>
                                   </p:stCondLst>
@@ -6168,7 +6168,7 @@
                                           </p:stCondLst>
                                         </p:cTn>
                                         <p:tgtEl>
-                                          <p:spTgt spid="61"/>
+                                          <p:spTgt spid="1028"/>
                                         </p:tgtEl>
                                         <p:attrNameLst>
                                           <p:attrName>style.visibility</p:attrName>
@@ -6195,61 +6195,7 @@
                                           </p:stCondLst>
                                         </p:cTn>
                                         <p:tgtEl>
-                                          <p:spTgt spid="1026"/>
-                                        </p:tgtEl>
-                                        <p:attrNameLst>
-                                          <p:attrName>style.visibility</p:attrName>
-                                        </p:attrNameLst>
-                                      </p:cBhvr>
-                                      <p:to>
-                                        <p:strVal val="visible"/>
-                                      </p:to>
-                                    </p:set>
-                                  </p:childTnLst>
-                                </p:cTn>
-                              </p:par>
-                              <p:par>
-                                <p:cTn id="91" presetID="1" presetClass="entr" presetSubtype="0" fill="hold" grpId="1" nodeType="withEffect">
-                                  <p:stCondLst>
-                                    <p:cond delay="0"/>
-                                  </p:stCondLst>
-                                  <p:childTnLst>
-                                    <p:set>
-                                      <p:cBhvr>
-                                        <p:cTn id="92" dur="1" fill="hold">
-                                          <p:stCondLst>
-                                            <p:cond delay="0"/>
-                                          </p:stCondLst>
-                                        </p:cTn>
-                                        <p:tgtEl>
-                                          <p:spTgt spid="62"/>
-                                        </p:tgtEl>
-                                        <p:attrNameLst>
-                                          <p:attrName>style.visibility</p:attrName>
-                                        </p:attrNameLst>
-                                      </p:cBhvr>
-                                      <p:to>
-                                        <p:strVal val="visible"/>
-                                      </p:to>
-                                    </p:set>
-                                  </p:childTnLst>
-                                </p:cTn>
-                              </p:par>
-                              <p:par>
-                                <p:cTn id="93" presetID="1" presetClass="entr" presetSubtype="0" fill="hold" nodeType="withEffect">
-                                  <p:stCondLst>
-                                    <p:cond delay="0"/>
-                                  </p:stCondLst>
-                                  <p:childTnLst>
-                                    <p:set>
-                                      <p:cBhvr>
-                                        <p:cTn id="94" dur="1" fill="hold">
-                                          <p:stCondLst>
-                                            <p:cond delay="0"/>
-                                          </p:stCondLst>
-                                        </p:cTn>
-                                        <p:tgtEl>
-                                          <p:spTgt spid="63"/>
+                                          <p:spTgt spid="75"/>
                                         </p:tgtEl>
                                         <p:attrNameLst>
                                           <p:attrName>style.visibility</p:attrName>
@@ -6269,26 +6215,26 @@
                     </p:cTn>
                   </p:par>
                   <p:par>
-                    <p:cTn id="95" fill="hold">
+                    <p:cTn id="91" fill="hold">
                       <p:stCondLst>
                         <p:cond delay="indefinite"/>
                       </p:stCondLst>
                       <p:childTnLst>
                         <p:par>
-                          <p:cTn id="96" fill="hold">
+                          <p:cTn id="92" fill="hold">
                             <p:stCondLst>
                               <p:cond delay="0"/>
                             </p:stCondLst>
                             <p:childTnLst>
                               <p:par>
-                                <p:cTn id="97" presetID="1" presetClass="entr" presetSubtype="0" fill="hold" grpId="0" nodeType="clickEffect">
+                                <p:cTn id="93" presetID="1" presetClass="entr" presetSubtype="0" fill="hold" grpId="0" nodeType="clickEffect">
                                   <p:stCondLst>
                                     <p:cond delay="0"/>
                                   </p:stCondLst>
                                   <p:childTnLst>
                                     <p:set>
                                       <p:cBhvr>
-                                        <p:cTn id="98" dur="1" fill="hold">
+                                        <p:cTn id="94" dur="1" fill="hold">
                                           <p:stCondLst>
                                             <p:cond delay="0"/>
                                           </p:stCondLst>
@@ -6308,14 +6254,14 @@
                                 </p:cTn>
                               </p:par>
                               <p:par>
-                                <p:cTn id="99" presetID="1" presetClass="entr" presetSubtype="0" fill="hold" nodeType="withEffect">
+                                <p:cTn id="95" presetID="1" presetClass="entr" presetSubtype="0" fill="hold" nodeType="withEffect">
                                   <p:stCondLst>
                                     <p:cond delay="0"/>
                                   </p:stCondLst>
                                   <p:childTnLst>
                                     <p:set>
                                       <p:cBhvr>
-                                        <p:cTn id="100" dur="1" fill="hold">
+                                        <p:cTn id="96" dur="1" fill="hold">
                                           <p:stCondLst>
                                             <p:cond delay="0"/>
                                           </p:stCondLst>
@@ -6335,14 +6281,14 @@
                                 </p:cTn>
                               </p:par>
                               <p:par>
-                                <p:cTn id="101" presetID="1" presetClass="entr" presetSubtype="0" fill="hold" grpId="0" nodeType="withEffect">
+                                <p:cTn id="97" presetID="1" presetClass="entr" presetSubtype="0" fill="hold" grpId="0" nodeType="withEffect">
                                   <p:stCondLst>
                                     <p:cond delay="0"/>
                                   </p:stCondLst>
                                   <p:childTnLst>
                                     <p:set>
                                       <p:cBhvr>
-                                        <p:cTn id="102" dur="1" fill="hold">
+                                        <p:cTn id="98" dur="1" fill="hold">
                                           <p:stCondLst>
                                             <p:cond delay="0"/>
                                           </p:stCondLst>
@@ -6362,14 +6308,14 @@
                                 </p:cTn>
                               </p:par>
                               <p:par>
-                                <p:cTn id="103" presetID="1" presetClass="entr" presetSubtype="0" fill="hold" grpId="0" nodeType="withEffect">
+                                <p:cTn id="99" presetID="1" presetClass="entr" presetSubtype="0" fill="hold" grpId="0" nodeType="withEffect">
                                   <p:stCondLst>
                                     <p:cond delay="0"/>
                                   </p:stCondLst>
                                   <p:childTnLst>
                                     <p:set>
                                       <p:cBhvr>
-                                        <p:cTn id="104" dur="1" fill="hold">
+                                        <p:cTn id="100" dur="1" fill="hold">
                                           <p:stCondLst>
                                             <p:cond delay="0"/>
                                           </p:stCondLst>
@@ -6395,26 +6341,26 @@
                     </p:cTn>
                   </p:par>
                   <p:par>
-                    <p:cTn id="105" fill="hold">
+                    <p:cTn id="101" fill="hold">
                       <p:stCondLst>
                         <p:cond delay="indefinite"/>
                       </p:stCondLst>
                       <p:childTnLst>
                         <p:par>
-                          <p:cTn id="106" fill="hold">
+                          <p:cTn id="102" fill="hold">
                             <p:stCondLst>
                               <p:cond delay="0"/>
                             </p:stCondLst>
                             <p:childTnLst>
                               <p:par>
-                                <p:cTn id="107" presetID="1" presetClass="entr" presetSubtype="0" fill="hold" nodeType="clickEffect">
+                                <p:cTn id="103" presetID="1" presetClass="entr" presetSubtype="0" fill="hold" nodeType="clickEffect">
                                   <p:stCondLst>
                                     <p:cond delay="0"/>
                                   </p:stCondLst>
                                   <p:childTnLst>
                                     <p:set>
                                       <p:cBhvr>
-                                        <p:cTn id="108" dur="1" fill="hold">
+                                        <p:cTn id="104" dur="1" fill="hold">
                                           <p:stCondLst>
                                             <p:cond delay="0"/>
                                           </p:stCondLst>
@@ -6434,14 +6380,14 @@
                                 </p:cTn>
                               </p:par>
                               <p:par>
-                                <p:cTn id="109" presetID="1" presetClass="entr" presetSubtype="0" fill="hold" grpId="0" nodeType="withEffect">
+                                <p:cTn id="105" presetID="1" presetClass="entr" presetSubtype="0" fill="hold" grpId="0" nodeType="withEffect">
                                   <p:stCondLst>
                                     <p:cond delay="0"/>
                                   </p:stCondLst>
                                   <p:childTnLst>
                                     <p:set>
                                       <p:cBhvr>
-                                        <p:cTn id="110" dur="1" fill="hold">
+                                        <p:cTn id="106" dur="1" fill="hold">
                                           <p:stCondLst>
                                             <p:cond delay="0"/>
                                           </p:stCondLst>
@@ -6461,14 +6407,14 @@
                                 </p:cTn>
                               </p:par>
                               <p:par>
-                                <p:cTn id="111" presetID="1" presetClass="entr" presetSubtype="0" fill="hold" grpId="0" nodeType="withEffect">
+                                <p:cTn id="107" presetID="1" presetClass="entr" presetSubtype="0" fill="hold" grpId="0" nodeType="withEffect">
                                   <p:stCondLst>
                                     <p:cond delay="0"/>
                                   </p:stCondLst>
                                   <p:childTnLst>
                                     <p:set>
                                       <p:cBhvr>
-                                        <p:cTn id="112" dur="1" fill="hold">
+                                        <p:cTn id="108" dur="1" fill="hold">
                                           <p:stCondLst>
                                             <p:cond delay="0"/>
                                           </p:stCondLst>
@@ -6488,14 +6434,14 @@
                                 </p:cTn>
                               </p:par>
                               <p:par>
-                                <p:cTn id="113" presetID="1" presetClass="entr" presetSubtype="0" fill="hold" nodeType="withEffect">
+                                <p:cTn id="109" presetID="1" presetClass="entr" presetSubtype="0" fill="hold" nodeType="withEffect">
                                   <p:stCondLst>
                                     <p:cond delay="0"/>
                                   </p:stCondLst>
                                   <p:childTnLst>
                                     <p:set>
                                       <p:cBhvr>
-                                        <p:cTn id="114" dur="1" fill="hold">
+                                        <p:cTn id="110" dur="1" fill="hold">
                                           <p:stCondLst>
                                             <p:cond delay="0"/>
                                           </p:stCondLst>
@@ -6521,19 +6467,73 @@
                     </p:cTn>
                   </p:par>
                   <p:par>
-                    <p:cTn id="115" fill="hold">
+                    <p:cTn id="111" fill="hold">
                       <p:stCondLst>
                         <p:cond delay="indefinite"/>
                       </p:stCondLst>
                       <p:childTnLst>
                         <p:par>
-                          <p:cTn id="116" fill="hold">
+                          <p:cTn id="112" fill="hold">
                             <p:stCondLst>
                               <p:cond delay="0"/>
                             </p:stCondLst>
                             <p:childTnLst>
                               <p:par>
-                                <p:cTn id="117" presetID="1" presetClass="entr" presetSubtype="0" fill="hold" nodeType="clickEffect">
+                                <p:cTn id="113" presetID="1" presetClass="entr" presetSubtype="0" fill="hold" nodeType="clickEffect">
+                                  <p:stCondLst>
+                                    <p:cond delay="0"/>
+                                  </p:stCondLst>
+                                  <p:childTnLst>
+                                    <p:set>
+                                      <p:cBhvr>
+                                        <p:cTn id="114" dur="1" fill="hold">
+                                          <p:stCondLst>
+                                            <p:cond delay="0"/>
+                                          </p:stCondLst>
+                                        </p:cTn>
+                                        <p:tgtEl>
+                                          <p:spTgt spid="104"/>
+                                        </p:tgtEl>
+                                        <p:attrNameLst>
+                                          <p:attrName>style.visibility</p:attrName>
+                                        </p:attrNameLst>
+                                      </p:cBhvr>
+                                      <p:to>
+                                        <p:strVal val="visible"/>
+                                      </p:to>
+                                    </p:set>
+                                  </p:childTnLst>
+                                </p:cTn>
+                              </p:par>
+                              <p:par>
+                                <p:cTn id="115" presetID="1" presetClass="entr" presetSubtype="0" fill="hold" nodeType="withEffect">
+                                  <p:stCondLst>
+                                    <p:cond delay="0"/>
+                                  </p:stCondLst>
+                                  <p:childTnLst>
+                                    <p:set>
+                                      <p:cBhvr>
+                                        <p:cTn id="116" dur="1" fill="hold">
+                                          <p:stCondLst>
+                                            <p:cond delay="0"/>
+                                          </p:stCondLst>
+                                        </p:cTn>
+                                        <p:tgtEl>
+                                          <p:spTgt spid="106"/>
+                                        </p:tgtEl>
+                                        <p:attrNameLst>
+                                          <p:attrName>style.visibility</p:attrName>
+                                        </p:attrNameLst>
+                                      </p:cBhvr>
+                                      <p:to>
+                                        <p:strVal val="visible"/>
+                                      </p:to>
+                                    </p:set>
+                                  </p:childTnLst>
+                                </p:cTn>
+                              </p:par>
+                              <p:par>
+                                <p:cTn id="117" presetID="1" presetClass="entr" presetSubtype="0" fill="hold" nodeType="withEffect">
                                   <p:stCondLst>
                                     <p:cond delay="0"/>
                                   </p:stCondLst>
@@ -6546,7 +6546,7 @@
                                           </p:stCondLst>
                                         </p:cTn>
                                         <p:tgtEl>
-                                          <p:spTgt spid="104"/>
+                                          <p:spTgt spid="108"/>
                                         </p:tgtEl>
                                         <p:attrNameLst>
                                           <p:attrName>style.visibility</p:attrName>
@@ -6573,7 +6573,7 @@
                                           </p:stCondLst>
                                         </p:cTn>
                                         <p:tgtEl>
-                                          <p:spTgt spid="106"/>
+                                          <p:spTgt spid="110"/>
                                         </p:tgtEl>
                                         <p:attrNameLst>
                                           <p:attrName>style.visibility</p:attrName>
@@ -6600,7 +6600,7 @@
                                           </p:stCondLst>
                                         </p:cTn>
                                         <p:tgtEl>
-                                          <p:spTgt spid="108"/>
+                                          <p:spTgt spid="72"/>
                                         </p:tgtEl>
                                         <p:attrNameLst>
                                           <p:attrName>style.visibility</p:attrName>
@@ -6627,7 +6627,34 @@
                                           </p:stCondLst>
                                         </p:cTn>
                                         <p:tgtEl>
-                                          <p:spTgt spid="110"/>
+                                          <p:spTgt spid="70"/>
+                                        </p:tgtEl>
+                                        <p:attrNameLst>
+                                          <p:attrName>style.visibility</p:attrName>
+                                        </p:attrNameLst>
+                                      </p:cBhvr>
+                                      <p:to>
+                                        <p:strVal val="visible"/>
+                                      </p:to>
+                                    </p:set>
+                                  </p:childTnLst>
+                                </p:cTn>
+                              </p:par>
+                              <p:par>
+                                <p:cTn id="125" presetID="1" presetClass="entr" presetSubtype="0" fill="hold" nodeType="withEffect">
+                                  <p:stCondLst>
+                                    <p:cond delay="0"/>
+                                  </p:stCondLst>
+                                  <p:childTnLst>
+                                    <p:set>
+                                      <p:cBhvr>
+                                        <p:cTn id="126" dur="1" fill="hold">
+                                          <p:stCondLst>
+                                            <p:cond delay="0"/>
+                                          </p:stCondLst>
+                                        </p:cTn>
+                                        <p:tgtEl>
+                                          <p:spTgt spid="3"/>
                                         </p:tgtEl>
                                         <p:attrNameLst>
                                           <p:attrName>style.visibility</p:attrName>
@@ -6647,46 +6674,19 @@
                     </p:cTn>
                   </p:par>
                   <p:par>
-                    <p:cTn id="125" fill="hold">
+                    <p:cTn id="127" fill="hold">
                       <p:stCondLst>
                         <p:cond delay="indefinite"/>
                       </p:stCondLst>
                       <p:childTnLst>
                         <p:par>
-                          <p:cTn id="126" fill="hold">
+                          <p:cTn id="128" fill="hold">
                             <p:stCondLst>
                               <p:cond delay="0"/>
                             </p:stCondLst>
                             <p:childTnLst>
                               <p:par>
-                                <p:cTn id="127" presetID="1" presetClass="entr" presetSubtype="0" fill="hold" grpId="0" nodeType="clickEffect">
-                                  <p:stCondLst>
-                                    <p:cond delay="0"/>
-                                  </p:stCondLst>
-                                  <p:childTnLst>
-                                    <p:set>
-                                      <p:cBhvr>
-                                        <p:cTn id="128" dur="1" fill="hold">
-                                          <p:stCondLst>
-                                            <p:cond delay="0"/>
-                                          </p:stCondLst>
-                                        </p:cTn>
-                                        <p:tgtEl>
-                                          <p:spTgt spid="78"/>
-                                        </p:tgtEl>
-                                        <p:attrNameLst>
-                                          <p:attrName>style.visibility</p:attrName>
-                                        </p:attrNameLst>
-                                      </p:cBhvr>
-                                      <p:to>
-                                        <p:strVal val="visible"/>
-                                      </p:to>
-                                    </p:set>
-                                  </p:childTnLst>
-                                </p:cTn>
-                              </p:par>
-                              <p:par>
-                                <p:cTn id="129" presetID="1" presetClass="entr" presetSubtype="0" fill="hold" nodeType="withEffect">
+                                <p:cTn id="129" presetID="1" presetClass="entr" presetSubtype="0" fill="hold" grpId="0" nodeType="clickEffect">
                                   <p:stCondLst>
                                     <p:cond delay="0"/>
                                   </p:stCondLst>
@@ -6699,7 +6699,7 @@
                                           </p:stCondLst>
                                         </p:cTn>
                                         <p:tgtEl>
-                                          <p:spTgt spid="80"/>
+                                          <p:spTgt spid="78"/>
                                         </p:tgtEl>
                                         <p:attrNameLst>
                                           <p:attrName>style.visibility</p:attrName>
@@ -6726,7 +6726,7 @@
                                           </p:stCondLst>
                                         </p:cTn>
                                         <p:tgtEl>
-                                          <p:spTgt spid="79"/>
+                                          <p:spTgt spid="80"/>
                                         </p:tgtEl>
                                         <p:attrNameLst>
                                           <p:attrName>style.visibility</p:attrName>
@@ -6753,7 +6753,7 @@
                                           </p:stCondLst>
                                         </p:cTn>
                                         <p:tgtEl>
-                                          <p:spTgt spid="56"/>
+                                          <p:spTgt spid="79"/>
                                         </p:tgtEl>
                                         <p:attrNameLst>
                                           <p:attrName>style.visibility</p:attrName>
@@ -6767,7 +6767,7 @@
                                 </p:cTn>
                               </p:par>
                               <p:par>
-                                <p:cTn id="135" presetID="1" presetClass="entr" presetSubtype="0" fill="hold" grpId="0" nodeType="withEffect">
+                                <p:cTn id="135" presetID="1" presetClass="entr" presetSubtype="0" fill="hold" nodeType="withEffect">
                                   <p:stCondLst>
                                     <p:cond delay="0"/>
                                   </p:stCondLst>
@@ -6780,7 +6780,7 @@
                                           </p:stCondLst>
                                         </p:cTn>
                                         <p:tgtEl>
-                                          <p:spTgt spid="99"/>
+                                          <p:spTgt spid="56"/>
                                         </p:tgtEl>
                                         <p:attrNameLst>
                                           <p:attrName>style.visibility</p:attrName>
@@ -6807,34 +6807,7 @@
                                           </p:stCondLst>
                                         </p:cTn>
                                         <p:tgtEl>
-                                          <p:spTgt spid="61"/>
-                                        </p:tgtEl>
-                                        <p:attrNameLst>
-                                          <p:attrName>style.visibility</p:attrName>
-                                        </p:attrNameLst>
-                                      </p:cBhvr>
-                                      <p:to>
-                                        <p:strVal val="visible"/>
-                                      </p:to>
-                                    </p:set>
-                                  </p:childTnLst>
-                                </p:cTn>
-                              </p:par>
-                              <p:par>
-                                <p:cTn id="139" presetID="1" presetClass="entr" presetSubtype="0" fill="hold" grpId="0" nodeType="withEffect">
-                                  <p:stCondLst>
-                                    <p:cond delay="0"/>
-                                  </p:stCondLst>
-                                  <p:childTnLst>
-                                    <p:set>
-                                      <p:cBhvr>
-                                        <p:cTn id="140" dur="1" fill="hold">
-                                          <p:stCondLst>
-                                            <p:cond delay="0"/>
-                                          </p:stCondLst>
-                                        </p:cTn>
-                                        <p:tgtEl>
-                                          <p:spTgt spid="62"/>
+                                          <p:spTgt spid="99"/>
                                         </p:tgtEl>
                                         <p:attrNameLst>
                                           <p:attrName>style.visibility</p:attrName>
@@ -6875,11 +6848,6 @@
       </p:par>
     </p:tnLst>
     <p:bldLst>
-      <p:bldP spid="62" grpId="0" animBg="1"/>
-      <p:bldP spid="62" grpId="1" animBg="1"/>
-      <p:bldP spid="46" grpId="0"/>
-      <p:bldP spid="61" grpId="0" animBg="1"/>
-      <p:bldP spid="61" grpId="1" animBg="1"/>
       <p:bldP spid="57" grpId="0" animBg="1"/>
       <p:bldP spid="28" grpId="0" animBg="1"/>
       <p:bldP spid="9" grpId="0"/>
@@ -6894,7 +6862,6 @@
       <p:bldP spid="39" grpId="0"/>
       <p:bldP spid="40" grpId="0"/>
       <p:bldP spid="41" grpId="0"/>
-      <p:bldP spid="45" grpId="0"/>
       <p:bldP spid="47" grpId="0"/>
       <p:bldP spid="55" grpId="0"/>
       <p:bldP spid="58" grpId="0"/>
@@ -6936,12 +6903,7 @@
             <p:ph type="title"/>
           </p:nvPr>
         </p:nvSpPr>
-        <p:spPr>
-          <a:xfrm>
-            <a:off x="457200" y="-76200"/>
-            <a:ext cx="8229600" cy="1143000"/>
-          </a:xfrm>
-        </p:spPr>
+        <p:spPr/>
         <p:txBody>
           <a:bodyPr>
             <a:normAutofit/>
@@ -6953,6 +6915,118 @@
               <a:t>What you can do with caIntegrator2</a:t>
             </a:r>
             <a:endParaRPr lang="en-US" sz="3600" dirty="0"/>
+          </a:p>
+        </p:txBody>
+      </p:sp>
+      <p:sp>
+        <p:nvSpPr>
+          <p:cNvPr id="3" name="Content Placeholder 2"/>
+          <p:cNvSpPr>
+            <a:spLocks noGrp="1"/>
+          </p:cNvSpPr>
+          <p:nvPr>
+            <p:ph idx="1"/>
+          </p:nvPr>
+        </p:nvSpPr>
+        <p:spPr/>
+        <p:txBody>
+          <a:bodyPr>
+            <a:normAutofit fontScale="92500" lnSpcReduction="20000"/>
+          </a:bodyPr>
+          <a:lstStyle/>
+          <a:p>
+            <a:r>
+              <a:rPr lang="en-US" dirty="0" smtClean="0"/>
+              <a:t>Browse and filter lists of major entities</a:t>
+            </a:r>
+          </a:p>
+          <a:p>
+            <a:pPr lvl="1"/>
+            <a:r>
+              <a:rPr lang="en-US" dirty="0" smtClean="0"/>
+              <a:t>Subjects</a:t>
+            </a:r>
+          </a:p>
+          <a:p>
+            <a:pPr lvl="1"/>
+            <a:r>
+              <a:rPr lang="en-US" dirty="0" smtClean="0"/>
+              <a:t>Samples</a:t>
+            </a:r>
+          </a:p>
+          <a:p>
+            <a:r>
+              <a:rPr lang="en-US" dirty="0" smtClean="0"/>
+              <a:t>Write complex queries to test hypotheses and </a:t>
+            </a:r>
+            <a:r>
+              <a:rPr lang="en-US" dirty="0" smtClean="0"/>
+              <a:t>publish</a:t>
+            </a:r>
+            <a:r>
+              <a:rPr lang="en-US" dirty="0" smtClean="0"/>
+              <a:t> </a:t>
+            </a:r>
+            <a:r>
+              <a:rPr lang="en-US" dirty="0" smtClean="0"/>
+              <a:t>data sets</a:t>
+            </a:r>
+          </a:p>
+          <a:p>
+            <a:pPr lvl="1"/>
+            <a:r>
+              <a:rPr lang="en-US" dirty="0" smtClean="0"/>
+              <a:t>Join across clinical, microarray and image </a:t>
+            </a:r>
+            <a:r>
+              <a:rPr lang="en-US" dirty="0" smtClean="0"/>
+              <a:t>data</a:t>
+            </a:r>
+          </a:p>
+          <a:p>
+            <a:pPr lvl="1"/>
+            <a:r>
+              <a:rPr lang="en-US" dirty="0" smtClean="0"/>
+              <a:t>Publish queries that return lists of interesting genes, subjects and/or images.</a:t>
+            </a:r>
+            <a:endParaRPr lang="en-US" dirty="0" smtClean="0"/>
+          </a:p>
+          <a:p>
+            <a:r>
+              <a:rPr lang="en-US" dirty="0" smtClean="0"/>
+              <a:t>Do analysis</a:t>
+            </a:r>
+          </a:p>
+          <a:p>
+            <a:pPr lvl="1"/>
+            <a:r>
+              <a:rPr lang="en-US" dirty="0" smtClean="0"/>
+              <a:t>Kaplan-Meier Survival Curves</a:t>
+            </a:r>
+          </a:p>
+          <a:p>
+            <a:pPr lvl="1"/>
+            <a:r>
+              <a:rPr lang="en-US" dirty="0" smtClean="0"/>
+              <a:t>Export to </a:t>
+            </a:r>
+            <a:r>
+              <a:rPr lang="en-US" dirty="0" err="1" smtClean="0"/>
+              <a:t>GenePattern</a:t>
+            </a:r>
+            <a:r>
+              <a:rPr lang="en-US" dirty="0" smtClean="0"/>
+              <a:t> </a:t>
+            </a:r>
+            <a:r>
+              <a:rPr lang="en-US" dirty="0" smtClean="0"/>
+              <a:t>or </a:t>
+            </a:r>
+            <a:r>
+              <a:rPr lang="en-US" dirty="0" err="1" smtClean="0"/>
+              <a:t>GEWorkbench</a:t>
+            </a:r>
+            <a:endParaRPr lang="en-US" dirty="0" smtClean="0"/>
           </a:p>
         </p:txBody>
       </p:sp>
@@ -7005,204 +7079,38 @@
           <a:p>
             <a:r>
               <a:rPr lang="en-US" dirty="0" smtClean="0"/>
-              <a:t>Current Plans for Image Viewing</a:t>
+              <a:t>Other Stuff</a:t>
             </a:r>
             <a:endParaRPr lang="en-US" dirty="0"/>
           </a:p>
         </p:txBody>
       </p:sp>
-      <p:pic>
-        <p:nvPicPr>
-          <p:cNvPr id="2050" name="Picture 2"/>
-          <p:cNvPicPr>
-            <a:picLocks noChangeAspect="1" noChangeArrowheads="1"/>
-          </p:cNvPicPr>
-          <p:nvPr/>
-        </p:nvPicPr>
-        <p:blipFill>
-          <a:blip r:embed="rId2"/>
-          <a:srcRect/>
-          <a:stretch>
-            <a:fillRect/>
-          </a:stretch>
-        </p:blipFill>
-        <p:spPr bwMode="auto">
-          <a:xfrm>
-            <a:off x="304800" y="1752600"/>
-            <a:ext cx="4255202" cy="3886200"/>
-          </a:xfrm>
-          <a:prstGeom prst="rect">
-            <a:avLst/>
-          </a:prstGeom>
-          <a:noFill/>
-          <a:ln w="9525">
-            <a:noFill/>
-            <a:miter lim="800000"/>
-            <a:headEnd/>
-            <a:tailEnd/>
-          </a:ln>
-          <a:effectLst/>
-        </p:spPr>
-      </p:pic>
-      <p:pic>
-        <p:nvPicPr>
-          <p:cNvPr id="2051" name="Picture 3"/>
-          <p:cNvPicPr>
-            <a:picLocks noChangeAspect="1" noChangeArrowheads="1"/>
-          </p:cNvPicPr>
-          <p:nvPr/>
-        </p:nvPicPr>
-        <p:blipFill>
-          <a:blip r:embed="rId3" cstate="print"/>
-          <a:srcRect/>
-          <a:stretch>
-            <a:fillRect/>
-          </a:stretch>
-        </p:blipFill>
-        <p:spPr bwMode="auto">
-          <a:xfrm>
-            <a:off x="6019800" y="4229100"/>
-            <a:ext cx="2118035" cy="2400300"/>
-          </a:xfrm>
-          <a:prstGeom prst="rect">
-            <a:avLst/>
-          </a:prstGeom>
-          <a:noFill/>
-          <a:ln w="9525">
-            <a:noFill/>
-            <a:miter lim="800000"/>
-            <a:headEnd/>
-            <a:tailEnd/>
-          </a:ln>
-          <a:effectLst/>
-        </p:spPr>
-      </p:pic>
-      <p:sp>
-        <p:nvSpPr>
-          <p:cNvPr id="8" name="Right Arrow 7"/>
-          <p:cNvSpPr/>
-          <p:nvPr/>
-        </p:nvSpPr>
-        <p:spPr>
-          <a:xfrm rot="19751142">
-            <a:off x="3120514" y="3140187"/>
-            <a:ext cx="3092599" cy="200000"/>
-          </a:xfrm>
-          <a:prstGeom prst="rightArrow">
-            <a:avLst/>
-          </a:prstGeom>
-          <a:solidFill>
-            <a:schemeClr val="accent2">
-              <a:lumMod val="75000"/>
-            </a:schemeClr>
-          </a:solidFill>
-          <a:ln>
-            <a:noFill/>
-          </a:ln>
-        </p:spPr>
-        <p:style>
-          <a:lnRef idx="2">
-            <a:schemeClr val="accent1">
-              <a:shade val="50000"/>
-            </a:schemeClr>
-          </a:lnRef>
-          <a:fillRef idx="1">
-            <a:schemeClr val="accent1"/>
-          </a:fillRef>
-          <a:effectRef idx="0">
-            <a:schemeClr val="accent1"/>
-          </a:effectRef>
-          <a:fontRef idx="minor">
-            <a:schemeClr val="lt1"/>
-          </a:fontRef>
-        </p:style>
-        <p:txBody>
-          <a:bodyPr rtlCol="0" anchor="ctr"/>
+      <p:sp>
+        <p:nvSpPr>
+          <p:cNvPr id="3" name="Content Placeholder 2"/>
+          <p:cNvSpPr>
+            <a:spLocks noGrp="1"/>
+          </p:cNvSpPr>
+          <p:nvPr>
+            <p:ph idx="1"/>
+          </p:nvPr>
+        </p:nvSpPr>
+        <p:spPr/>
+        <p:txBody>
+          <a:bodyPr/>
           <a:lstStyle/>
           <a:p>
-            <a:pPr algn="ctr"/>
-            <a:endParaRPr lang="en-US"/>
-          </a:p>
-        </p:txBody>
-      </p:sp>
-      <p:pic>
-        <p:nvPicPr>
-          <p:cNvPr id="1026" name="Picture 2"/>
-          <p:cNvPicPr>
-            <a:picLocks noChangeAspect="1" noChangeArrowheads="1"/>
-          </p:cNvPicPr>
-          <p:nvPr/>
-        </p:nvPicPr>
-        <p:blipFill>
-          <a:blip r:embed="rId4" cstate="print"/>
-          <a:srcRect/>
-          <a:stretch>
-            <a:fillRect/>
-          </a:stretch>
-        </p:blipFill>
-        <p:spPr bwMode="auto">
-          <a:xfrm>
-            <a:off x="6070600" y="1219200"/>
-            <a:ext cx="2057400" cy="2531194"/>
-          </a:xfrm>
-          <a:prstGeom prst="rect">
-            <a:avLst/>
-          </a:prstGeom>
-          <a:noFill/>
-          <a:ln w="9525">
-            <a:noFill/>
-            <a:miter lim="800000"/>
-            <a:headEnd/>
-            <a:tailEnd/>
-          </a:ln>
-          <a:effectLst/>
-        </p:spPr>
-      </p:pic>
-      <p:sp>
-        <p:nvSpPr>
-          <p:cNvPr id="7" name="Right Arrow 6"/>
-          <p:cNvSpPr/>
-          <p:nvPr/>
-        </p:nvSpPr>
-        <p:spPr>
-          <a:xfrm rot="5400000">
-            <a:off x="6984999" y="3860802"/>
-            <a:ext cx="279401" cy="228600"/>
-          </a:xfrm>
-          <a:prstGeom prst="rightArrow">
-            <a:avLst/>
-          </a:prstGeom>
-          <a:solidFill>
-            <a:schemeClr val="accent2">
-              <a:lumMod val="75000"/>
-            </a:schemeClr>
-          </a:solidFill>
-          <a:ln>
-            <a:noFill/>
-          </a:ln>
-        </p:spPr>
-        <p:style>
-          <a:lnRef idx="2">
-            <a:schemeClr val="accent1">
-              <a:shade val="50000"/>
-            </a:schemeClr>
-          </a:lnRef>
-          <a:fillRef idx="1">
-            <a:schemeClr val="accent1"/>
-          </a:fillRef>
-          <a:effectRef idx="0">
-            <a:schemeClr val="accent1"/>
-          </a:effectRef>
-          <a:fontRef idx="minor">
-            <a:schemeClr val="lt1"/>
-          </a:fontRef>
-        </p:style>
-        <p:txBody>
-          <a:bodyPr rtlCol="0" anchor="ctr"/>
-          <a:lstStyle/>
-          <a:p>
-            <a:pPr algn="ctr"/>
-            <a:endParaRPr lang="en-US"/>
+            <a:r>
+              <a:rPr lang="en-US" dirty="0" smtClean="0"/>
+              <a:t>Schedule?</a:t>
+            </a:r>
+          </a:p>
+          <a:p>
+            <a:r>
+              <a:rPr lang="en-US" dirty="0" smtClean="0"/>
+              <a:t>Future Directions?</a:t>
+            </a:r>
+            <a:endParaRPr lang="en-US" dirty="0"/>
           </a:p>
         </p:txBody>
       </p:sp>

--- a/project_management/external_meetings/ICR Workspace Mtg Sept 2008 Slides.pptx
+++ b/project_management/external_meetings/ICR Workspace Mtg Sept 2008 Slides.pptx
@@ -8,6 +8,7 @@
     <p:sldId id="257" r:id="rId2"/>
     <p:sldId id="260" r:id="rId3"/>
     <p:sldId id="261" r:id="rId4"/>
+    <p:sldId id="262" r:id="rId5"/>
   </p:sldIdLst>
   <p:sldSz cx="9144000" cy="6858000" type="screen4x3"/>
   <p:notesSz cx="6858000" cy="9144000"/>
@@ -291,7 +292,7 @@
             <a:fld id="{BFF0141B-3676-46F2-8A5A-C346ECA90DD6}" type="datetimeFigureOut">
               <a:rPr lang="en-US" smtClean="0"/>
               <a:pPr/>
-              <a:t>9/10/2008</a:t>
+              <a:t>9/15/2008</a:t>
             </a:fld>
             <a:endParaRPr lang="en-US"/>
           </a:p>
@@ -458,7 +459,7 @@
             <a:fld id="{BFF0141B-3676-46F2-8A5A-C346ECA90DD6}" type="datetimeFigureOut">
               <a:rPr lang="en-US" smtClean="0"/>
               <a:pPr/>
-              <a:t>9/10/2008</a:t>
+              <a:t>9/15/2008</a:t>
             </a:fld>
             <a:endParaRPr lang="en-US"/>
           </a:p>
@@ -635,7 +636,7 @@
             <a:fld id="{BFF0141B-3676-46F2-8A5A-C346ECA90DD6}" type="datetimeFigureOut">
               <a:rPr lang="en-US" smtClean="0"/>
               <a:pPr/>
-              <a:t>9/10/2008</a:t>
+              <a:t>9/15/2008</a:t>
             </a:fld>
             <a:endParaRPr lang="en-US"/>
           </a:p>
@@ -802,7 +803,7 @@
             <a:fld id="{BFF0141B-3676-46F2-8A5A-C346ECA90DD6}" type="datetimeFigureOut">
               <a:rPr lang="en-US" smtClean="0"/>
               <a:pPr/>
-              <a:t>9/10/2008</a:t>
+              <a:t>9/15/2008</a:t>
             </a:fld>
             <a:endParaRPr lang="en-US"/>
           </a:p>
@@ -1045,7 +1046,7 @@
             <a:fld id="{BFF0141B-3676-46F2-8A5A-C346ECA90DD6}" type="datetimeFigureOut">
               <a:rPr lang="en-US" smtClean="0"/>
               <a:pPr/>
-              <a:t>9/10/2008</a:t>
+              <a:t>9/15/2008</a:t>
             </a:fld>
             <a:endParaRPr lang="en-US"/>
           </a:p>
@@ -1330,7 +1331,7 @@
             <a:fld id="{BFF0141B-3676-46F2-8A5A-C346ECA90DD6}" type="datetimeFigureOut">
               <a:rPr lang="en-US" smtClean="0"/>
               <a:pPr/>
-              <a:t>9/10/2008</a:t>
+              <a:t>9/15/2008</a:t>
             </a:fld>
             <a:endParaRPr lang="en-US"/>
           </a:p>
@@ -1749,7 +1750,7 @@
             <a:fld id="{BFF0141B-3676-46F2-8A5A-C346ECA90DD6}" type="datetimeFigureOut">
               <a:rPr lang="en-US" smtClean="0"/>
               <a:pPr/>
-              <a:t>9/10/2008</a:t>
+              <a:t>9/15/2008</a:t>
             </a:fld>
             <a:endParaRPr lang="en-US"/>
           </a:p>
@@ -1864,7 +1865,7 @@
             <a:fld id="{BFF0141B-3676-46F2-8A5A-C346ECA90DD6}" type="datetimeFigureOut">
               <a:rPr lang="en-US" smtClean="0"/>
               <a:pPr/>
-              <a:t>9/10/2008</a:t>
+              <a:t>9/15/2008</a:t>
             </a:fld>
             <a:endParaRPr lang="en-US"/>
           </a:p>
@@ -1956,7 +1957,7 @@
             <a:fld id="{BFF0141B-3676-46F2-8A5A-C346ECA90DD6}" type="datetimeFigureOut">
               <a:rPr lang="en-US" smtClean="0"/>
               <a:pPr/>
-              <a:t>9/10/2008</a:t>
+              <a:t>9/15/2008</a:t>
             </a:fld>
             <a:endParaRPr lang="en-US"/>
           </a:p>
@@ -2230,7 +2231,7 @@
             <a:fld id="{BFF0141B-3676-46F2-8A5A-C346ECA90DD6}" type="datetimeFigureOut">
               <a:rPr lang="en-US" smtClean="0"/>
               <a:pPr/>
-              <a:t>9/10/2008</a:t>
+              <a:t>9/15/2008</a:t>
             </a:fld>
             <a:endParaRPr lang="en-US"/>
           </a:p>
@@ -2480,7 +2481,7 @@
             <a:fld id="{BFF0141B-3676-46F2-8A5A-C346ECA90DD6}" type="datetimeFigureOut">
               <a:rPr lang="en-US" smtClean="0"/>
               <a:pPr/>
-              <a:t>9/10/2008</a:t>
+              <a:t>9/15/2008</a:t>
             </a:fld>
             <a:endParaRPr lang="en-US"/>
           </a:p>
@@ -2690,7 +2691,7 @@
             <a:fld id="{BFF0141B-3676-46F2-8A5A-C346ECA90DD6}" type="datetimeFigureOut">
               <a:rPr lang="en-US" smtClean="0"/>
               <a:pPr/>
-              <a:t>9/10/2008</a:t>
+              <a:t>9/15/2008</a:t>
             </a:fld>
             <a:endParaRPr lang="en-US"/>
           </a:p>
@@ -6931,7 +6932,7 @@
         <p:spPr/>
         <p:txBody>
           <a:bodyPr>
-            <a:normAutofit fontScale="92500" lnSpcReduction="20000"/>
+            <a:normAutofit fontScale="92500" lnSpcReduction="10000"/>
           </a:bodyPr>
           <a:lstStyle/>
           <a:p>
@@ -6957,37 +6958,38 @@
           <a:p>
             <a:r>
               <a:rPr lang="en-US" dirty="0" smtClean="0"/>
-              <a:t>Write complex queries to test hypotheses and </a:t>
+              <a:t>Write complex </a:t>
             </a:r>
             <a:r>
               <a:rPr lang="en-US" dirty="0" smtClean="0"/>
-              <a:t>publish</a:t>
-            </a:r>
+              <a:t>queries</a:t>
+            </a:r>
+            <a:endParaRPr lang="en-US" dirty="0" smtClean="0"/>
+          </a:p>
+          <a:p>
+            <a:pPr lvl="1"/>
             <a:r>
               <a:rPr lang="en-US" dirty="0" smtClean="0"/>
-              <a:t> </a:t>
-            </a:r>
+              <a:t>Join across clinical, microarray and image data</a:t>
+            </a:r>
+          </a:p>
+          <a:p>
+            <a:pPr lvl="1"/>
             <a:r>
               <a:rPr lang="en-US" dirty="0" smtClean="0"/>
-              <a:t>data sets</a:t>
-            </a:r>
-          </a:p>
-          <a:p>
-            <a:pPr lvl="1"/>
+              <a:t>Publish queries </a:t>
+            </a:r>
             <a:r>
               <a:rPr lang="en-US" dirty="0" smtClean="0"/>
-              <a:t>Join across clinical, microarray and image </a:t>
+              <a:t>to other users that </a:t>
             </a:r>
             <a:r>
               <a:rPr lang="en-US" dirty="0" smtClean="0"/>
-              <a:t>data</a:t>
-            </a:r>
-          </a:p>
-          <a:p>
-            <a:pPr lvl="1"/>
+              <a:t>return lists of interesting genes, subjects and/or </a:t>
+            </a:r>
             <a:r>
               <a:rPr lang="en-US" dirty="0" smtClean="0"/>
-              <a:t>Publish queries that return lists of interesting genes, subjects and/or images.</a:t>
+              <a:t>images</a:t>
             </a:r>
             <a:endParaRPr lang="en-US" dirty="0" smtClean="0"/>
           </a:p>
@@ -7016,11 +7018,7 @@
             </a:r>
             <a:r>
               <a:rPr lang="en-US" dirty="0" smtClean="0"/>
-              <a:t> </a:t>
-            </a:r>
-            <a:r>
-              <a:rPr lang="en-US" dirty="0" smtClean="0"/>
-              <a:t>or </a:t>
+              <a:t> or </a:t>
             </a:r>
             <a:r>
               <a:rPr lang="en-US" dirty="0" err="1" smtClean="0"/>
@@ -7102,13 +7100,77 @@
           <a:p>
             <a:r>
               <a:rPr lang="en-US" dirty="0" smtClean="0"/>
-              <a:t>Schedule?</a:t>
-            </a:r>
-          </a:p>
-          <a:p>
+              <a:t>Schedule</a:t>
+            </a:r>
+          </a:p>
+          <a:p>
+            <a:pPr lvl="1"/>
             <a:r>
               <a:rPr lang="en-US" dirty="0" smtClean="0"/>
-              <a:t>Future Directions?</a:t>
+              <a:t>Version 1.0 on mm/</a:t>
+            </a:r>
+            <a:r>
+              <a:rPr lang="en-US" dirty="0" err="1" smtClean="0"/>
+              <a:t>dd</a:t>
+            </a:r>
+            <a:r>
+              <a:rPr lang="en-US" dirty="0" smtClean="0"/>
+              <a:t>/</a:t>
+            </a:r>
+            <a:r>
+              <a:rPr lang="en-US" dirty="0" err="1" smtClean="0"/>
+              <a:t>yy</a:t>
+            </a:r>
+            <a:r>
+              <a:rPr lang="en-US" dirty="0" smtClean="0"/>
+              <a:t>?</a:t>
+            </a:r>
+          </a:p>
+          <a:p>
+            <a:r>
+              <a:rPr lang="en-US" dirty="0" smtClean="0"/>
+              <a:t>Hosting Details?</a:t>
+            </a:r>
+            <a:endParaRPr lang="en-US" dirty="0" smtClean="0"/>
+          </a:p>
+          <a:p>
+            <a:r>
+              <a:rPr lang="en-US" dirty="0" smtClean="0"/>
+              <a:t>Future </a:t>
+            </a:r>
+            <a:r>
+              <a:rPr lang="en-US" dirty="0" smtClean="0"/>
+              <a:t>Directions</a:t>
+            </a:r>
+          </a:p>
+          <a:p>
+            <a:pPr lvl="1"/>
+            <a:r>
+              <a:rPr lang="en-US" dirty="0" smtClean="0"/>
+              <a:t>Incorporate other types of genomic data such as copy number, </a:t>
+            </a:r>
+            <a:r>
+              <a:rPr lang="en-US" dirty="0" err="1" smtClean="0"/>
+              <a:t>methylation</a:t>
+            </a:r>
+            <a:r>
+              <a:rPr lang="en-US" dirty="0" smtClean="0"/>
+              <a:t>, and genotypes</a:t>
+            </a:r>
+          </a:p>
+          <a:p>
+            <a:pPr lvl="1"/>
+            <a:r>
+              <a:rPr lang="en-US" dirty="0" smtClean="0"/>
+              <a:t>Tighter integration with </a:t>
+            </a:r>
+            <a:r>
+              <a:rPr lang="en-US" dirty="0" err="1" smtClean="0"/>
+              <a:t>GenePattern</a:t>
+            </a:r>
+            <a:r>
+              <a:rPr lang="en-US" dirty="0" smtClean="0"/>
+              <a:t> and other analysis tools</a:t>
             </a:r>
             <a:endParaRPr lang="en-US" dirty="0"/>
           </a:p>
@@ -7126,6 +7188,266 @@
       </p:par>
     </p:tnLst>
   </p:timing>
+</p:sld>
+</file>
+
+<file path=ppt/slides/slide4.xml><?xml version="1.0" encoding="utf-8"?>
+<p:sld xmlns:a="http://schemas.openxmlformats.org/drawingml/2006/main" xmlns:r="http://schemas.openxmlformats.org/officeDocument/2006/relationships" xmlns:p="http://schemas.openxmlformats.org/presentationml/2006/main">
+  <p:cSld>
+    <p:spTree>
+      <p:nvGrpSpPr>
+        <p:cNvPr id="1" name=""/>
+        <p:cNvGrpSpPr/>
+        <p:nvPr/>
+      </p:nvGrpSpPr>
+      <p:grpSpPr>
+        <a:xfrm>
+          <a:off x="0" y="0"/>
+          <a:ext cx="0" cy="0"/>
+          <a:chOff x="0" y="0"/>
+          <a:chExt cx="0" cy="0"/>
+        </a:xfrm>
+      </p:grpSpPr>
+      <p:sp>
+        <p:nvSpPr>
+          <p:cNvPr id="2" name="Title 1"/>
+          <p:cNvSpPr>
+            <a:spLocks noGrp="1"/>
+          </p:cNvSpPr>
+          <p:nvPr>
+            <p:ph type="title"/>
+          </p:nvPr>
+        </p:nvSpPr>
+        <p:spPr/>
+        <p:txBody>
+          <a:bodyPr/>
+          <a:lstStyle/>
+          <a:p>
+            <a:r>
+              <a:rPr lang="en-US" dirty="0" smtClean="0"/>
+              <a:t>Credits</a:t>
+            </a:r>
+            <a:endParaRPr lang="en-US" dirty="0"/>
+          </a:p>
+        </p:txBody>
+      </p:sp>
+      <p:sp>
+        <p:nvSpPr>
+          <p:cNvPr id="4" name="Content Placeholder 3"/>
+          <p:cNvSpPr>
+            <a:spLocks noGrp="1"/>
+          </p:cNvSpPr>
+          <p:nvPr>
+            <p:ph sz="half" idx="1"/>
+          </p:nvPr>
+        </p:nvSpPr>
+        <p:spPr/>
+        <p:txBody>
+          <a:bodyPr>
+            <a:normAutofit fontScale="92500" lnSpcReduction="10000"/>
+          </a:bodyPr>
+          <a:lstStyle/>
+          <a:p>
+            <a:r>
+              <a:rPr lang="en-US" dirty="0" smtClean="0"/>
+              <a:t>Developers and Managers</a:t>
+            </a:r>
+          </a:p>
+          <a:p>
+            <a:pPr lvl="1"/>
+            <a:r>
+              <a:rPr lang="en-US" dirty="0" smtClean="0"/>
+              <a:t>TJ </a:t>
+            </a:r>
+            <a:r>
+              <a:rPr lang="en-US" dirty="0" smtClean="0"/>
+              <a:t>Andrews</a:t>
+            </a:r>
+          </a:p>
+          <a:p>
+            <a:pPr lvl="1"/>
+            <a:r>
+              <a:rPr lang="en-US" dirty="0" smtClean="0"/>
+              <a:t>Michael </a:t>
+            </a:r>
+            <a:r>
+              <a:rPr lang="en-US" dirty="0" err="1" smtClean="0"/>
+              <a:t>Holck</a:t>
+            </a:r>
+            <a:endParaRPr lang="en-US" dirty="0" smtClean="0"/>
+          </a:p>
+          <a:p>
+            <a:pPr lvl="1"/>
+            <a:r>
+              <a:rPr lang="en-US" dirty="0" smtClean="0"/>
+              <a:t>Shine Jacob	</a:t>
+            </a:r>
+          </a:p>
+          <a:p>
+            <a:pPr lvl="1"/>
+            <a:r>
+              <a:rPr lang="en-US" dirty="0" smtClean="0"/>
+              <a:t>Mark Lewis</a:t>
+            </a:r>
+          </a:p>
+          <a:p>
+            <a:pPr lvl="1"/>
+            <a:r>
+              <a:rPr lang="en-US" dirty="0" smtClean="0"/>
+              <a:t>JP </a:t>
+            </a:r>
+            <a:r>
+              <a:rPr lang="en-US" dirty="0" err="1" smtClean="0"/>
+              <a:t>Marple</a:t>
+            </a:r>
+            <a:endParaRPr lang="en-US" dirty="0" smtClean="0"/>
+          </a:p>
+          <a:p>
+            <a:pPr lvl="1"/>
+            <a:r>
+              <a:rPr lang="en-US" dirty="0" err="1" smtClean="0"/>
+              <a:t>Sangeetha</a:t>
+            </a:r>
+            <a:r>
+              <a:rPr lang="en-US" dirty="0" smtClean="0"/>
+              <a:t> </a:t>
+            </a:r>
+            <a:r>
+              <a:rPr lang="en-US" dirty="0" err="1" smtClean="0"/>
+              <a:t>Rajagopal</a:t>
+            </a:r>
+            <a:r>
+              <a:rPr lang="en-US" dirty="0" smtClean="0"/>
+              <a:t> </a:t>
+            </a:r>
+          </a:p>
+          <a:p>
+            <a:pPr lvl="1"/>
+            <a:r>
+              <a:rPr lang="en-US" dirty="0" smtClean="0"/>
+              <a:t>Eric </a:t>
+            </a:r>
+            <a:r>
+              <a:rPr lang="en-US" dirty="0" err="1" smtClean="0"/>
+              <a:t>Tavela</a:t>
+            </a:r>
+            <a:endParaRPr lang="en-US" dirty="0" smtClean="0"/>
+          </a:p>
+        </p:txBody>
+      </p:sp>
+      <p:sp>
+        <p:nvSpPr>
+          <p:cNvPr id="5" name="Content Placeholder 4"/>
+          <p:cNvSpPr>
+            <a:spLocks noGrp="1"/>
+          </p:cNvSpPr>
+          <p:nvPr>
+            <p:ph sz="half" idx="2"/>
+          </p:nvPr>
+        </p:nvSpPr>
+        <p:spPr/>
+        <p:txBody>
+          <a:bodyPr>
+            <a:normAutofit fontScale="92500" lnSpcReduction="10000"/>
+          </a:bodyPr>
+          <a:lstStyle/>
+          <a:p>
+            <a:r>
+              <a:rPr lang="en-US" dirty="0" smtClean="0"/>
+              <a:t>Leadership and Requirements</a:t>
+            </a:r>
+          </a:p>
+          <a:p>
+            <a:pPr lvl="1"/>
+            <a:r>
+              <a:rPr lang="en-US" dirty="0" err="1" smtClean="0"/>
+              <a:t>Anand</a:t>
+            </a:r>
+            <a:r>
+              <a:rPr lang="en-US" dirty="0" smtClean="0"/>
+              <a:t> </a:t>
+            </a:r>
+            <a:r>
+              <a:rPr lang="en-US" dirty="0" err="1" smtClean="0"/>
+              <a:t>Basu</a:t>
+            </a:r>
+            <a:endParaRPr lang="en-US" dirty="0" smtClean="0"/>
+          </a:p>
+          <a:p>
+            <a:pPr lvl="1"/>
+            <a:r>
+              <a:rPr lang="en-US" dirty="0" err="1" smtClean="0"/>
+              <a:t>Subhashree</a:t>
+            </a:r>
+            <a:r>
+              <a:rPr lang="en-US" dirty="0" smtClean="0"/>
+              <a:t> </a:t>
+            </a:r>
+            <a:r>
+              <a:rPr lang="en-US" dirty="0" err="1" smtClean="0"/>
+              <a:t>Madhavan</a:t>
+            </a:r>
+            <a:endParaRPr lang="en-US" dirty="0" smtClean="0"/>
+          </a:p>
+          <a:p>
+            <a:pPr lvl="1"/>
+            <a:r>
+              <a:rPr lang="en-US" dirty="0" smtClean="0"/>
+              <a:t>Who else?</a:t>
+            </a:r>
+          </a:p>
+          <a:p>
+            <a:endParaRPr lang="en-US" dirty="0" smtClean="0"/>
+          </a:p>
+          <a:p>
+            <a:r>
+              <a:rPr lang="en-US" dirty="0" smtClean="0"/>
+              <a:t>NCIA</a:t>
+            </a:r>
+          </a:p>
+          <a:p>
+            <a:pPr lvl="1"/>
+            <a:r>
+              <a:rPr lang="en-US" dirty="0" smtClean="0"/>
+              <a:t>Carl Jaffe</a:t>
+            </a:r>
+          </a:p>
+          <a:p>
+            <a:pPr lvl="1"/>
+            <a:r>
+              <a:rPr lang="en-US" dirty="0" smtClean="0"/>
+              <a:t>John </a:t>
+            </a:r>
+            <a:r>
+              <a:rPr lang="en-US" dirty="0" err="1" smtClean="0"/>
+              <a:t>Freymann</a:t>
+            </a:r>
+            <a:endParaRPr lang="en-US" dirty="0" smtClean="0"/>
+          </a:p>
+          <a:p>
+            <a:pPr lvl="1"/>
+            <a:r>
+              <a:rPr lang="en-US" dirty="0" smtClean="0"/>
+              <a:t>Adam Flanders</a:t>
+            </a:r>
+          </a:p>
+          <a:p>
+            <a:pPr lvl="1"/>
+            <a:r>
+              <a:rPr lang="en-US" dirty="0" smtClean="0"/>
+              <a:t>Daniel Rubin</a:t>
+            </a:r>
+          </a:p>
+          <a:p>
+            <a:endParaRPr lang="en-US" dirty="0"/>
+          </a:p>
+        </p:txBody>
+      </p:sp>
+    </p:spTree>
+  </p:cSld>
+  <p:clrMapOvr>
+    <a:masterClrMapping/>
+  </p:clrMapOvr>
 </p:sld>
 </file>
 

--- a/project_management/external_meetings/ICR Workspace Mtg Sept 2008 Slides.pptx
+++ b/project_management/external_meetings/ICR Workspace Mtg Sept 2008 Slides.pptx
@@ -110,6 +110,30 @@
 </p:presentation>
 </file>
 
+<file path=ppt/commentAuthors.xml><?xml version="1.0" encoding="utf-8"?>
+<p:cmAuthorLst xmlns:a="http://schemas.openxmlformats.org/drawingml/2006/main" xmlns:r="http://schemas.openxmlformats.org/officeDocument/2006/relationships" xmlns:p="http://schemas.openxmlformats.org/presentationml/2006/main">
+  <p:cmAuthor id="0" name="wfitzhugh" initials="w" lastIdx="2" clrIdx="0"/>
+</p:cmAuthorLst>
+</file>
+
+<file path=ppt/comments/comment1.xml><?xml version="1.0" encoding="utf-8"?>
+<p:cmLst xmlns:a="http://schemas.openxmlformats.org/drawingml/2006/main" xmlns:r="http://schemas.openxmlformats.org/officeDocument/2006/relationships" xmlns:p="http://schemas.openxmlformats.org/presentationml/2006/main">
+  <p:cm authorId="0" dt="2008-09-16T16:00:35.694" idx="1">
+    <p:pos x="10" y="10"/>
+    <p:text>should i have preceding slide talking about caIntegrator implementations (rembrandt, i-spy) in more detail?</p:text>
+  </p:cm>
+</p:cmLst>
+</file>
+
+<file path=ppt/comments/comment2.xml><?xml version="1.0" encoding="utf-8"?>
+<p:cmLst xmlns:a="http://schemas.openxmlformats.org/drawingml/2006/main" xmlns:r="http://schemas.openxmlformats.org/officeDocument/2006/relationships" xmlns:p="http://schemas.openxmlformats.org/presentationml/2006/main">
+  <p:cm authorId="0" dt="2008-09-16T16:01:31.526" idx="2">
+    <p:pos x="10" y="10"/>
+    <p:text>how technical is the audience?  do we want any model diagrams or anything?</p:text>
+  </p:cm>
+</p:cmLst>
+</file>
+
 <file path=ppt/slideLayouts/slideLayout1.xml><?xml version="1.0" encoding="utf-8"?>
 <p:sldLayout xmlns:a="http://schemas.openxmlformats.org/drawingml/2006/main" xmlns:r="http://schemas.openxmlformats.org/officeDocument/2006/relationships" xmlns:p="http://schemas.openxmlformats.org/presentationml/2006/main" type="title" preserve="1">
   <p:cSld name="Title Slide">
@@ -292,7 +316,7 @@
             <a:fld id="{BFF0141B-3676-46F2-8A5A-C346ECA90DD6}" type="datetimeFigureOut">
               <a:rPr lang="en-US" smtClean="0"/>
               <a:pPr/>
-              <a:t>9/15/2008</a:t>
+              <a:t>9/16/2008</a:t>
             </a:fld>
             <a:endParaRPr lang="en-US"/>
           </a:p>
@@ -459,7 +483,7 @@
             <a:fld id="{BFF0141B-3676-46F2-8A5A-C346ECA90DD6}" type="datetimeFigureOut">
               <a:rPr lang="en-US" smtClean="0"/>
               <a:pPr/>
-              <a:t>9/15/2008</a:t>
+              <a:t>9/16/2008</a:t>
             </a:fld>
             <a:endParaRPr lang="en-US"/>
           </a:p>
@@ -636,7 +660,7 @@
             <a:fld id="{BFF0141B-3676-46F2-8A5A-C346ECA90DD6}" type="datetimeFigureOut">
               <a:rPr lang="en-US" smtClean="0"/>
               <a:pPr/>
-              <a:t>9/15/2008</a:t>
+              <a:t>9/16/2008</a:t>
             </a:fld>
             <a:endParaRPr lang="en-US"/>
           </a:p>
@@ -803,7 +827,7 @@
             <a:fld id="{BFF0141B-3676-46F2-8A5A-C346ECA90DD6}" type="datetimeFigureOut">
               <a:rPr lang="en-US" smtClean="0"/>
               <a:pPr/>
-              <a:t>9/15/2008</a:t>
+              <a:t>9/16/2008</a:t>
             </a:fld>
             <a:endParaRPr lang="en-US"/>
           </a:p>
@@ -1046,7 +1070,7 @@
             <a:fld id="{BFF0141B-3676-46F2-8A5A-C346ECA90DD6}" type="datetimeFigureOut">
               <a:rPr lang="en-US" smtClean="0"/>
               <a:pPr/>
-              <a:t>9/15/2008</a:t>
+              <a:t>9/16/2008</a:t>
             </a:fld>
             <a:endParaRPr lang="en-US"/>
           </a:p>
@@ -1331,7 +1355,7 @@
             <a:fld id="{BFF0141B-3676-46F2-8A5A-C346ECA90DD6}" type="datetimeFigureOut">
               <a:rPr lang="en-US" smtClean="0"/>
               <a:pPr/>
-              <a:t>9/15/2008</a:t>
+              <a:t>9/16/2008</a:t>
             </a:fld>
             <a:endParaRPr lang="en-US"/>
           </a:p>
@@ -1750,7 +1774,7 @@
             <a:fld id="{BFF0141B-3676-46F2-8A5A-C346ECA90DD6}" type="datetimeFigureOut">
               <a:rPr lang="en-US" smtClean="0"/>
               <a:pPr/>
-              <a:t>9/15/2008</a:t>
+              <a:t>9/16/2008</a:t>
             </a:fld>
             <a:endParaRPr lang="en-US"/>
           </a:p>
@@ -1865,7 +1889,7 @@
             <a:fld id="{BFF0141B-3676-46F2-8A5A-C346ECA90DD6}" type="datetimeFigureOut">
               <a:rPr lang="en-US" smtClean="0"/>
               <a:pPr/>
-              <a:t>9/15/2008</a:t>
+              <a:t>9/16/2008</a:t>
             </a:fld>
             <a:endParaRPr lang="en-US"/>
           </a:p>
@@ -1957,7 +1981,7 @@
             <a:fld id="{BFF0141B-3676-46F2-8A5A-C346ECA90DD6}" type="datetimeFigureOut">
               <a:rPr lang="en-US" smtClean="0"/>
               <a:pPr/>
-              <a:t>9/15/2008</a:t>
+              <a:t>9/16/2008</a:t>
             </a:fld>
             <a:endParaRPr lang="en-US"/>
           </a:p>
@@ -2231,7 +2255,7 @@
             <a:fld id="{BFF0141B-3676-46F2-8A5A-C346ECA90DD6}" type="datetimeFigureOut">
               <a:rPr lang="en-US" smtClean="0"/>
               <a:pPr/>
-              <a:t>9/15/2008</a:t>
+              <a:t>9/16/2008</a:t>
             </a:fld>
             <a:endParaRPr lang="en-US"/>
           </a:p>
@@ -2481,7 +2505,7 @@
             <a:fld id="{BFF0141B-3676-46F2-8A5A-C346ECA90DD6}" type="datetimeFigureOut">
               <a:rPr lang="en-US" smtClean="0"/>
               <a:pPr/>
-              <a:t>9/15/2008</a:t>
+              <a:t>9/16/2008</a:t>
             </a:fld>
             <a:endParaRPr lang="en-US"/>
           </a:p>
@@ -2691,7 +2715,7 @@
             <a:fld id="{BFF0141B-3676-46F2-8A5A-C346ECA90DD6}" type="datetimeFigureOut">
               <a:rPr lang="en-US" smtClean="0"/>
               <a:pPr/>
-              <a:t>9/15/2008</a:t>
+              <a:t>9/16/2008</a:t>
             </a:fld>
             <a:endParaRPr lang="en-US"/>
           </a:p>
@@ -6958,13 +6982,8 @@
           <a:p>
             <a:r>
               <a:rPr lang="en-US" dirty="0" smtClean="0"/>
-              <a:t>Write complex </a:t>
-            </a:r>
-            <a:r>
-              <a:rPr lang="en-US" dirty="0" smtClean="0"/>
-              <a:t>queries</a:t>
-            </a:r>
-            <a:endParaRPr lang="en-US" dirty="0" smtClean="0"/>
+              <a:t>Write complex queries</a:t>
+            </a:r>
           </a:p>
           <a:p>
             <a:pPr lvl="1"/>
@@ -6977,21 +6996,8 @@
             <a:pPr lvl="1"/>
             <a:r>
               <a:rPr lang="en-US" dirty="0" smtClean="0"/>
-              <a:t>Publish queries </a:t>
-            </a:r>
-            <a:r>
-              <a:rPr lang="en-US" dirty="0" smtClean="0"/>
-              <a:t>to other users that </a:t>
-            </a:r>
-            <a:r>
-              <a:rPr lang="en-US" dirty="0" smtClean="0"/>
-              <a:t>return lists of interesting genes, subjects and/or </a:t>
-            </a:r>
-            <a:r>
-              <a:rPr lang="en-US" dirty="0" smtClean="0"/>
-              <a:t>images</a:t>
-            </a:r>
-            <a:endParaRPr lang="en-US" dirty="0" smtClean="0"/>
+              <a:t>Publish queries to other users that return lists of interesting genes, subjects and/or images</a:t>
+            </a:r>
           </a:p>
           <a:p>
             <a:r>
@@ -7095,7 +7101,9 @@
         </p:nvSpPr>
         <p:spPr/>
         <p:txBody>
-          <a:bodyPr/>
+          <a:bodyPr>
+            <a:normAutofit fontScale="92500" lnSpcReduction="10000"/>
+          </a:bodyPr>
           <a:lstStyle/>
           <a:p>
             <a:r>
@@ -7129,18 +7137,19 @@
           <a:p>
             <a:r>
               <a:rPr lang="en-US" dirty="0" smtClean="0"/>
-              <a:t>Hosting Details?</a:t>
-            </a:r>
-            <a:endParaRPr lang="en-US" dirty="0" smtClean="0"/>
+              <a:t>Where it will be hosted?</a:t>
+            </a:r>
           </a:p>
           <a:p>
             <a:r>
               <a:rPr lang="en-US" dirty="0" smtClean="0"/>
-              <a:t>Future </a:t>
-            </a:r>
+              <a:t>Technology?</a:t>
+            </a:r>
+          </a:p>
+          <a:p>
             <a:r>
               <a:rPr lang="en-US" dirty="0" smtClean="0"/>
-              <a:t>Directions</a:t>
+              <a:t>Future Directions</a:t>
             </a:r>
           </a:p>
           <a:p>
@@ -7170,9 +7179,20 @@
             </a:r>
             <a:r>
               <a:rPr lang="en-US" dirty="0" smtClean="0"/>
-              <a:t> and other analysis tools</a:t>
+              <a:t> and other analysis </a:t>
+            </a:r>
+            <a:r>
+              <a:rPr lang="en-US" dirty="0" smtClean="0"/>
+              <a:t>tools</a:t>
             </a:r>
             <a:endParaRPr lang="en-US" dirty="0"/>
+          </a:p>
+          <a:p>
+            <a:pPr lvl="1"/>
+            <a:r>
+              <a:rPr lang="en-US" dirty="0" smtClean="0"/>
+              <a:t>Allow regular updates of data</a:t>
+            </a:r>
           </a:p>
         </p:txBody>
       </p:sp>
@@ -7257,11 +7277,7 @@
             <a:pPr lvl="1"/>
             <a:r>
               <a:rPr lang="en-US" dirty="0" smtClean="0"/>
-              <a:t>TJ </a:t>
-            </a:r>
-            <a:r>
-              <a:rPr lang="en-US" dirty="0" smtClean="0"/>
-              <a:t>Andrews</a:t>
+              <a:t>TJ Andrews</a:t>
             </a:r>
           </a:p>
           <a:p>
@@ -7402,8 +7418,9 @@
           <a:p>
             <a:r>
               <a:rPr lang="en-US" dirty="0" smtClean="0"/>
-              <a:t>NCIA</a:t>
-            </a:r>
+              <a:t>NCIA &amp; VASARI</a:t>
+            </a:r>
+            <a:endParaRPr lang="en-US" dirty="0" smtClean="0"/>
           </a:p>
           <a:p>
             <a:pPr lvl="1"/>

--- a/project_management/external_meetings/ICR Workspace Mtg Sept 2008 Slides.pptx
+++ b/project_management/external_meetings/ICR Workspace Mtg Sept 2008 Slides.pptx
@@ -7179,11 +7179,7 @@
             </a:r>
             <a:r>
               <a:rPr lang="en-US" dirty="0" smtClean="0"/>
-              <a:t> and other analysis </a:t>
-            </a:r>
-            <a:r>
-              <a:rPr lang="en-US" dirty="0" smtClean="0"/>
-              <a:t>tools</a:t>
+              <a:t> and other analysis tools</a:t>
             </a:r>
             <a:endParaRPr lang="en-US" dirty="0"/>
           </a:p>
@@ -7264,14 +7260,23 @@
         <p:spPr/>
         <p:txBody>
           <a:bodyPr>
-            <a:normAutofit fontScale="92500" lnSpcReduction="10000"/>
+            <a:normAutofit lnSpcReduction="10000"/>
           </a:bodyPr>
           <a:lstStyle/>
           <a:p>
             <a:r>
               <a:rPr lang="en-US" dirty="0" smtClean="0"/>
-              <a:t>Developers and Managers</a:t>
-            </a:r>
+              <a:t>Developers, Architects </a:t>
+            </a:r>
+            <a:r>
+              <a:rPr lang="en-US" dirty="0" smtClean="0"/>
+              <a:t>and </a:t>
+            </a:r>
+            <a:r>
+              <a:rPr lang="en-US" dirty="0" smtClean="0"/>
+              <a:t>Project Managers</a:t>
+            </a:r>
+            <a:endParaRPr lang="en-US" dirty="0" smtClean="0"/>
           </a:p>
           <a:p>
             <a:pPr lvl="1"/>
@@ -7279,6 +7284,18 @@
               <a:rPr lang="en-US" dirty="0" smtClean="0"/>
               <a:t>TJ Andrews</a:t>
             </a:r>
+          </a:p>
+          <a:p>
+            <a:pPr lvl="1"/>
+            <a:r>
+              <a:rPr lang="en-US" dirty="0" smtClean="0"/>
+              <a:t>Will </a:t>
+            </a:r>
+            <a:r>
+              <a:rPr lang="en-US" dirty="0" err="1" smtClean="0"/>
+              <a:t>FitzHugh</a:t>
+            </a:r>
+            <a:endParaRPr lang="en-US" dirty="0" smtClean="0"/>
           </a:p>
           <a:p>
             <a:pPr lvl="1"/>
@@ -7364,7 +7381,7 @@
         <p:spPr/>
         <p:txBody>
           <a:bodyPr>
-            <a:normAutofit fontScale="92500" lnSpcReduction="10000"/>
+            <a:normAutofit lnSpcReduction="10000"/>
           </a:bodyPr>
           <a:lstStyle/>
           <a:p>
@@ -7406,13 +7423,6 @@
             <a:endParaRPr lang="en-US" dirty="0" smtClean="0"/>
           </a:p>
           <a:p>
-            <a:pPr lvl="1"/>
-            <a:r>
-              <a:rPr lang="en-US" dirty="0" smtClean="0"/>
-              <a:t>Who else?</a:t>
-            </a:r>
-          </a:p>
-          <a:p>
             <a:endParaRPr lang="en-US" dirty="0" smtClean="0"/>
           </a:p>
           <a:p>
@@ -7420,7 +7430,6 @@
               <a:rPr lang="en-US" dirty="0" smtClean="0"/>
               <a:t>NCIA &amp; VASARI</a:t>
             </a:r>
-            <a:endParaRPr lang="en-US" dirty="0" smtClean="0"/>
           </a:p>
           <a:p>
             <a:pPr lvl="1"/>

--- a/project_management/external_meetings/ICR Workspace Mtg Sept 2008 Slides.pptx
+++ b/project_management/external_meetings/ICR Workspace Mtg Sept 2008 Slides.pptx
@@ -5,10 +5,12 @@
     <p:sldMasterId id="2147483648" r:id="rId1"/>
   </p:sldMasterIdLst>
   <p:sldIdLst>
-    <p:sldId id="257" r:id="rId2"/>
-    <p:sldId id="260" r:id="rId3"/>
-    <p:sldId id="261" r:id="rId4"/>
-    <p:sldId id="262" r:id="rId5"/>
+    <p:sldId id="264" r:id="rId2"/>
+    <p:sldId id="263" r:id="rId3"/>
+    <p:sldId id="257" r:id="rId4"/>
+    <p:sldId id="260" r:id="rId5"/>
+    <p:sldId id="261" r:id="rId6"/>
+    <p:sldId id="262" r:id="rId7"/>
   </p:sldIdLst>
   <p:sldSz cx="9144000" cy="6858000" type="screen4x3"/>
   <p:notesSz cx="6858000" cy="9144000"/>
@@ -3070,6 +3072,273 @@
 </file>
 
 <file path=ppt/slides/slide1.xml><?xml version="1.0" encoding="utf-8"?>
+<p:sld xmlns:a="http://schemas.openxmlformats.org/drawingml/2006/main" xmlns:r="http://schemas.openxmlformats.org/officeDocument/2006/relationships" xmlns:p="http://schemas.openxmlformats.org/presentationml/2006/main">
+  <p:cSld>
+    <p:spTree>
+      <p:nvGrpSpPr>
+        <p:cNvPr id="1" name=""/>
+        <p:cNvGrpSpPr/>
+        <p:nvPr/>
+      </p:nvGrpSpPr>
+      <p:grpSpPr>
+        <a:xfrm>
+          <a:off x="0" y="0"/>
+          <a:ext cx="0" cy="0"/>
+          <a:chOff x="0" y="0"/>
+          <a:chExt cx="0" cy="0"/>
+        </a:xfrm>
+      </p:grpSpPr>
+      <p:sp>
+        <p:nvSpPr>
+          <p:cNvPr id="4" name="Title 3"/>
+          <p:cNvSpPr>
+            <a:spLocks noGrp="1"/>
+          </p:cNvSpPr>
+          <p:nvPr>
+            <p:ph type="ctrTitle"/>
+          </p:nvPr>
+        </p:nvSpPr>
+        <p:spPr>
+          <a:xfrm>
+            <a:off x="228600" y="1295400"/>
+            <a:ext cx="8686800" cy="1470025"/>
+          </a:xfrm>
+        </p:spPr>
+        <p:txBody>
+          <a:bodyPr>
+            <a:normAutofit fontScale="90000"/>
+          </a:bodyPr>
+          <a:lstStyle/>
+          <a:p>
+            <a:r>
+              <a:rPr lang="en-US" sz="4900" dirty="0" smtClean="0"/>
+              <a:t>Overview and Demo of </a:t>
+            </a:r>
+            <a:r>
+              <a:rPr lang="en-US" sz="4900" dirty="0" smtClean="0"/>
+              <a:t>CaIntegrator2</a:t>
+            </a:r>
+            <a:r>
+              <a:rPr lang="en-US" dirty="0" smtClean="0"/>
+              <a:t/>
+            </a:r>
+            <a:br>
+              <a:rPr lang="en-US" dirty="0" smtClean="0"/>
+            </a:br>
+            <a:r>
+              <a:rPr lang="en-US" sz="3100" dirty="0" smtClean="0"/>
+              <a:t>A </a:t>
+            </a:r>
+            <a:r>
+              <a:rPr lang="en-US" sz="3100" dirty="0" smtClean="0"/>
+              <a:t>Tool for Publishing and Analyzing Integrative Study Data</a:t>
+            </a:r>
+            <a:endParaRPr lang="en-US" dirty="0"/>
+          </a:p>
+        </p:txBody>
+      </p:sp>
+      <p:sp>
+        <p:nvSpPr>
+          <p:cNvPr id="5" name="Subtitle 4"/>
+          <p:cNvSpPr>
+            <a:spLocks noGrp="1"/>
+          </p:cNvSpPr>
+          <p:nvPr>
+            <p:ph type="subTitle" idx="1"/>
+          </p:nvPr>
+        </p:nvSpPr>
+        <p:spPr/>
+        <p:txBody>
+          <a:bodyPr>
+            <a:normAutofit fontScale="92500" lnSpcReduction="20000"/>
+          </a:bodyPr>
+          <a:lstStyle/>
+          <a:p>
+            <a:r>
+              <a:rPr lang="en-US" sz="2800" dirty="0" smtClean="0">
+                <a:solidFill>
+                  <a:schemeClr val="tx1"/>
+                </a:solidFill>
+              </a:rPr>
+              <a:t>William </a:t>
+            </a:r>
+            <a:r>
+              <a:rPr lang="en-US" sz="2800" dirty="0" err="1" smtClean="0">
+                <a:solidFill>
+                  <a:schemeClr val="tx1"/>
+                </a:solidFill>
+              </a:rPr>
+              <a:t>FitzHugh</a:t>
+            </a:r>
+            <a:endParaRPr lang="en-US" sz="2800" dirty="0" smtClean="0">
+              <a:solidFill>
+                <a:schemeClr val="tx1"/>
+              </a:solidFill>
+            </a:endParaRPr>
+          </a:p>
+          <a:p>
+            <a:r>
+              <a:rPr lang="en-US" sz="2800" dirty="0" smtClean="0">
+                <a:solidFill>
+                  <a:schemeClr val="tx1"/>
+                </a:solidFill>
+              </a:rPr>
+              <a:t>Senior Director of Bioinformatics</a:t>
+            </a:r>
+          </a:p>
+          <a:p>
+            <a:r>
+              <a:rPr lang="en-US" sz="2800" dirty="0" smtClean="0">
+                <a:solidFill>
+                  <a:schemeClr val="tx1"/>
+                </a:solidFill>
+              </a:rPr>
+              <a:t>5AM Solutions</a:t>
+            </a:r>
+          </a:p>
+          <a:p>
+            <a:r>
+              <a:rPr lang="en-US" sz="2800" dirty="0" smtClean="0">
+                <a:solidFill>
+                  <a:schemeClr val="tx1"/>
+                </a:solidFill>
+              </a:rPr>
+              <a:t>wfitzhugh@5amsolutions.com</a:t>
+            </a:r>
+            <a:endParaRPr lang="en-US" sz="2800" dirty="0">
+              <a:solidFill>
+                <a:schemeClr val="tx1"/>
+              </a:solidFill>
+            </a:endParaRPr>
+          </a:p>
+        </p:txBody>
+      </p:sp>
+    </p:spTree>
+  </p:cSld>
+  <p:clrMapOvr>
+    <a:masterClrMapping/>
+  </p:clrMapOvr>
+</p:sld>
+</file>
+
+<file path=ppt/slides/slide2.xml><?xml version="1.0" encoding="utf-8"?>
+<p:sld xmlns:a="http://schemas.openxmlformats.org/drawingml/2006/main" xmlns:r="http://schemas.openxmlformats.org/officeDocument/2006/relationships" xmlns:p="http://schemas.openxmlformats.org/presentationml/2006/main">
+  <p:cSld>
+    <p:spTree>
+      <p:nvGrpSpPr>
+        <p:cNvPr id="1" name=""/>
+        <p:cNvGrpSpPr/>
+        <p:nvPr/>
+      </p:nvGrpSpPr>
+      <p:grpSpPr>
+        <a:xfrm>
+          <a:off x="0" y="0"/>
+          <a:ext cx="0" cy="0"/>
+          <a:chOff x="0" y="0"/>
+          <a:chExt cx="0" cy="0"/>
+        </a:xfrm>
+      </p:grpSpPr>
+      <p:sp>
+        <p:nvSpPr>
+          <p:cNvPr id="6" name="Title 5"/>
+          <p:cNvSpPr>
+            <a:spLocks noGrp="1"/>
+          </p:cNvSpPr>
+          <p:nvPr>
+            <p:ph type="title"/>
+          </p:nvPr>
+        </p:nvSpPr>
+        <p:spPr/>
+        <p:txBody>
+          <a:bodyPr/>
+          <a:lstStyle/>
+          <a:p>
+            <a:r>
+              <a:rPr lang="en-US" dirty="0" smtClean="0"/>
+              <a:t>Current </a:t>
+            </a:r>
+            <a:r>
+              <a:rPr lang="en-US" dirty="0" err="1" smtClean="0"/>
+              <a:t>caIntegrator</a:t>
+            </a:r>
+            <a:r>
+              <a:rPr lang="en-US" dirty="0" smtClean="0"/>
+              <a:t> Applications</a:t>
+            </a:r>
+            <a:endParaRPr lang="en-US" dirty="0"/>
+          </a:p>
+        </p:txBody>
+      </p:sp>
+      <p:sp>
+        <p:nvSpPr>
+          <p:cNvPr id="7" name="Content Placeholder 6"/>
+          <p:cNvSpPr>
+            <a:spLocks noGrp="1"/>
+          </p:cNvSpPr>
+          <p:nvPr>
+            <p:ph idx="1"/>
+          </p:nvPr>
+        </p:nvSpPr>
+        <p:spPr/>
+        <p:txBody>
+          <a:bodyPr>
+            <a:normAutofit lnSpcReduction="10000"/>
+          </a:bodyPr>
+          <a:lstStyle/>
+          <a:p>
+            <a:r>
+              <a:rPr lang="en-US" dirty="0" smtClean="0"/>
+              <a:t>Rembrandt</a:t>
+            </a:r>
+          </a:p>
+          <a:p>
+            <a:pPr lvl="1"/>
+            <a:r>
+              <a:rPr lang="en-US" dirty="0" smtClean="0"/>
+              <a:t>A brain tumor study to host and integrate clinical and functional genomics data from clinical trials involving patients suffering from </a:t>
+            </a:r>
+            <a:r>
+              <a:rPr lang="en-US" dirty="0" err="1" smtClean="0"/>
+              <a:t>Gliomas</a:t>
+            </a:r>
+            <a:r>
+              <a:rPr lang="en-US" dirty="0" smtClean="0"/>
+              <a:t>.</a:t>
+            </a:r>
+            <a:endParaRPr lang="en-US" dirty="0" smtClean="0"/>
+          </a:p>
+          <a:p>
+            <a:r>
+              <a:rPr lang="en-US" dirty="0" smtClean="0"/>
+              <a:t>I-SPY</a:t>
+            </a:r>
+          </a:p>
+          <a:p>
+            <a:pPr lvl="1"/>
+            <a:r>
+              <a:rPr lang="en-US" dirty="0" smtClean="0"/>
+              <a:t>The I-Spy trial is a national study to identify biomarkers predictive of response to therapy throughout the treatment cycle for women with Stage 3 breast cancer.</a:t>
+            </a:r>
+            <a:endParaRPr lang="en-US" dirty="0" smtClean="0"/>
+          </a:p>
+          <a:p>
+            <a:r>
+              <a:rPr lang="en-US" dirty="0" smtClean="0"/>
+              <a:t>???</a:t>
+            </a:r>
+            <a:endParaRPr lang="en-US" dirty="0"/>
+          </a:p>
+        </p:txBody>
+      </p:sp>
+    </p:spTree>
+  </p:cSld>
+  <p:clrMapOvr>
+    <a:masterClrMapping/>
+  </p:clrMapOvr>
+</p:sld>
+</file>
+
+<file path=ppt/slides/slide3.xml><?xml version="1.0" encoding="utf-8"?>
 <p:sld xmlns:a="http://schemas.openxmlformats.org/drawingml/2006/main" xmlns:r="http://schemas.openxmlformats.org/officeDocument/2006/relationships" xmlns:p="http://schemas.openxmlformats.org/presentationml/2006/main">
   <p:cSld>
     <p:spTree>
@@ -6901,312 +7170,6 @@
 </p:sld>
 </file>
 
-<file path=ppt/slides/slide2.xml><?xml version="1.0" encoding="utf-8"?>
-<p:sld xmlns:a="http://schemas.openxmlformats.org/drawingml/2006/main" xmlns:r="http://schemas.openxmlformats.org/officeDocument/2006/relationships" xmlns:p="http://schemas.openxmlformats.org/presentationml/2006/main">
-  <p:cSld>
-    <p:spTree>
-      <p:nvGrpSpPr>
-        <p:cNvPr id="1" name=""/>
-        <p:cNvGrpSpPr/>
-        <p:nvPr/>
-      </p:nvGrpSpPr>
-      <p:grpSpPr>
-        <a:xfrm>
-          <a:off x="0" y="0"/>
-          <a:ext cx="0" cy="0"/>
-          <a:chOff x="0" y="0"/>
-          <a:chExt cx="0" cy="0"/>
-        </a:xfrm>
-      </p:grpSpPr>
-      <p:sp>
-        <p:nvSpPr>
-          <p:cNvPr id="2" name="Title 1"/>
-          <p:cNvSpPr>
-            <a:spLocks noGrp="1"/>
-          </p:cNvSpPr>
-          <p:nvPr>
-            <p:ph type="title"/>
-          </p:nvPr>
-        </p:nvSpPr>
-        <p:spPr/>
-        <p:txBody>
-          <a:bodyPr>
-            <a:normAutofit/>
-          </a:bodyPr>
-          <a:lstStyle/>
-          <a:p>
-            <a:r>
-              <a:rPr lang="en-US" sz="3600" dirty="0" smtClean="0"/>
-              <a:t>What you can do with caIntegrator2</a:t>
-            </a:r>
-            <a:endParaRPr lang="en-US" sz="3600" dirty="0"/>
-          </a:p>
-        </p:txBody>
-      </p:sp>
-      <p:sp>
-        <p:nvSpPr>
-          <p:cNvPr id="3" name="Content Placeholder 2"/>
-          <p:cNvSpPr>
-            <a:spLocks noGrp="1"/>
-          </p:cNvSpPr>
-          <p:nvPr>
-            <p:ph idx="1"/>
-          </p:nvPr>
-        </p:nvSpPr>
-        <p:spPr/>
-        <p:txBody>
-          <a:bodyPr>
-            <a:normAutofit fontScale="92500" lnSpcReduction="10000"/>
-          </a:bodyPr>
-          <a:lstStyle/>
-          <a:p>
-            <a:r>
-              <a:rPr lang="en-US" dirty="0" smtClean="0"/>
-              <a:t>Browse and filter lists of major entities</a:t>
-            </a:r>
-          </a:p>
-          <a:p>
-            <a:pPr lvl="1"/>
-            <a:r>
-              <a:rPr lang="en-US" dirty="0" smtClean="0"/>
-              <a:t>Subjects</a:t>
-            </a:r>
-          </a:p>
-          <a:p>
-            <a:pPr lvl="1"/>
-            <a:r>
-              <a:rPr lang="en-US" dirty="0" smtClean="0"/>
-              <a:t>Samples</a:t>
-            </a:r>
-          </a:p>
-          <a:p>
-            <a:r>
-              <a:rPr lang="en-US" dirty="0" smtClean="0"/>
-              <a:t>Write complex queries</a:t>
-            </a:r>
-          </a:p>
-          <a:p>
-            <a:pPr lvl="1"/>
-            <a:r>
-              <a:rPr lang="en-US" dirty="0" smtClean="0"/>
-              <a:t>Join across clinical, microarray and image data</a:t>
-            </a:r>
-          </a:p>
-          <a:p>
-            <a:pPr lvl="1"/>
-            <a:r>
-              <a:rPr lang="en-US" dirty="0" smtClean="0"/>
-              <a:t>Publish queries to other users that return lists of interesting genes, subjects and/or images</a:t>
-            </a:r>
-          </a:p>
-          <a:p>
-            <a:r>
-              <a:rPr lang="en-US" dirty="0" smtClean="0"/>
-              <a:t>Do analysis</a:t>
-            </a:r>
-          </a:p>
-          <a:p>
-            <a:pPr lvl="1"/>
-            <a:r>
-              <a:rPr lang="en-US" dirty="0" smtClean="0"/>
-              <a:t>Kaplan-Meier Survival Curves</a:t>
-            </a:r>
-          </a:p>
-          <a:p>
-            <a:pPr lvl="1"/>
-            <a:r>
-              <a:rPr lang="en-US" dirty="0" smtClean="0"/>
-              <a:t>Export to </a:t>
-            </a:r>
-            <a:r>
-              <a:rPr lang="en-US" dirty="0" err="1" smtClean="0"/>
-              <a:t>GenePattern</a:t>
-            </a:r>
-            <a:r>
-              <a:rPr lang="en-US" dirty="0" smtClean="0"/>
-              <a:t> or </a:t>
-            </a:r>
-            <a:r>
-              <a:rPr lang="en-US" dirty="0" err="1" smtClean="0"/>
-              <a:t>GEWorkbench</a:t>
-            </a:r>
-            <a:endParaRPr lang="en-US" dirty="0" smtClean="0"/>
-          </a:p>
-        </p:txBody>
-      </p:sp>
-    </p:spTree>
-  </p:cSld>
-  <p:clrMapOvr>
-    <a:masterClrMapping/>
-  </p:clrMapOvr>
-  <p:timing>
-    <p:tnLst>
-      <p:par>
-        <p:cTn id="1" dur="indefinite" restart="never" nodeType="tmRoot"/>
-      </p:par>
-    </p:tnLst>
-  </p:timing>
-</p:sld>
-</file>
-
-<file path=ppt/slides/slide3.xml><?xml version="1.0" encoding="utf-8"?>
-<p:sld xmlns:a="http://schemas.openxmlformats.org/drawingml/2006/main" xmlns:r="http://schemas.openxmlformats.org/officeDocument/2006/relationships" xmlns:p="http://schemas.openxmlformats.org/presentationml/2006/main">
-  <p:cSld>
-    <p:spTree>
-      <p:nvGrpSpPr>
-        <p:cNvPr id="1" name=""/>
-        <p:cNvGrpSpPr/>
-        <p:nvPr/>
-      </p:nvGrpSpPr>
-      <p:grpSpPr>
-        <a:xfrm>
-          <a:off x="0" y="0"/>
-          <a:ext cx="0" cy="0"/>
-          <a:chOff x="0" y="0"/>
-          <a:chExt cx="0" cy="0"/>
-        </a:xfrm>
-      </p:grpSpPr>
-      <p:sp>
-        <p:nvSpPr>
-          <p:cNvPr id="2" name="Title 1"/>
-          <p:cNvSpPr>
-            <a:spLocks noGrp="1"/>
-          </p:cNvSpPr>
-          <p:nvPr>
-            <p:ph type="title"/>
-          </p:nvPr>
-        </p:nvSpPr>
-        <p:spPr/>
-        <p:txBody>
-          <a:bodyPr/>
-          <a:lstStyle/>
-          <a:p>
-            <a:r>
-              <a:rPr lang="en-US" dirty="0" smtClean="0"/>
-              <a:t>Other Stuff</a:t>
-            </a:r>
-            <a:endParaRPr lang="en-US" dirty="0"/>
-          </a:p>
-        </p:txBody>
-      </p:sp>
-      <p:sp>
-        <p:nvSpPr>
-          <p:cNvPr id="3" name="Content Placeholder 2"/>
-          <p:cNvSpPr>
-            <a:spLocks noGrp="1"/>
-          </p:cNvSpPr>
-          <p:nvPr>
-            <p:ph idx="1"/>
-          </p:nvPr>
-        </p:nvSpPr>
-        <p:spPr/>
-        <p:txBody>
-          <a:bodyPr>
-            <a:normAutofit fontScale="92500" lnSpcReduction="10000"/>
-          </a:bodyPr>
-          <a:lstStyle/>
-          <a:p>
-            <a:r>
-              <a:rPr lang="en-US" dirty="0" smtClean="0"/>
-              <a:t>Schedule</a:t>
-            </a:r>
-          </a:p>
-          <a:p>
-            <a:pPr lvl="1"/>
-            <a:r>
-              <a:rPr lang="en-US" dirty="0" smtClean="0"/>
-              <a:t>Version 1.0 on mm/</a:t>
-            </a:r>
-            <a:r>
-              <a:rPr lang="en-US" dirty="0" err="1" smtClean="0"/>
-              <a:t>dd</a:t>
-            </a:r>
-            <a:r>
-              <a:rPr lang="en-US" dirty="0" smtClean="0"/>
-              <a:t>/</a:t>
-            </a:r>
-            <a:r>
-              <a:rPr lang="en-US" dirty="0" err="1" smtClean="0"/>
-              <a:t>yy</a:t>
-            </a:r>
-            <a:r>
-              <a:rPr lang="en-US" dirty="0" smtClean="0"/>
-              <a:t>?</a:t>
-            </a:r>
-          </a:p>
-          <a:p>
-            <a:r>
-              <a:rPr lang="en-US" dirty="0" smtClean="0"/>
-              <a:t>Where it will be hosted?</a:t>
-            </a:r>
-          </a:p>
-          <a:p>
-            <a:r>
-              <a:rPr lang="en-US" dirty="0" smtClean="0"/>
-              <a:t>Technology?</a:t>
-            </a:r>
-          </a:p>
-          <a:p>
-            <a:r>
-              <a:rPr lang="en-US" dirty="0" smtClean="0"/>
-              <a:t>Future Directions</a:t>
-            </a:r>
-          </a:p>
-          <a:p>
-            <a:pPr lvl="1"/>
-            <a:r>
-              <a:rPr lang="en-US" dirty="0" smtClean="0"/>
-              <a:t>Incorporate other types of genomic data such as copy number, </a:t>
-            </a:r>
-            <a:r>
-              <a:rPr lang="en-US" dirty="0" err="1" smtClean="0"/>
-              <a:t>methylation</a:t>
-            </a:r>
-            <a:r>
-              <a:rPr lang="en-US" dirty="0" smtClean="0"/>
-              <a:t>, and genotypes</a:t>
-            </a:r>
-          </a:p>
-          <a:p>
-            <a:pPr lvl="1"/>
-            <a:r>
-              <a:rPr lang="en-US" dirty="0" smtClean="0"/>
-              <a:t>Tighter integration with </a:t>
-            </a:r>
-            <a:r>
-              <a:rPr lang="en-US" dirty="0" err="1" smtClean="0"/>
-              <a:t>GenePattern</a:t>
-            </a:r>
-            <a:r>
-              <a:rPr lang="en-US" dirty="0" smtClean="0"/>
-              <a:t> and other analysis tools</a:t>
-            </a:r>
-            <a:endParaRPr lang="en-US" dirty="0"/>
-          </a:p>
-          <a:p>
-            <a:pPr lvl="1"/>
-            <a:r>
-              <a:rPr lang="en-US" dirty="0" smtClean="0"/>
-              <a:t>Allow regular updates of data</a:t>
-            </a:r>
-          </a:p>
-        </p:txBody>
-      </p:sp>
-    </p:spTree>
-  </p:cSld>
-  <p:clrMapOvr>
-    <a:masterClrMapping/>
-  </p:clrMapOvr>
-  <p:timing>
-    <p:tnLst>
-      <p:par>
-        <p:cTn id="1" dur="indefinite" restart="never" nodeType="tmRoot"/>
-      </p:par>
-    </p:tnLst>
-  </p:timing>
-</p:sld>
-</file>
-
 <file path=ppt/slides/slide4.xml><?xml version="1.0" encoding="utf-8"?>
 <p:sld xmlns:a="http://schemas.openxmlformats.org/drawingml/2006/main" xmlns:r="http://schemas.openxmlformats.org/officeDocument/2006/relationships" xmlns:p="http://schemas.openxmlformats.org/presentationml/2006/main">
   <p:cSld>
@@ -7236,6 +7199,312 @@
         </p:nvSpPr>
         <p:spPr/>
         <p:txBody>
+          <a:bodyPr>
+            <a:normAutofit/>
+          </a:bodyPr>
+          <a:lstStyle/>
+          <a:p>
+            <a:r>
+              <a:rPr lang="en-US" sz="3600" dirty="0" smtClean="0"/>
+              <a:t>What you can do with caIntegrator2</a:t>
+            </a:r>
+            <a:endParaRPr lang="en-US" sz="3600" dirty="0"/>
+          </a:p>
+        </p:txBody>
+      </p:sp>
+      <p:sp>
+        <p:nvSpPr>
+          <p:cNvPr id="3" name="Content Placeholder 2"/>
+          <p:cNvSpPr>
+            <a:spLocks noGrp="1"/>
+          </p:cNvSpPr>
+          <p:nvPr>
+            <p:ph idx="1"/>
+          </p:nvPr>
+        </p:nvSpPr>
+        <p:spPr/>
+        <p:txBody>
+          <a:bodyPr>
+            <a:normAutofit fontScale="92500" lnSpcReduction="10000"/>
+          </a:bodyPr>
+          <a:lstStyle/>
+          <a:p>
+            <a:r>
+              <a:rPr lang="en-US" dirty="0" smtClean="0"/>
+              <a:t>Browse and filter lists of major entities</a:t>
+            </a:r>
+          </a:p>
+          <a:p>
+            <a:pPr lvl="1"/>
+            <a:r>
+              <a:rPr lang="en-US" dirty="0" smtClean="0"/>
+              <a:t>Subjects</a:t>
+            </a:r>
+          </a:p>
+          <a:p>
+            <a:pPr lvl="1"/>
+            <a:r>
+              <a:rPr lang="en-US" dirty="0" smtClean="0"/>
+              <a:t>Samples</a:t>
+            </a:r>
+          </a:p>
+          <a:p>
+            <a:r>
+              <a:rPr lang="en-US" dirty="0" smtClean="0"/>
+              <a:t>Write complex queries</a:t>
+            </a:r>
+          </a:p>
+          <a:p>
+            <a:pPr lvl="1"/>
+            <a:r>
+              <a:rPr lang="en-US" dirty="0" smtClean="0"/>
+              <a:t>Join across clinical, microarray and image data</a:t>
+            </a:r>
+          </a:p>
+          <a:p>
+            <a:pPr lvl="1"/>
+            <a:r>
+              <a:rPr lang="en-US" dirty="0" smtClean="0"/>
+              <a:t>Publish queries to other users that return lists of interesting genes, subjects and/or images</a:t>
+            </a:r>
+          </a:p>
+          <a:p>
+            <a:r>
+              <a:rPr lang="en-US" dirty="0" smtClean="0"/>
+              <a:t>Do analysis</a:t>
+            </a:r>
+          </a:p>
+          <a:p>
+            <a:pPr lvl="1"/>
+            <a:r>
+              <a:rPr lang="en-US" dirty="0" smtClean="0"/>
+              <a:t>Kaplan-Meier Survival Curves</a:t>
+            </a:r>
+          </a:p>
+          <a:p>
+            <a:pPr lvl="1"/>
+            <a:r>
+              <a:rPr lang="en-US" dirty="0" smtClean="0"/>
+              <a:t>Export to </a:t>
+            </a:r>
+            <a:r>
+              <a:rPr lang="en-US" dirty="0" err="1" smtClean="0"/>
+              <a:t>GenePattern</a:t>
+            </a:r>
+            <a:r>
+              <a:rPr lang="en-US" dirty="0" smtClean="0"/>
+              <a:t> or </a:t>
+            </a:r>
+            <a:r>
+              <a:rPr lang="en-US" dirty="0" err="1" smtClean="0"/>
+              <a:t>GEWorkbench</a:t>
+            </a:r>
+            <a:endParaRPr lang="en-US" dirty="0" smtClean="0"/>
+          </a:p>
+        </p:txBody>
+      </p:sp>
+    </p:spTree>
+  </p:cSld>
+  <p:clrMapOvr>
+    <a:masterClrMapping/>
+  </p:clrMapOvr>
+  <p:timing>
+    <p:tnLst>
+      <p:par>
+        <p:cTn id="1" dur="indefinite" restart="never" nodeType="tmRoot"/>
+      </p:par>
+    </p:tnLst>
+  </p:timing>
+</p:sld>
+</file>
+
+<file path=ppt/slides/slide5.xml><?xml version="1.0" encoding="utf-8"?>
+<p:sld xmlns:a="http://schemas.openxmlformats.org/drawingml/2006/main" xmlns:r="http://schemas.openxmlformats.org/officeDocument/2006/relationships" xmlns:p="http://schemas.openxmlformats.org/presentationml/2006/main">
+  <p:cSld>
+    <p:spTree>
+      <p:nvGrpSpPr>
+        <p:cNvPr id="1" name=""/>
+        <p:cNvGrpSpPr/>
+        <p:nvPr/>
+      </p:nvGrpSpPr>
+      <p:grpSpPr>
+        <a:xfrm>
+          <a:off x="0" y="0"/>
+          <a:ext cx="0" cy="0"/>
+          <a:chOff x="0" y="0"/>
+          <a:chExt cx="0" cy="0"/>
+        </a:xfrm>
+      </p:grpSpPr>
+      <p:sp>
+        <p:nvSpPr>
+          <p:cNvPr id="2" name="Title 1"/>
+          <p:cNvSpPr>
+            <a:spLocks noGrp="1"/>
+          </p:cNvSpPr>
+          <p:nvPr>
+            <p:ph type="title"/>
+          </p:nvPr>
+        </p:nvSpPr>
+        <p:spPr/>
+        <p:txBody>
+          <a:bodyPr/>
+          <a:lstStyle/>
+          <a:p>
+            <a:r>
+              <a:rPr lang="en-US" dirty="0" smtClean="0"/>
+              <a:t>Other Stuff</a:t>
+            </a:r>
+            <a:endParaRPr lang="en-US" dirty="0"/>
+          </a:p>
+        </p:txBody>
+      </p:sp>
+      <p:sp>
+        <p:nvSpPr>
+          <p:cNvPr id="3" name="Content Placeholder 2"/>
+          <p:cNvSpPr>
+            <a:spLocks noGrp="1"/>
+          </p:cNvSpPr>
+          <p:nvPr>
+            <p:ph idx="1"/>
+          </p:nvPr>
+        </p:nvSpPr>
+        <p:spPr/>
+        <p:txBody>
+          <a:bodyPr>
+            <a:normAutofit fontScale="92500" lnSpcReduction="10000"/>
+          </a:bodyPr>
+          <a:lstStyle/>
+          <a:p>
+            <a:r>
+              <a:rPr lang="en-US" dirty="0" smtClean="0"/>
+              <a:t>Schedule</a:t>
+            </a:r>
+          </a:p>
+          <a:p>
+            <a:pPr lvl="1"/>
+            <a:r>
+              <a:rPr lang="en-US" dirty="0" smtClean="0"/>
+              <a:t>Version 1.0 on mm/</a:t>
+            </a:r>
+            <a:r>
+              <a:rPr lang="en-US" dirty="0" err="1" smtClean="0"/>
+              <a:t>dd</a:t>
+            </a:r>
+            <a:r>
+              <a:rPr lang="en-US" dirty="0" smtClean="0"/>
+              <a:t>/</a:t>
+            </a:r>
+            <a:r>
+              <a:rPr lang="en-US" dirty="0" err="1" smtClean="0"/>
+              <a:t>yy</a:t>
+            </a:r>
+            <a:r>
+              <a:rPr lang="en-US" dirty="0" smtClean="0"/>
+              <a:t>?</a:t>
+            </a:r>
+          </a:p>
+          <a:p>
+            <a:r>
+              <a:rPr lang="en-US" dirty="0" smtClean="0"/>
+              <a:t>Where it will be hosted?</a:t>
+            </a:r>
+          </a:p>
+          <a:p>
+            <a:r>
+              <a:rPr lang="en-US" dirty="0" smtClean="0"/>
+              <a:t>Technology?</a:t>
+            </a:r>
+          </a:p>
+          <a:p>
+            <a:r>
+              <a:rPr lang="en-US" dirty="0" smtClean="0"/>
+              <a:t>Future Directions</a:t>
+            </a:r>
+          </a:p>
+          <a:p>
+            <a:pPr lvl="1"/>
+            <a:r>
+              <a:rPr lang="en-US" dirty="0" smtClean="0"/>
+              <a:t>Incorporate other types of genomic data such as copy number, </a:t>
+            </a:r>
+            <a:r>
+              <a:rPr lang="en-US" dirty="0" err="1" smtClean="0"/>
+              <a:t>methylation</a:t>
+            </a:r>
+            <a:r>
+              <a:rPr lang="en-US" dirty="0" smtClean="0"/>
+              <a:t>, and genotypes</a:t>
+            </a:r>
+          </a:p>
+          <a:p>
+            <a:pPr lvl="1"/>
+            <a:r>
+              <a:rPr lang="en-US" dirty="0" smtClean="0"/>
+              <a:t>Tighter integration with </a:t>
+            </a:r>
+            <a:r>
+              <a:rPr lang="en-US" dirty="0" err="1" smtClean="0"/>
+              <a:t>GenePattern</a:t>
+            </a:r>
+            <a:r>
+              <a:rPr lang="en-US" dirty="0" smtClean="0"/>
+              <a:t> and other analysis tools</a:t>
+            </a:r>
+            <a:endParaRPr lang="en-US" dirty="0"/>
+          </a:p>
+          <a:p>
+            <a:pPr lvl="1"/>
+            <a:r>
+              <a:rPr lang="en-US" dirty="0" smtClean="0"/>
+              <a:t>Allow regular updates of data</a:t>
+            </a:r>
+          </a:p>
+        </p:txBody>
+      </p:sp>
+    </p:spTree>
+  </p:cSld>
+  <p:clrMapOvr>
+    <a:masterClrMapping/>
+  </p:clrMapOvr>
+  <p:timing>
+    <p:tnLst>
+      <p:par>
+        <p:cTn id="1" dur="indefinite" restart="never" nodeType="tmRoot"/>
+      </p:par>
+    </p:tnLst>
+  </p:timing>
+</p:sld>
+</file>
+
+<file path=ppt/slides/slide6.xml><?xml version="1.0" encoding="utf-8"?>
+<p:sld xmlns:a="http://schemas.openxmlformats.org/drawingml/2006/main" xmlns:r="http://schemas.openxmlformats.org/officeDocument/2006/relationships" xmlns:p="http://schemas.openxmlformats.org/presentationml/2006/main">
+  <p:cSld>
+    <p:spTree>
+      <p:nvGrpSpPr>
+        <p:cNvPr id="1" name=""/>
+        <p:cNvGrpSpPr/>
+        <p:nvPr/>
+      </p:nvGrpSpPr>
+      <p:grpSpPr>
+        <a:xfrm>
+          <a:off x="0" y="0"/>
+          <a:ext cx="0" cy="0"/>
+          <a:chOff x="0" y="0"/>
+          <a:chExt cx="0" cy="0"/>
+        </a:xfrm>
+      </p:grpSpPr>
+      <p:sp>
+        <p:nvSpPr>
+          <p:cNvPr id="2" name="Title 1"/>
+          <p:cNvSpPr>
+            <a:spLocks noGrp="1"/>
+          </p:cNvSpPr>
+          <p:nvPr>
+            <p:ph type="title"/>
+          </p:nvPr>
+        </p:nvSpPr>
+        <p:spPr/>
+        <p:txBody>
           <a:bodyPr/>
           <a:lstStyle/>
           <a:p>
@@ -7266,17 +7535,8 @@
           <a:p>
             <a:r>
               <a:rPr lang="en-US" dirty="0" smtClean="0"/>
-              <a:t>Developers, Architects </a:t>
-            </a:r>
-            <a:r>
-              <a:rPr lang="en-US" dirty="0" smtClean="0"/>
-              <a:t>and </a:t>
-            </a:r>
-            <a:r>
-              <a:rPr lang="en-US" dirty="0" smtClean="0"/>
-              <a:t>Project Managers</a:t>
-            </a:r>
-            <a:endParaRPr lang="en-US" dirty="0" smtClean="0"/>
+              <a:t>Developers, Architects and Project Managers</a:t>
+            </a:r>
           </a:p>
           <a:p>
             <a:pPr lvl="1"/>

--- a/project_management/external_meetings/ICR Workspace Mtg Sept 2008 Slides.pptx
+++ b/project_management/external_meetings/ICR Workspace Mtg Sept 2008 Slides.pptx
@@ -6,11 +6,12 @@
   </p:sldMasterIdLst>
   <p:sldIdLst>
     <p:sldId id="264" r:id="rId2"/>
-    <p:sldId id="263" r:id="rId3"/>
-    <p:sldId id="257" r:id="rId4"/>
-    <p:sldId id="260" r:id="rId5"/>
-    <p:sldId id="261" r:id="rId6"/>
-    <p:sldId id="262" r:id="rId7"/>
+    <p:sldId id="265" r:id="rId3"/>
+    <p:sldId id="263" r:id="rId4"/>
+    <p:sldId id="257" r:id="rId5"/>
+    <p:sldId id="260" r:id="rId6"/>
+    <p:sldId id="261" r:id="rId7"/>
+    <p:sldId id="262" r:id="rId8"/>
   </p:sldIdLst>
   <p:sldSz cx="9144000" cy="6858000" type="screen4x3"/>
   <p:notesSz cx="6858000" cy="9144000"/>
@@ -318,7 +319,7 @@
             <a:fld id="{BFF0141B-3676-46F2-8A5A-C346ECA90DD6}" type="datetimeFigureOut">
               <a:rPr lang="en-US" smtClean="0"/>
               <a:pPr/>
-              <a:t>9/16/2008</a:t>
+              <a:t>9/17/2008</a:t>
             </a:fld>
             <a:endParaRPr lang="en-US"/>
           </a:p>
@@ -485,7 +486,7 @@
             <a:fld id="{BFF0141B-3676-46F2-8A5A-C346ECA90DD6}" type="datetimeFigureOut">
               <a:rPr lang="en-US" smtClean="0"/>
               <a:pPr/>
-              <a:t>9/16/2008</a:t>
+              <a:t>9/17/2008</a:t>
             </a:fld>
             <a:endParaRPr lang="en-US"/>
           </a:p>
@@ -662,7 +663,7 @@
             <a:fld id="{BFF0141B-3676-46F2-8A5A-C346ECA90DD6}" type="datetimeFigureOut">
               <a:rPr lang="en-US" smtClean="0"/>
               <a:pPr/>
-              <a:t>9/16/2008</a:t>
+              <a:t>9/17/2008</a:t>
             </a:fld>
             <a:endParaRPr lang="en-US"/>
           </a:p>
@@ -829,7 +830,7 @@
             <a:fld id="{BFF0141B-3676-46F2-8A5A-C346ECA90DD6}" type="datetimeFigureOut">
               <a:rPr lang="en-US" smtClean="0"/>
               <a:pPr/>
-              <a:t>9/16/2008</a:t>
+              <a:t>9/17/2008</a:t>
             </a:fld>
             <a:endParaRPr lang="en-US"/>
           </a:p>
@@ -1072,7 +1073,7 @@
             <a:fld id="{BFF0141B-3676-46F2-8A5A-C346ECA90DD6}" type="datetimeFigureOut">
               <a:rPr lang="en-US" smtClean="0"/>
               <a:pPr/>
-              <a:t>9/16/2008</a:t>
+              <a:t>9/17/2008</a:t>
             </a:fld>
             <a:endParaRPr lang="en-US"/>
           </a:p>
@@ -1357,7 +1358,7 @@
             <a:fld id="{BFF0141B-3676-46F2-8A5A-C346ECA90DD6}" type="datetimeFigureOut">
               <a:rPr lang="en-US" smtClean="0"/>
               <a:pPr/>
-              <a:t>9/16/2008</a:t>
+              <a:t>9/17/2008</a:t>
             </a:fld>
             <a:endParaRPr lang="en-US"/>
           </a:p>
@@ -1776,7 +1777,7 @@
             <a:fld id="{BFF0141B-3676-46F2-8A5A-C346ECA90DD6}" type="datetimeFigureOut">
               <a:rPr lang="en-US" smtClean="0"/>
               <a:pPr/>
-              <a:t>9/16/2008</a:t>
+              <a:t>9/17/2008</a:t>
             </a:fld>
             <a:endParaRPr lang="en-US"/>
           </a:p>
@@ -1891,7 +1892,7 @@
             <a:fld id="{BFF0141B-3676-46F2-8A5A-C346ECA90DD6}" type="datetimeFigureOut">
               <a:rPr lang="en-US" smtClean="0"/>
               <a:pPr/>
-              <a:t>9/16/2008</a:t>
+              <a:t>9/17/2008</a:t>
             </a:fld>
             <a:endParaRPr lang="en-US"/>
           </a:p>
@@ -1983,7 +1984,7 @@
             <a:fld id="{BFF0141B-3676-46F2-8A5A-C346ECA90DD6}" type="datetimeFigureOut">
               <a:rPr lang="en-US" smtClean="0"/>
               <a:pPr/>
-              <a:t>9/16/2008</a:t>
+              <a:t>9/17/2008</a:t>
             </a:fld>
             <a:endParaRPr lang="en-US"/>
           </a:p>
@@ -2257,7 +2258,7 @@
             <a:fld id="{BFF0141B-3676-46F2-8A5A-C346ECA90DD6}" type="datetimeFigureOut">
               <a:rPr lang="en-US" smtClean="0"/>
               <a:pPr/>
-              <a:t>9/16/2008</a:t>
+              <a:t>9/17/2008</a:t>
             </a:fld>
             <a:endParaRPr lang="en-US"/>
           </a:p>
@@ -2507,7 +2508,7 @@
             <a:fld id="{BFF0141B-3676-46F2-8A5A-C346ECA90DD6}" type="datetimeFigureOut">
               <a:rPr lang="en-US" smtClean="0"/>
               <a:pPr/>
-              <a:t>9/16/2008</a:t>
+              <a:t>9/17/2008</a:t>
             </a:fld>
             <a:endParaRPr lang="en-US"/>
           </a:p>
@@ -2717,7 +2718,7 @@
             <a:fld id="{BFF0141B-3676-46F2-8A5A-C346ECA90DD6}" type="datetimeFigureOut">
               <a:rPr lang="en-US" smtClean="0"/>
               <a:pPr/>
-              <a:t>9/16/2008</a:t>
+              <a:t>9/17/2008</a:t>
             </a:fld>
             <a:endParaRPr lang="en-US"/>
           </a:p>
@@ -3118,6 +3119,13 @@
               <a:rPr lang="en-US" sz="4900" dirty="0" smtClean="0"/>
               <a:t>CaIntegrator2</a:t>
             </a:r>
+            <a:br>
+              <a:rPr lang="en-US" sz="4900" dirty="0" smtClean="0"/>
+            </a:br>
+            <a:r>
+              <a:rPr lang="en-US" sz="1300" dirty="0" smtClean="0"/>
+              <a:t> </a:t>
+            </a:r>
             <a:r>
               <a:rPr lang="en-US" dirty="0" smtClean="0"/>
               <a:t/>
@@ -3127,11 +3135,7 @@
             </a:br>
             <a:r>
               <a:rPr lang="en-US" sz="3100" dirty="0" smtClean="0"/>
-              <a:t>A </a:t>
-            </a:r>
-            <a:r>
-              <a:rPr lang="en-US" sz="3100" dirty="0" smtClean="0"/>
-              <a:t>Tool for Publishing and Analyzing Integrative Study Data</a:t>
+              <a:t>A Tool for Publishing and Analyzing Integrative Study Data</a:t>
             </a:r>
             <a:endParaRPr lang="en-US" dirty="0"/>
           </a:p>
@@ -3240,7 +3244,7 @@
       </p:grpSpPr>
       <p:sp>
         <p:nvSpPr>
-          <p:cNvPr id="6" name="Title 5"/>
+          <p:cNvPr id="2" name="Title 1"/>
           <p:cNvSpPr>
             <a:spLocks noGrp="1"/>
           </p:cNvSpPr>
@@ -3255,15 +3259,7 @@
           <a:p>
             <a:r>
               <a:rPr lang="en-US" dirty="0" smtClean="0"/>
-              <a:t>Current </a:t>
-            </a:r>
-            <a:r>
-              <a:rPr lang="en-US" dirty="0" err="1" smtClean="0"/>
-              <a:t>caIntegrator</a:t>
-            </a:r>
-            <a:r>
-              <a:rPr lang="en-US" dirty="0" smtClean="0"/>
-              <a:t> Applications</a:t>
+              <a:t>Goals</a:t>
             </a:r>
             <a:endParaRPr lang="en-US" dirty="0"/>
           </a:p>
@@ -3271,7 +3267,7 @@
       </p:sp>
       <p:sp>
         <p:nvSpPr>
-          <p:cNvPr id="7" name="Content Placeholder 6"/>
+          <p:cNvPr id="3" name="Content Placeholder 2"/>
           <p:cNvSpPr>
             <a:spLocks noGrp="1"/>
           </p:cNvSpPr>
@@ -3281,50 +3277,53 @@
         </p:nvSpPr>
         <p:spPr/>
         <p:txBody>
-          <a:bodyPr>
-            <a:normAutofit lnSpcReduction="10000"/>
-          </a:bodyPr>
+          <a:bodyPr/>
           <a:lstStyle/>
           <a:p>
             <a:r>
               <a:rPr lang="en-US" dirty="0" smtClean="0"/>
-              <a:t>Rembrandt</a:t>
+              <a:t>Have a single place where one can go to get all the information about a study</a:t>
             </a:r>
           </a:p>
           <a:p>
             <a:pPr lvl="1"/>
             <a:r>
               <a:rPr lang="en-US" dirty="0" smtClean="0"/>
-              <a:t>A brain tumor study to host and integrate clinical and functional genomics data from clinical trials involving patients suffering from </a:t>
-            </a:r>
-            <a:r>
-              <a:rPr lang="en-US" dirty="0" err="1" smtClean="0"/>
-              <a:t>Gliomas</a:t>
-            </a:r>
+              <a:t>Clinical Data</a:t>
+            </a:r>
+          </a:p>
+          <a:p>
+            <a:pPr lvl="1"/>
             <a:r>
               <a:rPr lang="en-US" dirty="0" smtClean="0"/>
-              <a:t>.</a:t>
-            </a:r>
-            <a:endParaRPr lang="en-US" dirty="0" smtClean="0"/>
-          </a:p>
-          <a:p>
+              <a:t>Imaging Data</a:t>
+            </a:r>
+          </a:p>
+          <a:p>
+            <a:pPr lvl="1"/>
             <a:r>
               <a:rPr lang="en-US" dirty="0" smtClean="0"/>
-              <a:t>I-SPY</a:t>
+              <a:t>Genomic Data</a:t>
+            </a:r>
+          </a:p>
+          <a:p>
+            <a:r>
+              <a:rPr lang="en-US" dirty="0" smtClean="0"/>
+              <a:t>Provide ways to browse and analyze the data</a:t>
             </a:r>
           </a:p>
           <a:p>
             <a:pPr lvl="1"/>
             <a:r>
               <a:rPr lang="en-US" dirty="0" smtClean="0"/>
-              <a:t>The I-Spy trial is a national study to identify biomarkers predictive of response to therapy throughout the treatment cycle for women with Stage 3 breast cancer.</a:t>
-            </a:r>
-            <a:endParaRPr lang="en-US" dirty="0" smtClean="0"/>
-          </a:p>
-          <a:p>
+              <a:t>Explore and confirm hypotheses</a:t>
+            </a:r>
+          </a:p>
+          <a:p>
+            <a:pPr lvl="1"/>
             <a:r>
               <a:rPr lang="en-US" dirty="0" smtClean="0"/>
-              <a:t>???</a:t>
+              <a:t>Publish results and lists, e.g. of interesting genes </a:t>
             </a:r>
             <a:endParaRPr lang="en-US" dirty="0"/>
           </a:p>
@@ -3339,6 +3338,193 @@
 </file>
 
 <file path=ppt/slides/slide3.xml><?xml version="1.0" encoding="utf-8"?>
+<p:sld xmlns:a="http://schemas.openxmlformats.org/drawingml/2006/main" xmlns:r="http://schemas.openxmlformats.org/officeDocument/2006/relationships" xmlns:p="http://schemas.openxmlformats.org/presentationml/2006/main">
+  <p:cSld>
+    <p:spTree>
+      <p:nvGrpSpPr>
+        <p:cNvPr id="1" name=""/>
+        <p:cNvGrpSpPr/>
+        <p:nvPr/>
+      </p:nvGrpSpPr>
+      <p:grpSpPr>
+        <a:xfrm>
+          <a:off x="0" y="0"/>
+          <a:ext cx="0" cy="0"/>
+          <a:chOff x="0" y="0"/>
+          <a:chExt cx="0" cy="0"/>
+        </a:xfrm>
+      </p:grpSpPr>
+      <p:sp>
+        <p:nvSpPr>
+          <p:cNvPr id="6" name="Title 5"/>
+          <p:cNvSpPr>
+            <a:spLocks noGrp="1"/>
+          </p:cNvSpPr>
+          <p:nvPr>
+            <p:ph type="title"/>
+          </p:nvPr>
+        </p:nvSpPr>
+        <p:spPr/>
+        <p:txBody>
+          <a:bodyPr/>
+          <a:lstStyle/>
+          <a:p>
+            <a:r>
+              <a:rPr lang="en-US" dirty="0" err="1" smtClean="0"/>
+              <a:t>caIntegrator</a:t>
+            </a:r>
+            <a:r>
+              <a:rPr lang="en-US" dirty="0" smtClean="0"/>
+              <a:t> Examples</a:t>
+            </a:r>
+            <a:endParaRPr lang="en-US" dirty="0"/>
+          </a:p>
+        </p:txBody>
+      </p:sp>
+      <p:sp>
+        <p:nvSpPr>
+          <p:cNvPr id="7" name="Content Placeholder 6"/>
+          <p:cNvSpPr>
+            <a:spLocks noGrp="1"/>
+          </p:cNvSpPr>
+          <p:nvPr>
+            <p:ph idx="1"/>
+          </p:nvPr>
+        </p:nvSpPr>
+        <p:spPr/>
+        <p:txBody>
+          <a:bodyPr>
+            <a:normAutofit/>
+          </a:bodyPr>
+          <a:lstStyle/>
+          <a:p>
+            <a:r>
+              <a:rPr lang="en-US" dirty="0" smtClean="0"/>
+              <a:t>Rembrandt</a:t>
+            </a:r>
+          </a:p>
+          <a:p>
+            <a:pPr lvl="1"/>
+            <a:r>
+              <a:rPr lang="en-US" dirty="0" smtClean="0"/>
+              <a:t>A brain tumor study to host and integrate clinical and functional genomics data from clinical trials involving patients suffering from </a:t>
+            </a:r>
+            <a:r>
+              <a:rPr lang="en-US" dirty="0" err="1" smtClean="0"/>
+              <a:t>Gliomas</a:t>
+            </a:r>
+            <a:r>
+              <a:rPr lang="en-US" dirty="0" smtClean="0"/>
+              <a:t>.</a:t>
+            </a:r>
+          </a:p>
+          <a:p>
+            <a:pPr lvl="1"/>
+            <a:endParaRPr lang="en-US" dirty="0" smtClean="0"/>
+          </a:p>
+          <a:p>
+            <a:r>
+              <a:rPr lang="en-US" dirty="0" smtClean="0"/>
+              <a:t>I-SPY</a:t>
+            </a:r>
+          </a:p>
+          <a:p>
+            <a:pPr lvl="1"/>
+            <a:r>
+              <a:rPr lang="en-US" dirty="0" smtClean="0"/>
+              <a:t>A</a:t>
+            </a:r>
+            <a:r>
+              <a:rPr lang="en-US" dirty="0" smtClean="0"/>
+              <a:t> study </a:t>
+            </a:r>
+            <a:r>
+              <a:rPr lang="en-US" dirty="0" smtClean="0"/>
+              <a:t>to identify biomarkers predictive of response to therapy throughout the treatment cycle for women with Stage 3 breast cancer</a:t>
+            </a:r>
+            <a:r>
+              <a:rPr lang="en-US" dirty="0" smtClean="0"/>
+              <a:t>.</a:t>
+            </a:r>
+            <a:endParaRPr lang="en-US" dirty="0" smtClean="0"/>
+          </a:p>
+        </p:txBody>
+      </p:sp>
+      <p:pic>
+        <p:nvPicPr>
+          <p:cNvPr id="1027" name="Picture 3"/>
+          <p:cNvPicPr>
+            <a:picLocks noChangeAspect="1" noChangeArrowheads="1"/>
+          </p:cNvPicPr>
+          <p:nvPr/>
+        </p:nvPicPr>
+        <p:blipFill>
+          <a:blip r:embed="rId2"/>
+          <a:srcRect/>
+          <a:stretch>
+            <a:fillRect/>
+          </a:stretch>
+        </p:blipFill>
+        <p:spPr bwMode="auto">
+          <a:xfrm>
+            <a:off x="1819275" y="4038600"/>
+            <a:ext cx="7324725" cy="638175"/>
+          </a:xfrm>
+          <a:prstGeom prst="rect">
+            <a:avLst/>
+          </a:prstGeom>
+          <a:noFill/>
+          <a:ln w="9525">
+            <a:noFill/>
+            <a:miter lim="800000"/>
+            <a:headEnd/>
+            <a:tailEnd/>
+          </a:ln>
+          <a:effectLst/>
+        </p:spPr>
+      </p:pic>
+      <p:pic>
+        <p:nvPicPr>
+          <p:cNvPr id="1029" name="Picture 5"/>
+          <p:cNvPicPr>
+            <a:picLocks noChangeAspect="1" noChangeArrowheads="1"/>
+          </p:cNvPicPr>
+          <p:nvPr/>
+        </p:nvPicPr>
+        <p:blipFill>
+          <a:blip r:embed="rId3"/>
+          <a:srcRect/>
+          <a:stretch>
+            <a:fillRect/>
+          </a:stretch>
+        </p:blipFill>
+        <p:spPr bwMode="auto">
+          <a:xfrm>
+            <a:off x="2895600" y="1600200"/>
+            <a:ext cx="7315200" cy="619125"/>
+          </a:xfrm>
+          <a:prstGeom prst="rect">
+            <a:avLst/>
+          </a:prstGeom>
+          <a:noFill/>
+          <a:ln w="9525">
+            <a:noFill/>
+            <a:miter lim="800000"/>
+            <a:headEnd/>
+            <a:tailEnd/>
+          </a:ln>
+          <a:effectLst/>
+        </p:spPr>
+      </p:pic>
+    </p:spTree>
+  </p:cSld>
+  <p:clrMapOvr>
+    <a:masterClrMapping/>
+  </p:clrMapOvr>
+</p:sld>
+</file>
+
+<file path=ppt/slides/slide4.xml><?xml version="1.0" encoding="utf-8"?>
 <p:sld xmlns:a="http://schemas.openxmlformats.org/drawingml/2006/main" xmlns:r="http://schemas.openxmlformats.org/officeDocument/2006/relationships" xmlns:p="http://schemas.openxmlformats.org/presentationml/2006/main">
   <p:cSld>
     <p:spTree>
@@ -7170,154 +7356,6 @@
 </p:sld>
 </file>
 
-<file path=ppt/slides/slide4.xml><?xml version="1.0" encoding="utf-8"?>
-<p:sld xmlns:a="http://schemas.openxmlformats.org/drawingml/2006/main" xmlns:r="http://schemas.openxmlformats.org/officeDocument/2006/relationships" xmlns:p="http://schemas.openxmlformats.org/presentationml/2006/main">
-  <p:cSld>
-    <p:spTree>
-      <p:nvGrpSpPr>
-        <p:cNvPr id="1" name=""/>
-        <p:cNvGrpSpPr/>
-        <p:nvPr/>
-      </p:nvGrpSpPr>
-      <p:grpSpPr>
-        <a:xfrm>
-          <a:off x="0" y="0"/>
-          <a:ext cx="0" cy="0"/>
-          <a:chOff x="0" y="0"/>
-          <a:chExt cx="0" cy="0"/>
-        </a:xfrm>
-      </p:grpSpPr>
-      <p:sp>
-        <p:nvSpPr>
-          <p:cNvPr id="2" name="Title 1"/>
-          <p:cNvSpPr>
-            <a:spLocks noGrp="1"/>
-          </p:cNvSpPr>
-          <p:nvPr>
-            <p:ph type="title"/>
-          </p:nvPr>
-        </p:nvSpPr>
-        <p:spPr/>
-        <p:txBody>
-          <a:bodyPr>
-            <a:normAutofit/>
-          </a:bodyPr>
-          <a:lstStyle/>
-          <a:p>
-            <a:r>
-              <a:rPr lang="en-US" sz="3600" dirty="0" smtClean="0"/>
-              <a:t>What you can do with caIntegrator2</a:t>
-            </a:r>
-            <a:endParaRPr lang="en-US" sz="3600" dirty="0"/>
-          </a:p>
-        </p:txBody>
-      </p:sp>
-      <p:sp>
-        <p:nvSpPr>
-          <p:cNvPr id="3" name="Content Placeholder 2"/>
-          <p:cNvSpPr>
-            <a:spLocks noGrp="1"/>
-          </p:cNvSpPr>
-          <p:nvPr>
-            <p:ph idx="1"/>
-          </p:nvPr>
-        </p:nvSpPr>
-        <p:spPr/>
-        <p:txBody>
-          <a:bodyPr>
-            <a:normAutofit fontScale="92500" lnSpcReduction="10000"/>
-          </a:bodyPr>
-          <a:lstStyle/>
-          <a:p>
-            <a:r>
-              <a:rPr lang="en-US" dirty="0" smtClean="0"/>
-              <a:t>Browse and filter lists of major entities</a:t>
-            </a:r>
-          </a:p>
-          <a:p>
-            <a:pPr lvl="1"/>
-            <a:r>
-              <a:rPr lang="en-US" dirty="0" smtClean="0"/>
-              <a:t>Subjects</a:t>
-            </a:r>
-          </a:p>
-          <a:p>
-            <a:pPr lvl="1"/>
-            <a:r>
-              <a:rPr lang="en-US" dirty="0" smtClean="0"/>
-              <a:t>Samples</a:t>
-            </a:r>
-          </a:p>
-          <a:p>
-            <a:r>
-              <a:rPr lang="en-US" dirty="0" smtClean="0"/>
-              <a:t>Write complex queries</a:t>
-            </a:r>
-          </a:p>
-          <a:p>
-            <a:pPr lvl="1"/>
-            <a:r>
-              <a:rPr lang="en-US" dirty="0" smtClean="0"/>
-              <a:t>Join across clinical, microarray and image data</a:t>
-            </a:r>
-          </a:p>
-          <a:p>
-            <a:pPr lvl="1"/>
-            <a:r>
-              <a:rPr lang="en-US" dirty="0" smtClean="0"/>
-              <a:t>Publish queries to other users that return lists of interesting genes, subjects and/or images</a:t>
-            </a:r>
-          </a:p>
-          <a:p>
-            <a:r>
-              <a:rPr lang="en-US" dirty="0" smtClean="0"/>
-              <a:t>Do analysis</a:t>
-            </a:r>
-          </a:p>
-          <a:p>
-            <a:pPr lvl="1"/>
-            <a:r>
-              <a:rPr lang="en-US" dirty="0" smtClean="0"/>
-              <a:t>Kaplan-Meier Survival Curves</a:t>
-            </a:r>
-          </a:p>
-          <a:p>
-            <a:pPr lvl="1"/>
-            <a:r>
-              <a:rPr lang="en-US" dirty="0" smtClean="0"/>
-              <a:t>Export to </a:t>
-            </a:r>
-            <a:r>
-              <a:rPr lang="en-US" dirty="0" err="1" smtClean="0"/>
-              <a:t>GenePattern</a:t>
-            </a:r>
-            <a:r>
-              <a:rPr lang="en-US" dirty="0" smtClean="0"/>
-              <a:t> or </a:t>
-            </a:r>
-            <a:r>
-              <a:rPr lang="en-US" dirty="0" err="1" smtClean="0"/>
-              <a:t>GEWorkbench</a:t>
-            </a:r>
-            <a:endParaRPr lang="en-US" dirty="0" smtClean="0"/>
-          </a:p>
-        </p:txBody>
-      </p:sp>
-    </p:spTree>
-  </p:cSld>
-  <p:clrMapOvr>
-    <a:masterClrMapping/>
-  </p:clrMapOvr>
-  <p:timing>
-    <p:tnLst>
-      <p:par>
-        <p:cTn id="1" dur="indefinite" restart="never" nodeType="tmRoot"/>
-      </p:par>
-    </p:tnLst>
-  </p:timing>
-</p:sld>
-</file>
-
 <file path=ppt/slides/slide5.xml><?xml version="1.0" encoding="utf-8"?>
 <p:sld xmlns:a="http://schemas.openxmlformats.org/drawingml/2006/main" xmlns:r="http://schemas.openxmlformats.org/officeDocument/2006/relationships" xmlns:p="http://schemas.openxmlformats.org/presentationml/2006/main">
   <p:cSld>
@@ -7347,14 +7385,16 @@
         </p:nvSpPr>
         <p:spPr/>
         <p:txBody>
-          <a:bodyPr/>
+          <a:bodyPr>
+            <a:normAutofit/>
+          </a:bodyPr>
           <a:lstStyle/>
           <a:p>
             <a:r>
-              <a:rPr lang="en-US" dirty="0" smtClean="0"/>
-              <a:t>Other Stuff</a:t>
-            </a:r>
-            <a:endParaRPr lang="en-US" dirty="0"/>
+              <a:rPr lang="en-US" sz="3600" dirty="0" smtClean="0"/>
+              <a:t>What you can do with caIntegrator2</a:t>
+            </a:r>
+            <a:endParaRPr lang="en-US" sz="3600" dirty="0"/>
           </a:p>
         </p:txBody>
       </p:sp>
@@ -7377,70 +7417,61 @@
           <a:p>
             <a:r>
               <a:rPr lang="en-US" dirty="0" smtClean="0"/>
-              <a:t>Schedule</a:t>
+              <a:t>Browse and filter lists of major entities</a:t>
             </a:r>
           </a:p>
           <a:p>
             <a:pPr lvl="1"/>
             <a:r>
               <a:rPr lang="en-US" dirty="0" smtClean="0"/>
-              <a:t>Version 1.0 on mm/</a:t>
-            </a:r>
-            <a:r>
-              <a:rPr lang="en-US" dirty="0" err="1" smtClean="0"/>
-              <a:t>dd</a:t>
-            </a:r>
+              <a:t>Subjects</a:t>
+            </a:r>
+          </a:p>
+          <a:p>
+            <a:pPr lvl="1"/>
             <a:r>
               <a:rPr lang="en-US" dirty="0" smtClean="0"/>
-              <a:t>/</a:t>
-            </a:r>
-            <a:r>
-              <a:rPr lang="en-US" dirty="0" err="1" smtClean="0"/>
-              <a:t>yy</a:t>
-            </a:r>
+              <a:t>Samples</a:t>
+            </a:r>
+          </a:p>
+          <a:p>
             <a:r>
               <a:rPr lang="en-US" dirty="0" smtClean="0"/>
-              <a:t>?</a:t>
-            </a:r>
-          </a:p>
-          <a:p>
+              <a:t>Write complex queries</a:t>
+            </a:r>
+          </a:p>
+          <a:p>
+            <a:pPr lvl="1"/>
             <a:r>
               <a:rPr lang="en-US" dirty="0" smtClean="0"/>
-              <a:t>Where it will be hosted?</a:t>
-            </a:r>
-          </a:p>
-          <a:p>
+              <a:t>Join across clinical, microarray and image data</a:t>
+            </a:r>
+          </a:p>
+          <a:p>
+            <a:pPr lvl="1"/>
             <a:r>
               <a:rPr lang="en-US" dirty="0" smtClean="0"/>
-              <a:t>Technology?</a:t>
+              <a:t>Publish queries to other users that return lists of interesting genes, subjects and/or images</a:t>
             </a:r>
           </a:p>
           <a:p>
             <a:r>
               <a:rPr lang="en-US" dirty="0" smtClean="0"/>
-              <a:t>Future Directions</a:t>
+              <a:t>Do analysis</a:t>
             </a:r>
           </a:p>
           <a:p>
             <a:pPr lvl="1"/>
             <a:r>
               <a:rPr lang="en-US" dirty="0" smtClean="0"/>
-              <a:t>Incorporate other types of genomic data such as copy number, </a:t>
-            </a:r>
-            <a:r>
-              <a:rPr lang="en-US" dirty="0" err="1" smtClean="0"/>
-              <a:t>methylation</a:t>
-            </a:r>
+              <a:t>Kaplan-Meier Survival Curves</a:t>
+            </a:r>
+          </a:p>
+          <a:p>
+            <a:pPr lvl="1"/>
             <a:r>
               <a:rPr lang="en-US" dirty="0" smtClean="0"/>
-              <a:t>, and genotypes</a:t>
-            </a:r>
-          </a:p>
-          <a:p>
-            <a:pPr lvl="1"/>
-            <a:r>
-              <a:rPr lang="en-US" dirty="0" smtClean="0"/>
-              <a:t>Tighter integration with </a:t>
+              <a:t>Export to </a:t>
             </a:r>
             <a:r>
               <a:rPr lang="en-US" dirty="0" err="1" smtClean="0"/>
@@ -7448,16 +7479,13 @@
             </a:r>
             <a:r>
               <a:rPr lang="en-US" dirty="0" smtClean="0"/>
-              <a:t> and other analysis tools</a:t>
-            </a:r>
-            <a:endParaRPr lang="en-US" dirty="0"/>
-          </a:p>
-          <a:p>
-            <a:pPr lvl="1"/>
-            <a:r>
-              <a:rPr lang="en-US" dirty="0" smtClean="0"/>
-              <a:t>Allow regular updates of data</a:t>
-            </a:r>
+              <a:t> or </a:t>
+            </a:r>
+            <a:r>
+              <a:rPr lang="en-US" dirty="0" err="1" smtClean="0"/>
+              <a:t>GEWorkbench</a:t>
+            </a:r>
+            <a:endParaRPr lang="en-US" dirty="0" smtClean="0"/>
           </a:p>
         </p:txBody>
       </p:sp>
@@ -7510,6 +7538,164 @@
           <a:p>
             <a:r>
               <a:rPr lang="en-US" dirty="0" smtClean="0"/>
+              <a:t>Other Stuff</a:t>
+            </a:r>
+            <a:endParaRPr lang="en-US" dirty="0"/>
+          </a:p>
+        </p:txBody>
+      </p:sp>
+      <p:sp>
+        <p:nvSpPr>
+          <p:cNvPr id="3" name="Content Placeholder 2"/>
+          <p:cNvSpPr>
+            <a:spLocks noGrp="1"/>
+          </p:cNvSpPr>
+          <p:nvPr>
+            <p:ph idx="1"/>
+          </p:nvPr>
+        </p:nvSpPr>
+        <p:spPr/>
+        <p:txBody>
+          <a:bodyPr>
+            <a:normAutofit fontScale="92500" lnSpcReduction="10000"/>
+          </a:bodyPr>
+          <a:lstStyle/>
+          <a:p>
+            <a:r>
+              <a:rPr lang="en-US" dirty="0" smtClean="0"/>
+              <a:t>Schedule</a:t>
+            </a:r>
+          </a:p>
+          <a:p>
+            <a:pPr lvl="1"/>
+            <a:r>
+              <a:rPr lang="en-US" dirty="0" smtClean="0"/>
+              <a:t>Version 1.0 on mm/</a:t>
+            </a:r>
+            <a:r>
+              <a:rPr lang="en-US" dirty="0" err="1" smtClean="0"/>
+              <a:t>dd</a:t>
+            </a:r>
+            <a:r>
+              <a:rPr lang="en-US" dirty="0" smtClean="0"/>
+              <a:t>/</a:t>
+            </a:r>
+            <a:r>
+              <a:rPr lang="en-US" dirty="0" err="1" smtClean="0"/>
+              <a:t>yy</a:t>
+            </a:r>
+            <a:r>
+              <a:rPr lang="en-US" dirty="0" smtClean="0"/>
+              <a:t>?</a:t>
+            </a:r>
+          </a:p>
+          <a:p>
+            <a:r>
+              <a:rPr lang="en-US" dirty="0" smtClean="0"/>
+              <a:t>Where it will be hosted?</a:t>
+            </a:r>
+          </a:p>
+          <a:p>
+            <a:r>
+              <a:rPr lang="en-US" dirty="0" smtClean="0"/>
+              <a:t>Technology?</a:t>
+            </a:r>
+          </a:p>
+          <a:p>
+            <a:r>
+              <a:rPr lang="en-US" dirty="0" smtClean="0"/>
+              <a:t>Future Directions</a:t>
+            </a:r>
+          </a:p>
+          <a:p>
+            <a:pPr lvl="1"/>
+            <a:r>
+              <a:rPr lang="en-US" dirty="0" smtClean="0"/>
+              <a:t>Incorporate other types of genomic data such as copy number, </a:t>
+            </a:r>
+            <a:r>
+              <a:rPr lang="en-US" dirty="0" err="1" smtClean="0"/>
+              <a:t>methylation</a:t>
+            </a:r>
+            <a:r>
+              <a:rPr lang="en-US" dirty="0" smtClean="0"/>
+              <a:t>, and genotypes</a:t>
+            </a:r>
+          </a:p>
+          <a:p>
+            <a:pPr lvl="1"/>
+            <a:r>
+              <a:rPr lang="en-US" dirty="0" smtClean="0"/>
+              <a:t>Tighter integration with </a:t>
+            </a:r>
+            <a:r>
+              <a:rPr lang="en-US" dirty="0" err="1" smtClean="0"/>
+              <a:t>GenePattern</a:t>
+            </a:r>
+            <a:r>
+              <a:rPr lang="en-US" dirty="0" smtClean="0"/>
+              <a:t> and other analysis tools</a:t>
+            </a:r>
+            <a:endParaRPr lang="en-US" dirty="0"/>
+          </a:p>
+          <a:p>
+            <a:pPr lvl="1"/>
+            <a:r>
+              <a:rPr lang="en-US" dirty="0" smtClean="0"/>
+              <a:t>Allow regular updates of data</a:t>
+            </a:r>
+          </a:p>
+        </p:txBody>
+      </p:sp>
+    </p:spTree>
+  </p:cSld>
+  <p:clrMapOvr>
+    <a:masterClrMapping/>
+  </p:clrMapOvr>
+  <p:timing>
+    <p:tnLst>
+      <p:par>
+        <p:cTn id="1" dur="indefinite" restart="never" nodeType="tmRoot"/>
+      </p:par>
+    </p:tnLst>
+  </p:timing>
+</p:sld>
+</file>
+
+<file path=ppt/slides/slide7.xml><?xml version="1.0" encoding="utf-8"?>
+<p:sld xmlns:a="http://schemas.openxmlformats.org/drawingml/2006/main" xmlns:r="http://schemas.openxmlformats.org/officeDocument/2006/relationships" xmlns:p="http://schemas.openxmlformats.org/presentationml/2006/main">
+  <p:cSld>
+    <p:spTree>
+      <p:nvGrpSpPr>
+        <p:cNvPr id="1" name=""/>
+        <p:cNvGrpSpPr/>
+        <p:nvPr/>
+      </p:nvGrpSpPr>
+      <p:grpSpPr>
+        <a:xfrm>
+          <a:off x="0" y="0"/>
+          <a:ext cx="0" cy="0"/>
+          <a:chOff x="0" y="0"/>
+          <a:chExt cx="0" cy="0"/>
+        </a:xfrm>
+      </p:grpSpPr>
+      <p:sp>
+        <p:nvSpPr>
+          <p:cNvPr id="2" name="Title 1"/>
+          <p:cNvSpPr>
+            <a:spLocks noGrp="1"/>
+          </p:cNvSpPr>
+          <p:nvPr>
+            <p:ph type="title"/>
+          </p:nvPr>
+        </p:nvSpPr>
+        <p:spPr/>
+        <p:txBody>
+          <a:bodyPr/>
+          <a:lstStyle/>
+          <a:p>
+            <a:r>
+              <a:rPr lang="en-US" dirty="0" smtClean="0"/>
               <a:t>Credits</a:t>
             </a:r>
             <a:endParaRPr lang="en-US" dirty="0"/>
@@ -7549,7 +7735,7 @@
             <a:pPr lvl="1"/>
             <a:r>
               <a:rPr lang="en-US" dirty="0" smtClean="0"/>
-              <a:t>Will </a:t>
+              <a:t>William </a:t>
             </a:r>
             <a:r>
               <a:rPr lang="en-US" dirty="0" err="1" smtClean="0"/>
@@ -7695,7 +7881,7 @@
             <a:pPr lvl="1"/>
             <a:r>
               <a:rPr lang="en-US" dirty="0" smtClean="0"/>
-              <a:t>Carl Jaffe</a:t>
+              <a:t>Adam Flanders</a:t>
             </a:r>
           </a:p>
           <a:p>
@@ -7714,14 +7900,18 @@
             <a:pPr lvl="1"/>
             <a:r>
               <a:rPr lang="en-US" dirty="0" smtClean="0"/>
-              <a:t>Adam Flanders</a:t>
+              <a:t>Carl Jaffe</a:t>
             </a:r>
           </a:p>
           <a:p>
             <a:pPr lvl="1"/>
             <a:r>
               <a:rPr lang="en-US" dirty="0" smtClean="0"/>
-              <a:t>Daniel Rubin</a:t>
+              <a:t>Daniel </a:t>
+            </a:r>
+            <a:r>
+              <a:rPr lang="en-US" dirty="0" smtClean="0"/>
+              <a:t>Rubin</a:t>
             </a:r>
           </a:p>
           <a:p>

--- a/project_management/external_meetings/ICR Workspace Mtg Sept 2008 Slides.pptx
+++ b/project_management/external_meetings/ICR Workspace Mtg Sept 2008 Slides.pptx
@@ -10,8 +10,15 @@
     <p:sldId id="263" r:id="rId4"/>
     <p:sldId id="257" r:id="rId5"/>
     <p:sldId id="260" r:id="rId6"/>
-    <p:sldId id="261" r:id="rId7"/>
-    <p:sldId id="262" r:id="rId8"/>
+    <p:sldId id="266" r:id="rId7"/>
+    <p:sldId id="268" r:id="rId8"/>
+    <p:sldId id="269" r:id="rId9"/>
+    <p:sldId id="270" r:id="rId10"/>
+    <p:sldId id="267" r:id="rId11"/>
+    <p:sldId id="272" r:id="rId12"/>
+    <p:sldId id="273" r:id="rId13"/>
+    <p:sldId id="274" r:id="rId14"/>
+    <p:sldId id="275" r:id="rId15"/>
   </p:sldIdLst>
   <p:sldSz cx="9144000" cy="6858000" type="screen4x3"/>
   <p:notesSz cx="6858000" cy="9144000"/>
@@ -119,24 +126,6 @@
 </p:cmAuthorLst>
 </file>
 
-<file path=ppt/comments/comment1.xml><?xml version="1.0" encoding="utf-8"?>
-<p:cmLst xmlns:a="http://schemas.openxmlformats.org/drawingml/2006/main" xmlns:r="http://schemas.openxmlformats.org/officeDocument/2006/relationships" xmlns:p="http://schemas.openxmlformats.org/presentationml/2006/main">
-  <p:cm authorId="0" dt="2008-09-16T16:00:35.694" idx="1">
-    <p:pos x="10" y="10"/>
-    <p:text>should i have preceding slide talking about caIntegrator implementations (rembrandt, i-spy) in more detail?</p:text>
-  </p:cm>
-</p:cmLst>
-</file>
-
-<file path=ppt/comments/comment2.xml><?xml version="1.0" encoding="utf-8"?>
-<p:cmLst xmlns:a="http://schemas.openxmlformats.org/drawingml/2006/main" xmlns:r="http://schemas.openxmlformats.org/officeDocument/2006/relationships" xmlns:p="http://schemas.openxmlformats.org/presentationml/2006/main">
-  <p:cm authorId="0" dt="2008-09-16T16:01:31.526" idx="2">
-    <p:pos x="10" y="10"/>
-    <p:text>how technical is the audience?  do we want any model diagrams or anything?</p:text>
-  </p:cm>
-</p:cmLst>
-</file>
-
 <file path=ppt/slideLayouts/slideLayout1.xml><?xml version="1.0" encoding="utf-8"?>
 <p:sldLayout xmlns:a="http://schemas.openxmlformats.org/drawingml/2006/main" xmlns:r="http://schemas.openxmlformats.org/officeDocument/2006/relationships" xmlns:p="http://schemas.openxmlformats.org/presentationml/2006/main" type="title" preserve="1">
   <p:cSld name="Title Slide">
@@ -319,7 +308,7 @@
             <a:fld id="{BFF0141B-3676-46F2-8A5A-C346ECA90DD6}" type="datetimeFigureOut">
               <a:rPr lang="en-US" smtClean="0"/>
               <a:pPr/>
-              <a:t>9/17/2008</a:t>
+              <a:t>9/19/2008</a:t>
             </a:fld>
             <a:endParaRPr lang="en-US"/>
           </a:p>
@@ -486,7 +475,7 @@
             <a:fld id="{BFF0141B-3676-46F2-8A5A-C346ECA90DD6}" type="datetimeFigureOut">
               <a:rPr lang="en-US" smtClean="0"/>
               <a:pPr/>
-              <a:t>9/17/2008</a:t>
+              <a:t>9/19/2008</a:t>
             </a:fld>
             <a:endParaRPr lang="en-US"/>
           </a:p>
@@ -663,7 +652,7 @@
             <a:fld id="{BFF0141B-3676-46F2-8A5A-C346ECA90DD6}" type="datetimeFigureOut">
               <a:rPr lang="en-US" smtClean="0"/>
               <a:pPr/>
-              <a:t>9/17/2008</a:t>
+              <a:t>9/19/2008</a:t>
             </a:fld>
             <a:endParaRPr lang="en-US"/>
           </a:p>
@@ -830,7 +819,7 @@
             <a:fld id="{BFF0141B-3676-46F2-8A5A-C346ECA90DD6}" type="datetimeFigureOut">
               <a:rPr lang="en-US" smtClean="0"/>
               <a:pPr/>
-              <a:t>9/17/2008</a:t>
+              <a:t>9/19/2008</a:t>
             </a:fld>
             <a:endParaRPr lang="en-US"/>
           </a:p>
@@ -1073,7 +1062,7 @@
             <a:fld id="{BFF0141B-3676-46F2-8A5A-C346ECA90DD6}" type="datetimeFigureOut">
               <a:rPr lang="en-US" smtClean="0"/>
               <a:pPr/>
-              <a:t>9/17/2008</a:t>
+              <a:t>9/19/2008</a:t>
             </a:fld>
             <a:endParaRPr lang="en-US"/>
           </a:p>
@@ -1358,7 +1347,7 @@
             <a:fld id="{BFF0141B-3676-46F2-8A5A-C346ECA90DD6}" type="datetimeFigureOut">
               <a:rPr lang="en-US" smtClean="0"/>
               <a:pPr/>
-              <a:t>9/17/2008</a:t>
+              <a:t>9/19/2008</a:t>
             </a:fld>
             <a:endParaRPr lang="en-US"/>
           </a:p>
@@ -1777,7 +1766,7 @@
             <a:fld id="{BFF0141B-3676-46F2-8A5A-C346ECA90DD6}" type="datetimeFigureOut">
               <a:rPr lang="en-US" smtClean="0"/>
               <a:pPr/>
-              <a:t>9/17/2008</a:t>
+              <a:t>9/19/2008</a:t>
             </a:fld>
             <a:endParaRPr lang="en-US"/>
           </a:p>
@@ -1892,7 +1881,7 @@
             <a:fld id="{BFF0141B-3676-46F2-8A5A-C346ECA90DD6}" type="datetimeFigureOut">
               <a:rPr lang="en-US" smtClean="0"/>
               <a:pPr/>
-              <a:t>9/17/2008</a:t>
+              <a:t>9/19/2008</a:t>
             </a:fld>
             <a:endParaRPr lang="en-US"/>
           </a:p>
@@ -1984,7 +1973,7 @@
             <a:fld id="{BFF0141B-3676-46F2-8A5A-C346ECA90DD6}" type="datetimeFigureOut">
               <a:rPr lang="en-US" smtClean="0"/>
               <a:pPr/>
-              <a:t>9/17/2008</a:t>
+              <a:t>9/19/2008</a:t>
             </a:fld>
             <a:endParaRPr lang="en-US"/>
           </a:p>
@@ -2258,7 +2247,7 @@
             <a:fld id="{BFF0141B-3676-46F2-8A5A-C346ECA90DD6}" type="datetimeFigureOut">
               <a:rPr lang="en-US" smtClean="0"/>
               <a:pPr/>
-              <a:t>9/17/2008</a:t>
+              <a:t>9/19/2008</a:t>
             </a:fld>
             <a:endParaRPr lang="en-US"/>
           </a:p>
@@ -2508,7 +2497,7 @@
             <a:fld id="{BFF0141B-3676-46F2-8A5A-C346ECA90DD6}" type="datetimeFigureOut">
               <a:rPr lang="en-US" smtClean="0"/>
               <a:pPr/>
-              <a:t>9/17/2008</a:t>
+              <a:t>9/19/2008</a:t>
             </a:fld>
             <a:endParaRPr lang="en-US"/>
           </a:p>
@@ -2718,7 +2707,7 @@
             <a:fld id="{BFF0141B-3676-46F2-8A5A-C346ECA90DD6}" type="datetimeFigureOut">
               <a:rPr lang="en-US" smtClean="0"/>
               <a:pPr/>
-              <a:t>9/17/2008</a:t>
+              <a:t>9/19/2008</a:t>
             </a:fld>
             <a:endParaRPr lang="en-US"/>
           </a:p>
@@ -3113,11 +3102,7 @@
           <a:p>
             <a:r>
               <a:rPr lang="en-US" sz="4900" dirty="0" smtClean="0"/>
-              <a:t>Overview and Demo of </a:t>
-            </a:r>
-            <a:r>
-              <a:rPr lang="en-US" sz="4900" dirty="0" smtClean="0"/>
-              <a:t>CaIntegrator2</a:t>
+              <a:t>Overview and Demo of CaIntegrator2</a:t>
             </a:r>
             <a:br>
               <a:rPr lang="en-US" sz="4900" dirty="0" smtClean="0"/>
@@ -3222,6 +3207,1063 @@
   <p:clrMapOvr>
     <a:masterClrMapping/>
   </p:clrMapOvr>
+  <p:timing>
+    <p:tnLst>
+      <p:par>
+        <p:cTn id="1" dur="indefinite" restart="never" nodeType="tmRoot"/>
+      </p:par>
+    </p:tnLst>
+  </p:timing>
+</p:sld>
+</file>
+
+<file path=ppt/slides/slide10.xml><?xml version="1.0" encoding="utf-8"?>
+<p:sld xmlns:a="http://schemas.openxmlformats.org/drawingml/2006/main" xmlns:r="http://schemas.openxmlformats.org/officeDocument/2006/relationships" xmlns:p="http://schemas.openxmlformats.org/presentationml/2006/main">
+  <p:cSld>
+    <p:spTree>
+      <p:nvGrpSpPr>
+        <p:cNvPr id="1" name=""/>
+        <p:cNvGrpSpPr/>
+        <p:nvPr/>
+      </p:nvGrpSpPr>
+      <p:grpSpPr>
+        <a:xfrm>
+          <a:off x="0" y="0"/>
+          <a:ext cx="0" cy="0"/>
+          <a:chOff x="0" y="0"/>
+          <a:chExt cx="0" cy="0"/>
+        </a:xfrm>
+      </p:grpSpPr>
+      <p:pic>
+        <p:nvPicPr>
+          <p:cNvPr id="2050" name="Picture 2"/>
+          <p:cNvPicPr>
+            <a:picLocks noChangeAspect="1" noChangeArrowheads="1"/>
+          </p:cNvPicPr>
+          <p:nvPr/>
+        </p:nvPicPr>
+        <p:blipFill>
+          <a:blip r:embed="rId2"/>
+          <a:srcRect/>
+          <a:stretch>
+            <a:fillRect/>
+          </a:stretch>
+        </p:blipFill>
+        <p:spPr bwMode="auto">
+          <a:xfrm>
+            <a:off x="795814" y="202882"/>
+            <a:ext cx="7509986" cy="6426518"/>
+          </a:xfrm>
+          <a:prstGeom prst="rect">
+            <a:avLst/>
+          </a:prstGeom>
+          <a:noFill/>
+          <a:ln w="9525">
+            <a:noFill/>
+            <a:miter lim="800000"/>
+            <a:headEnd/>
+            <a:tailEnd/>
+          </a:ln>
+          <a:effectLst/>
+        </p:spPr>
+      </p:pic>
+    </p:spTree>
+  </p:cSld>
+  <p:clrMapOvr>
+    <a:masterClrMapping/>
+  </p:clrMapOvr>
+  <p:timing>
+    <p:tnLst>
+      <p:par>
+        <p:cTn id="1" dur="indefinite" restart="never" nodeType="tmRoot"/>
+      </p:par>
+    </p:tnLst>
+  </p:timing>
+</p:sld>
+</file>
+
+<file path=ppt/slides/slide11.xml><?xml version="1.0" encoding="utf-8"?>
+<p:sld xmlns:a="http://schemas.openxmlformats.org/drawingml/2006/main" xmlns:r="http://schemas.openxmlformats.org/officeDocument/2006/relationships" xmlns:p="http://schemas.openxmlformats.org/presentationml/2006/main">
+  <p:cSld>
+    <p:spTree>
+      <p:nvGrpSpPr>
+        <p:cNvPr id="1" name=""/>
+        <p:cNvGrpSpPr/>
+        <p:nvPr/>
+      </p:nvGrpSpPr>
+      <p:grpSpPr>
+        <a:xfrm>
+          <a:off x="0" y="0"/>
+          <a:ext cx="0" cy="0"/>
+          <a:chOff x="0" y="0"/>
+          <a:chExt cx="0" cy="0"/>
+        </a:xfrm>
+      </p:grpSpPr>
+      <p:pic>
+        <p:nvPicPr>
+          <p:cNvPr id="3074" name="Picture 2"/>
+          <p:cNvPicPr>
+            <a:picLocks noChangeAspect="1" noChangeArrowheads="1"/>
+          </p:cNvPicPr>
+          <p:nvPr/>
+        </p:nvPicPr>
+        <p:blipFill>
+          <a:blip r:embed="rId2"/>
+          <a:srcRect/>
+          <a:stretch>
+            <a:fillRect/>
+          </a:stretch>
+        </p:blipFill>
+        <p:spPr bwMode="auto">
+          <a:xfrm>
+            <a:off x="457200" y="152400"/>
+            <a:ext cx="8263027" cy="6553200"/>
+          </a:xfrm>
+          <a:prstGeom prst="rect">
+            <a:avLst/>
+          </a:prstGeom>
+          <a:noFill/>
+          <a:ln w="9525">
+            <a:noFill/>
+            <a:miter lim="800000"/>
+            <a:headEnd/>
+            <a:tailEnd/>
+          </a:ln>
+          <a:effectLst/>
+        </p:spPr>
+      </p:pic>
+      <p:sp>
+        <p:nvSpPr>
+          <p:cNvPr id="3" name="Left Arrow 2"/>
+          <p:cNvSpPr/>
+          <p:nvPr/>
+        </p:nvSpPr>
+        <p:spPr>
+          <a:xfrm>
+            <a:off x="1138990" y="2562726"/>
+            <a:ext cx="842210" cy="457200"/>
+          </a:xfrm>
+          <a:prstGeom prst="leftArrow">
+            <a:avLst/>
+          </a:prstGeom>
+          <a:solidFill>
+            <a:srgbClr val="FFFF00"/>
+          </a:solidFill>
+          <a:ln>
+            <a:solidFill>
+              <a:schemeClr val="accent6">
+                <a:lumMod val="50000"/>
+              </a:schemeClr>
+            </a:solidFill>
+          </a:ln>
+        </p:spPr>
+        <p:style>
+          <a:lnRef idx="2">
+            <a:schemeClr val="accent1">
+              <a:shade val="50000"/>
+            </a:schemeClr>
+          </a:lnRef>
+          <a:fillRef idx="1">
+            <a:schemeClr val="accent1"/>
+          </a:fillRef>
+          <a:effectRef idx="0">
+            <a:schemeClr val="accent1"/>
+          </a:effectRef>
+          <a:fontRef idx="minor">
+            <a:schemeClr val="lt1"/>
+          </a:fontRef>
+        </p:style>
+        <p:txBody>
+          <a:bodyPr rtlCol="0" anchor="ctr"/>
+          <a:lstStyle/>
+          <a:p>
+            <a:pPr algn="ctr"/>
+            <a:endParaRPr lang="en-US"/>
+          </a:p>
+        </p:txBody>
+      </p:sp>
+    </p:spTree>
+  </p:cSld>
+  <p:clrMapOvr>
+    <a:masterClrMapping/>
+  </p:clrMapOvr>
+  <p:timing>
+    <p:tnLst>
+      <p:par>
+        <p:cTn id="1" dur="indefinite" restart="never" nodeType="tmRoot"/>
+      </p:par>
+    </p:tnLst>
+  </p:timing>
+</p:sld>
+</file>
+
+<file path=ppt/slides/slide12.xml><?xml version="1.0" encoding="utf-8"?>
+<p:sld xmlns:a="http://schemas.openxmlformats.org/drawingml/2006/main" xmlns:r="http://schemas.openxmlformats.org/officeDocument/2006/relationships" xmlns:p="http://schemas.openxmlformats.org/presentationml/2006/main">
+  <p:cSld>
+    <p:spTree>
+      <p:nvGrpSpPr>
+        <p:cNvPr id="1" name=""/>
+        <p:cNvGrpSpPr/>
+        <p:nvPr/>
+      </p:nvGrpSpPr>
+      <p:grpSpPr>
+        <a:xfrm>
+          <a:off x="0" y="0"/>
+          <a:ext cx="0" cy="0"/>
+          <a:chOff x="0" y="0"/>
+          <a:chExt cx="0" cy="0"/>
+        </a:xfrm>
+      </p:grpSpPr>
+      <p:pic>
+        <p:nvPicPr>
+          <p:cNvPr id="4098" name="Picture 2"/>
+          <p:cNvPicPr>
+            <a:picLocks noChangeAspect="1" noChangeArrowheads="1"/>
+          </p:cNvPicPr>
+          <p:nvPr/>
+        </p:nvPicPr>
+        <p:blipFill>
+          <a:blip r:embed="rId2"/>
+          <a:srcRect/>
+          <a:stretch>
+            <a:fillRect/>
+          </a:stretch>
+        </p:blipFill>
+        <p:spPr bwMode="auto">
+          <a:xfrm>
+            <a:off x="990600" y="152400"/>
+            <a:ext cx="7239000" cy="6570601"/>
+          </a:xfrm>
+          <a:prstGeom prst="rect">
+            <a:avLst/>
+          </a:prstGeom>
+          <a:noFill/>
+          <a:ln w="9525">
+            <a:noFill/>
+            <a:miter lim="800000"/>
+            <a:headEnd/>
+            <a:tailEnd/>
+          </a:ln>
+          <a:effectLst/>
+        </p:spPr>
+      </p:pic>
+      <p:sp>
+        <p:nvSpPr>
+          <p:cNvPr id="3" name="Left Arrow 2"/>
+          <p:cNvSpPr/>
+          <p:nvPr/>
+        </p:nvSpPr>
+        <p:spPr>
+          <a:xfrm>
+            <a:off x="1487905" y="2630905"/>
+            <a:ext cx="842210" cy="457200"/>
+          </a:xfrm>
+          <a:prstGeom prst="leftArrow">
+            <a:avLst/>
+          </a:prstGeom>
+          <a:solidFill>
+            <a:srgbClr val="FFFF00"/>
+          </a:solidFill>
+          <a:ln>
+            <a:solidFill>
+              <a:schemeClr val="accent6">
+                <a:lumMod val="50000"/>
+              </a:schemeClr>
+            </a:solidFill>
+          </a:ln>
+        </p:spPr>
+        <p:style>
+          <a:lnRef idx="2">
+            <a:schemeClr val="accent1">
+              <a:shade val="50000"/>
+            </a:schemeClr>
+          </a:lnRef>
+          <a:fillRef idx="1">
+            <a:schemeClr val="accent1"/>
+          </a:fillRef>
+          <a:effectRef idx="0">
+            <a:schemeClr val="accent1"/>
+          </a:effectRef>
+          <a:fontRef idx="minor">
+            <a:schemeClr val="lt1"/>
+          </a:fontRef>
+        </p:style>
+        <p:txBody>
+          <a:bodyPr rtlCol="0" anchor="ctr"/>
+          <a:lstStyle/>
+          <a:p>
+            <a:pPr algn="ctr"/>
+            <a:endParaRPr lang="en-US"/>
+          </a:p>
+        </p:txBody>
+      </p:sp>
+    </p:spTree>
+  </p:cSld>
+  <p:clrMapOvr>
+    <a:masterClrMapping/>
+  </p:clrMapOvr>
+  <p:timing>
+    <p:tnLst>
+      <p:par>
+        <p:cTn id="1" dur="indefinite" restart="never" nodeType="tmRoot"/>
+      </p:par>
+    </p:tnLst>
+  </p:timing>
+</p:sld>
+</file>
+
+<file path=ppt/slides/slide13.xml><?xml version="1.0" encoding="utf-8"?>
+<p:sld xmlns:a="http://schemas.openxmlformats.org/drawingml/2006/main" xmlns:r="http://schemas.openxmlformats.org/officeDocument/2006/relationships" xmlns:p="http://schemas.openxmlformats.org/presentationml/2006/main">
+  <p:cSld>
+    <p:spTree>
+      <p:nvGrpSpPr>
+        <p:cNvPr id="1" name=""/>
+        <p:cNvGrpSpPr/>
+        <p:nvPr/>
+      </p:nvGrpSpPr>
+      <p:grpSpPr>
+        <a:xfrm>
+          <a:off x="0" y="0"/>
+          <a:ext cx="0" cy="0"/>
+          <a:chOff x="0" y="0"/>
+          <a:chExt cx="0" cy="0"/>
+        </a:xfrm>
+      </p:grpSpPr>
+      <p:sp>
+        <p:nvSpPr>
+          <p:cNvPr id="3" name="Content Placeholder 2"/>
+          <p:cNvSpPr>
+            <a:spLocks noGrp="1"/>
+          </p:cNvSpPr>
+          <p:nvPr>
+            <p:ph idx="1"/>
+          </p:nvPr>
+        </p:nvSpPr>
+        <p:spPr>
+          <a:xfrm>
+            <a:off x="457200" y="1267326"/>
+            <a:ext cx="8229600" cy="5133474"/>
+          </a:xfrm>
+        </p:spPr>
+        <p:txBody>
+          <a:bodyPr>
+            <a:normAutofit fontScale="85000" lnSpcReduction="20000"/>
+          </a:bodyPr>
+          <a:lstStyle/>
+          <a:p>
+            <a:r>
+              <a:rPr lang="en-US" dirty="0" smtClean="0"/>
+              <a:t>Schedule</a:t>
+            </a:r>
+          </a:p>
+          <a:p>
+            <a:pPr lvl="1"/>
+            <a:r>
+              <a:rPr lang="en-US" dirty="0" smtClean="0"/>
+              <a:t>A beta release by end of the </a:t>
+            </a:r>
+            <a:r>
+              <a:rPr lang="en-US" dirty="0" smtClean="0"/>
+              <a:t>year</a:t>
+            </a:r>
+          </a:p>
+          <a:p>
+            <a:pPr lvl="1"/>
+            <a:r>
+              <a:rPr lang="en-US" dirty="0" smtClean="0"/>
+              <a:t>Looking for interested partners</a:t>
+            </a:r>
+            <a:endParaRPr lang="en-US" dirty="0" smtClean="0"/>
+          </a:p>
+          <a:p>
+            <a:pPr lvl="1"/>
+            <a:endParaRPr lang="en-US" dirty="0" smtClean="0"/>
+          </a:p>
+          <a:p>
+            <a:r>
+              <a:rPr lang="en-US" dirty="0" smtClean="0"/>
+              <a:t>Future Directions</a:t>
+            </a:r>
+          </a:p>
+          <a:p>
+            <a:pPr lvl="1"/>
+            <a:r>
+              <a:rPr lang="en-US" dirty="0" smtClean="0"/>
+              <a:t>Incorporate other types of genomic data such as copy number, </a:t>
+            </a:r>
+            <a:r>
+              <a:rPr lang="en-US" dirty="0" err="1" smtClean="0"/>
+              <a:t>methylation</a:t>
+            </a:r>
+            <a:r>
+              <a:rPr lang="en-US" dirty="0" smtClean="0"/>
+              <a:t>, and </a:t>
+            </a:r>
+            <a:r>
+              <a:rPr lang="en-US" dirty="0" smtClean="0"/>
+              <a:t>genotypes</a:t>
+            </a:r>
+          </a:p>
+          <a:p>
+            <a:pPr lvl="1"/>
+            <a:endParaRPr lang="en-US" dirty="0" smtClean="0"/>
+          </a:p>
+          <a:p>
+            <a:pPr lvl="1"/>
+            <a:r>
+              <a:rPr lang="en-US" dirty="0" smtClean="0"/>
+              <a:t>Tighter integration with </a:t>
+            </a:r>
+            <a:r>
+              <a:rPr lang="en-US" dirty="0" err="1" smtClean="0"/>
+              <a:t>GenePattern</a:t>
+            </a:r>
+            <a:r>
+              <a:rPr lang="en-US" dirty="0" smtClean="0"/>
+              <a:t> and other analysis </a:t>
+            </a:r>
+            <a:r>
+              <a:rPr lang="en-US" dirty="0" smtClean="0"/>
+              <a:t>tools</a:t>
+            </a:r>
+          </a:p>
+          <a:p>
+            <a:pPr lvl="1"/>
+            <a:endParaRPr lang="en-US" dirty="0" smtClean="0"/>
+          </a:p>
+          <a:p>
+            <a:pPr lvl="1"/>
+            <a:r>
+              <a:rPr lang="en-US" dirty="0" smtClean="0"/>
+              <a:t>Handle studies with multiple </a:t>
+            </a:r>
+            <a:r>
+              <a:rPr lang="en-US" dirty="0" err="1" smtClean="0"/>
+              <a:t>timepoints</a:t>
+            </a:r>
+            <a:endParaRPr lang="en-US" dirty="0" smtClean="0"/>
+          </a:p>
+          <a:p>
+            <a:pPr lvl="1"/>
+            <a:endParaRPr lang="en-US" dirty="0"/>
+          </a:p>
+          <a:p>
+            <a:pPr lvl="1"/>
+            <a:r>
+              <a:rPr lang="en-US" dirty="0" smtClean="0"/>
+              <a:t>Allow regular updates of data</a:t>
+            </a:r>
+          </a:p>
+        </p:txBody>
+      </p:sp>
+      <p:pic>
+        <p:nvPicPr>
+          <p:cNvPr id="1029" name="Picture 5"/>
+          <p:cNvPicPr>
+            <a:picLocks noChangeAspect="1" noChangeArrowheads="1"/>
+          </p:cNvPicPr>
+          <p:nvPr/>
+        </p:nvPicPr>
+        <p:blipFill>
+          <a:blip r:embed="rId2"/>
+          <a:srcRect/>
+          <a:stretch>
+            <a:fillRect/>
+          </a:stretch>
+        </p:blipFill>
+        <p:spPr bwMode="auto">
+          <a:xfrm>
+            <a:off x="4391025" y="4543425"/>
+            <a:ext cx="542925" cy="561518"/>
+          </a:xfrm>
+          <a:prstGeom prst="rect">
+            <a:avLst/>
+          </a:prstGeom>
+          <a:noFill/>
+          <a:ln w="9525">
+            <a:noFill/>
+            <a:miter lim="800000"/>
+            <a:headEnd/>
+            <a:tailEnd/>
+          </a:ln>
+          <a:effectLst/>
+        </p:spPr>
+      </p:pic>
+      <p:sp>
+        <p:nvSpPr>
+          <p:cNvPr id="2" name="Title 1"/>
+          <p:cNvSpPr>
+            <a:spLocks noGrp="1"/>
+          </p:cNvSpPr>
+          <p:nvPr>
+            <p:ph type="title"/>
+          </p:nvPr>
+        </p:nvSpPr>
+        <p:spPr/>
+        <p:txBody>
+          <a:bodyPr/>
+          <a:lstStyle/>
+          <a:p>
+            <a:r>
+              <a:rPr lang="en-US" dirty="0" smtClean="0"/>
+              <a:t>The Future</a:t>
+            </a:r>
+            <a:endParaRPr lang="en-US" dirty="0"/>
+          </a:p>
+        </p:txBody>
+      </p:sp>
+      <p:pic>
+        <p:nvPicPr>
+          <p:cNvPr id="1028" name="Picture 4"/>
+          <p:cNvPicPr>
+            <a:picLocks noChangeAspect="1" noChangeArrowheads="1"/>
+          </p:cNvPicPr>
+          <p:nvPr/>
+        </p:nvPicPr>
+        <p:blipFill>
+          <a:blip r:embed="rId3"/>
+          <a:srcRect/>
+          <a:stretch>
+            <a:fillRect/>
+          </a:stretch>
+        </p:blipFill>
+        <p:spPr bwMode="auto">
+          <a:xfrm>
+            <a:off x="1981200" y="4619625"/>
+            <a:ext cx="2105025" cy="485775"/>
+          </a:xfrm>
+          <a:prstGeom prst="rect">
+            <a:avLst/>
+          </a:prstGeom>
+          <a:noFill/>
+          <a:ln w="9525">
+            <a:noFill/>
+            <a:miter lim="800000"/>
+            <a:headEnd/>
+            <a:tailEnd/>
+          </a:ln>
+          <a:effectLst/>
+        </p:spPr>
+      </p:pic>
+      <p:cxnSp>
+        <p:nvCxnSpPr>
+          <p:cNvPr id="10" name="Straight Connector 9"/>
+          <p:cNvCxnSpPr/>
+          <p:nvPr/>
+        </p:nvCxnSpPr>
+        <p:spPr>
+          <a:xfrm>
+            <a:off x="6781800" y="5562600"/>
+            <a:ext cx="1600200" cy="1588"/>
+          </a:xfrm>
+          <a:prstGeom prst="line">
+            <a:avLst/>
+          </a:prstGeom>
+        </p:spPr>
+        <p:style>
+          <a:lnRef idx="1">
+            <a:schemeClr val="accent1"/>
+          </a:lnRef>
+          <a:fillRef idx="0">
+            <a:schemeClr val="accent1"/>
+          </a:fillRef>
+          <a:effectRef idx="0">
+            <a:schemeClr val="accent1"/>
+          </a:effectRef>
+          <a:fontRef idx="minor">
+            <a:schemeClr val="tx1"/>
+          </a:fontRef>
+        </p:style>
+      </p:cxnSp>
+      <p:sp>
+        <p:nvSpPr>
+          <p:cNvPr id="11" name="Oval 10"/>
+          <p:cNvSpPr/>
+          <p:nvPr/>
+        </p:nvSpPr>
+        <p:spPr>
+          <a:xfrm>
+            <a:off x="8305800" y="5486400"/>
+            <a:ext cx="152400" cy="152400"/>
+          </a:xfrm>
+          <a:prstGeom prst="ellipse">
+            <a:avLst/>
+          </a:prstGeom>
+          <a:scene3d>
+            <a:camera prst="orthographicFront"/>
+            <a:lightRig rig="threePt" dir="t"/>
+          </a:scene3d>
+          <a:sp3d>
+            <a:bevelT/>
+          </a:sp3d>
+        </p:spPr>
+        <p:style>
+          <a:lnRef idx="2">
+            <a:schemeClr val="accent1">
+              <a:shade val="50000"/>
+            </a:schemeClr>
+          </a:lnRef>
+          <a:fillRef idx="1">
+            <a:schemeClr val="accent1"/>
+          </a:fillRef>
+          <a:effectRef idx="0">
+            <a:schemeClr val="accent1"/>
+          </a:effectRef>
+          <a:fontRef idx="minor">
+            <a:schemeClr val="lt1"/>
+          </a:fontRef>
+        </p:style>
+        <p:txBody>
+          <a:bodyPr rtlCol="0" anchor="ctr"/>
+          <a:lstStyle/>
+          <a:p>
+            <a:pPr algn="ctr"/>
+            <a:endParaRPr lang="en-US"/>
+          </a:p>
+        </p:txBody>
+      </p:sp>
+      <p:sp>
+        <p:nvSpPr>
+          <p:cNvPr id="12" name="Oval 11"/>
+          <p:cNvSpPr/>
+          <p:nvPr/>
+        </p:nvSpPr>
+        <p:spPr>
+          <a:xfrm>
+            <a:off x="7315200" y="5486400"/>
+            <a:ext cx="152400" cy="152400"/>
+          </a:xfrm>
+          <a:prstGeom prst="ellipse">
+            <a:avLst/>
+          </a:prstGeom>
+          <a:scene3d>
+            <a:camera prst="orthographicFront"/>
+            <a:lightRig rig="threePt" dir="t"/>
+          </a:scene3d>
+          <a:sp3d>
+            <a:bevelT/>
+          </a:sp3d>
+        </p:spPr>
+        <p:style>
+          <a:lnRef idx="2">
+            <a:schemeClr val="accent1">
+              <a:shade val="50000"/>
+            </a:schemeClr>
+          </a:lnRef>
+          <a:fillRef idx="1">
+            <a:schemeClr val="accent1"/>
+          </a:fillRef>
+          <a:effectRef idx="0">
+            <a:schemeClr val="accent1"/>
+          </a:effectRef>
+          <a:fontRef idx="minor">
+            <a:schemeClr val="lt1"/>
+          </a:fontRef>
+        </p:style>
+        <p:txBody>
+          <a:bodyPr rtlCol="0" anchor="ctr"/>
+          <a:lstStyle/>
+          <a:p>
+            <a:pPr algn="ctr"/>
+            <a:endParaRPr lang="en-US"/>
+          </a:p>
+        </p:txBody>
+      </p:sp>
+      <p:sp>
+        <p:nvSpPr>
+          <p:cNvPr id="13" name="Oval 12"/>
+          <p:cNvSpPr/>
+          <p:nvPr/>
+        </p:nvSpPr>
+        <p:spPr>
+          <a:xfrm>
+            <a:off x="6705600" y="5502442"/>
+            <a:ext cx="152400" cy="152400"/>
+          </a:xfrm>
+          <a:prstGeom prst="ellipse">
+            <a:avLst/>
+          </a:prstGeom>
+          <a:scene3d>
+            <a:camera prst="orthographicFront"/>
+            <a:lightRig rig="threePt" dir="t"/>
+          </a:scene3d>
+          <a:sp3d>
+            <a:bevelT/>
+          </a:sp3d>
+        </p:spPr>
+        <p:style>
+          <a:lnRef idx="2">
+            <a:schemeClr val="accent1">
+              <a:shade val="50000"/>
+            </a:schemeClr>
+          </a:lnRef>
+          <a:fillRef idx="1">
+            <a:schemeClr val="accent1"/>
+          </a:fillRef>
+          <a:effectRef idx="0">
+            <a:schemeClr val="accent1"/>
+          </a:effectRef>
+          <a:fontRef idx="minor">
+            <a:schemeClr val="lt1"/>
+          </a:fontRef>
+        </p:style>
+        <p:txBody>
+          <a:bodyPr rtlCol="0" anchor="ctr"/>
+          <a:lstStyle/>
+          <a:p>
+            <a:pPr algn="ctr"/>
+            <a:endParaRPr lang="en-US"/>
+          </a:p>
+        </p:txBody>
+      </p:sp>
+      <p:sp>
+        <p:nvSpPr>
+          <p:cNvPr id="14" name="TextBox 13"/>
+          <p:cNvSpPr txBox="1"/>
+          <p:nvPr/>
+        </p:nvSpPr>
+        <p:spPr>
+          <a:xfrm>
+            <a:off x="6400800" y="5715000"/>
+            <a:ext cx="2895600" cy="261610"/>
+          </a:xfrm>
+          <a:prstGeom prst="rect">
+            <a:avLst/>
+          </a:prstGeom>
+          <a:noFill/>
+        </p:spPr>
+        <p:txBody>
+          <a:bodyPr wrap="square" rtlCol="0">
+            <a:spAutoFit/>
+          </a:bodyPr>
+          <a:lstStyle/>
+          <a:p>
+            <a:r>
+              <a:rPr lang="en-US" sz="1100" dirty="0" smtClean="0"/>
+              <a:t>Diagnosis   Treatment             </a:t>
+            </a:r>
+            <a:r>
+              <a:rPr lang="en-US" sz="1100" dirty="0" err="1" smtClean="0"/>
+              <a:t>Followup</a:t>
+            </a:r>
+            <a:r>
+              <a:rPr lang="en-US" sz="1100" dirty="0" smtClean="0"/>
+              <a:t> </a:t>
+            </a:r>
+            <a:endParaRPr lang="en-US" sz="1100" dirty="0"/>
+          </a:p>
+        </p:txBody>
+      </p:sp>
+      <p:sp>
+        <p:nvSpPr>
+          <p:cNvPr id="15" name="TextBox 14"/>
+          <p:cNvSpPr txBox="1"/>
+          <p:nvPr/>
+        </p:nvSpPr>
+        <p:spPr>
+          <a:xfrm>
+            <a:off x="4579520" y="4711911"/>
+            <a:ext cx="1524000" cy="369332"/>
+          </a:xfrm>
+          <a:prstGeom prst="rect">
+            <a:avLst/>
+          </a:prstGeom>
+          <a:noFill/>
+        </p:spPr>
+        <p:txBody>
+          <a:bodyPr wrap="square" rtlCol="0">
+            <a:spAutoFit/>
+          </a:bodyPr>
+          <a:lstStyle/>
+          <a:p>
+            <a:r>
+              <a:rPr lang="en-US" b="1" dirty="0" err="1" smtClean="0"/>
+              <a:t>geWorkbench</a:t>
+            </a:r>
+            <a:endParaRPr lang="en-US" b="1" dirty="0"/>
+          </a:p>
+        </p:txBody>
+      </p:sp>
+    </p:spTree>
+  </p:cSld>
+  <p:clrMapOvr>
+    <a:masterClrMapping/>
+  </p:clrMapOvr>
+  <p:timing>
+    <p:tnLst>
+      <p:par>
+        <p:cTn id="1" dur="indefinite" restart="never" nodeType="tmRoot"/>
+      </p:par>
+    </p:tnLst>
+  </p:timing>
+</p:sld>
+</file>
+
+<file path=ppt/slides/slide14.xml><?xml version="1.0" encoding="utf-8"?>
+<p:sld xmlns:a="http://schemas.openxmlformats.org/drawingml/2006/main" xmlns:r="http://schemas.openxmlformats.org/officeDocument/2006/relationships" xmlns:p="http://schemas.openxmlformats.org/presentationml/2006/main">
+  <p:cSld>
+    <p:spTree>
+      <p:nvGrpSpPr>
+        <p:cNvPr id="1" name=""/>
+        <p:cNvGrpSpPr/>
+        <p:nvPr/>
+      </p:nvGrpSpPr>
+      <p:grpSpPr>
+        <a:xfrm>
+          <a:off x="0" y="0"/>
+          <a:ext cx="0" cy="0"/>
+          <a:chOff x="0" y="0"/>
+          <a:chExt cx="0" cy="0"/>
+        </a:xfrm>
+      </p:grpSpPr>
+      <p:sp>
+        <p:nvSpPr>
+          <p:cNvPr id="2" name="Title 1"/>
+          <p:cNvSpPr>
+            <a:spLocks noGrp="1"/>
+          </p:cNvSpPr>
+          <p:nvPr>
+            <p:ph type="title"/>
+          </p:nvPr>
+        </p:nvSpPr>
+        <p:spPr/>
+        <p:txBody>
+          <a:bodyPr/>
+          <a:lstStyle/>
+          <a:p>
+            <a:r>
+              <a:rPr lang="en-US" dirty="0" smtClean="0"/>
+              <a:t>Credits</a:t>
+            </a:r>
+            <a:endParaRPr lang="en-US" dirty="0"/>
+          </a:p>
+        </p:txBody>
+      </p:sp>
+      <p:sp>
+        <p:nvSpPr>
+          <p:cNvPr id="4" name="Content Placeholder 3"/>
+          <p:cNvSpPr>
+            <a:spLocks noGrp="1"/>
+          </p:cNvSpPr>
+          <p:nvPr>
+            <p:ph sz="half" idx="1"/>
+          </p:nvPr>
+        </p:nvSpPr>
+        <p:spPr/>
+        <p:txBody>
+          <a:bodyPr>
+            <a:normAutofit lnSpcReduction="10000"/>
+          </a:bodyPr>
+          <a:lstStyle/>
+          <a:p>
+            <a:r>
+              <a:rPr lang="en-US" dirty="0" smtClean="0"/>
+              <a:t>Developers, Architects and Project Managers</a:t>
+            </a:r>
+          </a:p>
+          <a:p>
+            <a:pPr lvl="1"/>
+            <a:r>
+              <a:rPr lang="en-US" dirty="0" smtClean="0"/>
+              <a:t>TJ Andrews</a:t>
+            </a:r>
+          </a:p>
+          <a:p>
+            <a:pPr lvl="1"/>
+            <a:r>
+              <a:rPr lang="en-US" dirty="0" smtClean="0"/>
+              <a:t>William </a:t>
+            </a:r>
+            <a:r>
+              <a:rPr lang="en-US" dirty="0" err="1" smtClean="0"/>
+              <a:t>FitzHugh</a:t>
+            </a:r>
+            <a:endParaRPr lang="en-US" dirty="0" smtClean="0"/>
+          </a:p>
+          <a:p>
+            <a:pPr lvl="1"/>
+            <a:r>
+              <a:rPr lang="en-US" dirty="0" smtClean="0"/>
+              <a:t>Michael </a:t>
+            </a:r>
+            <a:r>
+              <a:rPr lang="en-US" dirty="0" err="1" smtClean="0"/>
+              <a:t>Holck</a:t>
+            </a:r>
+            <a:endParaRPr lang="en-US" dirty="0" smtClean="0"/>
+          </a:p>
+          <a:p>
+            <a:pPr lvl="1"/>
+            <a:r>
+              <a:rPr lang="en-US" dirty="0" smtClean="0"/>
+              <a:t>Shine Jacob	</a:t>
+            </a:r>
+          </a:p>
+          <a:p>
+            <a:pPr lvl="1"/>
+            <a:r>
+              <a:rPr lang="en-US" dirty="0" smtClean="0"/>
+              <a:t>Mark Lewis</a:t>
+            </a:r>
+          </a:p>
+          <a:p>
+            <a:pPr lvl="1"/>
+            <a:r>
+              <a:rPr lang="en-US" dirty="0" smtClean="0"/>
+              <a:t>JP </a:t>
+            </a:r>
+            <a:r>
+              <a:rPr lang="en-US" dirty="0" err="1" smtClean="0"/>
+              <a:t>Marple</a:t>
+            </a:r>
+            <a:endParaRPr lang="en-US" dirty="0" smtClean="0"/>
+          </a:p>
+          <a:p>
+            <a:pPr lvl="1"/>
+            <a:r>
+              <a:rPr lang="en-US" dirty="0" err="1" smtClean="0"/>
+              <a:t>Sangeetha</a:t>
+            </a:r>
+            <a:r>
+              <a:rPr lang="en-US" dirty="0" smtClean="0"/>
+              <a:t> </a:t>
+            </a:r>
+            <a:r>
+              <a:rPr lang="en-US" dirty="0" err="1" smtClean="0"/>
+              <a:t>Rajagopal</a:t>
+            </a:r>
+            <a:r>
+              <a:rPr lang="en-US" dirty="0" smtClean="0"/>
+              <a:t> </a:t>
+            </a:r>
+          </a:p>
+          <a:p>
+            <a:pPr lvl="1"/>
+            <a:r>
+              <a:rPr lang="en-US" dirty="0" smtClean="0"/>
+              <a:t>Eric </a:t>
+            </a:r>
+            <a:r>
+              <a:rPr lang="en-US" dirty="0" err="1" smtClean="0"/>
+              <a:t>Tavela</a:t>
+            </a:r>
+            <a:endParaRPr lang="en-US" dirty="0" smtClean="0"/>
+          </a:p>
+        </p:txBody>
+      </p:sp>
+      <p:sp>
+        <p:nvSpPr>
+          <p:cNvPr id="5" name="Content Placeholder 4"/>
+          <p:cNvSpPr>
+            <a:spLocks noGrp="1"/>
+          </p:cNvSpPr>
+          <p:nvPr>
+            <p:ph sz="half" idx="2"/>
+          </p:nvPr>
+        </p:nvSpPr>
+        <p:spPr/>
+        <p:txBody>
+          <a:bodyPr>
+            <a:normAutofit lnSpcReduction="10000"/>
+          </a:bodyPr>
+          <a:lstStyle/>
+          <a:p>
+            <a:r>
+              <a:rPr lang="en-US" dirty="0" smtClean="0"/>
+              <a:t>Leadership and Requirements</a:t>
+            </a:r>
+          </a:p>
+          <a:p>
+            <a:pPr lvl="1"/>
+            <a:r>
+              <a:rPr lang="en-US" dirty="0" err="1" smtClean="0"/>
+              <a:t>Anand</a:t>
+            </a:r>
+            <a:r>
+              <a:rPr lang="en-US" dirty="0" smtClean="0"/>
+              <a:t> </a:t>
+            </a:r>
+            <a:r>
+              <a:rPr lang="en-US" dirty="0" err="1" smtClean="0"/>
+              <a:t>Basu</a:t>
+            </a:r>
+            <a:endParaRPr lang="en-US" dirty="0" smtClean="0"/>
+          </a:p>
+          <a:p>
+            <a:pPr lvl="1"/>
+            <a:r>
+              <a:rPr lang="en-US" dirty="0" err="1" smtClean="0"/>
+              <a:t>Subhashree</a:t>
+            </a:r>
+            <a:r>
+              <a:rPr lang="en-US" dirty="0" smtClean="0"/>
+              <a:t> </a:t>
+            </a:r>
+            <a:r>
+              <a:rPr lang="en-US" dirty="0" err="1" smtClean="0"/>
+              <a:t>Madhavan</a:t>
+            </a:r>
+            <a:endParaRPr lang="en-US" dirty="0" smtClean="0"/>
+          </a:p>
+          <a:p>
+            <a:endParaRPr lang="en-US" dirty="0" smtClean="0"/>
+          </a:p>
+          <a:p>
+            <a:r>
+              <a:rPr lang="en-US" dirty="0" smtClean="0"/>
+              <a:t>NCIA &amp; VASARI</a:t>
+            </a:r>
+          </a:p>
+          <a:p>
+            <a:pPr lvl="1"/>
+            <a:r>
+              <a:rPr lang="en-US" dirty="0" smtClean="0"/>
+              <a:t>Adam Flanders</a:t>
+            </a:r>
+          </a:p>
+          <a:p>
+            <a:pPr lvl="1"/>
+            <a:r>
+              <a:rPr lang="en-US" dirty="0" smtClean="0"/>
+              <a:t>John </a:t>
+            </a:r>
+            <a:r>
+              <a:rPr lang="en-US" dirty="0" err="1" smtClean="0"/>
+              <a:t>Freymann</a:t>
+            </a:r>
+            <a:endParaRPr lang="en-US" dirty="0" smtClean="0"/>
+          </a:p>
+          <a:p>
+            <a:pPr lvl="1"/>
+            <a:r>
+              <a:rPr lang="en-US" dirty="0" smtClean="0"/>
+              <a:t>Carl Jaffe</a:t>
+            </a:r>
+          </a:p>
+          <a:p>
+            <a:pPr lvl="1"/>
+            <a:r>
+              <a:rPr lang="en-US" dirty="0" smtClean="0"/>
+              <a:t>Daniel Rubin</a:t>
+            </a:r>
+          </a:p>
+          <a:p>
+            <a:endParaRPr lang="en-US" dirty="0"/>
+          </a:p>
+        </p:txBody>
+      </p:sp>
+    </p:spTree>
+  </p:cSld>
+  <p:clrMapOvr>
+    <a:masterClrMapping/>
+  </p:clrMapOvr>
+  <p:timing>
+    <p:tnLst>
+      <p:par>
+        <p:cTn id="1" dur="indefinite" restart="never" nodeType="tmRoot"/>
+      </p:par>
+    </p:tnLst>
+  </p:timing>
 </p:sld>
 </file>
 
@@ -3252,7 +4294,12 @@
             <p:ph type="title"/>
           </p:nvPr>
         </p:nvSpPr>
-        <p:spPr/>
+        <p:spPr>
+          <a:xfrm>
+            <a:off x="457200" y="152400"/>
+            <a:ext cx="8229600" cy="1143000"/>
+          </a:xfrm>
+        </p:spPr>
         <p:txBody>
           <a:bodyPr/>
           <a:lstStyle/>
@@ -3275,9 +4322,16 @@
             <p:ph idx="1"/>
           </p:nvPr>
         </p:nvSpPr>
-        <p:spPr/>
-        <p:txBody>
-          <a:bodyPr/>
+        <p:spPr>
+          <a:xfrm>
+            <a:off x="457200" y="1371600"/>
+            <a:ext cx="8229600" cy="5105400"/>
+          </a:xfrm>
+        </p:spPr>
+        <p:txBody>
+          <a:bodyPr>
+            <a:normAutofit fontScale="92500" lnSpcReduction="20000"/>
+          </a:bodyPr>
           <a:lstStyle/>
           <a:p>
             <a:r>
@@ -3316,14 +4370,45 @@
             <a:pPr lvl="1"/>
             <a:r>
               <a:rPr lang="en-US" dirty="0" smtClean="0"/>
-              <a:t>Explore and confirm hypotheses</a:t>
-            </a:r>
+              <a:t>Explore and confirm </a:t>
+            </a:r>
+            <a:r>
+              <a:rPr lang="en-US" dirty="0" smtClean="0"/>
+              <a:t>hypotheses</a:t>
+            </a:r>
+            <a:endParaRPr lang="en-US" dirty="0" smtClean="0"/>
           </a:p>
           <a:p>
             <a:pPr lvl="1"/>
             <a:r>
               <a:rPr lang="en-US" dirty="0" smtClean="0"/>
-              <a:t>Publish results and lists, e.g. of interesting genes </a:t>
+              <a:t>Publish results and lists, e.g. of interesting genes</a:t>
+            </a:r>
+          </a:p>
+          <a:p>
+            <a:r>
+              <a:rPr lang="en-US" dirty="0" smtClean="0"/>
+              <a:t>Have a way to roll out new studies easily</a:t>
+            </a:r>
+          </a:p>
+          <a:p>
+            <a:r>
+              <a:rPr lang="en-US" dirty="0" smtClean="0"/>
+              <a:t>Have a consistent user experience across different </a:t>
+            </a:r>
+            <a:r>
+              <a:rPr lang="en-US" dirty="0" smtClean="0"/>
+              <a:t>studies</a:t>
+            </a:r>
+          </a:p>
+          <a:p>
+            <a:r>
+              <a:rPr lang="en-US" dirty="0" smtClean="0"/>
+              <a:t>L</a:t>
+            </a:r>
+            <a:r>
+              <a:rPr lang="en-US" dirty="0" smtClean="0"/>
+              <a:t>ay the groundwork for cross-study comparisons</a:t>
             </a:r>
             <a:endParaRPr lang="en-US" dirty="0"/>
           </a:p>
@@ -3334,6 +4419,13 @@
   <p:clrMapOvr>
     <a:masterClrMapping/>
   </p:clrMapOvr>
+  <p:timing>
+    <p:tnLst>
+      <p:par>
+        <p:cTn id="1" dur="indefinite" restart="never" nodeType="tmRoot"/>
+      </p:par>
+    </p:tnLst>
+  </p:timing>
 </p:sld>
 </file>
 
@@ -3432,21 +4524,8 @@
             <a:pPr lvl="1"/>
             <a:r>
               <a:rPr lang="en-US" dirty="0" smtClean="0"/>
-              <a:t>A</a:t>
-            </a:r>
-            <a:r>
-              <a:rPr lang="en-US" dirty="0" smtClean="0"/>
-              <a:t> study </a:t>
-            </a:r>
-            <a:r>
-              <a:rPr lang="en-US" dirty="0" smtClean="0"/>
-              <a:t>to identify biomarkers predictive of response to therapy throughout the treatment cycle for women with Stage 3 breast cancer</a:t>
-            </a:r>
-            <a:r>
-              <a:rPr lang="en-US" dirty="0" smtClean="0"/>
-              <a:t>.</a:t>
-            </a:r>
-            <a:endParaRPr lang="en-US" dirty="0" smtClean="0"/>
+              <a:t>A study to identify biomarkers predictive of response to therapy throughout the treatment cycle for women with Stage 3 breast cancer.</a:t>
+            </a:r>
           </a:p>
         </p:txBody>
       </p:sp>
@@ -3521,6 +4600,13 @@
   <p:clrMapOvr>
     <a:masterClrMapping/>
   </p:clrMapOvr>
+  <p:timing>
+    <p:tnLst>
+      <p:par>
+        <p:cTn id="1" dur="indefinite" restart="never" nodeType="tmRoot"/>
+      </p:par>
+    </p:tnLst>
+  </p:timing>
 </p:sld>
 </file>
 
@@ -7521,129 +8607,86 @@
           <a:chExt cx="0" cy="0"/>
         </a:xfrm>
       </p:grpSpPr>
-      <p:sp>
-        <p:nvSpPr>
-          <p:cNvPr id="2" name="Title 1"/>
-          <p:cNvSpPr>
-            <a:spLocks noGrp="1"/>
-          </p:cNvSpPr>
-          <p:nvPr>
-            <p:ph type="title"/>
-          </p:nvPr>
-        </p:nvSpPr>
-        <p:spPr/>
-        <p:txBody>
-          <a:bodyPr/>
+      <p:pic>
+        <p:nvPicPr>
+          <p:cNvPr id="1027" name="Picture 3"/>
+          <p:cNvPicPr>
+            <a:picLocks noChangeAspect="1" noChangeArrowheads="1"/>
+          </p:cNvPicPr>
+          <p:nvPr/>
+        </p:nvPicPr>
+        <p:blipFill>
+          <a:blip r:embed="rId2"/>
+          <a:srcRect/>
+          <a:stretch>
+            <a:fillRect/>
+          </a:stretch>
+        </p:blipFill>
+        <p:spPr bwMode="auto">
+          <a:xfrm>
+            <a:off x="228600" y="304800"/>
+            <a:ext cx="8665369" cy="6086475"/>
+          </a:xfrm>
+          <a:prstGeom prst="rect">
+            <a:avLst/>
+          </a:prstGeom>
+          <a:noFill/>
+          <a:ln w="9525">
+            <a:noFill/>
+            <a:miter lim="800000"/>
+            <a:headEnd/>
+            <a:tailEnd/>
+          </a:ln>
+          <a:effectLst/>
+        </p:spPr>
+      </p:pic>
+      <p:sp>
+        <p:nvSpPr>
+          <p:cNvPr id="11" name="Left Arrow 10"/>
+          <p:cNvSpPr/>
+          <p:nvPr/>
+        </p:nvSpPr>
+        <p:spPr>
+          <a:xfrm>
+            <a:off x="1247274" y="3657600"/>
+            <a:ext cx="609600" cy="457200"/>
+          </a:xfrm>
+          <a:prstGeom prst="leftArrow">
+            <a:avLst/>
+          </a:prstGeom>
+          <a:solidFill>
+            <a:srgbClr val="FFFF00"/>
+          </a:solidFill>
+          <a:ln>
+            <a:solidFill>
+              <a:schemeClr val="accent6">
+                <a:lumMod val="50000"/>
+              </a:schemeClr>
+            </a:solidFill>
+          </a:ln>
+        </p:spPr>
+        <p:style>
+          <a:lnRef idx="2">
+            <a:schemeClr val="accent1">
+              <a:shade val="50000"/>
+            </a:schemeClr>
+          </a:lnRef>
+          <a:fillRef idx="1">
+            <a:schemeClr val="accent1"/>
+          </a:fillRef>
+          <a:effectRef idx="0">
+            <a:schemeClr val="accent1"/>
+          </a:effectRef>
+          <a:fontRef idx="minor">
+            <a:schemeClr val="lt1"/>
+          </a:fontRef>
+        </p:style>
+        <p:txBody>
+          <a:bodyPr rtlCol="0" anchor="ctr"/>
           <a:lstStyle/>
           <a:p>
-            <a:r>
-              <a:rPr lang="en-US" dirty="0" smtClean="0"/>
-              <a:t>Other Stuff</a:t>
-            </a:r>
-            <a:endParaRPr lang="en-US" dirty="0"/>
-          </a:p>
-        </p:txBody>
-      </p:sp>
-      <p:sp>
-        <p:nvSpPr>
-          <p:cNvPr id="3" name="Content Placeholder 2"/>
-          <p:cNvSpPr>
-            <a:spLocks noGrp="1"/>
-          </p:cNvSpPr>
-          <p:nvPr>
-            <p:ph idx="1"/>
-          </p:nvPr>
-        </p:nvSpPr>
-        <p:spPr/>
-        <p:txBody>
-          <a:bodyPr>
-            <a:normAutofit fontScale="92500" lnSpcReduction="10000"/>
-          </a:bodyPr>
-          <a:lstStyle/>
-          <a:p>
-            <a:r>
-              <a:rPr lang="en-US" dirty="0" smtClean="0"/>
-              <a:t>Schedule</a:t>
-            </a:r>
-          </a:p>
-          <a:p>
-            <a:pPr lvl="1"/>
-            <a:r>
-              <a:rPr lang="en-US" dirty="0" smtClean="0"/>
-              <a:t>Version 1.0 on mm/</a:t>
-            </a:r>
-            <a:r>
-              <a:rPr lang="en-US" dirty="0" err="1" smtClean="0"/>
-              <a:t>dd</a:t>
-            </a:r>
-            <a:r>
-              <a:rPr lang="en-US" dirty="0" smtClean="0"/>
-              <a:t>/</a:t>
-            </a:r>
-            <a:r>
-              <a:rPr lang="en-US" dirty="0" err="1" smtClean="0"/>
-              <a:t>yy</a:t>
-            </a:r>
-            <a:r>
-              <a:rPr lang="en-US" dirty="0" smtClean="0"/>
-              <a:t>?</a:t>
-            </a:r>
-          </a:p>
-          <a:p>
-            <a:r>
-              <a:rPr lang="en-US" dirty="0" smtClean="0"/>
-              <a:t>Where it will be hosted?</a:t>
-            </a:r>
-          </a:p>
-          <a:p>
-            <a:r>
-              <a:rPr lang="en-US" dirty="0" smtClean="0"/>
-              <a:t>Technology?</a:t>
-            </a:r>
-          </a:p>
-          <a:p>
-            <a:r>
-              <a:rPr lang="en-US" dirty="0" smtClean="0"/>
-              <a:t>Future Directions</a:t>
-            </a:r>
-          </a:p>
-          <a:p>
-            <a:pPr lvl="1"/>
-            <a:r>
-              <a:rPr lang="en-US" dirty="0" smtClean="0"/>
-              <a:t>Incorporate other types of genomic data such as copy number, </a:t>
-            </a:r>
-            <a:r>
-              <a:rPr lang="en-US" dirty="0" err="1" smtClean="0"/>
-              <a:t>methylation</a:t>
-            </a:r>
-            <a:r>
-              <a:rPr lang="en-US" dirty="0" smtClean="0"/>
-              <a:t>, and genotypes</a:t>
-            </a:r>
-          </a:p>
-          <a:p>
-            <a:pPr lvl="1"/>
-            <a:r>
-              <a:rPr lang="en-US" dirty="0" smtClean="0"/>
-              <a:t>Tighter integration with </a:t>
-            </a:r>
-            <a:r>
-              <a:rPr lang="en-US" dirty="0" err="1" smtClean="0"/>
-              <a:t>GenePattern</a:t>
-            </a:r>
-            <a:r>
-              <a:rPr lang="en-US" dirty="0" smtClean="0"/>
-              <a:t> and other analysis tools</a:t>
-            </a:r>
-            <a:endParaRPr lang="en-US" dirty="0"/>
-          </a:p>
-          <a:p>
-            <a:pPr lvl="1"/>
-            <a:r>
-              <a:rPr lang="en-US" dirty="0" smtClean="0"/>
-              <a:t>Allow regular updates of data</a:t>
-            </a:r>
+            <a:pPr algn="ctr"/>
+            <a:endParaRPr lang="en-US"/>
           </a:p>
         </p:txBody>
       </p:sp>
@@ -7679,251 +8722,181 @@
           <a:chExt cx="0" cy="0"/>
         </a:xfrm>
       </p:grpSpPr>
-      <p:sp>
-        <p:nvSpPr>
-          <p:cNvPr id="2" name="Title 1"/>
-          <p:cNvSpPr>
-            <a:spLocks noGrp="1"/>
-          </p:cNvSpPr>
-          <p:nvPr>
-            <p:ph type="title"/>
-          </p:nvPr>
-        </p:nvSpPr>
-        <p:spPr/>
-        <p:txBody>
-          <a:bodyPr/>
-          <a:lstStyle/>
-          <a:p>
-            <a:r>
-              <a:rPr lang="en-US" dirty="0" smtClean="0"/>
-              <a:t>Credits</a:t>
-            </a:r>
-            <a:endParaRPr lang="en-US" dirty="0"/>
-          </a:p>
-        </p:txBody>
-      </p:sp>
-      <p:sp>
-        <p:nvSpPr>
-          <p:cNvPr id="4" name="Content Placeholder 3"/>
-          <p:cNvSpPr>
-            <a:spLocks noGrp="1"/>
-          </p:cNvSpPr>
-          <p:nvPr>
-            <p:ph sz="half" idx="1"/>
-          </p:nvPr>
-        </p:nvSpPr>
-        <p:spPr/>
-        <p:txBody>
-          <a:bodyPr>
-            <a:normAutofit lnSpcReduction="10000"/>
-          </a:bodyPr>
-          <a:lstStyle/>
-          <a:p>
-            <a:r>
-              <a:rPr lang="en-US" dirty="0" smtClean="0"/>
-              <a:t>Developers, Architects and Project Managers</a:t>
-            </a:r>
-          </a:p>
-          <a:p>
-            <a:pPr lvl="1"/>
-            <a:r>
-              <a:rPr lang="en-US" dirty="0" smtClean="0"/>
-              <a:t>TJ Andrews</a:t>
-            </a:r>
-          </a:p>
-          <a:p>
-            <a:pPr lvl="1"/>
-            <a:r>
-              <a:rPr lang="en-US" dirty="0" smtClean="0"/>
-              <a:t>William </a:t>
-            </a:r>
-            <a:r>
-              <a:rPr lang="en-US" dirty="0" err="1" smtClean="0"/>
-              <a:t>FitzHugh</a:t>
-            </a:r>
-            <a:endParaRPr lang="en-US" dirty="0" smtClean="0"/>
-          </a:p>
-          <a:p>
-            <a:pPr lvl="1"/>
-            <a:r>
-              <a:rPr lang="en-US" dirty="0" smtClean="0"/>
-              <a:t>Michael </a:t>
-            </a:r>
-            <a:r>
-              <a:rPr lang="en-US" dirty="0" err="1" smtClean="0"/>
-              <a:t>Holck</a:t>
-            </a:r>
-            <a:endParaRPr lang="en-US" dirty="0" smtClean="0"/>
-          </a:p>
-          <a:p>
-            <a:pPr lvl="1"/>
-            <a:r>
-              <a:rPr lang="en-US" dirty="0" smtClean="0"/>
-              <a:t>Shine Jacob	</a:t>
-            </a:r>
-          </a:p>
-          <a:p>
-            <a:pPr lvl="1"/>
-            <a:r>
-              <a:rPr lang="en-US" dirty="0" smtClean="0"/>
-              <a:t>Mark Lewis</a:t>
-            </a:r>
-          </a:p>
-          <a:p>
-            <a:pPr lvl="1"/>
-            <a:r>
-              <a:rPr lang="en-US" dirty="0" smtClean="0"/>
-              <a:t>JP </a:t>
-            </a:r>
-            <a:r>
-              <a:rPr lang="en-US" dirty="0" err="1" smtClean="0"/>
-              <a:t>Marple</a:t>
-            </a:r>
-            <a:endParaRPr lang="en-US" dirty="0" smtClean="0"/>
-          </a:p>
-          <a:p>
-            <a:pPr lvl="1"/>
-            <a:r>
-              <a:rPr lang="en-US" dirty="0" err="1" smtClean="0"/>
-              <a:t>Sangeetha</a:t>
-            </a:r>
-            <a:r>
-              <a:rPr lang="en-US" dirty="0" smtClean="0"/>
-              <a:t> </a:t>
-            </a:r>
-            <a:r>
-              <a:rPr lang="en-US" dirty="0" err="1" smtClean="0"/>
-              <a:t>Rajagopal</a:t>
-            </a:r>
-            <a:r>
-              <a:rPr lang="en-US" dirty="0" smtClean="0"/>
-              <a:t> </a:t>
-            </a:r>
-          </a:p>
-          <a:p>
-            <a:pPr lvl="1"/>
-            <a:r>
-              <a:rPr lang="en-US" dirty="0" smtClean="0"/>
-              <a:t>Eric </a:t>
-            </a:r>
-            <a:r>
-              <a:rPr lang="en-US" dirty="0" err="1" smtClean="0"/>
-              <a:t>Tavela</a:t>
-            </a:r>
-            <a:endParaRPr lang="en-US" dirty="0" smtClean="0"/>
-          </a:p>
-        </p:txBody>
-      </p:sp>
-      <p:sp>
-        <p:nvSpPr>
-          <p:cNvPr id="5" name="Content Placeholder 4"/>
-          <p:cNvSpPr>
-            <a:spLocks noGrp="1"/>
-          </p:cNvSpPr>
-          <p:nvPr>
-            <p:ph sz="half" idx="2"/>
-          </p:nvPr>
-        </p:nvSpPr>
-        <p:spPr/>
-        <p:txBody>
-          <a:bodyPr>
-            <a:normAutofit lnSpcReduction="10000"/>
-          </a:bodyPr>
-          <a:lstStyle/>
-          <a:p>
-            <a:r>
-              <a:rPr lang="en-US" dirty="0" smtClean="0"/>
-              <a:t>Leadership and Requirements</a:t>
-            </a:r>
-          </a:p>
-          <a:p>
-            <a:pPr lvl="1"/>
-            <a:r>
-              <a:rPr lang="en-US" dirty="0" err="1" smtClean="0"/>
-              <a:t>Anand</a:t>
-            </a:r>
-            <a:r>
-              <a:rPr lang="en-US" dirty="0" smtClean="0"/>
-              <a:t> </a:t>
-            </a:r>
-            <a:r>
-              <a:rPr lang="en-US" dirty="0" err="1" smtClean="0"/>
-              <a:t>Basu</a:t>
-            </a:r>
-            <a:endParaRPr lang="en-US" dirty="0" smtClean="0"/>
-          </a:p>
-          <a:p>
-            <a:pPr lvl="1"/>
-            <a:r>
-              <a:rPr lang="en-US" dirty="0" err="1" smtClean="0"/>
-              <a:t>Subhashree</a:t>
-            </a:r>
-            <a:r>
-              <a:rPr lang="en-US" dirty="0" smtClean="0"/>
-              <a:t> </a:t>
-            </a:r>
-            <a:r>
-              <a:rPr lang="en-US" dirty="0" err="1" smtClean="0"/>
-              <a:t>Madhavan</a:t>
-            </a:r>
-            <a:endParaRPr lang="en-US" dirty="0" smtClean="0"/>
-          </a:p>
-          <a:p>
-            <a:endParaRPr lang="en-US" dirty="0" smtClean="0"/>
-          </a:p>
-          <a:p>
-            <a:r>
-              <a:rPr lang="en-US" dirty="0" smtClean="0"/>
-              <a:t>NCIA &amp; VASARI</a:t>
-            </a:r>
-          </a:p>
-          <a:p>
-            <a:pPr lvl="1"/>
-            <a:r>
-              <a:rPr lang="en-US" dirty="0" smtClean="0"/>
-              <a:t>Adam Flanders</a:t>
-            </a:r>
-          </a:p>
-          <a:p>
-            <a:pPr lvl="1"/>
-            <a:r>
-              <a:rPr lang="en-US" dirty="0" smtClean="0"/>
-              <a:t>John </a:t>
-            </a:r>
-            <a:r>
-              <a:rPr lang="en-US" dirty="0" err="1" smtClean="0"/>
-              <a:t>Freymann</a:t>
-            </a:r>
-            <a:endParaRPr lang="en-US" dirty="0" smtClean="0"/>
-          </a:p>
-          <a:p>
-            <a:pPr lvl="1"/>
-            <a:r>
-              <a:rPr lang="en-US" dirty="0" smtClean="0"/>
-              <a:t>Carl Jaffe</a:t>
-            </a:r>
-          </a:p>
-          <a:p>
-            <a:pPr lvl="1"/>
-            <a:r>
-              <a:rPr lang="en-US" dirty="0" smtClean="0"/>
-              <a:t>Daniel </a:t>
-            </a:r>
-            <a:r>
-              <a:rPr lang="en-US" dirty="0" smtClean="0"/>
-              <a:t>Rubin</a:t>
-            </a:r>
-          </a:p>
-          <a:p>
-            <a:endParaRPr lang="en-US" dirty="0"/>
-          </a:p>
-        </p:txBody>
-      </p:sp>
+      <p:pic>
+        <p:nvPicPr>
+          <p:cNvPr id="2" name="Picture 4"/>
+          <p:cNvPicPr>
+            <a:picLocks noChangeAspect="1" noChangeArrowheads="1"/>
+          </p:cNvPicPr>
+          <p:nvPr/>
+        </p:nvPicPr>
+        <p:blipFill>
+          <a:blip r:embed="rId2"/>
+          <a:srcRect/>
+          <a:stretch>
+            <a:fillRect/>
+          </a:stretch>
+        </p:blipFill>
+        <p:spPr bwMode="auto">
+          <a:xfrm>
+            <a:off x="228600" y="304800"/>
+            <a:ext cx="8665369" cy="6086475"/>
+          </a:xfrm>
+          <a:prstGeom prst="rect">
+            <a:avLst/>
+          </a:prstGeom>
+          <a:noFill/>
+          <a:ln w="9525">
+            <a:noFill/>
+            <a:miter lim="800000"/>
+            <a:headEnd/>
+            <a:tailEnd/>
+          </a:ln>
+          <a:effectLst/>
+        </p:spPr>
+      </p:pic>
     </p:spTree>
   </p:cSld>
   <p:clrMapOvr>
     <a:masterClrMapping/>
   </p:clrMapOvr>
+  <p:timing>
+    <p:tnLst>
+      <p:par>
+        <p:cTn id="1" dur="indefinite" restart="never" nodeType="tmRoot"/>
+      </p:par>
+    </p:tnLst>
+  </p:timing>
+</p:sld>
+</file>
+
+<file path=ppt/slides/slide8.xml><?xml version="1.0" encoding="utf-8"?>
+<p:sld xmlns:a="http://schemas.openxmlformats.org/drawingml/2006/main" xmlns:r="http://schemas.openxmlformats.org/officeDocument/2006/relationships" xmlns:p="http://schemas.openxmlformats.org/presentationml/2006/main">
+  <p:cSld>
+    <p:spTree>
+      <p:nvGrpSpPr>
+        <p:cNvPr id="1" name=""/>
+        <p:cNvGrpSpPr/>
+        <p:nvPr/>
+      </p:nvGrpSpPr>
+      <p:grpSpPr>
+        <a:xfrm>
+          <a:off x="0" y="0"/>
+          <a:ext cx="0" cy="0"/>
+          <a:chOff x="0" y="0"/>
+          <a:chExt cx="0" cy="0"/>
+        </a:xfrm>
+      </p:grpSpPr>
+      <p:pic>
+        <p:nvPicPr>
+          <p:cNvPr id="2" name="Picture 5"/>
+          <p:cNvPicPr>
+            <a:picLocks noChangeAspect="1" noChangeArrowheads="1"/>
+          </p:cNvPicPr>
+          <p:nvPr/>
+        </p:nvPicPr>
+        <p:blipFill>
+          <a:blip r:embed="rId2"/>
+          <a:srcRect/>
+          <a:stretch>
+            <a:fillRect/>
+          </a:stretch>
+        </p:blipFill>
+        <p:spPr bwMode="auto">
+          <a:xfrm>
+            <a:off x="228600" y="304800"/>
+            <a:ext cx="8665369" cy="6086475"/>
+          </a:xfrm>
+          <a:prstGeom prst="rect">
+            <a:avLst/>
+          </a:prstGeom>
+          <a:noFill/>
+          <a:ln w="9525">
+            <a:noFill/>
+            <a:miter lim="800000"/>
+            <a:headEnd/>
+            <a:tailEnd/>
+          </a:ln>
+          <a:effectLst/>
+        </p:spPr>
+      </p:pic>
+    </p:spTree>
+  </p:cSld>
+  <p:clrMapOvr>
+    <a:masterClrMapping/>
+  </p:clrMapOvr>
+  <p:timing>
+    <p:tnLst>
+      <p:par>
+        <p:cTn id="1" dur="indefinite" restart="never" nodeType="tmRoot"/>
+      </p:par>
+    </p:tnLst>
+  </p:timing>
+</p:sld>
+</file>
+
+<file path=ppt/slides/slide9.xml><?xml version="1.0" encoding="utf-8"?>
+<p:sld xmlns:a="http://schemas.openxmlformats.org/drawingml/2006/main" xmlns:r="http://schemas.openxmlformats.org/officeDocument/2006/relationships" xmlns:p="http://schemas.openxmlformats.org/presentationml/2006/main">
+  <p:cSld>
+    <p:spTree>
+      <p:nvGrpSpPr>
+        <p:cNvPr id="1" name=""/>
+        <p:cNvGrpSpPr/>
+        <p:nvPr/>
+      </p:nvGrpSpPr>
+      <p:grpSpPr>
+        <a:xfrm>
+          <a:off x="0" y="0"/>
+          <a:ext cx="0" cy="0"/>
+          <a:chOff x="0" y="0"/>
+          <a:chExt cx="0" cy="0"/>
+        </a:xfrm>
+      </p:grpSpPr>
+      <p:pic>
+        <p:nvPicPr>
+          <p:cNvPr id="2" name="Picture 6"/>
+          <p:cNvPicPr>
+            <a:picLocks noChangeAspect="1" noChangeArrowheads="1"/>
+          </p:cNvPicPr>
+          <p:nvPr/>
+        </p:nvPicPr>
+        <p:blipFill>
+          <a:blip r:embed="rId2"/>
+          <a:srcRect/>
+          <a:stretch>
+            <a:fillRect/>
+          </a:stretch>
+        </p:blipFill>
+        <p:spPr bwMode="auto">
+          <a:xfrm>
+            <a:off x="228600" y="304800"/>
+            <a:ext cx="8665369" cy="6086475"/>
+          </a:xfrm>
+          <a:prstGeom prst="rect">
+            <a:avLst/>
+          </a:prstGeom>
+          <a:noFill/>
+          <a:ln w="9525">
+            <a:noFill/>
+            <a:miter lim="800000"/>
+            <a:headEnd/>
+            <a:tailEnd/>
+          </a:ln>
+          <a:effectLst/>
+        </p:spPr>
+      </p:pic>
+    </p:spTree>
+  </p:cSld>
+  <p:clrMapOvr>
+    <a:masterClrMapping/>
+  </p:clrMapOvr>
+  <p:timing>
+    <p:tnLst>
+      <p:par>
+        <p:cTn id="1" dur="indefinite" restart="never" nodeType="tmRoot"/>
+      </p:par>
+    </p:tnLst>
+  </p:timing>
 </p:sld>
 </file>
 

--- a/project_management/external_meetings/ICR Workspace Mtg Sept 2008 Slides.pptx
+++ b/project_management/external_meetings/ICR Workspace Mtg Sept 2008 Slides.pptx
@@ -2,7 +2,7 @@
 <file path=ppt/presentation.xml><?xml version="1.0" encoding="utf-8"?>
 <p:presentation xmlns:a="http://schemas.openxmlformats.org/drawingml/2006/main" xmlns:r="http://schemas.openxmlformats.org/officeDocument/2006/relationships" xmlns:p="http://schemas.openxmlformats.org/presentationml/2006/main" saveSubsetFonts="1">
   <p:sldMasterIdLst>
-    <p:sldMasterId id="2147483648" r:id="rId1"/>
+    <p:sldMasterId id="2147483660" r:id="rId1"/>
   </p:sldMasterIdLst>
   <p:sldIdLst>
     <p:sldId id="264" r:id="rId2"/>
@@ -127,7 +127,7 @@
 </file>
 
 <file path=ppt/slideLayouts/slideLayout1.xml><?xml version="1.0" encoding="utf-8"?>
-<p:sldLayout xmlns:a="http://schemas.openxmlformats.org/drawingml/2006/main" xmlns:r="http://schemas.openxmlformats.org/officeDocument/2006/relationships" xmlns:p="http://schemas.openxmlformats.org/presentationml/2006/main" type="title" preserve="1">
+<p:sldLayout xmlns:a="http://schemas.openxmlformats.org/drawingml/2006/main" xmlns:r="http://schemas.openxmlformats.org/officeDocument/2006/relationships" xmlns:p="http://schemas.openxmlformats.org/presentationml/2006/main" showMasterSp="0" type="title" preserve="1">
   <p:cSld name="Title Slide">
     <p:spTree>
       <p:nvGrpSpPr>
@@ -143,11 +143,96 @@
           <a:chExt cx="0" cy="0"/>
         </a:xfrm>
       </p:grpSpPr>
+      <p:pic>
+        <p:nvPicPr>
+          <p:cNvPr id="4" name="Picture 17" descr="PPT_template_MAIN"/>
+          <p:cNvPicPr>
+            <a:picLocks noChangeAspect="1" noChangeArrowheads="1"/>
+          </p:cNvPicPr>
+          <p:nvPr userDrawn="1"/>
+        </p:nvPicPr>
+        <p:blipFill>
+          <a:blip r:embed="rId2"/>
+          <a:srcRect/>
+          <a:stretch>
+            <a:fillRect/>
+          </a:stretch>
+        </p:blipFill>
+        <p:spPr bwMode="auto">
+          <a:xfrm>
+            <a:off x="0" y="0"/>
+            <a:ext cx="9144000" cy="6858000"/>
+          </a:xfrm>
+          <a:prstGeom prst="rect">
+            <a:avLst/>
+          </a:prstGeom>
+          <a:noFill/>
+          <a:ln w="9525">
+            <a:noFill/>
+            <a:miter lim="800000"/>
+            <a:headEnd/>
+            <a:tailEnd/>
+          </a:ln>
+        </p:spPr>
+      </p:pic>
       <p:sp>
         <p:nvSpPr>
-          <p:cNvPr id="2" name="Title 1"/>
+          <p:cNvPr id="5" name="Text Box 18"/>
+          <p:cNvSpPr txBox="1">
+            <a:spLocks noChangeArrowheads="1"/>
+          </p:cNvSpPr>
+          <p:nvPr userDrawn="1"/>
+        </p:nvSpPr>
+        <p:spPr bwMode="auto">
+          <a:xfrm>
+            <a:off x="171450" y="6457950"/>
+            <a:ext cx="990600" cy="214313"/>
+          </a:xfrm>
+          <a:prstGeom prst="rect">
+            <a:avLst/>
+          </a:prstGeom>
+          <a:noFill/>
+          <a:ln w="9525">
+            <a:noFill/>
+            <a:miter lim="800000"/>
+            <a:headEnd/>
+            <a:tailEnd/>
+          </a:ln>
+          <a:effectLst/>
+        </p:spPr>
+        <p:txBody>
+          <a:bodyPr>
+            <a:spAutoFit/>
+          </a:bodyPr>
+          <a:lstStyle/>
+          <a:p>
+            <a:pPr>
+              <a:spcBef>
+                <a:spcPct val="50000"/>
+              </a:spcBef>
+              <a:defRPr/>
+            </a:pPr>
+            <a:r>
+              <a:rPr lang="en-US" sz="800" dirty="0" smtClean="0">
+                <a:solidFill>
+                  <a:srgbClr val="C0C0C0"/>
+                </a:solidFill>
+              </a:rPr>
+              <a:t>September 2008</a:t>
+            </a:r>
+            <a:endParaRPr lang="en-US" sz="800" dirty="0">
+              <a:solidFill>
+                <a:srgbClr val="C0C0C0"/>
+              </a:solidFill>
+            </a:endParaRPr>
+          </a:p>
+        </p:txBody>
+      </p:sp>
+      <p:sp>
+        <p:nvSpPr>
+          <p:cNvPr id="4098" name="Rectangle 2"/>
           <p:cNvSpPr>
-            <a:spLocks noGrp="1"/>
+            <a:spLocks noGrp="1" noChangeArrowheads="1"/>
           </p:cNvSpPr>
           <p:nvPr>
             <p:ph type="ctrTitle"/>
@@ -155,27 +240,32 @@
         </p:nvSpPr>
         <p:spPr>
           <a:xfrm>
-            <a:off x="685800" y="2130425"/>
-            <a:ext cx="7772400" cy="1470025"/>
+            <a:off x="4495800" y="1676400"/>
+            <a:ext cx="3581400" cy="609600"/>
           </a:xfrm>
         </p:spPr>
         <p:txBody>
-          <a:bodyPr/>
-          <a:lstStyle/>
-          <a:p>
-            <a:r>
-              <a:rPr lang="en-US" smtClean="0"/>
+          <a:bodyPr anchor="t"/>
+          <a:lstStyle>
+            <a:lvl1pPr>
+              <a:defRPr sz="3600">
+                <a:latin typeface="Arial Black" charset="0"/>
+              </a:defRPr>
+            </a:lvl1pPr>
+          </a:lstStyle>
+          <a:p>
+            <a:r>
+              <a:rPr lang="en-US"/>
               <a:t>Click to edit Master title style</a:t>
             </a:r>
-            <a:endParaRPr lang="en-US"/>
           </a:p>
         </p:txBody>
       </p:sp>
       <p:sp>
         <p:nvSpPr>
-          <p:cNvPr id="3" name="Subtitle 2"/>
+          <p:cNvPr id="4099" name="Rectangle 3"/>
           <p:cNvSpPr>
-            <a:spLocks noGrp="1"/>
+            <a:spLocks noGrp="1" noChangeArrowheads="1"/>
           </p:cNvSpPr>
           <p:nvPr>
             <p:ph type="subTitle" idx="1"/>
@@ -183,177 +273,24 @@
         </p:nvSpPr>
         <p:spPr>
           <a:xfrm>
-            <a:off x="1371600" y="3886200"/>
-            <a:ext cx="6400800" cy="1752600"/>
+            <a:off x="4572000" y="4114800"/>
+            <a:ext cx="3200400" cy="457200"/>
           </a:xfrm>
         </p:spPr>
         <p:txBody>
           <a:bodyPr/>
           <a:lstStyle>
-            <a:lvl1pPr marL="0" indent="0" algn="ctr">
+            <a:lvl1pPr marL="0" indent="0">
+              <a:buFontTx/>
               <a:buNone/>
-              <a:defRPr>
-                <a:solidFill>
-                  <a:schemeClr val="tx1">
-                    <a:tint val="75000"/>
-                  </a:schemeClr>
-                </a:solidFill>
-              </a:defRPr>
+              <a:defRPr sz="2000" i="1"/>
             </a:lvl1pPr>
-            <a:lvl2pPr marL="457200" indent="0" algn="ctr">
-              <a:buNone/>
-              <a:defRPr>
-                <a:solidFill>
-                  <a:schemeClr val="tx1">
-                    <a:tint val="75000"/>
-                  </a:schemeClr>
-                </a:solidFill>
-              </a:defRPr>
-            </a:lvl2pPr>
-            <a:lvl3pPr marL="914400" indent="0" algn="ctr">
-              <a:buNone/>
-              <a:defRPr>
-                <a:solidFill>
-                  <a:schemeClr val="tx1">
-                    <a:tint val="75000"/>
-                  </a:schemeClr>
-                </a:solidFill>
-              </a:defRPr>
-            </a:lvl3pPr>
-            <a:lvl4pPr marL="1371600" indent="0" algn="ctr">
-              <a:buNone/>
-              <a:defRPr>
-                <a:solidFill>
-                  <a:schemeClr val="tx1">
-                    <a:tint val="75000"/>
-                  </a:schemeClr>
-                </a:solidFill>
-              </a:defRPr>
-            </a:lvl4pPr>
-            <a:lvl5pPr marL="1828800" indent="0" algn="ctr">
-              <a:buNone/>
-              <a:defRPr>
-                <a:solidFill>
-                  <a:schemeClr val="tx1">
-                    <a:tint val="75000"/>
-                  </a:schemeClr>
-                </a:solidFill>
-              </a:defRPr>
-            </a:lvl5pPr>
-            <a:lvl6pPr marL="2286000" indent="0" algn="ctr">
-              <a:buNone/>
-              <a:defRPr>
-                <a:solidFill>
-                  <a:schemeClr val="tx1">
-                    <a:tint val="75000"/>
-                  </a:schemeClr>
-                </a:solidFill>
-              </a:defRPr>
-            </a:lvl6pPr>
-            <a:lvl7pPr marL="2743200" indent="0" algn="ctr">
-              <a:buNone/>
-              <a:defRPr>
-                <a:solidFill>
-                  <a:schemeClr val="tx1">
-                    <a:tint val="75000"/>
-                  </a:schemeClr>
-                </a:solidFill>
-              </a:defRPr>
-            </a:lvl7pPr>
-            <a:lvl8pPr marL="3200400" indent="0" algn="ctr">
-              <a:buNone/>
-              <a:defRPr>
-                <a:solidFill>
-                  <a:schemeClr val="tx1">
-                    <a:tint val="75000"/>
-                  </a:schemeClr>
-                </a:solidFill>
-              </a:defRPr>
-            </a:lvl8pPr>
-            <a:lvl9pPr marL="3657600" indent="0" algn="ctr">
-              <a:buNone/>
-              <a:defRPr>
-                <a:solidFill>
-                  <a:schemeClr val="tx1">
-                    <a:tint val="75000"/>
-                  </a:schemeClr>
-                </a:solidFill>
-              </a:defRPr>
-            </a:lvl9pPr>
           </a:lstStyle>
           <a:p>
             <a:r>
-              <a:rPr lang="en-US" smtClean="0"/>
+              <a:rPr lang="en-US"/>
               <a:t>Click to edit Master subtitle style</a:t>
             </a:r>
-            <a:endParaRPr lang="en-US"/>
-          </a:p>
-        </p:txBody>
-      </p:sp>
-      <p:sp>
-        <p:nvSpPr>
-          <p:cNvPr id="4" name="Date Placeholder 3"/>
-          <p:cNvSpPr>
-            <a:spLocks noGrp="1"/>
-          </p:cNvSpPr>
-          <p:nvPr>
-            <p:ph type="dt" sz="half" idx="10"/>
-          </p:nvPr>
-        </p:nvSpPr>
-        <p:spPr/>
-        <p:txBody>
-          <a:bodyPr/>
-          <a:lstStyle/>
-          <a:p>
-            <a:fld id="{BFF0141B-3676-46F2-8A5A-C346ECA90DD6}" type="datetimeFigureOut">
-              <a:rPr lang="en-US" smtClean="0"/>
-              <a:pPr/>
-              <a:t>9/19/2008</a:t>
-            </a:fld>
-            <a:endParaRPr lang="en-US"/>
-          </a:p>
-        </p:txBody>
-      </p:sp>
-      <p:sp>
-        <p:nvSpPr>
-          <p:cNvPr id="5" name="Footer Placeholder 4"/>
-          <p:cNvSpPr>
-            <a:spLocks noGrp="1"/>
-          </p:cNvSpPr>
-          <p:nvPr>
-            <p:ph type="ftr" sz="quarter" idx="11"/>
-          </p:nvPr>
-        </p:nvSpPr>
-        <p:spPr/>
-        <p:txBody>
-          <a:bodyPr/>
-          <a:lstStyle/>
-          <a:p>
-            <a:endParaRPr lang="en-US"/>
-          </a:p>
-        </p:txBody>
-      </p:sp>
-      <p:sp>
-        <p:nvSpPr>
-          <p:cNvPr id="6" name="Slide Number Placeholder 5"/>
-          <p:cNvSpPr>
-            <a:spLocks noGrp="1"/>
-          </p:cNvSpPr>
-          <p:nvPr>
-            <p:ph type="sldNum" sz="quarter" idx="12"/>
-          </p:nvPr>
-        </p:nvSpPr>
-        <p:spPr/>
-        <p:txBody>
-          <a:bodyPr/>
-          <a:lstStyle/>
-          <a:p>
-            <a:fld id="{750AB011-F392-451F-BB43-22E7411D029E}" type="slidenum">
-              <a:rPr lang="en-US" smtClean="0"/>
-              <a:pPr/>
-              <a:t>‹#›</a:t>
-            </a:fld>
-            <a:endParaRPr lang="en-US"/>
           </a:p>
         </p:txBody>
       </p:sp>
@@ -457,73 +394,6 @@
           </a:p>
         </p:txBody>
       </p:sp>
-      <p:sp>
-        <p:nvSpPr>
-          <p:cNvPr id="4" name="Date Placeholder 3"/>
-          <p:cNvSpPr>
-            <a:spLocks noGrp="1"/>
-          </p:cNvSpPr>
-          <p:nvPr>
-            <p:ph type="dt" sz="half" idx="10"/>
-          </p:nvPr>
-        </p:nvSpPr>
-        <p:spPr/>
-        <p:txBody>
-          <a:bodyPr/>
-          <a:lstStyle/>
-          <a:p>
-            <a:fld id="{BFF0141B-3676-46F2-8A5A-C346ECA90DD6}" type="datetimeFigureOut">
-              <a:rPr lang="en-US" smtClean="0"/>
-              <a:pPr/>
-              <a:t>9/19/2008</a:t>
-            </a:fld>
-            <a:endParaRPr lang="en-US"/>
-          </a:p>
-        </p:txBody>
-      </p:sp>
-      <p:sp>
-        <p:nvSpPr>
-          <p:cNvPr id="5" name="Footer Placeholder 4"/>
-          <p:cNvSpPr>
-            <a:spLocks noGrp="1"/>
-          </p:cNvSpPr>
-          <p:nvPr>
-            <p:ph type="ftr" sz="quarter" idx="11"/>
-          </p:nvPr>
-        </p:nvSpPr>
-        <p:spPr/>
-        <p:txBody>
-          <a:bodyPr/>
-          <a:lstStyle/>
-          <a:p>
-            <a:endParaRPr lang="en-US"/>
-          </a:p>
-        </p:txBody>
-      </p:sp>
-      <p:sp>
-        <p:nvSpPr>
-          <p:cNvPr id="6" name="Slide Number Placeholder 5"/>
-          <p:cNvSpPr>
-            <a:spLocks noGrp="1"/>
-          </p:cNvSpPr>
-          <p:nvPr>
-            <p:ph type="sldNum" sz="quarter" idx="12"/>
-          </p:nvPr>
-        </p:nvSpPr>
-        <p:spPr/>
-        <p:txBody>
-          <a:bodyPr/>
-          <a:lstStyle/>
-          <a:p>
-            <a:fld id="{750AB011-F392-451F-BB43-22E7411D029E}" type="slidenum">
-              <a:rPr lang="en-US" smtClean="0"/>
-              <a:pPr/>
-              <a:t>‹#›</a:t>
-            </a:fld>
-            <a:endParaRPr lang="en-US"/>
-          </a:p>
-        </p:txBody>
-      </p:sp>
     </p:spTree>
   </p:cSld>
   <p:clrMapOvr>
@@ -561,8 +431,8 @@
         </p:nvSpPr>
         <p:spPr>
           <a:xfrm>
-            <a:off x="6629400" y="274638"/>
-            <a:ext cx="2057400" cy="5851525"/>
+            <a:off x="6648450" y="0"/>
+            <a:ext cx="2114550" cy="6324600"/>
           </a:xfrm>
         </p:spPr>
         <p:txBody>
@@ -589,8 +459,8 @@
         </p:nvSpPr>
         <p:spPr>
           <a:xfrm>
-            <a:off x="457200" y="274638"/>
-            <a:ext cx="6019800" cy="5851525"/>
+            <a:off x="304800" y="0"/>
+            <a:ext cx="6191250" cy="6324600"/>
           </a:xfrm>
         </p:spPr>
         <p:txBody>
@@ -630,73 +500,6 @@
               <a:rPr lang="en-US" smtClean="0"/>
               <a:t>Fifth level</a:t>
             </a:r>
-            <a:endParaRPr lang="en-US"/>
-          </a:p>
-        </p:txBody>
-      </p:sp>
-      <p:sp>
-        <p:nvSpPr>
-          <p:cNvPr id="4" name="Date Placeholder 3"/>
-          <p:cNvSpPr>
-            <a:spLocks noGrp="1"/>
-          </p:cNvSpPr>
-          <p:nvPr>
-            <p:ph type="dt" sz="half" idx="10"/>
-          </p:nvPr>
-        </p:nvSpPr>
-        <p:spPr/>
-        <p:txBody>
-          <a:bodyPr/>
-          <a:lstStyle/>
-          <a:p>
-            <a:fld id="{BFF0141B-3676-46F2-8A5A-C346ECA90DD6}" type="datetimeFigureOut">
-              <a:rPr lang="en-US" smtClean="0"/>
-              <a:pPr/>
-              <a:t>9/19/2008</a:t>
-            </a:fld>
-            <a:endParaRPr lang="en-US"/>
-          </a:p>
-        </p:txBody>
-      </p:sp>
-      <p:sp>
-        <p:nvSpPr>
-          <p:cNvPr id="5" name="Footer Placeholder 4"/>
-          <p:cNvSpPr>
-            <a:spLocks noGrp="1"/>
-          </p:cNvSpPr>
-          <p:nvPr>
-            <p:ph type="ftr" sz="quarter" idx="11"/>
-          </p:nvPr>
-        </p:nvSpPr>
-        <p:spPr/>
-        <p:txBody>
-          <a:bodyPr/>
-          <a:lstStyle/>
-          <a:p>
-            <a:endParaRPr lang="en-US"/>
-          </a:p>
-        </p:txBody>
-      </p:sp>
-      <p:sp>
-        <p:nvSpPr>
-          <p:cNvPr id="6" name="Slide Number Placeholder 5"/>
-          <p:cNvSpPr>
-            <a:spLocks noGrp="1"/>
-          </p:cNvSpPr>
-          <p:nvPr>
-            <p:ph type="sldNum" sz="quarter" idx="12"/>
-          </p:nvPr>
-        </p:nvSpPr>
-        <p:spPr/>
-        <p:txBody>
-          <a:bodyPr/>
-          <a:lstStyle/>
-          <a:p>
-            <a:fld id="{750AB011-F392-451F-BB43-22E7411D029E}" type="slidenum">
-              <a:rPr lang="en-US" smtClean="0"/>
-              <a:pPr/>
-              <a:t>‹#›</a:t>
-            </a:fld>
             <a:endParaRPr lang="en-US"/>
           </a:p>
         </p:txBody>
@@ -801,73 +604,6 @@
           </a:p>
         </p:txBody>
       </p:sp>
-      <p:sp>
-        <p:nvSpPr>
-          <p:cNvPr id="4" name="Date Placeholder 3"/>
-          <p:cNvSpPr>
-            <a:spLocks noGrp="1"/>
-          </p:cNvSpPr>
-          <p:nvPr>
-            <p:ph type="dt" sz="half" idx="10"/>
-          </p:nvPr>
-        </p:nvSpPr>
-        <p:spPr/>
-        <p:txBody>
-          <a:bodyPr/>
-          <a:lstStyle/>
-          <a:p>
-            <a:fld id="{BFF0141B-3676-46F2-8A5A-C346ECA90DD6}" type="datetimeFigureOut">
-              <a:rPr lang="en-US" smtClean="0"/>
-              <a:pPr/>
-              <a:t>9/19/2008</a:t>
-            </a:fld>
-            <a:endParaRPr lang="en-US"/>
-          </a:p>
-        </p:txBody>
-      </p:sp>
-      <p:sp>
-        <p:nvSpPr>
-          <p:cNvPr id="5" name="Footer Placeholder 4"/>
-          <p:cNvSpPr>
-            <a:spLocks noGrp="1"/>
-          </p:cNvSpPr>
-          <p:nvPr>
-            <p:ph type="ftr" sz="quarter" idx="11"/>
-          </p:nvPr>
-        </p:nvSpPr>
-        <p:spPr/>
-        <p:txBody>
-          <a:bodyPr/>
-          <a:lstStyle/>
-          <a:p>
-            <a:endParaRPr lang="en-US"/>
-          </a:p>
-        </p:txBody>
-      </p:sp>
-      <p:sp>
-        <p:nvSpPr>
-          <p:cNvPr id="6" name="Slide Number Placeholder 5"/>
-          <p:cNvSpPr>
-            <a:spLocks noGrp="1"/>
-          </p:cNvSpPr>
-          <p:nvPr>
-            <p:ph type="sldNum" sz="quarter" idx="12"/>
-          </p:nvPr>
-        </p:nvSpPr>
-        <p:spPr/>
-        <p:txBody>
-          <a:bodyPr/>
-          <a:lstStyle/>
-          <a:p>
-            <a:fld id="{750AB011-F392-451F-BB43-22E7411D029E}" type="slidenum">
-              <a:rPr lang="en-US" smtClean="0"/>
-              <a:pPr/>
-              <a:t>‹#›</a:t>
-            </a:fld>
-            <a:endParaRPr lang="en-US"/>
-          </a:p>
-        </p:txBody>
-      </p:sp>
     </p:spTree>
   </p:cSld>
   <p:clrMapOvr>
@@ -946,93 +682,39 @@
           <a:lstStyle>
             <a:lvl1pPr marL="0" indent="0">
               <a:buNone/>
-              <a:defRPr sz="2000">
-                <a:solidFill>
-                  <a:schemeClr val="tx1">
-                    <a:tint val="75000"/>
-                  </a:schemeClr>
-                </a:solidFill>
-              </a:defRPr>
+              <a:defRPr sz="2000"/>
             </a:lvl1pPr>
             <a:lvl2pPr marL="457200" indent="0">
               <a:buNone/>
-              <a:defRPr sz="1800">
-                <a:solidFill>
-                  <a:schemeClr val="tx1">
-                    <a:tint val="75000"/>
-                  </a:schemeClr>
-                </a:solidFill>
-              </a:defRPr>
+              <a:defRPr sz="1800"/>
             </a:lvl2pPr>
             <a:lvl3pPr marL="914400" indent="0">
               <a:buNone/>
-              <a:defRPr sz="1600">
-                <a:solidFill>
-                  <a:schemeClr val="tx1">
-                    <a:tint val="75000"/>
-                  </a:schemeClr>
-                </a:solidFill>
-              </a:defRPr>
+              <a:defRPr sz="1600"/>
             </a:lvl3pPr>
             <a:lvl4pPr marL="1371600" indent="0">
               <a:buNone/>
-              <a:defRPr sz="1400">
-                <a:solidFill>
-                  <a:schemeClr val="tx1">
-                    <a:tint val="75000"/>
-                  </a:schemeClr>
-                </a:solidFill>
-              </a:defRPr>
+              <a:defRPr sz="1400"/>
             </a:lvl4pPr>
             <a:lvl5pPr marL="1828800" indent="0">
               <a:buNone/>
-              <a:defRPr sz="1400">
-                <a:solidFill>
-                  <a:schemeClr val="tx1">
-                    <a:tint val="75000"/>
-                  </a:schemeClr>
-                </a:solidFill>
-              </a:defRPr>
+              <a:defRPr sz="1400"/>
             </a:lvl5pPr>
             <a:lvl6pPr marL="2286000" indent="0">
               <a:buNone/>
-              <a:defRPr sz="1400">
-                <a:solidFill>
-                  <a:schemeClr val="tx1">
-                    <a:tint val="75000"/>
-                  </a:schemeClr>
-                </a:solidFill>
-              </a:defRPr>
+              <a:defRPr sz="1400"/>
             </a:lvl6pPr>
             <a:lvl7pPr marL="2743200" indent="0">
               <a:buNone/>
-              <a:defRPr sz="1400">
-                <a:solidFill>
-                  <a:schemeClr val="tx1">
-                    <a:tint val="75000"/>
-                  </a:schemeClr>
-                </a:solidFill>
-              </a:defRPr>
+              <a:defRPr sz="1400"/>
             </a:lvl7pPr>
             <a:lvl8pPr marL="3200400" indent="0">
               <a:buNone/>
-              <a:defRPr sz="1400">
-                <a:solidFill>
-                  <a:schemeClr val="tx1">
-                    <a:tint val="75000"/>
-                  </a:schemeClr>
-                </a:solidFill>
-              </a:defRPr>
+              <a:defRPr sz="1400"/>
             </a:lvl8pPr>
             <a:lvl9pPr marL="3657600" indent="0">
               <a:buNone/>
-              <a:defRPr sz="1400">
-                <a:solidFill>
-                  <a:schemeClr val="tx1">
-                    <a:tint val="75000"/>
-                  </a:schemeClr>
-                </a:solidFill>
-              </a:defRPr>
+              <a:defRPr sz="1400"/>
             </a:lvl9pPr>
           </a:lstStyle>
           <a:p>
@@ -1041,73 +723,6 @@
               <a:rPr lang="en-US" smtClean="0"/>
               <a:t>Click to edit Master text styles</a:t>
             </a:r>
-          </a:p>
-        </p:txBody>
-      </p:sp>
-      <p:sp>
-        <p:nvSpPr>
-          <p:cNvPr id="4" name="Date Placeholder 3"/>
-          <p:cNvSpPr>
-            <a:spLocks noGrp="1"/>
-          </p:cNvSpPr>
-          <p:nvPr>
-            <p:ph type="dt" sz="half" idx="10"/>
-          </p:nvPr>
-        </p:nvSpPr>
-        <p:spPr/>
-        <p:txBody>
-          <a:bodyPr/>
-          <a:lstStyle/>
-          <a:p>
-            <a:fld id="{BFF0141B-3676-46F2-8A5A-C346ECA90DD6}" type="datetimeFigureOut">
-              <a:rPr lang="en-US" smtClean="0"/>
-              <a:pPr/>
-              <a:t>9/19/2008</a:t>
-            </a:fld>
-            <a:endParaRPr lang="en-US"/>
-          </a:p>
-        </p:txBody>
-      </p:sp>
-      <p:sp>
-        <p:nvSpPr>
-          <p:cNvPr id="5" name="Footer Placeholder 4"/>
-          <p:cNvSpPr>
-            <a:spLocks noGrp="1"/>
-          </p:cNvSpPr>
-          <p:nvPr>
-            <p:ph type="ftr" sz="quarter" idx="11"/>
-          </p:nvPr>
-        </p:nvSpPr>
-        <p:spPr/>
-        <p:txBody>
-          <a:bodyPr/>
-          <a:lstStyle/>
-          <a:p>
-            <a:endParaRPr lang="en-US"/>
-          </a:p>
-        </p:txBody>
-      </p:sp>
-      <p:sp>
-        <p:nvSpPr>
-          <p:cNvPr id="6" name="Slide Number Placeholder 5"/>
-          <p:cNvSpPr>
-            <a:spLocks noGrp="1"/>
-          </p:cNvSpPr>
-          <p:nvPr>
-            <p:ph type="sldNum" sz="quarter" idx="12"/>
-          </p:nvPr>
-        </p:nvSpPr>
-        <p:spPr/>
-        <p:txBody>
-          <a:bodyPr/>
-          <a:lstStyle/>
-          <a:p>
-            <a:fld id="{750AB011-F392-451F-BB43-22E7411D029E}" type="slidenum">
-              <a:rPr lang="en-US" smtClean="0"/>
-              <a:pPr/>
-              <a:t>‹#›</a:t>
-            </a:fld>
-            <a:endParaRPr lang="en-US"/>
           </a:p>
         </p:txBody>
       </p:sp>
@@ -1171,8 +786,8 @@
         </p:nvSpPr>
         <p:spPr>
           <a:xfrm>
-            <a:off x="457200" y="1600200"/>
-            <a:ext cx="4038600" cy="4525963"/>
+            <a:off x="304800" y="1371600"/>
+            <a:ext cx="4152900" cy="4953000"/>
           </a:xfrm>
         </p:spPr>
         <p:txBody>
@@ -1256,8 +871,8 @@
         </p:nvSpPr>
         <p:spPr>
           <a:xfrm>
-            <a:off x="4648200" y="1600200"/>
-            <a:ext cx="4038600" cy="4525963"/>
+            <a:off x="4610100" y="1371600"/>
+            <a:ext cx="4152900" cy="4953000"/>
           </a:xfrm>
         </p:spPr>
         <p:txBody>
@@ -1325,73 +940,6 @@
               <a:rPr lang="en-US" smtClean="0"/>
               <a:t>Fifth level</a:t>
             </a:r>
-            <a:endParaRPr lang="en-US"/>
-          </a:p>
-        </p:txBody>
-      </p:sp>
-      <p:sp>
-        <p:nvSpPr>
-          <p:cNvPr id="5" name="Date Placeholder 4"/>
-          <p:cNvSpPr>
-            <a:spLocks noGrp="1"/>
-          </p:cNvSpPr>
-          <p:nvPr>
-            <p:ph type="dt" sz="half" idx="10"/>
-          </p:nvPr>
-        </p:nvSpPr>
-        <p:spPr/>
-        <p:txBody>
-          <a:bodyPr/>
-          <a:lstStyle/>
-          <a:p>
-            <a:fld id="{BFF0141B-3676-46F2-8A5A-C346ECA90DD6}" type="datetimeFigureOut">
-              <a:rPr lang="en-US" smtClean="0"/>
-              <a:pPr/>
-              <a:t>9/19/2008</a:t>
-            </a:fld>
-            <a:endParaRPr lang="en-US"/>
-          </a:p>
-        </p:txBody>
-      </p:sp>
-      <p:sp>
-        <p:nvSpPr>
-          <p:cNvPr id="6" name="Footer Placeholder 5"/>
-          <p:cNvSpPr>
-            <a:spLocks noGrp="1"/>
-          </p:cNvSpPr>
-          <p:nvPr>
-            <p:ph type="ftr" sz="quarter" idx="11"/>
-          </p:nvPr>
-        </p:nvSpPr>
-        <p:spPr/>
-        <p:txBody>
-          <a:bodyPr/>
-          <a:lstStyle/>
-          <a:p>
-            <a:endParaRPr lang="en-US"/>
-          </a:p>
-        </p:txBody>
-      </p:sp>
-      <p:sp>
-        <p:nvSpPr>
-          <p:cNvPr id="7" name="Slide Number Placeholder 6"/>
-          <p:cNvSpPr>
-            <a:spLocks noGrp="1"/>
-          </p:cNvSpPr>
-          <p:nvPr>
-            <p:ph type="sldNum" sz="quarter" idx="12"/>
-          </p:nvPr>
-        </p:nvSpPr>
-        <p:spPr/>
-        <p:txBody>
-          <a:bodyPr/>
-          <a:lstStyle/>
-          <a:p>
-            <a:fld id="{750AB011-F392-451F-BB43-22E7411D029E}" type="slidenum">
-              <a:rPr lang="en-US" smtClean="0"/>
-              <a:pPr/>
-              <a:t>‹#›</a:t>
-            </a:fld>
             <a:endParaRPr lang="en-US"/>
           </a:p>
         </p:txBody>
@@ -1431,7 +979,12 @@
             <p:ph type="title"/>
           </p:nvPr>
         </p:nvSpPr>
-        <p:spPr/>
+        <p:spPr>
+          <a:xfrm>
+            <a:off x="457200" y="274638"/>
+            <a:ext cx="8229600" cy="1143000"/>
+          </a:xfrm>
+        </p:spPr>
         <p:txBody>
           <a:bodyPr/>
           <a:lstStyle>
@@ -1744,73 +1297,6 @@
               <a:rPr lang="en-US" smtClean="0"/>
               <a:t>Fifth level</a:t>
             </a:r>
-            <a:endParaRPr lang="en-US"/>
-          </a:p>
-        </p:txBody>
-      </p:sp>
-      <p:sp>
-        <p:nvSpPr>
-          <p:cNvPr id="7" name="Date Placeholder 6"/>
-          <p:cNvSpPr>
-            <a:spLocks noGrp="1"/>
-          </p:cNvSpPr>
-          <p:nvPr>
-            <p:ph type="dt" sz="half" idx="10"/>
-          </p:nvPr>
-        </p:nvSpPr>
-        <p:spPr/>
-        <p:txBody>
-          <a:bodyPr/>
-          <a:lstStyle/>
-          <a:p>
-            <a:fld id="{BFF0141B-3676-46F2-8A5A-C346ECA90DD6}" type="datetimeFigureOut">
-              <a:rPr lang="en-US" smtClean="0"/>
-              <a:pPr/>
-              <a:t>9/19/2008</a:t>
-            </a:fld>
-            <a:endParaRPr lang="en-US"/>
-          </a:p>
-        </p:txBody>
-      </p:sp>
-      <p:sp>
-        <p:nvSpPr>
-          <p:cNvPr id="8" name="Footer Placeholder 7"/>
-          <p:cNvSpPr>
-            <a:spLocks noGrp="1"/>
-          </p:cNvSpPr>
-          <p:nvPr>
-            <p:ph type="ftr" sz="quarter" idx="11"/>
-          </p:nvPr>
-        </p:nvSpPr>
-        <p:spPr/>
-        <p:txBody>
-          <a:bodyPr/>
-          <a:lstStyle/>
-          <a:p>
-            <a:endParaRPr lang="en-US"/>
-          </a:p>
-        </p:txBody>
-      </p:sp>
-      <p:sp>
-        <p:nvSpPr>
-          <p:cNvPr id="9" name="Slide Number Placeholder 8"/>
-          <p:cNvSpPr>
-            <a:spLocks noGrp="1"/>
-          </p:cNvSpPr>
-          <p:nvPr>
-            <p:ph type="sldNum" sz="quarter" idx="12"/>
-          </p:nvPr>
-        </p:nvSpPr>
-        <p:spPr/>
-        <p:txBody>
-          <a:bodyPr/>
-          <a:lstStyle/>
-          <a:p>
-            <a:fld id="{750AB011-F392-451F-BB43-22E7411D029E}" type="slidenum">
-              <a:rPr lang="en-US" smtClean="0"/>
-              <a:pPr/>
-              <a:t>‹#›</a:t>
-            </a:fld>
             <a:endParaRPr lang="en-US"/>
           </a:p>
         </p:txBody>
@@ -1863,73 +1349,6 @@
           </a:p>
         </p:txBody>
       </p:sp>
-      <p:sp>
-        <p:nvSpPr>
-          <p:cNvPr id="3" name="Date Placeholder 2"/>
-          <p:cNvSpPr>
-            <a:spLocks noGrp="1"/>
-          </p:cNvSpPr>
-          <p:nvPr>
-            <p:ph type="dt" sz="half" idx="10"/>
-          </p:nvPr>
-        </p:nvSpPr>
-        <p:spPr/>
-        <p:txBody>
-          <a:bodyPr/>
-          <a:lstStyle/>
-          <a:p>
-            <a:fld id="{BFF0141B-3676-46F2-8A5A-C346ECA90DD6}" type="datetimeFigureOut">
-              <a:rPr lang="en-US" smtClean="0"/>
-              <a:pPr/>
-              <a:t>9/19/2008</a:t>
-            </a:fld>
-            <a:endParaRPr lang="en-US"/>
-          </a:p>
-        </p:txBody>
-      </p:sp>
-      <p:sp>
-        <p:nvSpPr>
-          <p:cNvPr id="4" name="Footer Placeholder 3"/>
-          <p:cNvSpPr>
-            <a:spLocks noGrp="1"/>
-          </p:cNvSpPr>
-          <p:nvPr>
-            <p:ph type="ftr" sz="quarter" idx="11"/>
-          </p:nvPr>
-        </p:nvSpPr>
-        <p:spPr/>
-        <p:txBody>
-          <a:bodyPr/>
-          <a:lstStyle/>
-          <a:p>
-            <a:endParaRPr lang="en-US"/>
-          </a:p>
-        </p:txBody>
-      </p:sp>
-      <p:sp>
-        <p:nvSpPr>
-          <p:cNvPr id="5" name="Slide Number Placeholder 4"/>
-          <p:cNvSpPr>
-            <a:spLocks noGrp="1"/>
-          </p:cNvSpPr>
-          <p:nvPr>
-            <p:ph type="sldNum" sz="quarter" idx="12"/>
-          </p:nvPr>
-        </p:nvSpPr>
-        <p:spPr/>
-        <p:txBody>
-          <a:bodyPr/>
-          <a:lstStyle/>
-          <a:p>
-            <a:fld id="{750AB011-F392-451F-BB43-22E7411D029E}" type="slidenum">
-              <a:rPr lang="en-US" smtClean="0"/>
-              <a:pPr/>
-              <a:t>‹#›</a:t>
-            </a:fld>
-            <a:endParaRPr lang="en-US"/>
-          </a:p>
-        </p:txBody>
-      </p:sp>
     </p:spTree>
   </p:cSld>
   <p:clrMapOvr>
@@ -1955,73 +1374,6 @@
           <a:chExt cx="0" cy="0"/>
         </a:xfrm>
       </p:grpSpPr>
-      <p:sp>
-        <p:nvSpPr>
-          <p:cNvPr id="2" name="Date Placeholder 1"/>
-          <p:cNvSpPr>
-            <a:spLocks noGrp="1"/>
-          </p:cNvSpPr>
-          <p:nvPr>
-            <p:ph type="dt" sz="half" idx="10"/>
-          </p:nvPr>
-        </p:nvSpPr>
-        <p:spPr/>
-        <p:txBody>
-          <a:bodyPr/>
-          <a:lstStyle/>
-          <a:p>
-            <a:fld id="{BFF0141B-3676-46F2-8A5A-C346ECA90DD6}" type="datetimeFigureOut">
-              <a:rPr lang="en-US" smtClean="0"/>
-              <a:pPr/>
-              <a:t>9/19/2008</a:t>
-            </a:fld>
-            <a:endParaRPr lang="en-US"/>
-          </a:p>
-        </p:txBody>
-      </p:sp>
-      <p:sp>
-        <p:nvSpPr>
-          <p:cNvPr id="3" name="Footer Placeholder 2"/>
-          <p:cNvSpPr>
-            <a:spLocks noGrp="1"/>
-          </p:cNvSpPr>
-          <p:nvPr>
-            <p:ph type="ftr" sz="quarter" idx="11"/>
-          </p:nvPr>
-        </p:nvSpPr>
-        <p:spPr/>
-        <p:txBody>
-          <a:bodyPr/>
-          <a:lstStyle/>
-          <a:p>
-            <a:endParaRPr lang="en-US"/>
-          </a:p>
-        </p:txBody>
-      </p:sp>
-      <p:sp>
-        <p:nvSpPr>
-          <p:cNvPr id="4" name="Slide Number Placeholder 3"/>
-          <p:cNvSpPr>
-            <a:spLocks noGrp="1"/>
-          </p:cNvSpPr>
-          <p:nvPr>
-            <p:ph type="sldNum" sz="quarter" idx="12"/>
-          </p:nvPr>
-        </p:nvSpPr>
-        <p:spPr/>
-        <p:txBody>
-          <a:bodyPr/>
-          <a:lstStyle/>
-          <a:p>
-            <a:fld id="{750AB011-F392-451F-BB43-22E7411D029E}" type="slidenum">
-              <a:rPr lang="en-US" smtClean="0"/>
-              <a:pPr/>
-              <a:t>‹#›</a:t>
-            </a:fld>
-            <a:endParaRPr lang="en-US"/>
-          </a:p>
-        </p:txBody>
-      </p:sp>
     </p:spTree>
   </p:cSld>
   <p:clrMapOvr>
@@ -2229,73 +1581,6 @@
           </a:p>
         </p:txBody>
       </p:sp>
-      <p:sp>
-        <p:nvSpPr>
-          <p:cNvPr id="5" name="Date Placeholder 4"/>
-          <p:cNvSpPr>
-            <a:spLocks noGrp="1"/>
-          </p:cNvSpPr>
-          <p:nvPr>
-            <p:ph type="dt" sz="half" idx="10"/>
-          </p:nvPr>
-        </p:nvSpPr>
-        <p:spPr/>
-        <p:txBody>
-          <a:bodyPr/>
-          <a:lstStyle/>
-          <a:p>
-            <a:fld id="{BFF0141B-3676-46F2-8A5A-C346ECA90DD6}" type="datetimeFigureOut">
-              <a:rPr lang="en-US" smtClean="0"/>
-              <a:pPr/>
-              <a:t>9/19/2008</a:t>
-            </a:fld>
-            <a:endParaRPr lang="en-US"/>
-          </a:p>
-        </p:txBody>
-      </p:sp>
-      <p:sp>
-        <p:nvSpPr>
-          <p:cNvPr id="6" name="Footer Placeholder 5"/>
-          <p:cNvSpPr>
-            <a:spLocks noGrp="1"/>
-          </p:cNvSpPr>
-          <p:nvPr>
-            <p:ph type="ftr" sz="quarter" idx="11"/>
-          </p:nvPr>
-        </p:nvSpPr>
-        <p:spPr/>
-        <p:txBody>
-          <a:bodyPr/>
-          <a:lstStyle/>
-          <a:p>
-            <a:endParaRPr lang="en-US"/>
-          </a:p>
-        </p:txBody>
-      </p:sp>
-      <p:sp>
-        <p:nvSpPr>
-          <p:cNvPr id="7" name="Slide Number Placeholder 6"/>
-          <p:cNvSpPr>
-            <a:spLocks noGrp="1"/>
-          </p:cNvSpPr>
-          <p:nvPr>
-            <p:ph type="sldNum" sz="quarter" idx="12"/>
-          </p:nvPr>
-        </p:nvSpPr>
-        <p:spPr/>
-        <p:txBody>
-          <a:bodyPr/>
-          <a:lstStyle/>
-          <a:p>
-            <a:fld id="{750AB011-F392-451F-BB43-22E7411D029E}" type="slidenum">
-              <a:rPr lang="en-US" smtClean="0"/>
-              <a:pPr/>
-              <a:t>‹#›</a:t>
-            </a:fld>
-            <a:endParaRPr lang="en-US"/>
-          </a:p>
-        </p:txBody>
-      </p:sp>
     </p:spTree>
   </p:cSld>
   <p:clrMapOvr>
@@ -2410,7 +1695,8 @@
             </a:lvl9pPr>
           </a:lstStyle>
           <a:p>
-            <a:endParaRPr lang="en-US"/>
+            <a:pPr lvl="0"/>
+            <a:endParaRPr lang="en-US" noProof="0" smtClean="0"/>
           </a:p>
         </p:txBody>
       </p:sp>
@@ -2479,73 +1765,6 @@
           </a:p>
         </p:txBody>
       </p:sp>
-      <p:sp>
-        <p:nvSpPr>
-          <p:cNvPr id="5" name="Date Placeholder 4"/>
-          <p:cNvSpPr>
-            <a:spLocks noGrp="1"/>
-          </p:cNvSpPr>
-          <p:nvPr>
-            <p:ph type="dt" sz="half" idx="10"/>
-          </p:nvPr>
-        </p:nvSpPr>
-        <p:spPr/>
-        <p:txBody>
-          <a:bodyPr/>
-          <a:lstStyle/>
-          <a:p>
-            <a:fld id="{BFF0141B-3676-46F2-8A5A-C346ECA90DD6}" type="datetimeFigureOut">
-              <a:rPr lang="en-US" smtClean="0"/>
-              <a:pPr/>
-              <a:t>9/19/2008</a:t>
-            </a:fld>
-            <a:endParaRPr lang="en-US"/>
-          </a:p>
-        </p:txBody>
-      </p:sp>
-      <p:sp>
-        <p:nvSpPr>
-          <p:cNvPr id="6" name="Footer Placeholder 5"/>
-          <p:cNvSpPr>
-            <a:spLocks noGrp="1"/>
-          </p:cNvSpPr>
-          <p:nvPr>
-            <p:ph type="ftr" sz="quarter" idx="11"/>
-          </p:nvPr>
-        </p:nvSpPr>
-        <p:spPr/>
-        <p:txBody>
-          <a:bodyPr/>
-          <a:lstStyle/>
-          <a:p>
-            <a:endParaRPr lang="en-US"/>
-          </a:p>
-        </p:txBody>
-      </p:sp>
-      <p:sp>
-        <p:nvSpPr>
-          <p:cNvPr id="7" name="Slide Number Placeholder 6"/>
-          <p:cNvSpPr>
-            <a:spLocks noGrp="1"/>
-          </p:cNvSpPr>
-          <p:nvPr>
-            <p:ph type="sldNum" sz="quarter" idx="12"/>
-          </p:nvPr>
-        </p:nvSpPr>
-        <p:spPr/>
-        <p:txBody>
-          <a:bodyPr/>
-          <a:lstStyle/>
-          <a:p>
-            <a:fld id="{750AB011-F392-451F-BB43-22E7411D029E}" type="slidenum">
-              <a:rPr lang="en-US" smtClean="0"/>
-              <a:pPr/>
-              <a:t>‹#›</a:t>
-            </a:fld>
-            <a:endParaRPr lang="en-US"/>
-          </a:p>
-        </p:txBody>
-      </p:sp>
     </p:spTree>
   </p:cSld>
   <p:clrMapOvr>
@@ -2555,12 +1774,15 @@
 </file>
 
 <file path=ppt/slideMasters/slideMaster1.xml><?xml version="1.0" encoding="utf-8"?>
-<p:sldMaster xmlns:a="http://schemas.openxmlformats.org/drawingml/2006/main" xmlns:r="http://schemas.openxmlformats.org/officeDocument/2006/relationships" xmlns:p="http://schemas.openxmlformats.org/presentationml/2006/main">
+<p:sldMaster xmlns:a="http://schemas.openxmlformats.org/drawingml/2006/main" xmlns:r="http://schemas.openxmlformats.org/officeDocument/2006/relationships" xmlns:p="http://schemas.openxmlformats.org/presentationml/2006/main" preserve="1">
   <p:cSld>
     <p:bg>
-      <p:bgRef idx="1001">
-        <a:schemeClr val="bg1"/>
-      </p:bgRef>
+      <p:bgPr>
+        <a:solidFill>
+          <a:schemeClr val="bg1"/>
+        </a:solidFill>
+        <a:effectLst/>
+      </p:bgPr>
     </p:bg>
     <p:spTree>
       <p:nvGrpSpPr>
@@ -2576,61 +1798,111 @@
           <a:chExt cx="0" cy="0"/>
         </a:xfrm>
       </p:grpSpPr>
+      <p:pic>
+        <p:nvPicPr>
+          <p:cNvPr id="2050" name="Picture 17" descr="PPT_template_inside"/>
+          <p:cNvPicPr>
+            <a:picLocks noChangeAspect="1" noChangeArrowheads="1"/>
+          </p:cNvPicPr>
+          <p:nvPr userDrawn="1"/>
+        </p:nvPicPr>
+        <p:blipFill>
+          <a:blip r:embed="rId13"/>
+          <a:srcRect/>
+          <a:stretch>
+            <a:fillRect/>
+          </a:stretch>
+        </p:blipFill>
+        <p:spPr bwMode="auto">
+          <a:xfrm>
+            <a:off x="0" y="0"/>
+            <a:ext cx="9144000" cy="6858000"/>
+          </a:xfrm>
+          <a:prstGeom prst="rect">
+            <a:avLst/>
+          </a:prstGeom>
+          <a:noFill/>
+          <a:ln w="9525">
+            <a:noFill/>
+            <a:miter lim="800000"/>
+            <a:headEnd/>
+            <a:tailEnd/>
+          </a:ln>
+        </p:spPr>
+      </p:pic>
       <p:sp>
         <p:nvSpPr>
-          <p:cNvPr id="2" name="Title Placeholder 1"/>
+          <p:cNvPr id="2051" name="Rectangle 2"/>
           <p:cNvSpPr>
-            <a:spLocks noGrp="1"/>
+            <a:spLocks noGrp="1" noChangeArrowheads="1"/>
           </p:cNvSpPr>
           <p:nvPr>
             <p:ph type="title"/>
           </p:nvPr>
         </p:nvSpPr>
-        <p:spPr>
-          <a:xfrm>
-            <a:off x="457200" y="274638"/>
-            <a:ext cx="8229600" cy="1143000"/>
+        <p:spPr bwMode="white">
+          <a:xfrm>
+            <a:off x="304800" y="0"/>
+            <a:ext cx="6858000" cy="1066800"/>
           </a:xfrm>
           <a:prstGeom prst="rect">
             <a:avLst/>
           </a:prstGeom>
+          <a:noFill/>
+          <a:ln w="9525">
+            <a:noFill/>
+            <a:miter lim="800000"/>
+            <a:headEnd/>
+            <a:tailEnd/>
+          </a:ln>
         </p:spPr>
         <p:txBody>
-          <a:bodyPr vert="horz" lIns="91440" tIns="45720" rIns="91440" bIns="45720" rtlCol="0" anchor="ctr">
-            <a:normAutofit/>
+          <a:bodyPr vert="horz" wrap="square" lIns="91440" tIns="45720" rIns="91440" bIns="45720" numCol="1" anchor="ctr" anchorCtr="0" compatLnSpc="1">
+            <a:prstTxWarp prst="textNoShape">
+              <a:avLst/>
+            </a:prstTxWarp>
           </a:bodyPr>
           <a:lstStyle/>
           <a:p>
-            <a:r>
-              <a:rPr lang="en-US" smtClean="0"/>
+            <a:pPr lvl="0"/>
+            <a:r>
+              <a:rPr lang="en-US" dirty="0" smtClean="0"/>
               <a:t>Click to edit Master title style</a:t>
             </a:r>
-            <a:endParaRPr lang="en-US"/>
           </a:p>
         </p:txBody>
       </p:sp>
       <p:sp>
         <p:nvSpPr>
-          <p:cNvPr id="3" name="Text Placeholder 2"/>
+          <p:cNvPr id="2052" name="Rectangle 3"/>
           <p:cNvSpPr>
-            <a:spLocks noGrp="1"/>
+            <a:spLocks noGrp="1" noChangeArrowheads="1"/>
           </p:cNvSpPr>
           <p:nvPr>
             <p:ph type="body" idx="1"/>
           </p:nvPr>
         </p:nvSpPr>
-        <p:spPr>
-          <a:xfrm>
-            <a:off x="457200" y="1600200"/>
-            <a:ext cx="8229600" cy="4525963"/>
+        <p:spPr bwMode="auto">
+          <a:xfrm>
+            <a:off x="304800" y="1371600"/>
+            <a:ext cx="8458200" cy="4953000"/>
           </a:xfrm>
           <a:prstGeom prst="rect">
             <a:avLst/>
           </a:prstGeom>
+          <a:noFill/>
+          <a:ln w="9525">
+            <a:noFill/>
+            <a:miter lim="800000"/>
+            <a:headEnd/>
+            <a:tailEnd/>
+          </a:ln>
         </p:spPr>
         <p:txBody>
-          <a:bodyPr vert="horz" lIns="91440" tIns="45720" rIns="91440" bIns="45720" rtlCol="0">
-            <a:normAutofit/>
+          <a:bodyPr vert="horz" wrap="square" lIns="91440" tIns="45720" rIns="91440" bIns="45720" numCol="1" anchor="t" anchorCtr="0" compatLnSpc="1">
+            <a:prstTxWarp prst="textNoShape">
+              <a:avLst/>
+            </a:prstTxWarp>
           </a:bodyPr>
           <a:lstStyle/>
           <a:p>
@@ -2667,128 +1939,6 @@
               <a:rPr lang="en-US" smtClean="0"/>
               <a:t>Fifth level</a:t>
             </a:r>
-            <a:endParaRPr lang="en-US"/>
-          </a:p>
-        </p:txBody>
-      </p:sp>
-      <p:sp>
-        <p:nvSpPr>
-          <p:cNvPr id="4" name="Date Placeholder 3"/>
-          <p:cNvSpPr>
-            <a:spLocks noGrp="1"/>
-          </p:cNvSpPr>
-          <p:nvPr>
-            <p:ph type="dt" sz="half" idx="2"/>
-          </p:nvPr>
-        </p:nvSpPr>
-        <p:spPr>
-          <a:xfrm>
-            <a:off x="457200" y="6356350"/>
-            <a:ext cx="2133600" cy="365125"/>
-          </a:xfrm>
-          <a:prstGeom prst="rect">
-            <a:avLst/>
-          </a:prstGeom>
-        </p:spPr>
-        <p:txBody>
-          <a:bodyPr vert="horz" lIns="91440" tIns="45720" rIns="91440" bIns="45720" rtlCol="0" anchor="ctr"/>
-          <a:lstStyle>
-            <a:lvl1pPr algn="l">
-              <a:defRPr sz="1200">
-                <a:solidFill>
-                  <a:schemeClr val="tx1">
-                    <a:tint val="75000"/>
-                  </a:schemeClr>
-                </a:solidFill>
-              </a:defRPr>
-            </a:lvl1pPr>
-          </a:lstStyle>
-          <a:p>
-            <a:fld id="{BFF0141B-3676-46F2-8A5A-C346ECA90DD6}" type="datetimeFigureOut">
-              <a:rPr lang="en-US" smtClean="0"/>
-              <a:pPr/>
-              <a:t>9/19/2008</a:t>
-            </a:fld>
-            <a:endParaRPr lang="en-US"/>
-          </a:p>
-        </p:txBody>
-      </p:sp>
-      <p:sp>
-        <p:nvSpPr>
-          <p:cNvPr id="5" name="Footer Placeholder 4"/>
-          <p:cNvSpPr>
-            <a:spLocks noGrp="1"/>
-          </p:cNvSpPr>
-          <p:nvPr>
-            <p:ph type="ftr" sz="quarter" idx="3"/>
-          </p:nvPr>
-        </p:nvSpPr>
-        <p:spPr>
-          <a:xfrm>
-            <a:off x="3124200" y="6356350"/>
-            <a:ext cx="2895600" cy="365125"/>
-          </a:xfrm>
-          <a:prstGeom prst="rect">
-            <a:avLst/>
-          </a:prstGeom>
-        </p:spPr>
-        <p:txBody>
-          <a:bodyPr vert="horz" lIns="91440" tIns="45720" rIns="91440" bIns="45720" rtlCol="0" anchor="ctr"/>
-          <a:lstStyle>
-            <a:lvl1pPr algn="ctr">
-              <a:defRPr sz="1200">
-                <a:solidFill>
-                  <a:schemeClr val="tx1">
-                    <a:tint val="75000"/>
-                  </a:schemeClr>
-                </a:solidFill>
-              </a:defRPr>
-            </a:lvl1pPr>
-          </a:lstStyle>
-          <a:p>
-            <a:endParaRPr lang="en-US"/>
-          </a:p>
-        </p:txBody>
-      </p:sp>
-      <p:sp>
-        <p:nvSpPr>
-          <p:cNvPr id="6" name="Slide Number Placeholder 5"/>
-          <p:cNvSpPr>
-            <a:spLocks noGrp="1"/>
-          </p:cNvSpPr>
-          <p:nvPr>
-            <p:ph type="sldNum" sz="quarter" idx="4"/>
-          </p:nvPr>
-        </p:nvSpPr>
-        <p:spPr>
-          <a:xfrm>
-            <a:off x="6553200" y="6356350"/>
-            <a:ext cx="2133600" cy="365125"/>
-          </a:xfrm>
-          <a:prstGeom prst="rect">
-            <a:avLst/>
-          </a:prstGeom>
-        </p:spPr>
-        <p:txBody>
-          <a:bodyPr vert="horz" lIns="91440" tIns="45720" rIns="91440" bIns="45720" rtlCol="0" anchor="ctr"/>
-          <a:lstStyle>
-            <a:lvl1pPr algn="r">
-              <a:defRPr sz="1200">
-                <a:solidFill>
-                  <a:schemeClr val="tx1">
-                    <a:tint val="75000"/>
-                  </a:schemeClr>
-                </a:solidFill>
-              </a:defRPr>
-            </a:lvl1pPr>
-          </a:lstStyle>
-          <a:p>
-            <a:fld id="{750AB011-F392-451F-BB43-22E7411D029E}" type="slidenum">
-              <a:rPr lang="en-US" smtClean="0"/>
-              <a:pPr/>
-              <a:t>‹#›</a:t>
-            </a:fld>
-            <a:endParaRPr lang="en-US"/>
           </a:p>
         </p:txBody>
       </p:sp>
@@ -2796,43 +1946,162 @@
   </p:cSld>
   <p:clrMap bg1="lt1" tx1="dk1" bg2="lt2" tx2="dk2" accent1="accent1" accent2="accent2" accent3="accent3" accent4="accent4" accent5="accent5" accent6="accent6" hlink="hlink" folHlink="folHlink"/>
   <p:sldLayoutIdLst>
-    <p:sldLayoutId id="2147483649" r:id="rId1"/>
-    <p:sldLayoutId id="2147483650" r:id="rId2"/>
-    <p:sldLayoutId id="2147483651" r:id="rId3"/>
-    <p:sldLayoutId id="2147483652" r:id="rId4"/>
-    <p:sldLayoutId id="2147483653" r:id="rId5"/>
-    <p:sldLayoutId id="2147483654" r:id="rId6"/>
-    <p:sldLayoutId id="2147483655" r:id="rId7"/>
-    <p:sldLayoutId id="2147483656" r:id="rId8"/>
-    <p:sldLayoutId id="2147483657" r:id="rId9"/>
-    <p:sldLayoutId id="2147483658" r:id="rId10"/>
-    <p:sldLayoutId id="2147483659" r:id="rId11"/>
+    <p:sldLayoutId id="2147483661" r:id="rId1"/>
+    <p:sldLayoutId id="2147483662" r:id="rId2"/>
+    <p:sldLayoutId id="2147483663" r:id="rId3"/>
+    <p:sldLayoutId id="2147483664" r:id="rId4"/>
+    <p:sldLayoutId id="2147483665" r:id="rId5"/>
+    <p:sldLayoutId id="2147483666" r:id="rId6"/>
+    <p:sldLayoutId id="2147483667" r:id="rId7"/>
+    <p:sldLayoutId id="2147483668" r:id="rId8"/>
+    <p:sldLayoutId id="2147483669" r:id="rId9"/>
+    <p:sldLayoutId id="2147483670" r:id="rId10"/>
+    <p:sldLayoutId id="2147483671" r:id="rId11"/>
   </p:sldLayoutIdLst>
   <p:txStyles>
     <p:titleStyle>
-      <a:lvl1pPr algn="ctr" defTabSz="914400" rtl="0" eaLnBrk="1" latinLnBrk="0" hangingPunct="1">
+      <a:lvl1pPr algn="l" rtl="0" eaLnBrk="0" fontAlgn="base" hangingPunct="0">
         <a:spcBef>
           <a:spcPct val="0"/>
         </a:spcBef>
-        <a:buNone/>
-        <a:defRPr sz="4400" kern="1200">
+        <a:spcAft>
+          <a:spcPct val="0"/>
+        </a:spcAft>
+        <a:defRPr sz="2400" b="1">
           <a:solidFill>
-            <a:schemeClr val="tx1"/>
+            <a:schemeClr val="bg1"/>
           </a:solidFill>
           <a:latin typeface="+mj-lt"/>
           <a:ea typeface="+mj-ea"/>
           <a:cs typeface="+mj-cs"/>
         </a:defRPr>
       </a:lvl1pPr>
+      <a:lvl2pPr algn="l" rtl="0" eaLnBrk="0" fontAlgn="base" hangingPunct="0">
+        <a:spcBef>
+          <a:spcPct val="0"/>
+        </a:spcBef>
+        <a:spcAft>
+          <a:spcPct val="0"/>
+        </a:spcAft>
+        <a:defRPr sz="2400" b="1">
+          <a:solidFill>
+            <a:schemeClr val="bg1"/>
+          </a:solidFill>
+          <a:latin typeface="Arial" charset="0"/>
+        </a:defRPr>
+      </a:lvl2pPr>
+      <a:lvl3pPr algn="l" rtl="0" eaLnBrk="0" fontAlgn="base" hangingPunct="0">
+        <a:spcBef>
+          <a:spcPct val="0"/>
+        </a:spcBef>
+        <a:spcAft>
+          <a:spcPct val="0"/>
+        </a:spcAft>
+        <a:defRPr sz="2400" b="1">
+          <a:solidFill>
+            <a:schemeClr val="bg1"/>
+          </a:solidFill>
+          <a:latin typeface="Arial" charset="0"/>
+        </a:defRPr>
+      </a:lvl3pPr>
+      <a:lvl4pPr algn="l" rtl="0" eaLnBrk="0" fontAlgn="base" hangingPunct="0">
+        <a:spcBef>
+          <a:spcPct val="0"/>
+        </a:spcBef>
+        <a:spcAft>
+          <a:spcPct val="0"/>
+        </a:spcAft>
+        <a:defRPr sz="2400" b="1">
+          <a:solidFill>
+            <a:schemeClr val="bg1"/>
+          </a:solidFill>
+          <a:latin typeface="Arial" charset="0"/>
+        </a:defRPr>
+      </a:lvl4pPr>
+      <a:lvl5pPr algn="l" rtl="0" eaLnBrk="0" fontAlgn="base" hangingPunct="0">
+        <a:spcBef>
+          <a:spcPct val="0"/>
+        </a:spcBef>
+        <a:spcAft>
+          <a:spcPct val="0"/>
+        </a:spcAft>
+        <a:defRPr sz="2400" b="1">
+          <a:solidFill>
+            <a:schemeClr val="bg1"/>
+          </a:solidFill>
+          <a:latin typeface="Arial" charset="0"/>
+        </a:defRPr>
+      </a:lvl5pPr>
+      <a:lvl6pPr marL="457200" algn="l" rtl="0" fontAlgn="base">
+        <a:spcBef>
+          <a:spcPct val="0"/>
+        </a:spcBef>
+        <a:spcAft>
+          <a:spcPct val="0"/>
+        </a:spcAft>
+        <a:defRPr sz="2400" b="1">
+          <a:solidFill>
+            <a:schemeClr val="bg1"/>
+          </a:solidFill>
+          <a:latin typeface="Arial" charset="0"/>
+        </a:defRPr>
+      </a:lvl6pPr>
+      <a:lvl7pPr marL="914400" algn="l" rtl="0" fontAlgn="base">
+        <a:spcBef>
+          <a:spcPct val="0"/>
+        </a:spcBef>
+        <a:spcAft>
+          <a:spcPct val="0"/>
+        </a:spcAft>
+        <a:defRPr sz="2400" b="1">
+          <a:solidFill>
+            <a:schemeClr val="bg1"/>
+          </a:solidFill>
+          <a:latin typeface="Arial" charset="0"/>
+        </a:defRPr>
+      </a:lvl7pPr>
+      <a:lvl8pPr marL="1371600" algn="l" rtl="0" fontAlgn="base">
+        <a:spcBef>
+          <a:spcPct val="0"/>
+        </a:spcBef>
+        <a:spcAft>
+          <a:spcPct val="0"/>
+        </a:spcAft>
+        <a:defRPr sz="2400" b="1">
+          <a:solidFill>
+            <a:schemeClr val="bg1"/>
+          </a:solidFill>
+          <a:latin typeface="Arial" charset="0"/>
+        </a:defRPr>
+      </a:lvl8pPr>
+      <a:lvl9pPr marL="1828800" algn="l" rtl="0" fontAlgn="base">
+        <a:spcBef>
+          <a:spcPct val="0"/>
+        </a:spcBef>
+        <a:spcAft>
+          <a:spcPct val="0"/>
+        </a:spcAft>
+        <a:defRPr sz="2400" b="1">
+          <a:solidFill>
+            <a:schemeClr val="bg1"/>
+          </a:solidFill>
+          <a:latin typeface="Arial" charset="0"/>
+        </a:defRPr>
+      </a:lvl9pPr>
     </p:titleStyle>
     <p:bodyStyle>
-      <a:lvl1pPr marL="342900" indent="-342900" algn="l" defTabSz="914400" rtl="0" eaLnBrk="1" latinLnBrk="0" hangingPunct="1">
+      <a:lvl1pPr marL="342900" indent="-342900" algn="l" rtl="0" eaLnBrk="0" fontAlgn="base" hangingPunct="0">
         <a:spcBef>
           <a:spcPct val="20000"/>
         </a:spcBef>
-        <a:buFont typeface="Arial" pitchFamily="34" charset="0"/>
+        <a:spcAft>
+          <a:spcPct val="0"/>
+        </a:spcAft>
+        <a:buClr>
+          <a:srgbClr val="00AAF6"/>
+        </a:buClr>
         <a:buChar char="•"/>
-        <a:defRPr sz="3200" kern="1200">
+        <a:defRPr b="1">
           <a:solidFill>
             <a:schemeClr val="tx1"/>
           </a:solidFill>
@@ -2841,124 +2110,148 @@
           <a:cs typeface="+mn-cs"/>
         </a:defRPr>
       </a:lvl1pPr>
-      <a:lvl2pPr marL="742950" indent="-285750" algn="l" defTabSz="914400" rtl="0" eaLnBrk="1" latinLnBrk="0" hangingPunct="1">
+      <a:lvl2pPr marL="742950" indent="-285750" algn="l" rtl="0" eaLnBrk="0" fontAlgn="base" hangingPunct="0">
         <a:spcBef>
           <a:spcPct val="20000"/>
         </a:spcBef>
-        <a:buFont typeface="Arial" pitchFamily="34" charset="0"/>
-        <a:buChar char="–"/>
-        <a:defRPr sz="2800" kern="1200">
+        <a:spcAft>
+          <a:spcPct val="0"/>
+        </a:spcAft>
+        <a:buClr>
+          <a:srgbClr val="00AAF6"/>
+        </a:buClr>
+        <a:buChar char="•"/>
+        <a:defRPr>
           <a:solidFill>
             <a:schemeClr val="tx1"/>
           </a:solidFill>
           <a:latin typeface="+mn-lt"/>
-          <a:ea typeface="+mn-ea"/>
-          <a:cs typeface="+mn-cs"/>
         </a:defRPr>
       </a:lvl2pPr>
-      <a:lvl3pPr marL="1143000" indent="-228600" algn="l" defTabSz="914400" rtl="0" eaLnBrk="1" latinLnBrk="0" hangingPunct="1">
+      <a:lvl3pPr marL="1143000" indent="-228600" algn="l" rtl="0" eaLnBrk="0" fontAlgn="base" hangingPunct="0">
         <a:spcBef>
           <a:spcPct val="20000"/>
         </a:spcBef>
-        <a:buFont typeface="Arial" pitchFamily="34" charset="0"/>
+        <a:spcAft>
+          <a:spcPct val="0"/>
+        </a:spcAft>
+        <a:buClr>
+          <a:srgbClr val="00AAF6"/>
+        </a:buClr>
         <a:buChar char="•"/>
-        <a:defRPr sz="2400" kern="1200">
+        <a:defRPr sz="1600">
           <a:solidFill>
             <a:schemeClr val="tx1"/>
           </a:solidFill>
           <a:latin typeface="+mn-lt"/>
-          <a:ea typeface="+mn-ea"/>
-          <a:cs typeface="+mn-cs"/>
         </a:defRPr>
       </a:lvl3pPr>
-      <a:lvl4pPr marL="1600200" indent="-228600" algn="l" defTabSz="914400" rtl="0" eaLnBrk="1" latinLnBrk="0" hangingPunct="1">
+      <a:lvl4pPr marL="1600200" indent="-228600" algn="l" rtl="0" eaLnBrk="0" fontAlgn="base" hangingPunct="0">
         <a:spcBef>
           <a:spcPct val="20000"/>
         </a:spcBef>
-        <a:buFont typeface="Arial" pitchFamily="34" charset="0"/>
-        <a:buChar char="–"/>
-        <a:defRPr sz="2000" kern="1200">
+        <a:spcAft>
+          <a:spcPct val="0"/>
+        </a:spcAft>
+        <a:buClr>
+          <a:srgbClr val="00AAF6"/>
+        </a:buClr>
+        <a:buChar char="•"/>
+        <a:defRPr sz="1400">
           <a:solidFill>
             <a:schemeClr val="tx1"/>
           </a:solidFill>
           <a:latin typeface="+mn-lt"/>
-          <a:ea typeface="+mn-ea"/>
-          <a:cs typeface="+mn-cs"/>
         </a:defRPr>
       </a:lvl4pPr>
-      <a:lvl5pPr marL="2057400" indent="-228600" algn="l" defTabSz="914400" rtl="0" eaLnBrk="1" latinLnBrk="0" hangingPunct="1">
+      <a:lvl5pPr marL="2057400" indent="-228600" algn="l" rtl="0" eaLnBrk="0" fontAlgn="base" hangingPunct="0">
         <a:spcBef>
           <a:spcPct val="20000"/>
         </a:spcBef>
-        <a:buFont typeface="Arial" pitchFamily="34" charset="0"/>
-        <a:buChar char="»"/>
-        <a:defRPr sz="2000" kern="1200">
+        <a:spcAft>
+          <a:spcPct val="0"/>
+        </a:spcAft>
+        <a:buClr>
+          <a:srgbClr val="00AAF6"/>
+        </a:buClr>
+        <a:buChar char="•"/>
+        <a:defRPr sz="1400">
           <a:solidFill>
             <a:schemeClr val="tx1"/>
           </a:solidFill>
           <a:latin typeface="+mn-lt"/>
-          <a:ea typeface="+mn-ea"/>
-          <a:cs typeface="+mn-cs"/>
         </a:defRPr>
       </a:lvl5pPr>
-      <a:lvl6pPr marL="2514600" indent="-228600" algn="l" defTabSz="914400" rtl="0" eaLnBrk="1" latinLnBrk="0" hangingPunct="1">
+      <a:lvl6pPr marL="2514600" indent="-228600" algn="l" rtl="0" fontAlgn="base">
         <a:spcBef>
           <a:spcPct val="20000"/>
         </a:spcBef>
-        <a:buFont typeface="Arial" pitchFamily="34" charset="0"/>
+        <a:spcAft>
+          <a:spcPct val="0"/>
+        </a:spcAft>
+        <a:buClr>
+          <a:srgbClr val="00AAF6"/>
+        </a:buClr>
         <a:buChar char="•"/>
-        <a:defRPr sz="2000" kern="1200">
+        <a:defRPr sz="1400">
           <a:solidFill>
             <a:schemeClr val="tx1"/>
           </a:solidFill>
           <a:latin typeface="+mn-lt"/>
-          <a:ea typeface="+mn-ea"/>
-          <a:cs typeface="+mn-cs"/>
         </a:defRPr>
       </a:lvl6pPr>
-      <a:lvl7pPr marL="2971800" indent="-228600" algn="l" defTabSz="914400" rtl="0" eaLnBrk="1" latinLnBrk="0" hangingPunct="1">
+      <a:lvl7pPr marL="2971800" indent="-228600" algn="l" rtl="0" fontAlgn="base">
         <a:spcBef>
           <a:spcPct val="20000"/>
         </a:spcBef>
-        <a:buFont typeface="Arial" pitchFamily="34" charset="0"/>
+        <a:spcAft>
+          <a:spcPct val="0"/>
+        </a:spcAft>
+        <a:buClr>
+          <a:srgbClr val="00AAF6"/>
+        </a:buClr>
         <a:buChar char="•"/>
-        <a:defRPr sz="2000" kern="1200">
+        <a:defRPr sz="1400">
           <a:solidFill>
             <a:schemeClr val="tx1"/>
           </a:solidFill>
           <a:latin typeface="+mn-lt"/>
-          <a:ea typeface="+mn-ea"/>
-          <a:cs typeface="+mn-cs"/>
         </a:defRPr>
       </a:lvl7pPr>
-      <a:lvl8pPr marL="3429000" indent="-228600" algn="l" defTabSz="914400" rtl="0" eaLnBrk="1" latinLnBrk="0" hangingPunct="1">
+      <a:lvl8pPr marL="3429000" indent="-228600" algn="l" rtl="0" fontAlgn="base">
         <a:spcBef>
           <a:spcPct val="20000"/>
         </a:spcBef>
-        <a:buFont typeface="Arial" pitchFamily="34" charset="0"/>
+        <a:spcAft>
+          <a:spcPct val="0"/>
+        </a:spcAft>
+        <a:buClr>
+          <a:srgbClr val="00AAF6"/>
+        </a:buClr>
         <a:buChar char="•"/>
-        <a:defRPr sz="2000" kern="1200">
+        <a:defRPr sz="1400">
           <a:solidFill>
             <a:schemeClr val="tx1"/>
           </a:solidFill>
           <a:latin typeface="+mn-lt"/>
-          <a:ea typeface="+mn-ea"/>
-          <a:cs typeface="+mn-cs"/>
         </a:defRPr>
       </a:lvl8pPr>
-      <a:lvl9pPr marL="3886200" indent="-228600" algn="l" defTabSz="914400" rtl="0" eaLnBrk="1" latinLnBrk="0" hangingPunct="1">
+      <a:lvl9pPr marL="3886200" indent="-228600" algn="l" rtl="0" fontAlgn="base">
         <a:spcBef>
           <a:spcPct val="20000"/>
         </a:spcBef>
-        <a:buFont typeface="Arial" pitchFamily="34" charset="0"/>
+        <a:spcAft>
+          <a:spcPct val="0"/>
+        </a:spcAft>
+        <a:buClr>
+          <a:srgbClr val="00AAF6"/>
+        </a:buClr>
         <a:buChar char="•"/>
-        <a:defRPr sz="2000" kern="1200">
+        <a:defRPr sz="1400">
           <a:solidFill>
             <a:schemeClr val="tx1"/>
           </a:solidFill>
           <a:latin typeface="+mn-lt"/>
-          <a:ea typeface="+mn-ea"/>
-          <a:cs typeface="+mn-cs"/>
         </a:defRPr>
       </a:lvl9pPr>
     </p:bodyStyle>
@@ -3090,45 +2383,143 @@
         </p:nvSpPr>
         <p:spPr>
           <a:xfrm>
-            <a:off x="228600" y="1295400"/>
-            <a:ext cx="8686800" cy="1470025"/>
+            <a:off x="3733800" y="1806575"/>
+            <a:ext cx="5562600" cy="1470025"/>
           </a:xfrm>
         </p:spPr>
         <p:txBody>
           <a:bodyPr>
-            <a:normAutofit fontScale="90000"/>
+            <a:noAutofit/>
           </a:bodyPr>
           <a:lstStyle/>
           <a:p>
             <a:r>
-              <a:rPr lang="en-US" sz="4900" dirty="0" smtClean="0"/>
+              <a:rPr lang="en-US" dirty="0" smtClean="0"/>
               <a:t>Overview and Demo of CaIntegrator2</a:t>
-            </a:r>
-            <a:br>
-              <a:rPr lang="en-US" sz="4900" dirty="0" smtClean="0"/>
-            </a:br>
-            <a:r>
-              <a:rPr lang="en-US" sz="1300" dirty="0" smtClean="0"/>
-              <a:t> </a:t>
-            </a:r>
-            <a:r>
-              <a:rPr lang="en-US" dirty="0" smtClean="0"/>
-              <a:t/>
             </a:r>
             <a:br>
               <a:rPr lang="en-US" dirty="0" smtClean="0"/>
             </a:br>
             <a:r>
-              <a:rPr lang="en-US" sz="3100" dirty="0" smtClean="0"/>
-              <a:t>A Tool for Publishing and Analyzing Integrative Study Data</a:t>
-            </a:r>
-            <a:endParaRPr lang="en-US" dirty="0"/>
+              <a:rPr lang="en-US" sz="1050" dirty="0" smtClean="0"/>
+              <a:t> </a:t>
+            </a:r>
+            <a:r>
+              <a:rPr lang="en-US" sz="2400" dirty="0" smtClean="0"/>
+              <a:t/>
+            </a:r>
+            <a:br>
+              <a:rPr lang="en-US" sz="2400" dirty="0" smtClean="0"/>
+            </a:br>
+            <a:endParaRPr lang="en-US" sz="2400" dirty="0"/>
           </a:p>
         </p:txBody>
       </p:sp>
       <p:sp>
         <p:nvSpPr>
-          <p:cNvPr id="5" name="Subtitle 4"/>
+          <p:cNvPr id="7" name="Text Box 7"/>
+          <p:cNvSpPr txBox="1">
+            <a:spLocks noChangeArrowheads="1"/>
+          </p:cNvSpPr>
+          <p:nvPr/>
+        </p:nvSpPr>
+        <p:spPr bwMode="auto">
+          <a:xfrm>
+            <a:off x="3733800" y="4876800"/>
+            <a:ext cx="4343400" cy="954107"/>
+          </a:xfrm>
+          <a:prstGeom prst="rect">
+            <a:avLst/>
+          </a:prstGeom>
+          <a:noFill/>
+          <a:ln w="9525">
+            <a:noFill/>
+            <a:miter lim="800000"/>
+            <a:headEnd/>
+            <a:tailEnd/>
+          </a:ln>
+        </p:spPr>
+        <p:txBody>
+          <a:bodyPr wrap="square">
+            <a:spAutoFit/>
+          </a:bodyPr>
+          <a:lstStyle/>
+          <a:p>
+            <a:pPr>
+              <a:spcBef>
+                <a:spcPct val="50000"/>
+              </a:spcBef>
+            </a:pPr>
+            <a:r>
+              <a:rPr lang="en-US" sz="1400" dirty="0" smtClean="0">
+                <a:solidFill>
+                  <a:schemeClr val="bg2"/>
+                </a:solidFill>
+              </a:rPr>
+              <a:t>William </a:t>
+            </a:r>
+            <a:r>
+              <a:rPr lang="en-US" sz="1400" dirty="0" err="1" smtClean="0">
+                <a:solidFill>
+                  <a:schemeClr val="bg2"/>
+                </a:solidFill>
+              </a:rPr>
+              <a:t>FitzHugh</a:t>
+            </a:r>
+            <a:r>
+              <a:rPr lang="en-US" sz="1400" dirty="0" smtClean="0">
+                <a:solidFill>
+                  <a:schemeClr val="bg2"/>
+                </a:solidFill>
+              </a:rPr>
+              <a:t> – 5AM Solutions</a:t>
+            </a:r>
+          </a:p>
+          <a:p>
+            <a:pPr>
+              <a:spcBef>
+                <a:spcPct val="50000"/>
+              </a:spcBef>
+            </a:pPr>
+            <a:r>
+              <a:rPr lang="en-US" sz="1400" dirty="0" smtClean="0">
+                <a:solidFill>
+                  <a:schemeClr val="bg2"/>
+                </a:solidFill>
+              </a:rPr>
+              <a:t>wfitzhugh@5amsolutions.com</a:t>
+            </a:r>
+            <a:endParaRPr lang="en-US" sz="1400" dirty="0">
+              <a:solidFill>
+                <a:schemeClr val="bg2"/>
+              </a:solidFill>
+            </a:endParaRPr>
+          </a:p>
+          <a:p>
+            <a:pPr>
+              <a:spcBef>
+                <a:spcPct val="50000"/>
+              </a:spcBef>
+            </a:pPr>
+            <a:r>
+              <a:rPr lang="en-US" sz="1400" b="1" dirty="0" smtClean="0">
+                <a:solidFill>
+                  <a:schemeClr val="bg2"/>
+                </a:solidFill>
+              </a:rPr>
+              <a:t>September 23, 2008</a:t>
+            </a:r>
+            <a:endParaRPr lang="en-US" sz="1400" b="1" dirty="0">
+              <a:solidFill>
+                <a:schemeClr val="bg2"/>
+              </a:solidFill>
+            </a:endParaRPr>
+          </a:p>
+        </p:txBody>
+      </p:sp>
+      <p:sp>
+        <p:nvSpPr>
+          <p:cNvPr id="8" name="Subtitle 7"/>
           <p:cNvSpPr>
             <a:spLocks noGrp="1"/>
           </p:cNvSpPr>
@@ -3136,69 +2527,21 @@
             <p:ph type="subTitle" idx="1"/>
           </p:nvPr>
         </p:nvSpPr>
-        <p:spPr/>
+        <p:spPr>
+          <a:xfrm>
+            <a:off x="3733800" y="3962400"/>
+            <a:ext cx="4267200" cy="457200"/>
+          </a:xfrm>
+        </p:spPr>
         <p:txBody>
-          <a:bodyPr>
-            <a:normAutofit fontScale="92500" lnSpcReduction="20000"/>
-          </a:bodyPr>
+          <a:bodyPr/>
           <a:lstStyle/>
           <a:p>
             <a:r>
-              <a:rPr lang="en-US" sz="2800" dirty="0" smtClean="0">
-                <a:solidFill>
-                  <a:schemeClr val="tx1"/>
-                </a:solidFill>
-              </a:rPr>
-              <a:t>William </a:t>
-            </a:r>
-            <a:r>
-              <a:rPr lang="en-US" sz="2800" dirty="0" err="1" smtClean="0">
-                <a:solidFill>
-                  <a:schemeClr val="tx1"/>
-                </a:solidFill>
-              </a:rPr>
-              <a:t>FitzHugh</a:t>
-            </a:r>
-            <a:endParaRPr lang="en-US" sz="2800" dirty="0" smtClean="0">
-              <a:solidFill>
-                <a:schemeClr val="tx1"/>
-              </a:solidFill>
-            </a:endParaRPr>
-          </a:p>
-          <a:p>
-            <a:r>
-              <a:rPr lang="en-US" sz="2800" dirty="0" smtClean="0">
-                <a:solidFill>
-                  <a:schemeClr val="tx1"/>
-                </a:solidFill>
-              </a:rPr>
-              <a:t>Senior Director of Bioinformatics</a:t>
-            </a:r>
-          </a:p>
-          <a:p>
-            <a:r>
-              <a:rPr lang="en-US" sz="2800" dirty="0" smtClean="0">
-                <a:solidFill>
-                  <a:schemeClr val="tx1"/>
-                </a:solidFill>
-              </a:rPr>
-              <a:t>5AM Solutions</a:t>
-            </a:r>
-          </a:p>
-          <a:p>
-            <a:r>
-              <a:rPr lang="en-US" sz="2800" dirty="0" smtClean="0">
-                <a:solidFill>
-                  <a:schemeClr val="tx1"/>
-                </a:solidFill>
-              </a:rPr>
-              <a:t>wfitzhugh@5amsolutions.com</a:t>
-            </a:r>
-            <a:endParaRPr lang="en-US" sz="2800" dirty="0">
-              <a:solidFill>
-                <a:schemeClr val="tx1"/>
-              </a:solidFill>
-            </a:endParaRPr>
+              <a:rPr lang="en-US" dirty="0" smtClean="0"/>
+              <a:t>A Tool for Publishing and Analyzing Integrated Study Data</a:t>
+            </a:r>
+            <a:endParaRPr lang="en-US" dirty="0"/>
           </a:p>
         </p:txBody>
       </p:sp>
@@ -3531,6 +2874,29 @@
       </p:grpSpPr>
       <p:sp>
         <p:nvSpPr>
+          <p:cNvPr id="2" name="Title 1"/>
+          <p:cNvSpPr>
+            <a:spLocks noGrp="1"/>
+          </p:cNvSpPr>
+          <p:nvPr>
+            <p:ph type="title"/>
+          </p:nvPr>
+        </p:nvSpPr>
+        <p:spPr/>
+        <p:txBody>
+          <a:bodyPr/>
+          <a:lstStyle/>
+          <a:p>
+            <a:r>
+              <a:rPr lang="en-US" dirty="0" smtClean="0"/>
+              <a:t>The Future</a:t>
+            </a:r>
+            <a:endParaRPr lang="en-US" dirty="0"/>
+          </a:p>
+        </p:txBody>
+      </p:sp>
+      <p:sp>
+        <p:nvSpPr>
           <p:cNvPr id="3" name="Content Placeholder 2"/>
           <p:cNvSpPr>
             <a:spLocks noGrp="1"/>
@@ -3547,49 +2913,48 @@
         </p:spPr>
         <p:txBody>
           <a:bodyPr>
-            <a:normAutofit fontScale="85000" lnSpcReduction="20000"/>
+            <a:normAutofit/>
           </a:bodyPr>
           <a:lstStyle/>
           <a:p>
+            <a:pPr>
+              <a:buNone/>
+            </a:pPr>
+            <a:endParaRPr lang="en-US" dirty="0" smtClean="0"/>
+          </a:p>
+          <a:p>
             <a:r>
               <a:rPr lang="en-US" dirty="0" smtClean="0"/>
-              <a:t>Schedule</a:t>
+              <a:t>Future Directions</a:t>
             </a:r>
           </a:p>
           <a:p>
             <a:pPr lvl="1"/>
             <a:r>
               <a:rPr lang="en-US" dirty="0" smtClean="0"/>
-              <a:t>A beta release by end of the </a:t>
-            </a:r>
+              <a:t>Looking for interested partners running these kinds of studies</a:t>
+            </a:r>
+          </a:p>
+          <a:p>
+            <a:pPr lvl="1"/>
             <a:r>
               <a:rPr lang="en-US" dirty="0" smtClean="0"/>
-              <a:t>year</a:t>
-            </a:r>
-          </a:p>
-          <a:p>
-            <a:pPr lvl="1"/>
-            <a:r>
-              <a:rPr lang="en-US" dirty="0" smtClean="0"/>
-              <a:t>Looking for interested partners</a:t>
-            </a:r>
-            <a:endParaRPr lang="en-US" dirty="0" smtClean="0"/>
+              <a:t>Opportunity to guide future development</a:t>
+            </a:r>
           </a:p>
           <a:p>
             <a:pPr lvl="1"/>
             <a:endParaRPr lang="en-US" dirty="0" smtClean="0"/>
           </a:p>
           <a:p>
+            <a:pPr lvl="1"/>
             <a:r>
               <a:rPr lang="en-US" dirty="0" smtClean="0"/>
-              <a:t>Future Directions</a:t>
-            </a:r>
-          </a:p>
-          <a:p>
-            <a:pPr lvl="1"/>
+              <a:t>Incorporate </a:t>
+            </a:r>
             <a:r>
               <a:rPr lang="en-US" dirty="0" smtClean="0"/>
-              <a:t>Incorporate other types of genomic data such as copy number, </a:t>
+              <a:t>other types of genomic data such as copy number, </a:t>
             </a:r>
             <a:r>
               <a:rPr lang="en-US" dirty="0" err="1" smtClean="0"/>
@@ -3597,7 +2962,11 @@
             </a:r>
             <a:r>
               <a:rPr lang="en-US" dirty="0" smtClean="0"/>
-              <a:t>, and </a:t>
+              <a:t>, </a:t>
+            </a:r>
+            <a:r>
+              <a:rPr lang="en-US" dirty="0" smtClean="0"/>
+              <a:t>tissue microarray, and </a:t>
             </a:r>
             <a:r>
               <a:rPr lang="en-US" dirty="0" smtClean="0"/>
@@ -3633,6 +3002,10 @@
           </a:p>
           <a:p>
             <a:pPr lvl="1"/>
+            <a:endParaRPr lang="en-US" dirty="0" smtClean="0"/>
+          </a:p>
+          <a:p>
+            <a:pPr lvl="1"/>
             <a:r>
               <a:rPr lang="en-US" dirty="0" smtClean="0"/>
               <a:t>Handle studies with multiple </a:t>
@@ -3649,9 +3022,17 @@
           </a:p>
           <a:p>
             <a:pPr lvl="1"/>
+            <a:endParaRPr lang="en-US" dirty="0" smtClean="0"/>
+          </a:p>
+          <a:p>
+            <a:pPr lvl="1"/>
             <a:r>
               <a:rPr lang="en-US" dirty="0" smtClean="0"/>
-              <a:t>Allow regular updates of data</a:t>
+              <a:t>Allow </a:t>
+            </a:r>
+            <a:r>
+              <a:rPr lang="en-US" dirty="0" smtClean="0"/>
+              <a:t>regular updates of data</a:t>
             </a:r>
           </a:p>
         </p:txBody>
@@ -3673,7 +3054,7 @@
         </p:blipFill>
         <p:spPr bwMode="auto">
           <a:xfrm>
-            <a:off x="4391025" y="4543425"/>
+            <a:off x="4503085" y="4239082"/>
             <a:ext cx="542925" cy="561518"/>
           </a:xfrm>
           <a:prstGeom prst="rect">
@@ -3689,29 +3070,6 @@
           <a:effectLst/>
         </p:spPr>
       </p:pic>
-      <p:sp>
-        <p:nvSpPr>
-          <p:cNvPr id="2" name="Title 1"/>
-          <p:cNvSpPr>
-            <a:spLocks noGrp="1"/>
-          </p:cNvSpPr>
-          <p:nvPr>
-            <p:ph type="title"/>
-          </p:nvPr>
-        </p:nvSpPr>
-        <p:spPr/>
-        <p:txBody>
-          <a:bodyPr/>
-          <a:lstStyle/>
-          <a:p>
-            <a:r>
-              <a:rPr lang="en-US" dirty="0" smtClean="0"/>
-              <a:t>The Future</a:t>
-            </a:r>
-            <a:endParaRPr lang="en-US" dirty="0"/>
-          </a:p>
-        </p:txBody>
-      </p:sp>
       <p:pic>
         <p:nvPicPr>
           <p:cNvPr id="1028" name="Picture 4"/>
@@ -3729,7 +3087,7 @@
         </p:blipFill>
         <p:spPr bwMode="auto">
           <a:xfrm>
-            <a:off x="1981200" y="4619625"/>
+            <a:off x="1828800" y="4238625"/>
             <a:ext cx="2105025" cy="485775"/>
           </a:xfrm>
           <a:prstGeom prst="rect">
@@ -3745,215 +3103,263 @@
           <a:effectLst/>
         </p:spPr>
       </p:pic>
-      <p:cxnSp>
-        <p:nvCxnSpPr>
-          <p:cNvPr id="10" name="Straight Connector 9"/>
-          <p:cNvCxnSpPr/>
+      <p:grpSp>
+        <p:nvGrpSpPr>
+          <p:cNvPr id="16" name="Group 15"/>
+          <p:cNvGrpSpPr/>
           <p:nvPr/>
-        </p:nvCxnSpPr>
-        <p:spPr>
-          <a:xfrm>
-            <a:off x="6781800" y="5562600"/>
-            <a:ext cx="1600200" cy="1588"/>
-          </a:xfrm>
-          <a:prstGeom prst="line">
-            <a:avLst/>
-          </a:prstGeom>
-        </p:spPr>
-        <p:style>
-          <a:lnRef idx="1">
-            <a:schemeClr val="accent1"/>
-          </a:lnRef>
-          <a:fillRef idx="0">
-            <a:schemeClr val="accent1"/>
-          </a:fillRef>
-          <a:effectRef idx="0">
-            <a:schemeClr val="accent1"/>
-          </a:effectRef>
-          <a:fontRef idx="minor">
-            <a:schemeClr val="tx1"/>
-          </a:fontRef>
-        </p:style>
-      </p:cxnSp>
-      <p:sp>
-        <p:nvSpPr>
-          <p:cNvPr id="11" name="Oval 10"/>
-          <p:cNvSpPr/>
-          <p:nvPr/>
-        </p:nvSpPr>
-        <p:spPr>
-          <a:xfrm>
-            <a:off x="8305800" y="5486400"/>
-            <a:ext cx="152400" cy="152400"/>
-          </a:xfrm>
-          <a:prstGeom prst="ellipse">
-            <a:avLst/>
-          </a:prstGeom>
-          <a:scene3d>
-            <a:camera prst="orthographicFront"/>
-            <a:lightRig rig="threePt" dir="t"/>
-          </a:scene3d>
-          <a:sp3d>
-            <a:bevelT/>
-          </a:sp3d>
-        </p:spPr>
-        <p:style>
-          <a:lnRef idx="2">
-            <a:schemeClr val="accent1">
-              <a:shade val="50000"/>
-            </a:schemeClr>
-          </a:lnRef>
-          <a:fillRef idx="1">
-            <a:schemeClr val="accent1"/>
-          </a:fillRef>
-          <a:effectRef idx="0">
-            <a:schemeClr val="accent1"/>
-          </a:effectRef>
-          <a:fontRef idx="minor">
-            <a:schemeClr val="lt1"/>
-          </a:fontRef>
-        </p:style>
-        <p:txBody>
-          <a:bodyPr rtlCol="0" anchor="ctr"/>
-          <a:lstStyle/>
-          <a:p>
-            <a:pPr algn="ctr"/>
-            <a:endParaRPr lang="en-US"/>
-          </a:p>
-        </p:txBody>
-      </p:sp>
-      <p:sp>
-        <p:nvSpPr>
-          <p:cNvPr id="12" name="Oval 11"/>
-          <p:cNvSpPr/>
-          <p:nvPr/>
-        </p:nvSpPr>
-        <p:spPr>
-          <a:xfrm>
-            <a:off x="7315200" y="5486400"/>
-            <a:ext cx="152400" cy="152400"/>
-          </a:xfrm>
-          <a:prstGeom prst="ellipse">
-            <a:avLst/>
-          </a:prstGeom>
-          <a:scene3d>
-            <a:camera prst="orthographicFront"/>
-            <a:lightRig rig="threePt" dir="t"/>
-          </a:scene3d>
-          <a:sp3d>
-            <a:bevelT/>
-          </a:sp3d>
-        </p:spPr>
-        <p:style>
-          <a:lnRef idx="2">
-            <a:schemeClr val="accent1">
-              <a:shade val="50000"/>
-            </a:schemeClr>
-          </a:lnRef>
-          <a:fillRef idx="1">
-            <a:schemeClr val="accent1"/>
-          </a:fillRef>
-          <a:effectRef idx="0">
-            <a:schemeClr val="accent1"/>
-          </a:effectRef>
-          <a:fontRef idx="minor">
-            <a:schemeClr val="lt1"/>
-          </a:fontRef>
-        </p:style>
-        <p:txBody>
-          <a:bodyPr rtlCol="0" anchor="ctr"/>
-          <a:lstStyle/>
-          <a:p>
-            <a:pPr algn="ctr"/>
-            <a:endParaRPr lang="en-US"/>
-          </a:p>
-        </p:txBody>
-      </p:sp>
-      <p:sp>
-        <p:nvSpPr>
-          <p:cNvPr id="13" name="Oval 12"/>
-          <p:cNvSpPr/>
-          <p:nvPr/>
-        </p:nvSpPr>
-        <p:spPr>
-          <a:xfrm>
-            <a:off x="6705600" y="5502442"/>
-            <a:ext cx="152400" cy="152400"/>
-          </a:xfrm>
-          <a:prstGeom prst="ellipse">
-            <a:avLst/>
-          </a:prstGeom>
-          <a:scene3d>
-            <a:camera prst="orthographicFront"/>
-            <a:lightRig rig="threePt" dir="t"/>
-          </a:scene3d>
-          <a:sp3d>
-            <a:bevelT/>
-          </a:sp3d>
-        </p:spPr>
-        <p:style>
-          <a:lnRef idx="2">
-            <a:schemeClr val="accent1">
-              <a:shade val="50000"/>
-            </a:schemeClr>
-          </a:lnRef>
-          <a:fillRef idx="1">
-            <a:schemeClr val="accent1"/>
-          </a:fillRef>
-          <a:effectRef idx="0">
-            <a:schemeClr val="accent1"/>
-          </a:effectRef>
-          <a:fontRef idx="minor">
-            <a:schemeClr val="lt1"/>
-          </a:fontRef>
-        </p:style>
-        <p:txBody>
-          <a:bodyPr rtlCol="0" anchor="ctr"/>
-          <a:lstStyle/>
-          <a:p>
-            <a:pPr algn="ctr"/>
-            <a:endParaRPr lang="en-US"/>
-          </a:p>
-        </p:txBody>
-      </p:sp>
-      <p:sp>
-        <p:nvSpPr>
-          <p:cNvPr id="14" name="TextBox 13"/>
-          <p:cNvSpPr txBox="1"/>
-          <p:nvPr/>
-        </p:nvSpPr>
-        <p:spPr>
-          <a:xfrm>
-            <a:off x="6400800" y="5715000"/>
-            <a:ext cx="2895600" cy="261610"/>
-          </a:xfrm>
-          <a:prstGeom prst="rect">
-            <a:avLst/>
-          </a:prstGeom>
-          <a:noFill/>
-        </p:spPr>
-        <p:txBody>
-          <a:bodyPr wrap="square" rtlCol="0">
-            <a:spAutoFit/>
-          </a:bodyPr>
-          <a:lstStyle/>
-          <a:p>
-            <a:r>
-              <a:rPr lang="en-US" sz="1100" dirty="0" smtClean="0"/>
-              <a:t>Diagnosis   Treatment             </a:t>
-            </a:r>
-            <a:r>
-              <a:rPr lang="en-US" sz="1100" dirty="0" err="1" smtClean="0"/>
-              <a:t>Followup</a:t>
-            </a:r>
-            <a:r>
-              <a:rPr lang="en-US" sz="1100" dirty="0" smtClean="0"/>
-              <a:t> </a:t>
-            </a:r>
-            <a:endParaRPr lang="en-US" sz="1100" dirty="0"/>
-          </a:p>
-        </p:txBody>
-      </p:sp>
+        </p:nvGrpSpPr>
+        <p:grpSpPr>
+          <a:xfrm>
+            <a:off x="2133600" y="5300990"/>
+            <a:ext cx="2895600" cy="490210"/>
+            <a:chOff x="5181600" y="5072390"/>
+            <a:chExt cx="2895600" cy="490210"/>
+          </a:xfrm>
+        </p:grpSpPr>
+        <p:cxnSp>
+          <p:nvCxnSpPr>
+            <p:cNvPr id="10" name="Straight Connector 9"/>
+            <p:cNvCxnSpPr/>
+            <p:nvPr/>
+          </p:nvCxnSpPr>
+          <p:spPr>
+            <a:xfrm>
+              <a:off x="5638800" y="5148590"/>
+              <a:ext cx="1600200" cy="1588"/>
+            </a:xfrm>
+            <a:prstGeom prst="line">
+              <a:avLst/>
+            </a:prstGeom>
+            <a:ln>
+              <a:solidFill>
+                <a:schemeClr val="accent2"/>
+              </a:solidFill>
+            </a:ln>
+          </p:spPr>
+          <p:style>
+            <a:lnRef idx="1">
+              <a:schemeClr val="accent1"/>
+            </a:lnRef>
+            <a:fillRef idx="0">
+              <a:schemeClr val="accent1"/>
+            </a:fillRef>
+            <a:effectRef idx="0">
+              <a:schemeClr val="accent1"/>
+            </a:effectRef>
+            <a:fontRef idx="minor">
+              <a:schemeClr val="tx1"/>
+            </a:fontRef>
+          </p:style>
+        </p:cxnSp>
+        <p:sp>
+          <p:nvSpPr>
+            <p:cNvPr id="11" name="Oval 10"/>
+            <p:cNvSpPr/>
+            <p:nvPr/>
+          </p:nvSpPr>
+          <p:spPr>
+            <a:xfrm>
+              <a:off x="7162800" y="5072390"/>
+              <a:ext cx="152400" cy="152400"/>
+            </a:xfrm>
+            <a:prstGeom prst="ellipse">
+              <a:avLst/>
+            </a:prstGeom>
+            <a:solidFill>
+              <a:schemeClr val="accent2"/>
+            </a:solidFill>
+            <a:ln>
+              <a:solidFill>
+                <a:schemeClr val="accent2"/>
+              </a:solidFill>
+            </a:ln>
+            <a:scene3d>
+              <a:camera prst="orthographicFront"/>
+              <a:lightRig rig="threePt" dir="t"/>
+            </a:scene3d>
+            <a:sp3d>
+              <a:bevelT/>
+            </a:sp3d>
+          </p:spPr>
+          <p:style>
+            <a:lnRef idx="2">
+              <a:schemeClr val="accent1">
+                <a:shade val="50000"/>
+              </a:schemeClr>
+            </a:lnRef>
+            <a:fillRef idx="1">
+              <a:schemeClr val="accent1"/>
+            </a:fillRef>
+            <a:effectRef idx="0">
+              <a:schemeClr val="accent1"/>
+            </a:effectRef>
+            <a:fontRef idx="minor">
+              <a:schemeClr val="lt1"/>
+            </a:fontRef>
+          </p:style>
+          <p:txBody>
+            <a:bodyPr rtlCol="0" anchor="ctr"/>
+            <a:lstStyle/>
+            <a:p>
+              <a:pPr algn="ctr"/>
+              <a:endParaRPr lang="en-US"/>
+            </a:p>
+          </p:txBody>
+        </p:sp>
+        <p:sp>
+          <p:nvSpPr>
+            <p:cNvPr id="12" name="Oval 11"/>
+            <p:cNvSpPr/>
+            <p:nvPr/>
+          </p:nvSpPr>
+          <p:spPr>
+            <a:xfrm>
+              <a:off x="6172200" y="5072390"/>
+              <a:ext cx="152400" cy="152400"/>
+            </a:xfrm>
+            <a:prstGeom prst="ellipse">
+              <a:avLst/>
+            </a:prstGeom>
+            <a:solidFill>
+              <a:schemeClr val="accent2"/>
+            </a:solidFill>
+            <a:ln>
+              <a:solidFill>
+                <a:schemeClr val="accent2"/>
+              </a:solidFill>
+            </a:ln>
+            <a:scene3d>
+              <a:camera prst="orthographicFront"/>
+              <a:lightRig rig="threePt" dir="t"/>
+            </a:scene3d>
+            <a:sp3d>
+              <a:bevelT/>
+            </a:sp3d>
+          </p:spPr>
+          <p:style>
+            <a:lnRef idx="2">
+              <a:schemeClr val="accent1">
+                <a:shade val="50000"/>
+              </a:schemeClr>
+            </a:lnRef>
+            <a:fillRef idx="1">
+              <a:schemeClr val="accent1"/>
+            </a:fillRef>
+            <a:effectRef idx="0">
+              <a:schemeClr val="accent1"/>
+            </a:effectRef>
+            <a:fontRef idx="minor">
+              <a:schemeClr val="lt1"/>
+            </a:fontRef>
+          </p:style>
+          <p:txBody>
+            <a:bodyPr rtlCol="0" anchor="ctr"/>
+            <a:lstStyle/>
+            <a:p>
+              <a:pPr algn="ctr"/>
+              <a:endParaRPr lang="en-US"/>
+            </a:p>
+          </p:txBody>
+        </p:sp>
+        <p:sp>
+          <p:nvSpPr>
+            <p:cNvPr id="13" name="Oval 12"/>
+            <p:cNvSpPr/>
+            <p:nvPr/>
+          </p:nvSpPr>
+          <p:spPr>
+            <a:xfrm>
+              <a:off x="5562600" y="5088432"/>
+              <a:ext cx="152400" cy="152400"/>
+            </a:xfrm>
+            <a:prstGeom prst="ellipse">
+              <a:avLst/>
+            </a:prstGeom>
+            <a:solidFill>
+              <a:schemeClr val="accent2"/>
+            </a:solidFill>
+            <a:ln>
+              <a:solidFill>
+                <a:schemeClr val="accent2"/>
+              </a:solidFill>
+            </a:ln>
+            <a:scene3d>
+              <a:camera prst="orthographicFront"/>
+              <a:lightRig rig="threePt" dir="t"/>
+            </a:scene3d>
+            <a:sp3d>
+              <a:bevelT/>
+            </a:sp3d>
+          </p:spPr>
+          <p:style>
+            <a:lnRef idx="2">
+              <a:schemeClr val="accent1">
+                <a:shade val="50000"/>
+              </a:schemeClr>
+            </a:lnRef>
+            <a:fillRef idx="1">
+              <a:schemeClr val="accent1"/>
+            </a:fillRef>
+            <a:effectRef idx="0">
+              <a:schemeClr val="accent1"/>
+            </a:effectRef>
+            <a:fontRef idx="minor">
+              <a:schemeClr val="lt1"/>
+            </a:fontRef>
+          </p:style>
+          <p:txBody>
+            <a:bodyPr rtlCol="0" anchor="ctr"/>
+            <a:lstStyle/>
+            <a:p>
+              <a:pPr algn="ctr"/>
+              <a:endParaRPr lang="en-US"/>
+            </a:p>
+          </p:txBody>
+        </p:sp>
+        <p:sp>
+          <p:nvSpPr>
+            <p:cNvPr id="14" name="TextBox 13"/>
+            <p:cNvSpPr txBox="1"/>
+            <p:nvPr/>
+          </p:nvSpPr>
+          <p:spPr>
+            <a:xfrm>
+              <a:off x="5181600" y="5300990"/>
+              <a:ext cx="2895600" cy="261610"/>
+            </a:xfrm>
+            <a:prstGeom prst="rect">
+              <a:avLst/>
+            </a:prstGeom>
+            <a:noFill/>
+          </p:spPr>
+          <p:txBody>
+            <a:bodyPr wrap="square" rtlCol="0">
+              <a:spAutoFit/>
+            </a:bodyPr>
+            <a:lstStyle/>
+            <a:p>
+              <a:r>
+                <a:rPr lang="en-US" sz="1100" dirty="0" smtClean="0"/>
+                <a:t>Diagnosis   Treatment    </a:t>
+              </a:r>
+              <a:r>
+                <a:rPr lang="en-US" sz="1100" dirty="0" smtClean="0"/>
+                <a:t>    </a:t>
+              </a:r>
+              <a:r>
+                <a:rPr lang="en-US" sz="1100" dirty="0" err="1" smtClean="0"/>
+                <a:t>Followup</a:t>
+              </a:r>
+              <a:r>
+                <a:rPr lang="en-US" sz="1100" dirty="0" smtClean="0"/>
+                <a:t> </a:t>
+              </a:r>
+              <a:endParaRPr lang="en-US" sz="1100" dirty="0"/>
+            </a:p>
+          </p:txBody>
+        </p:sp>
+      </p:grpSp>
       <p:sp>
         <p:nvSpPr>
           <p:cNvPr id="15" name="TextBox 14"/>
@@ -3962,8 +3368,8 @@
         </p:nvSpPr>
         <p:spPr>
           <a:xfrm>
-            <a:off x="4579520" y="4711911"/>
-            <a:ext cx="1524000" cy="369332"/>
+            <a:off x="4655720" y="4407568"/>
+            <a:ext cx="1821280" cy="369332"/>
           </a:xfrm>
           <a:prstGeom prst="rect">
             <a:avLst/>
@@ -4049,17 +3455,23 @@
             <p:ph sz="half" idx="1"/>
           </p:nvPr>
         </p:nvSpPr>
-        <p:spPr/>
+        <p:spPr>
+          <a:xfrm>
+            <a:off x="304800" y="1524000"/>
+            <a:ext cx="4152900" cy="4953000"/>
+          </a:xfrm>
+        </p:spPr>
         <p:txBody>
           <a:bodyPr>
-            <a:normAutofit lnSpcReduction="10000"/>
+            <a:normAutofit/>
           </a:bodyPr>
           <a:lstStyle/>
           <a:p>
             <a:r>
-              <a:rPr lang="en-US" dirty="0" smtClean="0"/>
-              <a:t>Developers, Architects and Project Managers</a:t>
-            </a:r>
+              <a:rPr lang="en-US" sz="2400" dirty="0" smtClean="0"/>
+              <a:t>caIntegrator2 Team</a:t>
+            </a:r>
+            <a:endParaRPr lang="en-US" sz="2400" dirty="0" smtClean="0"/>
           </a:p>
           <a:p>
             <a:pPr lvl="1"/>
@@ -4132,10 +3544,19 @@
               <a:rPr lang="en-US" dirty="0" err="1" smtClean="0"/>
               <a:t>Rajagopal</a:t>
             </a:r>
+            <a:endParaRPr lang="en-US" dirty="0" smtClean="0"/>
+          </a:p>
+          <a:p>
+            <a:pPr lvl="1"/>
             <a:r>
               <a:rPr lang="en-US" dirty="0" smtClean="0"/>
-              <a:t> </a:t>
-            </a:r>
+              <a:t>Matt </a:t>
+            </a:r>
+            <a:r>
+              <a:rPr lang="en-US" dirty="0" err="1" smtClean="0"/>
+              <a:t>Rehfuss</a:t>
+            </a:r>
+            <a:endParaRPr lang="en-US" dirty="0" smtClean="0"/>
           </a:p>
           <a:p>
             <a:pPr lvl="1"/>
@@ -4161,94 +3582,120 @@
             <p:ph sz="half" idx="2"/>
           </p:nvPr>
         </p:nvSpPr>
-        <p:spPr/>
+        <p:spPr>
+          <a:xfrm>
+            <a:off x="4610100" y="1524000"/>
+            <a:ext cx="4152900" cy="4953000"/>
+          </a:xfrm>
+        </p:spPr>
         <p:txBody>
           <a:bodyPr>
-            <a:normAutofit lnSpcReduction="10000"/>
+            <a:normAutofit/>
           </a:bodyPr>
           <a:lstStyle/>
           <a:p>
             <a:r>
-              <a:rPr lang="en-US" dirty="0" smtClean="0"/>
-              <a:t>Leadership and Requirements</a:t>
-            </a:r>
+              <a:rPr lang="en-US" sz="2400" dirty="0" smtClean="0"/>
+              <a:t>Leadership and Vision</a:t>
+            </a:r>
+            <a:endParaRPr lang="en-US" sz="2400" dirty="0" smtClean="0"/>
           </a:p>
           <a:p>
             <a:pPr lvl="1"/>
             <a:r>
-              <a:rPr lang="en-US" dirty="0" err="1" smtClean="0"/>
+              <a:rPr lang="en-US" sz="2000" dirty="0" err="1" smtClean="0"/>
               <a:t>Anand</a:t>
             </a:r>
             <a:r>
-              <a:rPr lang="en-US" dirty="0" smtClean="0"/>
+              <a:rPr lang="en-US" sz="2000" dirty="0" smtClean="0"/>
               <a:t> </a:t>
             </a:r>
             <a:r>
-              <a:rPr lang="en-US" dirty="0" err="1" smtClean="0"/>
+              <a:rPr lang="en-US" sz="2000" dirty="0" err="1" smtClean="0"/>
               <a:t>Basu</a:t>
             </a:r>
-            <a:endParaRPr lang="en-US" dirty="0" smtClean="0"/>
+            <a:endParaRPr lang="en-US" sz="2000" dirty="0" smtClean="0"/>
           </a:p>
           <a:p>
             <a:pPr lvl="1"/>
             <a:r>
-              <a:rPr lang="en-US" dirty="0" err="1" smtClean="0"/>
+              <a:rPr lang="en-US" sz="2000" dirty="0" err="1" smtClean="0"/>
               <a:t>Subhashree</a:t>
             </a:r>
             <a:r>
-              <a:rPr lang="en-US" dirty="0" smtClean="0"/>
+              <a:rPr lang="en-US" sz="2000" dirty="0" smtClean="0"/>
               <a:t> </a:t>
             </a:r>
             <a:r>
-              <a:rPr lang="en-US" dirty="0" err="1" smtClean="0"/>
+              <a:rPr lang="en-US" sz="2000" dirty="0" err="1" smtClean="0"/>
               <a:t>Madhavan</a:t>
             </a:r>
-            <a:endParaRPr lang="en-US" dirty="0" smtClean="0"/>
-          </a:p>
-          <a:p>
-            <a:endParaRPr lang="en-US" dirty="0" smtClean="0"/>
-          </a:p>
-          <a:p>
-            <a:r>
-              <a:rPr lang="en-US" dirty="0" smtClean="0"/>
+            <a:endParaRPr lang="en-US" sz="2000" dirty="0" smtClean="0"/>
+          </a:p>
+          <a:p>
+            <a:pPr lvl="1"/>
+            <a:endParaRPr lang="en-US" sz="2000" dirty="0" smtClean="0"/>
+          </a:p>
+          <a:p>
+            <a:r>
+              <a:rPr lang="en-US" sz="2400" dirty="0" smtClean="0"/>
               <a:t>NCIA &amp; VASARI</a:t>
             </a:r>
           </a:p>
           <a:p>
             <a:pPr lvl="1"/>
             <a:r>
-              <a:rPr lang="en-US" dirty="0" smtClean="0"/>
+              <a:rPr lang="en-US" sz="2000" dirty="0" smtClean="0"/>
               <a:t>Adam Flanders</a:t>
             </a:r>
           </a:p>
           <a:p>
             <a:pPr lvl="1"/>
             <a:r>
-              <a:rPr lang="en-US" dirty="0" smtClean="0"/>
+              <a:rPr lang="en-US" sz="2000" dirty="0" smtClean="0"/>
               <a:t>John </a:t>
             </a:r>
             <a:r>
-              <a:rPr lang="en-US" dirty="0" err="1" smtClean="0"/>
+              <a:rPr lang="en-US" sz="2000" dirty="0" err="1" smtClean="0"/>
               <a:t>Freymann</a:t>
             </a:r>
-            <a:endParaRPr lang="en-US" dirty="0" smtClean="0"/>
+            <a:endParaRPr lang="en-US" sz="2000" dirty="0" smtClean="0"/>
           </a:p>
           <a:p>
             <a:pPr lvl="1"/>
             <a:r>
-              <a:rPr lang="en-US" dirty="0" smtClean="0"/>
+              <a:rPr lang="en-US" sz="2000" dirty="0" smtClean="0"/>
               <a:t>Carl Jaffe</a:t>
             </a:r>
           </a:p>
           <a:p>
             <a:pPr lvl="1"/>
             <a:r>
-              <a:rPr lang="en-US" dirty="0" smtClean="0"/>
-              <a:t>Daniel Rubin</a:t>
-            </a:r>
-          </a:p>
-          <a:p>
-            <a:endParaRPr lang="en-US" dirty="0"/>
+              <a:rPr lang="en-US" sz="2000" dirty="0" smtClean="0"/>
+              <a:t>Daniel </a:t>
+            </a:r>
+            <a:r>
+              <a:rPr lang="en-US" sz="2000" dirty="0" smtClean="0"/>
+              <a:t>Rubin</a:t>
+            </a:r>
+          </a:p>
+          <a:p>
+            <a:pPr lvl="1"/>
+            <a:endParaRPr lang="en-US" sz="2000" dirty="0" smtClean="0"/>
+          </a:p>
+          <a:p>
+            <a:r>
+              <a:rPr lang="en-US" sz="2400" dirty="0" err="1" smtClean="0"/>
+              <a:t>caIntegrator</a:t>
+            </a:r>
+            <a:r>
+              <a:rPr lang="en-US" sz="2400" dirty="0" smtClean="0"/>
+              <a:t> Development Teams</a:t>
+            </a:r>
+            <a:endParaRPr lang="en-US" sz="2400" dirty="0" smtClean="0"/>
+          </a:p>
+          <a:p>
+            <a:endParaRPr lang="en-US" sz="2400" dirty="0"/>
           </a:p>
         </p:txBody>
       </p:sp>
@@ -4296,7 +3743,7 @@
         </p:nvSpPr>
         <p:spPr>
           <a:xfrm>
-            <a:off x="457200" y="152400"/>
+            <a:off x="457200" y="-76200"/>
             <a:ext cx="8229600" cy="1143000"/>
           </a:xfrm>
         </p:spPr>
@@ -4305,10 +3752,10 @@
           <a:lstStyle/>
           <a:p>
             <a:r>
-              <a:rPr lang="en-US" dirty="0" smtClean="0"/>
+              <a:rPr lang="en-US" sz="2800" dirty="0" smtClean="0"/>
               <a:t>Goals</a:t>
             </a:r>
-            <a:endParaRPr lang="en-US" dirty="0"/>
+            <a:endParaRPr lang="en-US" sz="2800" dirty="0"/>
           </a:p>
         </p:txBody>
       </p:sp>
@@ -4330,87 +3777,74 @@
         </p:spPr>
         <p:txBody>
           <a:bodyPr>
-            <a:normAutofit fontScale="92500" lnSpcReduction="20000"/>
+            <a:noAutofit/>
           </a:bodyPr>
           <a:lstStyle/>
           <a:p>
             <a:r>
-              <a:rPr lang="en-US" dirty="0" smtClean="0"/>
+              <a:rPr lang="en-US" sz="2200" dirty="0" smtClean="0"/>
               <a:t>Have a single place where one can go to get all the information about a study</a:t>
             </a:r>
           </a:p>
           <a:p>
             <a:pPr lvl="1"/>
             <a:r>
-              <a:rPr lang="en-US" dirty="0" smtClean="0"/>
+              <a:rPr lang="en-US" sz="2200" dirty="0" smtClean="0"/>
               <a:t>Clinical Data</a:t>
             </a:r>
           </a:p>
           <a:p>
             <a:pPr lvl="1"/>
             <a:r>
-              <a:rPr lang="en-US" dirty="0" smtClean="0"/>
+              <a:rPr lang="en-US" sz="2200" dirty="0" smtClean="0"/>
               <a:t>Imaging Data</a:t>
             </a:r>
           </a:p>
           <a:p>
             <a:pPr lvl="1"/>
             <a:r>
-              <a:rPr lang="en-US" dirty="0" smtClean="0"/>
+              <a:rPr lang="en-US" sz="2200" dirty="0" smtClean="0"/>
               <a:t>Genomic Data</a:t>
             </a:r>
           </a:p>
           <a:p>
             <a:r>
-              <a:rPr lang="en-US" dirty="0" smtClean="0"/>
+              <a:rPr lang="en-US" sz="2200" dirty="0" smtClean="0"/>
               <a:t>Provide ways to browse and analyze the data</a:t>
             </a:r>
           </a:p>
           <a:p>
             <a:pPr lvl="1"/>
             <a:r>
-              <a:rPr lang="en-US" dirty="0" smtClean="0"/>
-              <a:t>Explore and confirm </a:t>
-            </a:r>
-            <a:r>
-              <a:rPr lang="en-US" dirty="0" smtClean="0"/>
-              <a:t>hypotheses</a:t>
-            </a:r>
-            <a:endParaRPr lang="en-US" dirty="0" smtClean="0"/>
+              <a:rPr lang="en-US" sz="2200" dirty="0" smtClean="0"/>
+              <a:t>Explore and confirm hypotheses</a:t>
+            </a:r>
           </a:p>
           <a:p>
             <a:pPr lvl="1"/>
             <a:r>
-              <a:rPr lang="en-US" dirty="0" smtClean="0"/>
+              <a:rPr lang="en-US" sz="2200" dirty="0" smtClean="0"/>
               <a:t>Publish results and lists, e.g. of interesting genes</a:t>
             </a:r>
           </a:p>
           <a:p>
             <a:r>
-              <a:rPr lang="en-US" dirty="0" smtClean="0"/>
+              <a:rPr lang="en-US" sz="2200" dirty="0" smtClean="0"/>
               <a:t>Have a way to roll out new studies easily</a:t>
             </a:r>
           </a:p>
           <a:p>
             <a:r>
-              <a:rPr lang="en-US" dirty="0" smtClean="0"/>
-              <a:t>Have a consistent user experience across different </a:t>
-            </a:r>
-            <a:r>
-              <a:rPr lang="en-US" dirty="0" smtClean="0"/>
-              <a:t>studies</a:t>
-            </a:r>
-          </a:p>
-          <a:p>
-            <a:r>
-              <a:rPr lang="en-US" dirty="0" smtClean="0"/>
-              <a:t>L</a:t>
-            </a:r>
-            <a:r>
-              <a:rPr lang="en-US" dirty="0" smtClean="0"/>
-              <a:t>ay the groundwork for cross-study comparisons</a:t>
-            </a:r>
-            <a:endParaRPr lang="en-US" dirty="0"/>
+              <a:rPr lang="en-US" sz="2200" dirty="0" smtClean="0"/>
+              <a:t>Have a consistent user experience across different studies</a:t>
+            </a:r>
+          </a:p>
+          <a:p>
+            <a:r>
+              <a:rPr lang="en-US" sz="2200" dirty="0" smtClean="0"/>
+              <a:t>Lay the groundwork for cross-study comparisons</a:t>
+            </a:r>
+            <a:endParaRPr lang="en-US" sz="2200" dirty="0"/>
           </a:p>
         </p:txBody>
       </p:sp>
@@ -4462,14 +3896,14 @@
           <a:lstStyle/>
           <a:p>
             <a:r>
-              <a:rPr lang="en-US" dirty="0" err="1" smtClean="0"/>
+              <a:rPr lang="en-US" sz="2800" dirty="0" err="1" smtClean="0"/>
               <a:t>caIntegrator</a:t>
             </a:r>
             <a:r>
-              <a:rPr lang="en-US" dirty="0" smtClean="0"/>
+              <a:rPr lang="en-US" sz="2800" dirty="0" smtClean="0"/>
               <a:t> Examples</a:t>
             </a:r>
-            <a:endParaRPr lang="en-US" dirty="0"/>
+            <a:endParaRPr lang="en-US" sz="2800" dirty="0"/>
           </a:p>
         </p:txBody>
       </p:sp>
@@ -4483,7 +3917,12 @@
             <p:ph idx="1"/>
           </p:nvPr>
         </p:nvSpPr>
-        <p:spPr/>
+        <p:spPr>
+          <a:xfrm>
+            <a:off x="304800" y="1600200"/>
+            <a:ext cx="8458200" cy="4953000"/>
+          </a:xfrm>
+        </p:spPr>
         <p:txBody>
           <a:bodyPr>
             <a:normAutofit/>
@@ -4503,35 +3942,72 @@
             </a:r>
             <a:r>
               <a:rPr lang="en-US" dirty="0" err="1" smtClean="0"/>
-              <a:t>Gliomas</a:t>
-            </a:r>
-            <a:r>
-              <a:rPr lang="en-US" dirty="0" smtClean="0"/>
-              <a:t>.</a:t>
-            </a:r>
+              <a:t>g</a:t>
+            </a:r>
+            <a:r>
+              <a:rPr lang="en-US" dirty="0" err="1" smtClean="0"/>
+              <a:t>liomas</a:t>
+            </a:r>
+            <a:endParaRPr lang="en-US" dirty="0" smtClean="0"/>
           </a:p>
           <a:p>
             <a:pPr lvl="1"/>
             <a:endParaRPr lang="en-US" dirty="0" smtClean="0"/>
           </a:p>
           <a:p>
+            <a:endParaRPr lang="en-US" dirty="0" smtClean="0"/>
+          </a:p>
+          <a:p>
+            <a:r>
+              <a:rPr lang="en-US" dirty="0" smtClean="0"/>
+              <a:t>CGEMS</a:t>
+            </a:r>
+          </a:p>
+          <a:p>
+            <a:pPr lvl="1"/>
+            <a:r>
+              <a:rPr lang="en-US" dirty="0" smtClean="0"/>
+              <a:t>A project to identify genetic alterations that make people susceptible to prostate and breast cancer</a:t>
+            </a:r>
+            <a:r>
+              <a:rPr lang="en-US" dirty="0" smtClean="0"/>
+              <a:t> </a:t>
+            </a:r>
+          </a:p>
+          <a:p>
+            <a:endParaRPr lang="en-US" dirty="0" smtClean="0"/>
+          </a:p>
+          <a:p>
+            <a:r>
+              <a:rPr lang="en-US" dirty="0" smtClean="0"/>
+              <a:t>Others</a:t>
+            </a:r>
+          </a:p>
+          <a:p>
+            <a:pPr lvl="1"/>
             <a:r>
               <a:rPr lang="en-US" dirty="0" smtClean="0"/>
               <a:t>I-SPY</a:t>
             </a:r>
+            <a:endParaRPr lang="en-US" dirty="0" smtClean="0"/>
           </a:p>
           <a:p>
             <a:pPr lvl="1"/>
             <a:r>
-              <a:rPr lang="en-US" dirty="0" smtClean="0"/>
-              <a:t>A study to identify biomarkers predictive of response to therapy throughout the treatment cycle for women with Stage 3 breast cancer.</a:t>
-            </a:r>
+              <a:rPr lang="en-US" dirty="0" err="1" smtClean="0"/>
+              <a:t>c</a:t>
+            </a:r>
+            <a:r>
+              <a:rPr lang="en-US" dirty="0" err="1" smtClean="0"/>
+              <a:t>aGWAS</a:t>
+            </a:r>
+            <a:endParaRPr lang="en-US" dirty="0" smtClean="0"/>
           </a:p>
         </p:txBody>
       </p:sp>
       <p:pic>
         <p:nvPicPr>
-          <p:cNvPr id="1027" name="Picture 3"/>
+          <p:cNvPr id="3" name="Picture 5"/>
           <p:cNvPicPr>
             <a:picLocks noChangeAspect="1" noChangeArrowheads="1"/>
           </p:cNvPicPr>
@@ -4546,8 +4022,8 @@
         </p:blipFill>
         <p:spPr bwMode="auto">
           <a:xfrm>
-            <a:off x="1819275" y="4038600"/>
-            <a:ext cx="7324725" cy="638175"/>
+            <a:off x="1676400" y="2880227"/>
+            <a:ext cx="3352800" cy="624973"/>
           </a:xfrm>
           <a:prstGeom prst="rect">
             <a:avLst/>
@@ -4564,7 +4040,7 @@
       </p:pic>
       <p:pic>
         <p:nvPicPr>
-          <p:cNvPr id="1029" name="Picture 5"/>
+          <p:cNvPr id="1030" name="Picture 6"/>
           <p:cNvPicPr>
             <a:picLocks noChangeAspect="1" noChangeArrowheads="1"/>
           </p:cNvPicPr>
@@ -4579,8 +4055,8 @@
         </p:blipFill>
         <p:spPr bwMode="auto">
           <a:xfrm>
-            <a:off x="2895600" y="1600200"/>
-            <a:ext cx="7315200" cy="619125"/>
+            <a:off x="2057400" y="1295400"/>
+            <a:ext cx="3171825" cy="638175"/>
           </a:xfrm>
           <a:prstGeom prst="rect">
             <a:avLst/>
@@ -4629,14 +4105,16 @@
       </p:grpSpPr>
       <p:pic>
         <p:nvPicPr>
-          <p:cNvPr id="1028" name="Picture 4"/>
+          <p:cNvPr id="127" name="Picture 4"/>
           <p:cNvPicPr>
             <a:picLocks noChangeAspect="1" noChangeArrowheads="1"/>
           </p:cNvPicPr>
           <p:nvPr/>
         </p:nvPicPr>
         <p:blipFill>
-          <a:blip r:embed="rId2"/>
+          <a:blip r:embed="rId2">
+            <a:lum/>
+          </a:blip>
           <a:srcRect/>
           <a:stretch>
             <a:fillRect/>
@@ -4644,8 +4122,8 @@
         </p:blipFill>
         <p:spPr bwMode="auto">
           <a:xfrm>
-            <a:off x="3352800" y="1905000"/>
-            <a:ext cx="685800" cy="749104"/>
+            <a:off x="5032402" y="3106270"/>
+            <a:ext cx="382283" cy="413560"/>
           </a:xfrm>
           <a:prstGeom prst="rect">
             <a:avLst/>
@@ -4662,38 +4140,16 @@
       </p:pic>
       <p:pic>
         <p:nvPicPr>
-          <p:cNvPr id="75" name="Picture 74" descr="NCIA logo.jpg"/>
-          <p:cNvPicPr>
-            <a:picLocks noChangeAspect="1"/>
-          </p:cNvPicPr>
-          <p:nvPr/>
-        </p:nvPicPr>
-        <p:blipFill>
-          <a:blip r:embed="rId3"/>
-          <a:stretch>
-            <a:fillRect/>
-          </a:stretch>
-        </p:blipFill>
-        <p:spPr>
-          <a:xfrm>
-            <a:off x="3733800" y="3048000"/>
-            <a:ext cx="1113692" cy="381000"/>
-          </a:xfrm>
-          <a:prstGeom prst="rect">
-            <a:avLst/>
-          </a:prstGeom>
-        </p:spPr>
-      </p:pic>
-      <p:pic>
-        <p:nvPicPr>
-          <p:cNvPr id="63" name="Picture 2"/>
+          <p:cNvPr id="126" name="Picture 4"/>
           <p:cNvPicPr>
             <a:picLocks noChangeAspect="1" noChangeArrowheads="1"/>
           </p:cNvPicPr>
           <p:nvPr/>
         </p:nvPicPr>
         <p:blipFill>
-          <a:blip r:embed="rId4" cstate="print"/>
+          <a:blip r:embed="rId2">
+            <a:lum/>
+          </a:blip>
           <a:srcRect/>
           <a:stretch>
             <a:fillRect/>
@@ -4701,8 +4157,8 @@
         </p:blipFill>
         <p:spPr bwMode="auto">
           <a:xfrm>
-            <a:off x="4541651" y="3505200"/>
-            <a:ext cx="411349" cy="304800"/>
+            <a:off x="4673812" y="2442886"/>
+            <a:ext cx="382283" cy="413560"/>
           </a:xfrm>
           <a:prstGeom prst="rect">
             <a:avLst/>
@@ -4719,14 +4175,14 @@
       </p:pic>
       <p:pic>
         <p:nvPicPr>
-          <p:cNvPr id="1026" name="Picture 2"/>
+          <p:cNvPr id="1028" name="Picture 4"/>
           <p:cNvPicPr>
             <a:picLocks noChangeAspect="1" noChangeArrowheads="1"/>
           </p:cNvPicPr>
           <p:nvPr/>
         </p:nvPicPr>
         <p:blipFill>
-          <a:blip r:embed="rId4" cstate="print"/>
+          <a:blip r:embed="rId3"/>
           <a:srcRect/>
           <a:stretch>
             <a:fillRect/>
@@ -4734,8 +4190,8 @@
         </p:blipFill>
         <p:spPr bwMode="auto">
           <a:xfrm>
-            <a:off x="3962400" y="2616201"/>
-            <a:ext cx="411349" cy="304800"/>
+            <a:off x="3352800" y="2198132"/>
+            <a:ext cx="685800" cy="749104"/>
           </a:xfrm>
           <a:prstGeom prst="rect">
             <a:avLst/>
@@ -4750,6 +4206,96 @@
           <a:effectLst/>
         </p:spPr>
       </p:pic>
+      <p:pic>
+        <p:nvPicPr>
+          <p:cNvPr id="75" name="Picture 74" descr="NCIA logo.jpg"/>
+          <p:cNvPicPr>
+            <a:picLocks noChangeAspect="1"/>
+          </p:cNvPicPr>
+          <p:nvPr/>
+        </p:nvPicPr>
+        <p:blipFill>
+          <a:blip r:embed="rId4"/>
+          <a:stretch>
+            <a:fillRect/>
+          </a:stretch>
+        </p:blipFill>
+        <p:spPr>
+          <a:xfrm>
+            <a:off x="3733800" y="3341132"/>
+            <a:ext cx="1113692" cy="381000"/>
+          </a:xfrm>
+          <a:prstGeom prst="rect">
+            <a:avLst/>
+          </a:prstGeom>
+        </p:spPr>
+      </p:pic>
+      <p:pic>
+        <p:nvPicPr>
+          <p:cNvPr id="63" name="Picture 2"/>
+          <p:cNvPicPr>
+            <a:picLocks noChangeAspect="1" noChangeArrowheads="1"/>
+          </p:cNvPicPr>
+          <p:nvPr/>
+        </p:nvPicPr>
+        <p:blipFill>
+          <a:blip r:embed="rId5" cstate="print"/>
+          <a:srcRect/>
+          <a:stretch>
+            <a:fillRect/>
+          </a:stretch>
+        </p:blipFill>
+        <p:spPr bwMode="auto">
+          <a:xfrm>
+            <a:off x="4541651" y="3798332"/>
+            <a:ext cx="411349" cy="304800"/>
+          </a:xfrm>
+          <a:prstGeom prst="rect">
+            <a:avLst/>
+          </a:prstGeom>
+          <a:noFill/>
+          <a:ln w="9525">
+            <a:noFill/>
+            <a:miter lim="800000"/>
+            <a:headEnd/>
+            <a:tailEnd/>
+          </a:ln>
+          <a:effectLst/>
+        </p:spPr>
+      </p:pic>
+      <p:pic>
+        <p:nvPicPr>
+          <p:cNvPr id="1026" name="Picture 2"/>
+          <p:cNvPicPr>
+            <a:picLocks noChangeAspect="1" noChangeArrowheads="1"/>
+          </p:cNvPicPr>
+          <p:nvPr/>
+        </p:nvPicPr>
+        <p:blipFill>
+          <a:blip r:embed="rId5" cstate="print"/>
+          <a:srcRect/>
+          <a:stretch>
+            <a:fillRect/>
+          </a:stretch>
+        </p:blipFill>
+        <p:spPr bwMode="auto">
+          <a:xfrm>
+            <a:off x="3962400" y="2909333"/>
+            <a:ext cx="411349" cy="304800"/>
+          </a:xfrm>
+          <a:prstGeom prst="rect">
+            <a:avLst/>
+          </a:prstGeom>
+          <a:noFill/>
+          <a:ln w="9525">
+            <a:noFill/>
+            <a:miter lim="800000"/>
+            <a:headEnd/>
+            <a:tailEnd/>
+          </a:ln>
+          <a:effectLst/>
+        </p:spPr>
+      </p:pic>
       <p:sp>
         <p:nvSpPr>
           <p:cNvPr id="57" name="Flowchart: Magnetic Disk 56"/>
@@ -4758,7 +4304,7 @@
         </p:nvSpPr>
         <p:spPr>
           <a:xfrm>
-            <a:off x="6578598" y="1773872"/>
+            <a:off x="6578598" y="2067004"/>
             <a:ext cx="609600" cy="609600"/>
           </a:xfrm>
           <a:prstGeom prst="flowChartMagneticDisk">
@@ -4805,7 +4351,7 @@
         </p:nvSpPr>
         <p:spPr>
           <a:xfrm>
-            <a:off x="6781800" y="5405735"/>
+            <a:off x="6781800" y="5558135"/>
             <a:ext cx="609600" cy="609600"/>
           </a:xfrm>
           <a:prstGeom prst="flowChartMagneticDisk">
@@ -4856,7 +4402,7 @@
         </p:nvSpPr>
         <p:spPr>
           <a:xfrm>
-            <a:off x="457200" y="-152400"/>
+            <a:off x="457200" y="-76200"/>
             <a:ext cx="8229600" cy="1143000"/>
           </a:xfrm>
         </p:spPr>
@@ -4888,13 +4434,16 @@
         </p:nvCxnSpPr>
         <p:spPr>
           <a:xfrm>
-            <a:off x="0" y="4189412"/>
+            <a:off x="0" y="4666130"/>
             <a:ext cx="9144000" cy="1588"/>
           </a:xfrm>
           <a:prstGeom prst="line">
             <a:avLst/>
           </a:prstGeom>
           <a:ln>
+            <a:solidFill>
+              <a:schemeClr val="accent2"/>
+            </a:solidFill>
             <a:prstDash val="sysDash"/>
           </a:ln>
         </p:spPr>
@@ -4921,7 +4470,7 @@
         </p:nvSpPr>
         <p:spPr>
           <a:xfrm>
-            <a:off x="76200" y="4191000"/>
+            <a:off x="76200" y="4659868"/>
             <a:ext cx="1905000" cy="369332"/>
           </a:xfrm>
           <a:prstGeom prst="rect">
@@ -4951,7 +4500,7 @@
         </p:nvSpPr>
         <p:spPr>
           <a:xfrm>
-            <a:off x="76200" y="3821668"/>
+            <a:off x="76200" y="4290536"/>
             <a:ext cx="2057400" cy="369332"/>
           </a:xfrm>
           <a:prstGeom prst="rect">
@@ -4981,8 +4530,8 @@
         </p:nvSpPr>
         <p:spPr>
           <a:xfrm>
-            <a:off x="228600" y="5253335"/>
-            <a:ext cx="1143000" cy="646331"/>
+            <a:off x="228600" y="5405735"/>
+            <a:ext cx="1143000" cy="584775"/>
           </a:xfrm>
           <a:prstGeom prst="rect">
             <a:avLst/>
@@ -4996,10 +4545,10 @@
           <a:lstStyle/>
           <a:p>
             <a:r>
-              <a:rPr lang="en-US" dirty="0" smtClean="0"/>
+              <a:rPr lang="en-US" sz="1600" dirty="0" smtClean="0"/>
               <a:t>Project Team</a:t>
             </a:r>
-            <a:endParaRPr lang="en-US" dirty="0"/>
+            <a:endParaRPr lang="en-US" sz="1600" dirty="0"/>
           </a:p>
         </p:txBody>
       </p:sp>
@@ -5011,8 +4560,8 @@
         </p:nvSpPr>
         <p:spPr>
           <a:xfrm>
-            <a:off x="1981200" y="4719935"/>
-            <a:ext cx="2209800" cy="369332"/>
+            <a:off x="1981200" y="4872335"/>
+            <a:ext cx="2209800" cy="338554"/>
           </a:xfrm>
           <a:prstGeom prst="rect">
             <a:avLst/>
@@ -5026,10 +4575,10 @@
           <a:lstStyle/>
           <a:p>
             <a:r>
-              <a:rPr lang="en-US" dirty="0" smtClean="0"/>
+              <a:rPr lang="en-US" sz="1600" dirty="0" smtClean="0"/>
               <a:t>Array Data</a:t>
             </a:r>
-            <a:endParaRPr lang="en-US" dirty="0"/>
+            <a:endParaRPr lang="en-US" sz="1600" dirty="0"/>
           </a:p>
         </p:txBody>
       </p:sp>
@@ -5041,8 +4590,8 @@
         </p:nvSpPr>
         <p:spPr>
           <a:xfrm>
-            <a:off x="2362200" y="5253335"/>
-            <a:ext cx="1447800" cy="369332"/>
+            <a:off x="2209800" y="5405735"/>
+            <a:ext cx="1600200" cy="338554"/>
           </a:xfrm>
           <a:prstGeom prst="rect">
             <a:avLst/>
@@ -5056,10 +4605,10 @@
           <a:lstStyle/>
           <a:p>
             <a:r>
-              <a:rPr lang="en-US" dirty="0" smtClean="0"/>
+              <a:rPr lang="en-US" sz="1600" dirty="0" smtClean="0"/>
               <a:t>Clinical Data</a:t>
             </a:r>
-            <a:endParaRPr lang="en-US" dirty="0"/>
+            <a:endParaRPr lang="en-US" sz="1600" dirty="0"/>
           </a:p>
         </p:txBody>
       </p:sp>
@@ -5071,8 +4620,8 @@
         </p:nvSpPr>
         <p:spPr>
           <a:xfrm>
-            <a:off x="2133600" y="5786735"/>
-            <a:ext cx="1524000" cy="369332"/>
+            <a:off x="2133600" y="5939135"/>
+            <a:ext cx="1752600" cy="338554"/>
           </a:xfrm>
           <a:prstGeom prst="rect">
             <a:avLst/>
@@ -5086,10 +4635,10 @@
           <a:lstStyle/>
           <a:p>
             <a:r>
-              <a:rPr lang="en-US" dirty="0" smtClean="0"/>
+              <a:rPr lang="en-US" sz="1600" dirty="0" smtClean="0"/>
               <a:t>Imaging Data</a:t>
             </a:r>
-            <a:endParaRPr lang="en-US" dirty="0"/>
+            <a:endParaRPr lang="en-US" sz="1600" dirty="0"/>
           </a:p>
         </p:txBody>
       </p:sp>
@@ -5101,13 +4650,16 @@
         </p:nvCxnSpPr>
         <p:spPr>
           <a:xfrm flipV="1">
-            <a:off x="990600" y="4948535"/>
+            <a:off x="1066800" y="5132295"/>
             <a:ext cx="914400" cy="304800"/>
           </a:xfrm>
           <a:prstGeom prst="straightConnector1">
             <a:avLst/>
           </a:prstGeom>
-          <a:ln>
+          <a:ln w="12700">
+            <a:solidFill>
+              <a:schemeClr val="accent2"/>
+            </a:solidFill>
             <a:tailEnd type="arrow"/>
           </a:ln>
         </p:spPr>
@@ -5129,20 +4681,21 @@
       <p:cxnSp>
         <p:nvCxnSpPr>
           <p:cNvPr id="16" name="Straight Arrow Connector 15"/>
-          <p:cNvCxnSpPr>
-            <a:endCxn id="11" idx="1"/>
-          </p:cNvCxnSpPr>
+          <p:cNvCxnSpPr/>
           <p:nvPr/>
         </p:nvCxnSpPr>
         <p:spPr>
           <a:xfrm flipV="1">
-            <a:off x="1143000" y="5438001"/>
-            <a:ext cx="1219200" cy="43934"/>
+            <a:off x="1143000" y="5562600"/>
+            <a:ext cx="1066800" cy="71735"/>
           </a:xfrm>
           <a:prstGeom prst="straightConnector1">
             <a:avLst/>
           </a:prstGeom>
-          <a:ln>
+          <a:ln w="12700">
+            <a:solidFill>
+              <a:schemeClr val="accent2"/>
+            </a:solidFill>
             <a:tailEnd type="arrow"/>
           </a:ln>
         </p:spPr>
@@ -5164,18 +4717,23 @@
       <p:cxnSp>
         <p:nvCxnSpPr>
           <p:cNvPr id="18" name="Straight Arrow Connector 17"/>
-          <p:cNvCxnSpPr/>
+          <p:cNvCxnSpPr>
+            <a:endCxn id="12" idx="1"/>
+          </p:cNvCxnSpPr>
           <p:nvPr/>
         </p:nvCxnSpPr>
         <p:spPr>
           <a:xfrm>
-            <a:off x="990600" y="5634335"/>
-            <a:ext cx="1066800" cy="304800"/>
+            <a:off x="990600" y="5786735"/>
+            <a:ext cx="1143000" cy="321677"/>
           </a:xfrm>
           <a:prstGeom prst="straightConnector1">
             <a:avLst/>
           </a:prstGeom>
-          <a:ln>
+          <a:ln w="12700">
+            <a:solidFill>
+              <a:schemeClr val="accent2"/>
+            </a:solidFill>
             <a:tailEnd type="arrow"/>
           </a:ln>
         </p:spPr>
@@ -5202,8 +4760,8 @@
         </p:nvSpPr>
         <p:spPr>
           <a:xfrm>
-            <a:off x="4267200" y="5015805"/>
-            <a:ext cx="1981200" cy="923330"/>
+            <a:off x="4267200" y="5168205"/>
+            <a:ext cx="1600200" cy="830997"/>
           </a:xfrm>
           <a:prstGeom prst="rect">
             <a:avLst/>
@@ -5217,10 +4775,10 @@
           <a:lstStyle/>
           <a:p>
             <a:r>
-              <a:rPr lang="en-US" dirty="0" smtClean="0"/>
+              <a:rPr lang="en-US" sz="1600" dirty="0" smtClean="0"/>
               <a:t>Software Development Team</a:t>
             </a:r>
-            <a:endParaRPr lang="en-US" dirty="0"/>
+            <a:endParaRPr lang="en-US" sz="1600" dirty="0"/>
           </a:p>
         </p:txBody>
       </p:sp>
@@ -5233,7 +4791,7 @@
           <p:nvPr/>
         </p:nvPicPr>
         <p:blipFill>
-          <a:blip r:embed="rId5" cstate="print"/>
+          <a:blip r:embed="rId6" cstate="print"/>
           <a:srcRect/>
           <a:stretch>
             <a:fillRect/>
@@ -5241,7 +4799,7 @@
         </p:blipFill>
         <p:spPr bwMode="auto">
           <a:xfrm>
-            <a:off x="6529388" y="5024735"/>
+            <a:off x="6529388" y="5177135"/>
             <a:ext cx="633412" cy="681769"/>
           </a:xfrm>
           <a:prstGeom prst="rect">
@@ -5265,8 +4823,8 @@
         </p:nvSpPr>
         <p:spPr>
           <a:xfrm>
-            <a:off x="6096000" y="5177135"/>
-            <a:ext cx="1219200" cy="523220"/>
+            <a:off x="6096000" y="5329535"/>
+            <a:ext cx="1295400" cy="523220"/>
           </a:xfrm>
           <a:prstGeom prst="rect">
             <a:avLst/>
@@ -5295,13 +4853,16 @@
         </p:nvCxnSpPr>
         <p:spPr>
           <a:xfrm>
-            <a:off x="3276600" y="4948535"/>
-            <a:ext cx="914400" cy="304800"/>
+            <a:off x="3200400" y="5105400"/>
+            <a:ext cx="1066800" cy="152400"/>
           </a:xfrm>
           <a:prstGeom prst="straightConnector1">
             <a:avLst/>
           </a:prstGeom>
-          <a:ln>
+          <a:ln w="12700">
+            <a:solidFill>
+              <a:schemeClr val="accent2"/>
+            </a:solidFill>
             <a:tailEnd type="arrow"/>
           </a:ln>
         </p:spPr>
@@ -5323,20 +4884,21 @@
       <p:cxnSp>
         <p:nvCxnSpPr>
           <p:cNvPr id="25" name="Straight Arrow Connector 24"/>
-          <p:cNvCxnSpPr>
-            <a:endCxn id="19" idx="1"/>
-          </p:cNvCxnSpPr>
+          <p:cNvCxnSpPr/>
           <p:nvPr/>
         </p:nvCxnSpPr>
         <p:spPr>
           <a:xfrm flipV="1">
-            <a:off x="3657600" y="5477470"/>
-            <a:ext cx="609600" cy="4465"/>
+            <a:off x="3581400" y="5536794"/>
+            <a:ext cx="685800" cy="25806"/>
           </a:xfrm>
           <a:prstGeom prst="straightConnector1">
             <a:avLst/>
           </a:prstGeom>
-          <a:ln>
+          <a:ln w="12700">
+            <a:solidFill>
+              <a:schemeClr val="accent2"/>
+            </a:solidFill>
             <a:tailEnd type="arrow"/>
           </a:ln>
         </p:spPr>
@@ -5358,20 +4920,21 @@
       <p:cxnSp>
         <p:nvCxnSpPr>
           <p:cNvPr id="27" name="Straight Arrow Connector 26"/>
-          <p:cNvCxnSpPr>
-            <a:stCxn id="12" idx="3"/>
-          </p:cNvCxnSpPr>
+          <p:cNvCxnSpPr/>
           <p:nvPr/>
         </p:nvCxnSpPr>
         <p:spPr>
           <a:xfrm flipV="1">
-            <a:off x="3657600" y="5786735"/>
-            <a:ext cx="609600" cy="184666"/>
+            <a:off x="3505200" y="5791200"/>
+            <a:ext cx="762000" cy="304800"/>
           </a:xfrm>
           <a:prstGeom prst="straightConnector1">
             <a:avLst/>
           </a:prstGeom>
-          <a:ln>
+          <a:ln w="12700">
+            <a:solidFill>
+              <a:schemeClr val="accent2"/>
+            </a:solidFill>
             <a:tailEnd type="arrow"/>
           </a:ln>
         </p:spPr>
@@ -5398,13 +4961,16 @@
         </p:nvCxnSpPr>
         <p:spPr>
           <a:xfrm>
-            <a:off x="5638800" y="5481935"/>
-            <a:ext cx="457200" cy="1588"/>
+            <a:off x="5638800" y="5562600"/>
+            <a:ext cx="457200" cy="73324"/>
           </a:xfrm>
           <a:prstGeom prst="straightConnector1">
             <a:avLst/>
           </a:prstGeom>
-          <a:ln>
+          <a:ln w="12700">
+            <a:solidFill>
+              <a:schemeClr val="accent2"/>
+            </a:solidFill>
             <a:tailEnd type="arrow"/>
           </a:ln>
         </p:spPr>
@@ -5431,8 +4997,8 @@
         </p:nvSpPr>
         <p:spPr>
           <a:xfrm>
-            <a:off x="8001000" y="4719935"/>
-            <a:ext cx="1143000" cy="1200329"/>
+            <a:off x="8001000" y="4872335"/>
+            <a:ext cx="1143000" cy="1077218"/>
           </a:xfrm>
           <a:prstGeom prst="rect">
             <a:avLst/>
@@ -5446,19 +5012,19 @@
           <a:lstStyle/>
           <a:p>
             <a:r>
-              <a:rPr lang="en-US" dirty="0" smtClean="0"/>
+              <a:rPr lang="en-US" sz="1600" dirty="0" smtClean="0"/>
               <a:t>Project Team</a:t>
             </a:r>
           </a:p>
           <a:p>
-            <a:endParaRPr lang="en-US" dirty="0"/>
-          </a:p>
-          <a:p>
-            <a:r>
-              <a:rPr lang="en-US" dirty="0" smtClean="0"/>
+            <a:endParaRPr lang="en-US" sz="1600" dirty="0"/>
+          </a:p>
+          <a:p>
+            <a:r>
+              <a:rPr lang="en-US" sz="1600" dirty="0" smtClean="0"/>
               <a:t>Public</a:t>
             </a:r>
-            <a:endParaRPr lang="en-US" dirty="0"/>
+            <a:endParaRPr lang="en-US" sz="1600" dirty="0"/>
           </a:p>
         </p:txBody>
       </p:sp>
@@ -5470,13 +5036,16 @@
         </p:nvCxnSpPr>
         <p:spPr>
           <a:xfrm flipV="1">
-            <a:off x="7239000" y="5024735"/>
+            <a:off x="7239000" y="5177135"/>
             <a:ext cx="762000" cy="76200"/>
           </a:xfrm>
           <a:prstGeom prst="straightConnector1">
             <a:avLst/>
           </a:prstGeom>
-          <a:ln>
+          <a:ln w="12700">
+            <a:solidFill>
+              <a:schemeClr val="accent2"/>
+            </a:solidFill>
             <a:tailEnd type="arrow"/>
           </a:ln>
         </p:spPr>
@@ -5503,13 +5072,16 @@
         </p:nvCxnSpPr>
         <p:spPr>
           <a:xfrm>
-            <a:off x="7239000" y="5253335"/>
+            <a:off x="7239000" y="5405735"/>
             <a:ext cx="762000" cy="381000"/>
           </a:xfrm>
           <a:prstGeom prst="straightConnector1">
             <a:avLst/>
           </a:prstGeom>
-          <a:ln>
+          <a:ln w="12700">
+            <a:solidFill>
+              <a:schemeClr val="accent2"/>
+            </a:solidFill>
             <a:tailEnd type="arrow"/>
           </a:ln>
         </p:spPr>
@@ -5536,8 +5108,8 @@
         </p:nvSpPr>
         <p:spPr>
           <a:xfrm>
-            <a:off x="4495800" y="6243935"/>
-            <a:ext cx="2743200" cy="461665"/>
+            <a:off x="4495800" y="6248400"/>
+            <a:ext cx="2971800" cy="461665"/>
           </a:xfrm>
           <a:prstGeom prst="rect">
             <a:avLst/>
@@ -5566,8 +5138,8 @@
         </p:nvSpPr>
         <p:spPr>
           <a:xfrm>
-            <a:off x="228600" y="2602468"/>
-            <a:ext cx="1143000" cy="646331"/>
+            <a:off x="228600" y="2895600"/>
+            <a:ext cx="1143000" cy="584775"/>
           </a:xfrm>
           <a:prstGeom prst="rect">
             <a:avLst/>
@@ -5581,10 +5153,10 @@
           <a:lstStyle/>
           <a:p>
             <a:r>
-              <a:rPr lang="en-US" dirty="0" smtClean="0"/>
+              <a:rPr lang="en-US" sz="1600" dirty="0" smtClean="0"/>
               <a:t>Project Team</a:t>
             </a:r>
-            <a:endParaRPr lang="en-US" dirty="0"/>
+            <a:endParaRPr lang="en-US" sz="1600" dirty="0"/>
           </a:p>
         </p:txBody>
       </p:sp>
@@ -5596,8 +5168,8 @@
         </p:nvSpPr>
         <p:spPr>
           <a:xfrm>
-            <a:off x="1828800" y="2069068"/>
-            <a:ext cx="2209800" cy="369332"/>
+            <a:off x="1828800" y="2362200"/>
+            <a:ext cx="2209800" cy="338554"/>
           </a:xfrm>
           <a:prstGeom prst="rect">
             <a:avLst/>
@@ -5611,10 +5183,10 @@
           <a:lstStyle/>
           <a:p>
             <a:r>
-              <a:rPr lang="en-US" dirty="0" smtClean="0"/>
+              <a:rPr lang="en-US" sz="1600" dirty="0" smtClean="0"/>
               <a:t>Array Data</a:t>
             </a:r>
-            <a:endParaRPr lang="en-US" dirty="0"/>
+            <a:endParaRPr lang="en-US" sz="1600" dirty="0"/>
           </a:p>
         </p:txBody>
       </p:sp>
@@ -5626,8 +5198,8 @@
         </p:nvSpPr>
         <p:spPr>
           <a:xfrm>
-            <a:off x="1879602" y="2616201"/>
-            <a:ext cx="1447800" cy="369332"/>
+            <a:off x="1879602" y="2909333"/>
+            <a:ext cx="1625598" cy="338554"/>
           </a:xfrm>
           <a:prstGeom prst="rect">
             <a:avLst/>
@@ -5641,10 +5213,10 @@
           <a:lstStyle/>
           <a:p>
             <a:r>
-              <a:rPr lang="en-US" dirty="0" smtClean="0"/>
+              <a:rPr lang="en-US" sz="1600" dirty="0" smtClean="0"/>
               <a:t>Clinical Data</a:t>
             </a:r>
-            <a:endParaRPr lang="en-US" dirty="0"/>
+            <a:endParaRPr lang="en-US" sz="1600" dirty="0"/>
           </a:p>
         </p:txBody>
       </p:sp>
@@ -5656,8 +5228,8 @@
         </p:nvSpPr>
         <p:spPr>
           <a:xfrm>
-            <a:off x="2133600" y="3135868"/>
-            <a:ext cx="1524000" cy="369332"/>
+            <a:off x="2133600" y="3429000"/>
+            <a:ext cx="1524000" cy="338554"/>
           </a:xfrm>
           <a:prstGeom prst="rect">
             <a:avLst/>
@@ -5671,10 +5243,10 @@
           <a:lstStyle/>
           <a:p>
             <a:r>
-              <a:rPr lang="en-US" dirty="0" smtClean="0"/>
+              <a:rPr lang="en-US" sz="1600" dirty="0" smtClean="0"/>
               <a:t>Images</a:t>
             </a:r>
-            <a:endParaRPr lang="en-US" dirty="0"/>
+            <a:endParaRPr lang="en-US" sz="1600" dirty="0"/>
           </a:p>
         </p:txBody>
       </p:sp>
@@ -5686,13 +5258,16 @@
         </p:nvCxnSpPr>
         <p:spPr>
           <a:xfrm flipV="1">
-            <a:off x="990600" y="2362200"/>
+            <a:off x="990600" y="2655332"/>
             <a:ext cx="762000" cy="240268"/>
           </a:xfrm>
           <a:prstGeom prst="straightConnector1">
             <a:avLst/>
           </a:prstGeom>
-          <a:ln>
+          <a:ln w="12700">
+            <a:solidFill>
+              <a:schemeClr val="accent2"/>
+            </a:solidFill>
             <a:tailEnd type="arrow"/>
           </a:ln>
         </p:spPr>
@@ -5719,13 +5294,16 @@
         </p:nvCxnSpPr>
         <p:spPr>
           <a:xfrm flipV="1">
-            <a:off x="1143000" y="2819400"/>
+            <a:off x="1143000" y="3112532"/>
             <a:ext cx="685800" cy="11668"/>
           </a:xfrm>
           <a:prstGeom prst="straightConnector1">
             <a:avLst/>
           </a:prstGeom>
-          <a:ln>
+          <a:ln w="12700">
+            <a:solidFill>
+              <a:schemeClr val="accent2"/>
+            </a:solidFill>
             <a:tailEnd type="arrow"/>
           </a:ln>
         </p:spPr>
@@ -5752,13 +5330,16 @@
         </p:nvCxnSpPr>
         <p:spPr>
           <a:xfrm>
-            <a:off x="990600" y="3048000"/>
+            <a:off x="990600" y="3341132"/>
             <a:ext cx="1066800" cy="240268"/>
           </a:xfrm>
           <a:prstGeom prst="straightConnector1">
             <a:avLst/>
           </a:prstGeom>
-          <a:ln>
+          <a:ln w="12700">
+            <a:solidFill>
+              <a:schemeClr val="accent2"/>
+            </a:solidFill>
             <a:tailEnd type="arrow"/>
           </a:ln>
         </p:spPr>
@@ -5785,8 +5366,8 @@
         </p:nvSpPr>
         <p:spPr>
           <a:xfrm>
-            <a:off x="3886200" y="2590800"/>
-            <a:ext cx="762000" cy="369332"/>
+            <a:off x="3680005" y="2848072"/>
+            <a:ext cx="990600" cy="523220"/>
           </a:xfrm>
           <a:prstGeom prst="rect">
             <a:avLst/>
@@ -5799,11 +5380,12 @@
           </a:bodyPr>
           <a:lstStyle/>
           <a:p>
-            <a:r>
-              <a:rPr lang="en-US" dirty="0" smtClean="0"/>
-              <a:t>TBD</a:t>
-            </a:r>
-            <a:endParaRPr lang="en-US" dirty="0"/>
+            <a:pPr algn="ctr"/>
+            <a:r>
+              <a:rPr lang="en-US" sz="1400" dirty="0" smtClean="0"/>
+              <a:t>TBD (CTODS)</a:t>
+            </a:r>
+            <a:endParaRPr lang="en-US" sz="1400" dirty="0"/>
           </a:p>
         </p:txBody>
       </p:sp>
@@ -5815,13 +5397,16 @@
         </p:nvCxnSpPr>
         <p:spPr>
           <a:xfrm>
-            <a:off x="3005665" y="2294467"/>
+            <a:off x="3005665" y="2587599"/>
             <a:ext cx="304800" cy="1588"/>
           </a:xfrm>
           <a:prstGeom prst="straightConnector1">
             <a:avLst/>
           </a:prstGeom>
-          <a:ln>
+          <a:ln w="12700">
+            <a:solidFill>
+              <a:schemeClr val="accent2"/>
+            </a:solidFill>
             <a:tailEnd type="arrow"/>
           </a:ln>
         </p:spPr>
@@ -5843,20 +5428,21 @@
       <p:cxnSp>
         <p:nvCxnSpPr>
           <p:cNvPr id="52" name="Straight Arrow Connector 51"/>
-          <p:cNvCxnSpPr>
-            <a:endCxn id="47" idx="1"/>
-          </p:cNvCxnSpPr>
+          <p:cNvCxnSpPr/>
           <p:nvPr/>
         </p:nvCxnSpPr>
         <p:spPr>
           <a:xfrm flipV="1">
-            <a:off x="3242735" y="2775466"/>
-            <a:ext cx="643465" cy="43934"/>
+            <a:off x="3146605" y="3048000"/>
+            <a:ext cx="739595" cy="40340"/>
           </a:xfrm>
           <a:prstGeom prst="straightConnector1">
             <a:avLst/>
           </a:prstGeom>
-          <a:ln>
+          <a:ln w="12700">
+            <a:solidFill>
+              <a:schemeClr val="accent2"/>
+            </a:solidFill>
             <a:tailEnd type="arrow"/>
           </a:ln>
         </p:spPr>
@@ -5883,13 +5469,16 @@
         </p:nvCxnSpPr>
         <p:spPr>
           <a:xfrm flipV="1">
-            <a:off x="2971800" y="3234265"/>
-            <a:ext cx="685800" cy="59266"/>
+            <a:off x="3048000" y="3527397"/>
+            <a:ext cx="609600" cy="54003"/>
           </a:xfrm>
           <a:prstGeom prst="straightConnector1">
             <a:avLst/>
           </a:prstGeom>
-          <a:ln>
+          <a:ln w="12700">
+            <a:solidFill>
+              <a:schemeClr val="accent2"/>
+            </a:solidFill>
             <a:tailEnd type="arrow"/>
           </a:ln>
         </p:spPr>
@@ -5916,8 +5505,8 @@
         </p:nvSpPr>
         <p:spPr>
           <a:xfrm>
-            <a:off x="3200400" y="905470"/>
-            <a:ext cx="1981200" cy="923330"/>
+            <a:off x="1600200" y="1371600"/>
+            <a:ext cx="3352800" cy="338554"/>
           </a:xfrm>
           <a:prstGeom prst="rect">
             <a:avLst/>
@@ -5931,10 +5520,10 @@
           <a:lstStyle/>
           <a:p>
             <a:r>
-              <a:rPr lang="en-US" dirty="0" smtClean="0"/>
+              <a:rPr lang="en-US" sz="1600" dirty="0" smtClean="0"/>
               <a:t>Software Development Team</a:t>
             </a:r>
-            <a:endParaRPr lang="en-US" dirty="0"/>
+            <a:endParaRPr lang="en-US" sz="1600" dirty="0"/>
           </a:p>
         </p:txBody>
       </p:sp>
@@ -5947,14 +5536,14 @@
           <p:nvPr/>
         </p:nvPicPr>
         <p:blipFill>
-          <a:blip r:embed="rId6" cstate="print"/>
+          <a:blip r:embed="rId7" cstate="print"/>
           <a:stretch>
             <a:fillRect/>
           </a:stretch>
         </p:blipFill>
         <p:spPr>
           <a:xfrm>
-            <a:off x="6129198" y="1371600"/>
+            <a:off x="6129198" y="1664732"/>
             <a:ext cx="830400" cy="630872"/>
           </a:xfrm>
           <a:prstGeom prst="rect">
@@ -5970,8 +5559,8 @@
         </p:nvSpPr>
         <p:spPr>
           <a:xfrm>
-            <a:off x="5808134" y="1963339"/>
-            <a:ext cx="1524000" cy="369332"/>
+            <a:off x="5808134" y="2256471"/>
+            <a:ext cx="1583266" cy="338554"/>
           </a:xfrm>
           <a:prstGeom prst="rect">
             <a:avLst/>
@@ -5985,10 +5574,10 @@
           <a:lstStyle/>
           <a:p>
             <a:r>
-              <a:rPr lang="en-US" dirty="0" smtClean="0"/>
+              <a:rPr lang="en-US" sz="1600" dirty="0" smtClean="0"/>
               <a:t>caIntegrator2</a:t>
             </a:r>
-            <a:endParaRPr lang="en-US" dirty="0"/>
+            <a:endParaRPr lang="en-US" sz="1600" dirty="0"/>
           </a:p>
         </p:txBody>
       </p:sp>
@@ -6000,13 +5589,16 @@
         </p:nvCxnSpPr>
         <p:spPr>
           <a:xfrm>
-            <a:off x="4114800" y="1524000"/>
-            <a:ext cx="1752600" cy="533400"/>
+            <a:off x="4419600" y="1600200"/>
+            <a:ext cx="1524000" cy="685800"/>
           </a:xfrm>
           <a:prstGeom prst="straightConnector1">
             <a:avLst/>
           </a:prstGeom>
-          <a:ln>
+          <a:ln w="12700">
+            <a:solidFill>
+              <a:schemeClr val="accent2"/>
+            </a:solidFill>
             <a:tailEnd type="arrow"/>
           </a:ln>
         </p:spPr>
@@ -6033,8 +5625,8 @@
         </p:nvSpPr>
         <p:spPr>
           <a:xfrm>
-            <a:off x="7797798" y="1143000"/>
-            <a:ext cx="1143000" cy="1200329"/>
+            <a:off x="7797798" y="1436132"/>
+            <a:ext cx="1143000" cy="1077218"/>
           </a:xfrm>
           <a:prstGeom prst="rect">
             <a:avLst/>
@@ -6048,16 +5640,16 @@
           <a:lstStyle/>
           <a:p>
             <a:r>
-              <a:rPr lang="en-US" dirty="0" smtClean="0"/>
+              <a:rPr lang="en-US" sz="1600" dirty="0" smtClean="0"/>
               <a:t>Project Team</a:t>
             </a:r>
           </a:p>
           <a:p>
-            <a:endParaRPr lang="en-US" dirty="0"/>
-          </a:p>
-          <a:p>
-            <a:r>
-              <a:rPr lang="en-US" dirty="0" smtClean="0"/>
+            <a:endParaRPr lang="en-US" sz="1600" dirty="0"/>
+          </a:p>
+          <a:p>
+            <a:r>
+              <a:rPr lang="en-US" sz="1600" dirty="0" smtClean="0"/>
               <a:t>Public</a:t>
             </a:r>
           </a:p>
@@ -6071,13 +5663,16 @@
         </p:nvCxnSpPr>
         <p:spPr>
           <a:xfrm flipV="1">
-            <a:off x="7035798" y="1447800"/>
+            <a:off x="7035798" y="1740932"/>
             <a:ext cx="762000" cy="76200"/>
           </a:xfrm>
           <a:prstGeom prst="straightConnector1">
             <a:avLst/>
           </a:prstGeom>
-          <a:ln>
+          <a:ln w="12700">
+            <a:solidFill>
+              <a:schemeClr val="accent2"/>
+            </a:solidFill>
             <a:tailEnd type="arrow"/>
           </a:ln>
         </p:spPr>
@@ -6104,13 +5699,16 @@
         </p:nvCxnSpPr>
         <p:spPr>
           <a:xfrm>
-            <a:off x="7035798" y="1676400"/>
+            <a:off x="7035798" y="1969532"/>
             <a:ext cx="762000" cy="381000"/>
           </a:xfrm>
           <a:prstGeom prst="straightConnector1">
             <a:avLst/>
           </a:prstGeom>
-          <a:ln>
+          <a:ln w="12700">
+            <a:solidFill>
+              <a:schemeClr val="accent2"/>
+            </a:solidFill>
             <a:tailEnd type="arrow"/>
           </a:ln>
         </p:spPr>
@@ -6137,8 +5735,8 @@
         </p:nvSpPr>
         <p:spPr>
           <a:xfrm>
-            <a:off x="1676400" y="3516868"/>
-            <a:ext cx="2133600" cy="369332"/>
+            <a:off x="1676400" y="3810000"/>
+            <a:ext cx="2133600" cy="338554"/>
           </a:xfrm>
           <a:prstGeom prst="rect">
             <a:avLst/>
@@ -6152,10 +5750,10 @@
           <a:lstStyle/>
           <a:p>
             <a:r>
-              <a:rPr lang="en-US" dirty="0" smtClean="0"/>
+              <a:rPr lang="en-US" sz="1600" dirty="0" smtClean="0"/>
               <a:t>Image Annotations</a:t>
             </a:r>
-            <a:endParaRPr lang="en-US" dirty="0"/>
+            <a:endParaRPr lang="en-US" sz="1600" dirty="0"/>
           </a:p>
         </p:txBody>
       </p:sp>
@@ -6167,13 +5765,16 @@
         </p:nvCxnSpPr>
         <p:spPr>
           <a:xfrm>
-            <a:off x="914400" y="3200400"/>
+            <a:off x="914400" y="3493532"/>
             <a:ext cx="762000" cy="381000"/>
           </a:xfrm>
           <a:prstGeom prst="straightConnector1">
             <a:avLst/>
           </a:prstGeom>
-          <a:ln>
+          <a:ln w="12700">
+            <a:solidFill>
+              <a:schemeClr val="accent2"/>
+            </a:solidFill>
             <a:tailEnd type="arrow"/>
           </a:ln>
         </p:spPr>
@@ -6200,13 +5801,16 @@
         </p:nvCxnSpPr>
         <p:spPr>
           <a:xfrm flipV="1">
-            <a:off x="3640666" y="3649133"/>
-            <a:ext cx="838200" cy="76200"/>
+            <a:off x="3581400" y="3913095"/>
+            <a:ext cx="888501" cy="49305"/>
           </a:xfrm>
           <a:prstGeom prst="straightConnector1">
             <a:avLst/>
           </a:prstGeom>
-          <a:ln>
+          <a:ln w="12700">
+            <a:solidFill>
+              <a:schemeClr val="accent2"/>
+            </a:solidFill>
             <a:tailEnd type="arrow"/>
           </a:ln>
         </p:spPr>
@@ -6233,8 +5837,8 @@
         </p:nvSpPr>
         <p:spPr>
           <a:xfrm>
-            <a:off x="4461935" y="3466069"/>
-            <a:ext cx="762000" cy="369332"/>
+            <a:off x="4114800" y="3759201"/>
+            <a:ext cx="1253066" cy="523220"/>
           </a:xfrm>
           <a:prstGeom prst="rect">
             <a:avLst/>
@@ -6247,11 +5851,12 @@
           </a:bodyPr>
           <a:lstStyle/>
           <a:p>
-            <a:r>
-              <a:rPr lang="en-US" dirty="0" smtClean="0"/>
-              <a:t>TBD</a:t>
-            </a:r>
-            <a:endParaRPr lang="en-US" dirty="0"/>
+            <a:pPr algn="ctr"/>
+            <a:r>
+              <a:rPr lang="en-US" sz="1400" dirty="0" smtClean="0"/>
+              <a:t>TBD (AIM/NCIA)</a:t>
+            </a:r>
+            <a:endParaRPr lang="en-US" sz="1400" dirty="0"/>
           </a:p>
         </p:txBody>
       </p:sp>
@@ -6264,14 +5869,14 @@
           <p:nvPr/>
         </p:nvPicPr>
         <p:blipFill>
-          <a:blip r:embed="rId7" cstate="print"/>
+          <a:blip r:embed="rId8" cstate="print"/>
           <a:stretch>
             <a:fillRect/>
           </a:stretch>
         </p:blipFill>
         <p:spPr>
           <a:xfrm>
-            <a:off x="6814998" y="2286000"/>
+            <a:off x="6814998" y="2579132"/>
             <a:ext cx="629800" cy="478472"/>
           </a:xfrm>
           <a:prstGeom prst="rect">
@@ -6287,7 +5892,7 @@
         </p:nvSpPr>
         <p:spPr>
           <a:xfrm>
-            <a:off x="6536266" y="1608667"/>
+            <a:off x="6536266" y="1901799"/>
             <a:ext cx="736602" cy="400110"/>
           </a:xfrm>
           <a:prstGeom prst="rect">
@@ -6317,7 +5922,7 @@
         </p:nvSpPr>
         <p:spPr>
           <a:xfrm>
-            <a:off x="6993466" y="2531534"/>
+            <a:off x="6993466" y="2824666"/>
             <a:ext cx="838200" cy="400110"/>
           </a:xfrm>
           <a:prstGeom prst="rect">
@@ -6347,13 +5952,16 @@
         </p:nvCxnSpPr>
         <p:spPr>
           <a:xfrm rot="10800000">
-            <a:off x="7492998" y="2590800"/>
+            <a:off x="7492998" y="2883932"/>
             <a:ext cx="304800" cy="76200"/>
           </a:xfrm>
           <a:prstGeom prst="straightConnector1">
             <a:avLst/>
           </a:prstGeom>
-          <a:ln>
+          <a:ln w="12700">
+            <a:solidFill>
+              <a:schemeClr val="accent2"/>
+            </a:solidFill>
             <a:tailEnd type="arrow"/>
           </a:ln>
         </p:spPr>
@@ -6380,13 +5988,16 @@
         </p:nvCxnSpPr>
         <p:spPr>
           <a:xfrm flipV="1">
-            <a:off x="3987801" y="2285986"/>
+            <a:off x="3987801" y="2579118"/>
             <a:ext cx="2438400" cy="42346"/>
           </a:xfrm>
           <a:prstGeom prst="straightConnector1">
             <a:avLst/>
           </a:prstGeom>
-          <a:ln>
+          <a:ln w="12700">
+            <a:solidFill>
+              <a:schemeClr val="accent2"/>
+            </a:solidFill>
             <a:tailEnd type="arrow"/>
           </a:ln>
         </p:spPr>
@@ -6413,13 +6024,16 @@
         </p:nvCxnSpPr>
         <p:spPr>
           <a:xfrm flipV="1">
-            <a:off x="4419600" y="2362200"/>
+            <a:off x="4419600" y="2655332"/>
             <a:ext cx="2057400" cy="381000"/>
           </a:xfrm>
           <a:prstGeom prst="straightConnector1">
             <a:avLst/>
           </a:prstGeom>
-          <a:ln>
+          <a:ln w="12700">
+            <a:solidFill>
+              <a:schemeClr val="accent2"/>
+            </a:solidFill>
             <a:tailEnd type="arrow"/>
           </a:ln>
         </p:spPr>
@@ -6446,13 +6060,16 @@
         </p:nvCxnSpPr>
         <p:spPr>
           <a:xfrm flipV="1">
-            <a:off x="4893734" y="2396065"/>
+            <a:off x="4893734" y="2689197"/>
             <a:ext cx="1701801" cy="719668"/>
           </a:xfrm>
           <a:prstGeom prst="straightConnector1">
             <a:avLst/>
           </a:prstGeom>
-          <a:ln>
+          <a:ln w="12700">
+            <a:solidFill>
+              <a:schemeClr val="accent2"/>
+            </a:solidFill>
             <a:tailEnd type="arrow"/>
           </a:ln>
         </p:spPr>
@@ -6479,13 +6096,16 @@
         </p:nvCxnSpPr>
         <p:spPr>
           <a:xfrm flipV="1">
-            <a:off x="5029200" y="2438402"/>
+            <a:off x="5029200" y="2731534"/>
             <a:ext cx="1676400" cy="1066798"/>
           </a:xfrm>
           <a:prstGeom prst="straightConnector1">
             <a:avLst/>
           </a:prstGeom>
-          <a:ln>
+          <a:ln w="12700">
+            <a:solidFill>
+              <a:schemeClr val="accent2"/>
+            </a:solidFill>
             <a:tailEnd type="arrow"/>
           </a:ln>
         </p:spPr>
@@ -6512,8 +6132,8 @@
         </p:nvSpPr>
         <p:spPr>
           <a:xfrm>
-            <a:off x="7797798" y="2477869"/>
-            <a:ext cx="1066800" cy="646331"/>
+            <a:off x="7797798" y="2771001"/>
+            <a:ext cx="1117602" cy="584775"/>
           </a:xfrm>
           <a:prstGeom prst="rect">
             <a:avLst/>
@@ -6527,10 +6147,10 @@
           <a:lstStyle/>
           <a:p>
             <a:r>
-              <a:rPr lang="en-US" dirty="0" smtClean="0"/>
+              <a:rPr lang="en-US" sz="1600" dirty="0" smtClean="0"/>
               <a:t>Study Manager</a:t>
             </a:r>
-            <a:endParaRPr lang="en-US" dirty="0"/>
+            <a:endParaRPr lang="en-US" sz="1600" dirty="0"/>
           </a:p>
         </p:txBody>
       </p:sp>
@@ -6543,7 +6163,7 @@
           <p:nvPr/>
         </p:nvPicPr>
         <p:blipFill>
-          <a:blip r:embed="rId8"/>
+          <a:blip r:embed="rId9"/>
           <a:srcRect/>
           <a:stretch>
             <a:fillRect/>
@@ -6551,7 +6171,7 @@
         </p:blipFill>
         <p:spPr bwMode="auto">
           <a:xfrm>
-            <a:off x="6172200" y="3352800"/>
+            <a:off x="6172200" y="3645932"/>
             <a:ext cx="504825" cy="566526"/>
           </a:xfrm>
           <a:prstGeom prst="rect">
@@ -6575,13 +6195,16 @@
         </p:nvCxnSpPr>
         <p:spPr>
           <a:xfrm rot="10800000">
-            <a:off x="5791200" y="3031066"/>
+            <a:off x="5791200" y="3324198"/>
             <a:ext cx="347132" cy="304800"/>
           </a:xfrm>
           <a:prstGeom prst="straightConnector1">
             <a:avLst/>
           </a:prstGeom>
-          <a:ln>
+          <a:ln w="12700">
+            <a:solidFill>
+              <a:schemeClr val="accent2"/>
+            </a:solidFill>
             <a:tailEnd type="oval"/>
           </a:ln>
         </p:spPr>
@@ -6608,14 +6231,196 @@
         </p:nvCxnSpPr>
         <p:spPr>
           <a:xfrm rot="16200000" flipV="1">
-            <a:off x="5583766" y="2569635"/>
+            <a:off x="5583766" y="2862767"/>
             <a:ext cx="762001" cy="651932"/>
           </a:xfrm>
           <a:prstGeom prst="straightConnector1">
             <a:avLst/>
           </a:prstGeom>
-          <a:ln>
+          <a:ln w="12700">
+            <a:solidFill>
+              <a:schemeClr val="accent2"/>
+            </a:solidFill>
             <a:tailEnd type="oval"/>
+          </a:ln>
+        </p:spPr>
+        <p:style>
+          <a:lnRef idx="1">
+            <a:schemeClr val="accent1"/>
+          </a:lnRef>
+          <a:fillRef idx="0">
+            <a:schemeClr val="accent1"/>
+          </a:fillRef>
+          <a:effectRef idx="0">
+            <a:schemeClr val="accent1"/>
+          </a:effectRef>
+          <a:fontRef idx="minor">
+            <a:schemeClr val="tx1"/>
+          </a:fontRef>
+        </p:style>
+      </p:cxnSp>
+      <p:sp>
+        <p:nvSpPr>
+          <p:cNvPr id="91" name="TextBox 90"/>
+          <p:cNvSpPr txBox="1"/>
+          <p:nvPr/>
+        </p:nvSpPr>
+        <p:spPr>
+          <a:xfrm>
+            <a:off x="1752600" y="4202668"/>
+            <a:ext cx="2209800" cy="338554"/>
+          </a:xfrm>
+          <a:prstGeom prst="rect">
+            <a:avLst/>
+          </a:prstGeom>
+          <a:noFill/>
+        </p:spPr>
+        <p:txBody>
+          <a:bodyPr wrap="square" rtlCol="0">
+            <a:spAutoFit/>
+          </a:bodyPr>
+          <a:lstStyle/>
+          <a:p>
+            <a:r>
+              <a:rPr lang="en-US" sz="1600" dirty="0" smtClean="0"/>
+              <a:t>Tissue</a:t>
+            </a:r>
+            <a:r>
+              <a:rPr lang="en-US" sz="1600" dirty="0" smtClean="0"/>
+              <a:t> </a:t>
+            </a:r>
+            <a:r>
+              <a:rPr lang="en-US" sz="1600" dirty="0" smtClean="0"/>
+              <a:t>Data</a:t>
+            </a:r>
+            <a:endParaRPr lang="en-US" sz="1600" dirty="0"/>
+          </a:p>
+        </p:txBody>
+      </p:sp>
+      <p:cxnSp>
+        <p:nvCxnSpPr>
+          <p:cNvPr id="92" name="Straight Arrow Connector 91"/>
+          <p:cNvCxnSpPr/>
+          <p:nvPr/>
+        </p:nvCxnSpPr>
+        <p:spPr>
+          <a:xfrm>
+            <a:off x="685800" y="3505200"/>
+            <a:ext cx="1080245" cy="829235"/>
+          </a:xfrm>
+          <a:prstGeom prst="straightConnector1">
+            <a:avLst/>
+          </a:prstGeom>
+          <a:ln w="12700">
+            <a:solidFill>
+              <a:schemeClr val="accent2"/>
+            </a:solidFill>
+            <a:tailEnd type="arrow"/>
+          </a:ln>
+        </p:spPr>
+        <p:style>
+          <a:lnRef idx="1">
+            <a:schemeClr val="accent1"/>
+          </a:lnRef>
+          <a:fillRef idx="0">
+            <a:schemeClr val="accent1"/>
+          </a:fillRef>
+          <a:effectRef idx="0">
+            <a:schemeClr val="accent1"/>
+          </a:effectRef>
+          <a:fontRef idx="minor">
+            <a:schemeClr val="tx1"/>
+          </a:fontRef>
+        </p:style>
+      </p:cxnSp>
+      <p:pic>
+        <p:nvPicPr>
+          <p:cNvPr id="2050" name="Picture 2"/>
+          <p:cNvPicPr>
+            <a:picLocks noChangeAspect="1" noChangeArrowheads="1"/>
+          </p:cNvPicPr>
+          <p:nvPr/>
+        </p:nvPicPr>
+        <p:blipFill>
+          <a:blip r:embed="rId10"/>
+          <a:srcRect/>
+          <a:stretch>
+            <a:fillRect/>
+          </a:stretch>
+        </p:blipFill>
+        <p:spPr bwMode="auto">
+          <a:xfrm>
+            <a:off x="4343400" y="4267200"/>
+            <a:ext cx="990600" cy="218194"/>
+          </a:xfrm>
+          <a:prstGeom prst="rect">
+            <a:avLst/>
+          </a:prstGeom>
+          <a:noFill/>
+          <a:ln w="9525">
+            <a:noFill/>
+            <a:miter lim="800000"/>
+            <a:headEnd/>
+            <a:tailEnd/>
+          </a:ln>
+          <a:effectLst/>
+        </p:spPr>
+      </p:pic>
+      <p:cxnSp>
+        <p:nvCxnSpPr>
+          <p:cNvPr id="97" name="Straight Arrow Connector 96"/>
+          <p:cNvCxnSpPr/>
+          <p:nvPr/>
+        </p:nvCxnSpPr>
+        <p:spPr>
+          <a:xfrm>
+            <a:off x="3048000" y="4343400"/>
+            <a:ext cx="1219200" cy="1588"/>
+          </a:xfrm>
+          <a:prstGeom prst="straightConnector1">
+            <a:avLst/>
+          </a:prstGeom>
+          <a:ln w="12700">
+            <a:solidFill>
+              <a:schemeClr val="accent2"/>
+            </a:solidFill>
+            <a:tailEnd type="arrow"/>
+          </a:ln>
+        </p:spPr>
+        <p:style>
+          <a:lnRef idx="1">
+            <a:schemeClr val="accent1"/>
+          </a:lnRef>
+          <a:fillRef idx="0">
+            <a:schemeClr val="accent1"/>
+          </a:fillRef>
+          <a:effectRef idx="0">
+            <a:schemeClr val="accent1"/>
+          </a:effectRef>
+          <a:fontRef idx="minor">
+            <a:schemeClr val="tx1"/>
+          </a:fontRef>
+        </p:style>
+      </p:cxnSp>
+      <p:cxnSp>
+        <p:nvCxnSpPr>
+          <p:cNvPr id="101" name="Straight Arrow Connector 100"/>
+          <p:cNvCxnSpPr/>
+          <p:nvPr/>
+        </p:nvCxnSpPr>
+        <p:spPr>
+          <a:xfrm rot="5400000" flipH="1" flipV="1">
+            <a:off x="5295900" y="2857500"/>
+            <a:ext cx="1600200" cy="1371600"/>
+          </a:xfrm>
+          <a:prstGeom prst="straightConnector1">
+            <a:avLst/>
+          </a:prstGeom>
+          <a:ln w="12700">
+            <a:solidFill>
+              <a:schemeClr val="accent2"/>
+            </a:solidFill>
+            <a:tailEnd type="arrow"/>
           </a:ln>
         </p:spPr>
         <p:style>
@@ -7486,39 +7291,21 @@
                                   </p:childTnLst>
                                 </p:cTn>
                               </p:par>
-                            </p:childTnLst>
-                          </p:cTn>
-                        </p:par>
-                      </p:childTnLst>
-                    </p:cTn>
-                  </p:par>
-                  <p:par>
-                    <p:cTn id="69" fill="hold">
-                      <p:stCondLst>
-                        <p:cond delay="indefinite"/>
-                      </p:stCondLst>
-                      <p:childTnLst>
-                        <p:par>
-                          <p:cTn id="70" fill="hold">
-                            <p:stCondLst>
-                              <p:cond delay="0"/>
-                            </p:stCondLst>
-                            <p:childTnLst>
                               <p:par>
-                                <p:cTn id="71" presetID="1" presetClass="entr" presetSubtype="0" fill="hold" nodeType="clickEffect">
+                                <p:cTn id="69" presetID="1" presetClass="entr" presetSubtype="0" fill="hold" nodeType="withEffect">
                                   <p:stCondLst>
                                     <p:cond delay="0"/>
                                   </p:stCondLst>
                                   <p:childTnLst>
                                     <p:set>
                                       <p:cBhvr>
-                                        <p:cTn id="72" dur="1" fill="hold">
+                                        <p:cTn id="70" dur="1" fill="hold">
                                           <p:stCondLst>
                                             <p:cond delay="0"/>
                                           </p:stCondLst>
                                         </p:cTn>
                                         <p:tgtEl>
-                                          <p:spTgt spid="49"/>
+                                          <p:spTgt spid="92"/>
                                         </p:tgtEl>
                                         <p:attrNameLst>
                                           <p:attrName>style.visibility</p:attrName>
@@ -7532,20 +7319,20 @@
                                 </p:cTn>
                               </p:par>
                               <p:par>
-                                <p:cTn id="73" presetID="1" presetClass="entr" presetSubtype="0" fill="hold" nodeType="withEffect">
+                                <p:cTn id="71" presetID="1" presetClass="entr" presetSubtype="0" fill="hold" grpId="0" nodeType="withEffect">
                                   <p:stCondLst>
                                     <p:cond delay="0"/>
                                   </p:stCondLst>
                                   <p:childTnLst>
                                     <p:set>
                                       <p:cBhvr>
-                                        <p:cTn id="74" dur="1" fill="hold">
+                                        <p:cTn id="72" dur="1" fill="hold">
                                           <p:stCondLst>
                                             <p:cond delay="0"/>
                                           </p:stCondLst>
                                         </p:cTn>
                                         <p:tgtEl>
-                                          <p:spTgt spid="52"/>
+                                          <p:spTgt spid="91"/>
                                         </p:tgtEl>
                                         <p:attrNameLst>
                                           <p:attrName>style.visibility</p:attrName>
@@ -7558,8 +7345,26 @@
                                   </p:childTnLst>
                                 </p:cTn>
                               </p:par>
+                            </p:childTnLst>
+                          </p:cTn>
+                        </p:par>
+                      </p:childTnLst>
+                    </p:cTn>
+                  </p:par>
+                  <p:par>
+                    <p:cTn id="73" fill="hold">
+                      <p:stCondLst>
+                        <p:cond delay="indefinite"/>
+                      </p:stCondLst>
+                      <p:childTnLst>
+                        <p:par>
+                          <p:cTn id="74" fill="hold">
+                            <p:stCondLst>
+                              <p:cond delay="0"/>
+                            </p:stCondLst>
+                            <p:childTnLst>
                               <p:par>
-                                <p:cTn id="75" presetID="1" presetClass="entr" presetSubtype="0" fill="hold" nodeType="withEffect">
+                                <p:cTn id="75" presetID="1" presetClass="entr" presetSubtype="0" fill="hold" nodeType="clickEffect">
                                   <p:stCondLst>
                                     <p:cond delay="0"/>
                                   </p:stCondLst>
@@ -7572,7 +7377,7 @@
                                           </p:stCondLst>
                                         </p:cTn>
                                         <p:tgtEl>
-                                          <p:spTgt spid="54"/>
+                                          <p:spTgt spid="49"/>
                                         </p:tgtEl>
                                         <p:attrNameLst>
                                           <p:attrName>style.visibility</p:attrName>
@@ -7599,6 +7404,60 @@
                                           </p:stCondLst>
                                         </p:cTn>
                                         <p:tgtEl>
+                                          <p:spTgt spid="52"/>
+                                        </p:tgtEl>
+                                        <p:attrNameLst>
+                                          <p:attrName>style.visibility</p:attrName>
+                                        </p:attrNameLst>
+                                      </p:cBhvr>
+                                      <p:to>
+                                        <p:strVal val="visible"/>
+                                      </p:to>
+                                    </p:set>
+                                  </p:childTnLst>
+                                </p:cTn>
+                              </p:par>
+                              <p:par>
+                                <p:cTn id="79" presetID="1" presetClass="entr" presetSubtype="0" fill="hold" nodeType="withEffect">
+                                  <p:stCondLst>
+                                    <p:cond delay="0"/>
+                                  </p:stCondLst>
+                                  <p:childTnLst>
+                                    <p:set>
+                                      <p:cBhvr>
+                                        <p:cTn id="80" dur="1" fill="hold">
+                                          <p:stCondLst>
+                                            <p:cond delay="0"/>
+                                          </p:stCondLst>
+                                        </p:cTn>
+                                        <p:tgtEl>
+                                          <p:spTgt spid="54"/>
+                                        </p:tgtEl>
+                                        <p:attrNameLst>
+                                          <p:attrName>style.visibility</p:attrName>
+                                        </p:attrNameLst>
+                                      </p:cBhvr>
+                                      <p:to>
+                                        <p:strVal val="visible"/>
+                                      </p:to>
+                                    </p:set>
+                                  </p:childTnLst>
+                                </p:cTn>
+                              </p:par>
+                              <p:par>
+                                <p:cTn id="81" presetID="1" presetClass="entr" presetSubtype="0" fill="hold" nodeType="withEffect">
+                                  <p:stCondLst>
+                                    <p:cond delay="0"/>
+                                  </p:stCondLst>
+                                  <p:childTnLst>
+                                    <p:set>
+                                      <p:cBhvr>
+                                        <p:cTn id="82" dur="1" fill="hold">
+                                          <p:stCondLst>
+                                            <p:cond delay="0"/>
+                                          </p:stCondLst>
+                                        </p:cTn>
+                                        <p:tgtEl>
                                           <p:spTgt spid="85"/>
                                         </p:tgtEl>
                                         <p:attrNameLst>
@@ -7613,14 +7472,14 @@
                                 </p:cTn>
                               </p:par>
                               <p:par>
-                                <p:cTn id="79" presetID="1" presetClass="entr" presetSubtype="0" fill="hold" grpId="0" nodeType="withEffect">
+                                <p:cTn id="83" presetID="1" presetClass="entr" presetSubtype="0" fill="hold" grpId="0" nodeType="withEffect">
                                   <p:stCondLst>
                                     <p:cond delay="0"/>
                                   </p:stCondLst>
                                   <p:childTnLst>
                                     <p:set>
                                       <p:cBhvr>
-                                        <p:cTn id="80" dur="1" fill="hold">
+                                        <p:cTn id="84" dur="1" fill="hold">
                                           <p:stCondLst>
                                             <p:cond delay="0"/>
                                           </p:stCondLst>
@@ -7640,61 +7499,7 @@
                                 </p:cTn>
                               </p:par>
                               <p:par>
-                                <p:cTn id="81" presetID="1" presetClass="entr" presetSubtype="0" fill="hold" grpId="0" nodeType="withEffect">
-                                  <p:stCondLst>
-                                    <p:cond delay="0"/>
-                                  </p:stCondLst>
-                                  <p:childTnLst>
-                                    <p:set>
-                                      <p:cBhvr>
-                                        <p:cTn id="82" dur="1" fill="hold">
-                                          <p:stCondLst>
-                                            <p:cond delay="0"/>
-                                          </p:stCondLst>
-                                        </p:cTn>
-                                        <p:tgtEl>
-                                          <p:spTgt spid="47"/>
-                                        </p:tgtEl>
-                                        <p:attrNameLst>
-                                          <p:attrName>style.visibility</p:attrName>
-                                        </p:attrNameLst>
-                                      </p:cBhvr>
-                                      <p:to>
-                                        <p:strVal val="visible"/>
-                                      </p:to>
-                                    </p:set>
-                                  </p:childTnLst>
-                                </p:cTn>
-                              </p:par>
-                              <p:par>
-                                <p:cTn id="83" presetID="1" presetClass="entr" presetSubtype="0" fill="hold" nodeType="withEffect">
-                                  <p:stCondLst>
-                                    <p:cond delay="0"/>
-                                  </p:stCondLst>
-                                  <p:childTnLst>
-                                    <p:set>
-                                      <p:cBhvr>
-                                        <p:cTn id="84" dur="1" fill="hold">
-                                          <p:stCondLst>
-                                            <p:cond delay="0"/>
-                                          </p:stCondLst>
-                                        </p:cTn>
-                                        <p:tgtEl>
-                                          <p:spTgt spid="1026"/>
-                                        </p:tgtEl>
-                                        <p:attrNameLst>
-                                          <p:attrName>style.visibility</p:attrName>
-                                        </p:attrNameLst>
-                                      </p:cBhvr>
-                                      <p:to>
-                                        <p:strVal val="visible"/>
-                                      </p:to>
-                                    </p:set>
-                                  </p:childTnLst>
-                                </p:cTn>
-                              </p:par>
-                              <p:par>
-                                <p:cTn id="85" presetID="1" presetClass="entr" presetSubtype="0" fill="hold" nodeType="withEffect">
+                                <p:cTn id="85" presetID="1" presetClass="entr" presetSubtype="0" fill="hold" grpId="0" nodeType="withEffect">
                                   <p:stCondLst>
                                     <p:cond delay="0"/>
                                   </p:stCondLst>
@@ -7707,7 +7512,7 @@
                                           </p:stCondLst>
                                         </p:cTn>
                                         <p:tgtEl>
-                                          <p:spTgt spid="63"/>
+                                          <p:spTgt spid="47"/>
                                         </p:tgtEl>
                                         <p:attrNameLst>
                                           <p:attrName>style.visibility</p:attrName>
@@ -7734,7 +7539,7 @@
                                           </p:stCondLst>
                                         </p:cTn>
                                         <p:tgtEl>
-                                          <p:spTgt spid="1028"/>
+                                          <p:spTgt spid="1026"/>
                                         </p:tgtEl>
                                         <p:attrNameLst>
                                           <p:attrName>style.visibility</p:attrName>
@@ -7761,7 +7566,7 @@
                                           </p:stCondLst>
                                         </p:cTn>
                                         <p:tgtEl>
-                                          <p:spTgt spid="75"/>
+                                          <p:spTgt spid="63"/>
                                         </p:tgtEl>
                                         <p:attrNameLst>
                                           <p:attrName>style.visibility</p:attrName>
@@ -7774,26 +7579,35 @@
                                   </p:childTnLst>
                                 </p:cTn>
                               </p:par>
-                            </p:childTnLst>
-                          </p:cTn>
-                        </p:par>
-                      </p:childTnLst>
-                    </p:cTn>
-                  </p:par>
-                  <p:par>
-                    <p:cTn id="91" fill="hold">
-                      <p:stCondLst>
-                        <p:cond delay="indefinite"/>
-                      </p:stCondLst>
-                      <p:childTnLst>
-                        <p:par>
-                          <p:cTn id="92" fill="hold">
-                            <p:stCondLst>
-                              <p:cond delay="0"/>
-                            </p:stCondLst>
-                            <p:childTnLst>
                               <p:par>
-                                <p:cTn id="93" presetID="1" presetClass="entr" presetSubtype="0" fill="hold" grpId="0" nodeType="clickEffect">
+                                <p:cTn id="91" presetID="1" presetClass="entr" presetSubtype="0" fill="hold" nodeType="withEffect">
+                                  <p:stCondLst>
+                                    <p:cond delay="0"/>
+                                  </p:stCondLst>
+                                  <p:childTnLst>
+                                    <p:set>
+                                      <p:cBhvr>
+                                        <p:cTn id="92" dur="1" fill="hold">
+                                          <p:stCondLst>
+                                            <p:cond delay="0"/>
+                                          </p:stCondLst>
+                                        </p:cTn>
+                                        <p:tgtEl>
+                                          <p:spTgt spid="1028"/>
+                                        </p:tgtEl>
+                                        <p:attrNameLst>
+                                          <p:attrName>style.visibility</p:attrName>
+                                        </p:attrNameLst>
+                                      </p:cBhvr>
+                                      <p:to>
+                                        <p:strVal val="visible"/>
+                                      </p:to>
+                                    </p:set>
+                                  </p:childTnLst>
+                                </p:cTn>
+                              </p:par>
+                              <p:par>
+                                <p:cTn id="93" presetID="1" presetClass="entr" presetSubtype="0" fill="hold" nodeType="withEffect">
                                   <p:stCondLst>
                                     <p:cond delay="0"/>
                                   </p:stCondLst>
@@ -7806,7 +7620,7 @@
                                           </p:stCondLst>
                                         </p:cTn>
                                         <p:tgtEl>
-                                          <p:spTgt spid="55"/>
+                                          <p:spTgt spid="75"/>
                                         </p:tgtEl>
                                         <p:attrNameLst>
                                           <p:attrName>style.visibility</p:attrName>
@@ -7833,7 +7647,7 @@
                                           </p:stCondLst>
                                         </p:cTn>
                                         <p:tgtEl>
-                                          <p:spTgt spid="60"/>
+                                          <p:spTgt spid="2050"/>
                                         </p:tgtEl>
                                         <p:attrNameLst>
                                           <p:attrName>style.visibility</p:attrName>
@@ -7847,7 +7661,7 @@
                                 </p:cTn>
                               </p:par>
                               <p:par>
-                                <p:cTn id="97" presetID="1" presetClass="entr" presetSubtype="0" fill="hold" grpId="0" nodeType="withEffect">
+                                <p:cTn id="97" presetID="1" presetClass="entr" presetSubtype="0" fill="hold" nodeType="withEffect">
                                   <p:stCondLst>
                                     <p:cond delay="0"/>
                                   </p:stCondLst>
@@ -7860,34 +7674,7 @@
                                           </p:stCondLst>
                                         </p:cTn>
                                         <p:tgtEl>
-                                          <p:spTgt spid="58"/>
-                                        </p:tgtEl>
-                                        <p:attrNameLst>
-                                          <p:attrName>style.visibility</p:attrName>
-                                        </p:attrNameLst>
-                                      </p:cBhvr>
-                                      <p:to>
-                                        <p:strVal val="visible"/>
-                                      </p:to>
-                                    </p:set>
-                                  </p:childTnLst>
-                                </p:cTn>
-                              </p:par>
-                              <p:par>
-                                <p:cTn id="99" presetID="1" presetClass="entr" presetSubtype="0" fill="hold" grpId="0" nodeType="withEffect">
-                                  <p:stCondLst>
-                                    <p:cond delay="0"/>
-                                  </p:stCondLst>
-                                  <p:childTnLst>
-                                    <p:set>
-                                      <p:cBhvr>
-                                        <p:cTn id="100" dur="1" fill="hold">
-                                          <p:stCondLst>
-                                            <p:cond delay="0"/>
-                                          </p:stCondLst>
-                                        </p:cTn>
-                                        <p:tgtEl>
-                                          <p:spTgt spid="57"/>
+                                          <p:spTgt spid="97"/>
                                         </p:tgtEl>
                                         <p:attrNameLst>
                                           <p:attrName>style.visibility</p:attrName>
@@ -7907,19 +7694,46 @@
                     </p:cTn>
                   </p:par>
                   <p:par>
-                    <p:cTn id="101" fill="hold">
+                    <p:cTn id="99" fill="hold">
                       <p:stCondLst>
                         <p:cond delay="indefinite"/>
                       </p:stCondLst>
                       <p:childTnLst>
                         <p:par>
-                          <p:cTn id="102" fill="hold">
+                          <p:cTn id="100" fill="hold">
                             <p:stCondLst>
                               <p:cond delay="0"/>
                             </p:stCondLst>
                             <p:childTnLst>
                               <p:par>
-                                <p:cTn id="103" presetID="1" presetClass="entr" presetSubtype="0" fill="hold" nodeType="clickEffect">
+                                <p:cTn id="101" presetID="1" presetClass="entr" presetSubtype="0" fill="hold" grpId="0" nodeType="clickEffect">
+                                  <p:stCondLst>
+                                    <p:cond delay="0"/>
+                                  </p:stCondLst>
+                                  <p:childTnLst>
+                                    <p:set>
+                                      <p:cBhvr>
+                                        <p:cTn id="102" dur="1" fill="hold">
+                                          <p:stCondLst>
+                                            <p:cond delay="0"/>
+                                          </p:stCondLst>
+                                        </p:cTn>
+                                        <p:tgtEl>
+                                          <p:spTgt spid="55"/>
+                                        </p:tgtEl>
+                                        <p:attrNameLst>
+                                          <p:attrName>style.visibility</p:attrName>
+                                        </p:attrNameLst>
+                                      </p:cBhvr>
+                                      <p:to>
+                                        <p:strVal val="visible"/>
+                                      </p:to>
+                                    </p:set>
+                                  </p:childTnLst>
+                                </p:cTn>
+                              </p:par>
+                              <p:par>
+                                <p:cTn id="103" presetID="1" presetClass="entr" presetSubtype="0" fill="hold" nodeType="withEffect">
                                   <p:stCondLst>
                                     <p:cond delay="0"/>
                                   </p:stCondLst>
@@ -7932,7 +7746,7 @@
                                           </p:stCondLst>
                                         </p:cTn>
                                         <p:tgtEl>
-                                          <p:spTgt spid="102"/>
+                                          <p:spTgt spid="60"/>
                                         </p:tgtEl>
                                         <p:attrNameLst>
                                           <p:attrName>style.visibility</p:attrName>
@@ -7959,7 +7773,7 @@
                                           </p:stCondLst>
                                         </p:cTn>
                                         <p:tgtEl>
-                                          <p:spTgt spid="59"/>
+                                          <p:spTgt spid="58"/>
                                         </p:tgtEl>
                                         <p:attrNameLst>
                                           <p:attrName>style.visibility</p:attrName>
@@ -7986,34 +7800,7 @@
                                           </p:stCondLst>
                                         </p:cTn>
                                         <p:tgtEl>
-                                          <p:spTgt spid="100"/>
-                                        </p:tgtEl>
-                                        <p:attrNameLst>
-                                          <p:attrName>style.visibility</p:attrName>
-                                        </p:attrNameLst>
-                                      </p:cBhvr>
-                                      <p:to>
-                                        <p:strVal val="visible"/>
-                                      </p:to>
-                                    </p:set>
-                                  </p:childTnLst>
-                                </p:cTn>
-                              </p:par>
-                              <p:par>
-                                <p:cTn id="109" presetID="1" presetClass="entr" presetSubtype="0" fill="hold" nodeType="withEffect">
-                                  <p:stCondLst>
-                                    <p:cond delay="0"/>
-                                  </p:stCondLst>
-                                  <p:childTnLst>
-                                    <p:set>
-                                      <p:cBhvr>
-                                        <p:cTn id="110" dur="1" fill="hold">
-                                          <p:stCondLst>
-                                            <p:cond delay="0"/>
-                                          </p:stCondLst>
-                                        </p:cTn>
-                                        <p:tgtEl>
-                                          <p:spTgt spid="90"/>
+                                          <p:spTgt spid="57"/>
                                         </p:tgtEl>
                                         <p:attrNameLst>
                                           <p:attrName>style.visibility</p:attrName>
@@ -8033,32 +7820,32 @@
                     </p:cTn>
                   </p:par>
                   <p:par>
-                    <p:cTn id="111" fill="hold">
+                    <p:cTn id="109" fill="hold">
                       <p:stCondLst>
                         <p:cond delay="indefinite"/>
                       </p:stCondLst>
                       <p:childTnLst>
                         <p:par>
-                          <p:cTn id="112" fill="hold">
+                          <p:cTn id="110" fill="hold">
                             <p:stCondLst>
                               <p:cond delay="0"/>
                             </p:stCondLst>
                             <p:childTnLst>
                               <p:par>
-                                <p:cTn id="113" presetID="1" presetClass="entr" presetSubtype="0" fill="hold" nodeType="clickEffect">
+                                <p:cTn id="111" presetID="1" presetClass="entr" presetSubtype="0" fill="hold" nodeType="clickEffect">
                                   <p:stCondLst>
                                     <p:cond delay="0"/>
                                   </p:stCondLst>
                                   <p:childTnLst>
                                     <p:set>
                                       <p:cBhvr>
-                                        <p:cTn id="114" dur="1" fill="hold">
+                                        <p:cTn id="112" dur="1" fill="hold">
                                           <p:stCondLst>
                                             <p:cond delay="0"/>
                                           </p:stCondLst>
                                         </p:cTn>
                                         <p:tgtEl>
-                                          <p:spTgt spid="104"/>
+                                          <p:spTgt spid="102"/>
                                         </p:tgtEl>
                                         <p:attrNameLst>
                                           <p:attrName>style.visibility</p:attrName>
@@ -8072,7 +7859,34 @@
                                 </p:cTn>
                               </p:par>
                               <p:par>
-                                <p:cTn id="115" presetID="1" presetClass="entr" presetSubtype="0" fill="hold" nodeType="withEffect">
+                                <p:cTn id="113" presetID="1" presetClass="entr" presetSubtype="0" fill="hold" grpId="0" nodeType="withEffect">
+                                  <p:stCondLst>
+                                    <p:cond delay="0"/>
+                                  </p:stCondLst>
+                                  <p:childTnLst>
+                                    <p:set>
+                                      <p:cBhvr>
+                                        <p:cTn id="114" dur="1" fill="hold">
+                                          <p:stCondLst>
+                                            <p:cond delay="0"/>
+                                          </p:stCondLst>
+                                        </p:cTn>
+                                        <p:tgtEl>
+                                          <p:spTgt spid="59"/>
+                                        </p:tgtEl>
+                                        <p:attrNameLst>
+                                          <p:attrName>style.visibility</p:attrName>
+                                        </p:attrNameLst>
+                                      </p:cBhvr>
+                                      <p:to>
+                                        <p:strVal val="visible"/>
+                                      </p:to>
+                                    </p:set>
+                                  </p:childTnLst>
+                                </p:cTn>
+                              </p:par>
+                              <p:par>
+                                <p:cTn id="115" presetID="1" presetClass="entr" presetSubtype="0" fill="hold" grpId="0" nodeType="withEffect">
                                   <p:stCondLst>
                                     <p:cond delay="0"/>
                                   </p:stCondLst>
@@ -8085,7 +7899,7 @@
                                           </p:stCondLst>
                                         </p:cTn>
                                         <p:tgtEl>
-                                          <p:spTgt spid="106"/>
+                                          <p:spTgt spid="100"/>
                                         </p:tgtEl>
                                         <p:attrNameLst>
                                           <p:attrName>style.visibility</p:attrName>
@@ -8112,7 +7926,7 @@
                                           </p:stCondLst>
                                         </p:cTn>
                                         <p:tgtEl>
-                                          <p:spTgt spid="108"/>
+                                          <p:spTgt spid="90"/>
                                         </p:tgtEl>
                                         <p:attrNameLst>
                                           <p:attrName>style.visibility</p:attrName>
@@ -8125,35 +7939,26 @@
                                   </p:childTnLst>
                                 </p:cTn>
                               </p:par>
+                            </p:childTnLst>
+                          </p:cTn>
+                        </p:par>
+                      </p:childTnLst>
+                    </p:cTn>
+                  </p:par>
+                  <p:par>
+                    <p:cTn id="119" fill="hold">
+                      <p:stCondLst>
+                        <p:cond delay="indefinite"/>
+                      </p:stCondLst>
+                      <p:childTnLst>
+                        <p:par>
+                          <p:cTn id="120" fill="hold">
+                            <p:stCondLst>
+                              <p:cond delay="0"/>
+                            </p:stCondLst>
+                            <p:childTnLst>
                               <p:par>
-                                <p:cTn id="119" presetID="1" presetClass="entr" presetSubtype="0" fill="hold" nodeType="withEffect">
-                                  <p:stCondLst>
-                                    <p:cond delay="0"/>
-                                  </p:stCondLst>
-                                  <p:childTnLst>
-                                    <p:set>
-                                      <p:cBhvr>
-                                        <p:cTn id="120" dur="1" fill="hold">
-                                          <p:stCondLst>
-                                            <p:cond delay="0"/>
-                                          </p:stCondLst>
-                                        </p:cTn>
-                                        <p:tgtEl>
-                                          <p:spTgt spid="110"/>
-                                        </p:tgtEl>
-                                        <p:attrNameLst>
-                                          <p:attrName>style.visibility</p:attrName>
-                                        </p:attrNameLst>
-                                      </p:cBhvr>
-                                      <p:to>
-                                        <p:strVal val="visible"/>
-                                      </p:to>
-                                    </p:set>
-                                  </p:childTnLst>
-                                </p:cTn>
-                              </p:par>
-                              <p:par>
-                                <p:cTn id="121" presetID="1" presetClass="entr" presetSubtype="0" fill="hold" nodeType="withEffect">
+                                <p:cTn id="121" presetID="1" presetClass="entr" presetSubtype="0" fill="hold" nodeType="clickEffect">
                                   <p:stCondLst>
                                     <p:cond delay="0"/>
                                   </p:stCondLst>
@@ -8166,7 +7971,7 @@
                                           </p:stCondLst>
                                         </p:cTn>
                                         <p:tgtEl>
-                                          <p:spTgt spid="72"/>
+                                          <p:spTgt spid="104"/>
                                         </p:tgtEl>
                                         <p:attrNameLst>
                                           <p:attrName>style.visibility</p:attrName>
@@ -8193,7 +7998,7 @@
                                           </p:stCondLst>
                                         </p:cTn>
                                         <p:tgtEl>
-                                          <p:spTgt spid="70"/>
+                                          <p:spTgt spid="106"/>
                                         </p:tgtEl>
                                         <p:attrNameLst>
                                           <p:attrName>style.visibility</p:attrName>
@@ -8220,7 +8025,7 @@
                                           </p:stCondLst>
                                         </p:cTn>
                                         <p:tgtEl>
-                                          <p:spTgt spid="3"/>
+                                          <p:spTgt spid="108"/>
                                         </p:tgtEl>
                                         <p:attrNameLst>
                                           <p:attrName>style.visibility</p:attrName>
@@ -8233,26 +8038,35 @@
                                   </p:childTnLst>
                                 </p:cTn>
                               </p:par>
-                            </p:childTnLst>
-                          </p:cTn>
-                        </p:par>
-                      </p:childTnLst>
-                    </p:cTn>
-                  </p:par>
-                  <p:par>
-                    <p:cTn id="127" fill="hold">
-                      <p:stCondLst>
-                        <p:cond delay="indefinite"/>
-                      </p:stCondLst>
-                      <p:childTnLst>
-                        <p:par>
-                          <p:cTn id="128" fill="hold">
-                            <p:stCondLst>
-                              <p:cond delay="0"/>
-                            </p:stCondLst>
-                            <p:childTnLst>
                               <p:par>
-                                <p:cTn id="129" presetID="1" presetClass="entr" presetSubtype="0" fill="hold" grpId="0" nodeType="clickEffect">
+                                <p:cTn id="127" presetID="1" presetClass="entr" presetSubtype="0" fill="hold" nodeType="withEffect">
+                                  <p:stCondLst>
+                                    <p:cond delay="0"/>
+                                  </p:stCondLst>
+                                  <p:childTnLst>
+                                    <p:set>
+                                      <p:cBhvr>
+                                        <p:cTn id="128" dur="1" fill="hold">
+                                          <p:stCondLst>
+                                            <p:cond delay="0"/>
+                                          </p:stCondLst>
+                                        </p:cTn>
+                                        <p:tgtEl>
+                                          <p:spTgt spid="110"/>
+                                        </p:tgtEl>
+                                        <p:attrNameLst>
+                                          <p:attrName>style.visibility</p:attrName>
+                                        </p:attrNameLst>
+                                      </p:cBhvr>
+                                      <p:to>
+                                        <p:strVal val="visible"/>
+                                      </p:to>
+                                    </p:set>
+                                  </p:childTnLst>
+                                </p:cTn>
+                              </p:par>
+                              <p:par>
+                                <p:cTn id="129" presetID="1" presetClass="entr" presetSubtype="0" fill="hold" nodeType="withEffect">
                                   <p:stCondLst>
                                     <p:cond delay="0"/>
                                   </p:stCondLst>
@@ -8265,7 +8079,7 @@
                                           </p:stCondLst>
                                         </p:cTn>
                                         <p:tgtEl>
-                                          <p:spTgt spid="78"/>
+                                          <p:spTgt spid="72"/>
                                         </p:tgtEl>
                                         <p:attrNameLst>
                                           <p:attrName>style.visibility</p:attrName>
@@ -8292,7 +8106,7 @@
                                           </p:stCondLst>
                                         </p:cTn>
                                         <p:tgtEl>
-                                          <p:spTgt spid="80"/>
+                                          <p:spTgt spid="70"/>
                                         </p:tgtEl>
                                         <p:attrNameLst>
                                           <p:attrName>style.visibility</p:attrName>
@@ -8319,7 +8133,7 @@
                                           </p:stCondLst>
                                         </p:cTn>
                                         <p:tgtEl>
-                                          <p:spTgt spid="79"/>
+                                          <p:spTgt spid="101"/>
                                         </p:tgtEl>
                                         <p:attrNameLst>
                                           <p:attrName>style.visibility</p:attrName>
@@ -8346,6 +8160,186 @@
                                           </p:stCondLst>
                                         </p:cTn>
                                         <p:tgtEl>
+                                          <p:spTgt spid="3"/>
+                                        </p:tgtEl>
+                                        <p:attrNameLst>
+                                          <p:attrName>style.visibility</p:attrName>
+                                        </p:attrNameLst>
+                                      </p:cBhvr>
+                                      <p:to>
+                                        <p:strVal val="visible"/>
+                                      </p:to>
+                                    </p:set>
+                                  </p:childTnLst>
+                                </p:cTn>
+                              </p:par>
+                              <p:par>
+                                <p:cTn id="137" presetID="1" presetClass="entr" presetSubtype="0" fill="hold" nodeType="withEffect">
+                                  <p:stCondLst>
+                                    <p:cond delay="0"/>
+                                  </p:stCondLst>
+                                  <p:childTnLst>
+                                    <p:set>
+                                      <p:cBhvr>
+                                        <p:cTn id="138" dur="1" fill="hold">
+                                          <p:stCondLst>
+                                            <p:cond delay="0"/>
+                                          </p:stCondLst>
+                                        </p:cTn>
+                                        <p:tgtEl>
+                                          <p:spTgt spid="126"/>
+                                        </p:tgtEl>
+                                        <p:attrNameLst>
+                                          <p:attrName>style.visibility</p:attrName>
+                                        </p:attrNameLst>
+                                      </p:cBhvr>
+                                      <p:to>
+                                        <p:strVal val="visible"/>
+                                      </p:to>
+                                    </p:set>
+                                  </p:childTnLst>
+                                </p:cTn>
+                              </p:par>
+                              <p:par>
+                                <p:cTn id="139" presetID="1" presetClass="entr" presetSubtype="0" fill="hold" nodeType="withEffect">
+                                  <p:stCondLst>
+                                    <p:cond delay="0"/>
+                                  </p:stCondLst>
+                                  <p:childTnLst>
+                                    <p:set>
+                                      <p:cBhvr>
+                                        <p:cTn id="140" dur="1" fill="hold">
+                                          <p:stCondLst>
+                                            <p:cond delay="0"/>
+                                          </p:stCondLst>
+                                        </p:cTn>
+                                        <p:tgtEl>
+                                          <p:spTgt spid="127"/>
+                                        </p:tgtEl>
+                                        <p:attrNameLst>
+                                          <p:attrName>style.visibility</p:attrName>
+                                        </p:attrNameLst>
+                                      </p:cBhvr>
+                                      <p:to>
+                                        <p:strVal val="visible"/>
+                                      </p:to>
+                                    </p:set>
+                                  </p:childTnLst>
+                                </p:cTn>
+                              </p:par>
+                            </p:childTnLst>
+                          </p:cTn>
+                        </p:par>
+                      </p:childTnLst>
+                    </p:cTn>
+                  </p:par>
+                  <p:par>
+                    <p:cTn id="141" fill="hold">
+                      <p:stCondLst>
+                        <p:cond delay="indefinite"/>
+                      </p:stCondLst>
+                      <p:childTnLst>
+                        <p:par>
+                          <p:cTn id="142" fill="hold">
+                            <p:stCondLst>
+                              <p:cond delay="0"/>
+                            </p:stCondLst>
+                            <p:childTnLst>
+                              <p:par>
+                                <p:cTn id="143" presetID="1" presetClass="entr" presetSubtype="0" fill="hold" grpId="0" nodeType="clickEffect">
+                                  <p:stCondLst>
+                                    <p:cond delay="0"/>
+                                  </p:stCondLst>
+                                  <p:childTnLst>
+                                    <p:set>
+                                      <p:cBhvr>
+                                        <p:cTn id="144" dur="1" fill="hold">
+                                          <p:stCondLst>
+                                            <p:cond delay="0"/>
+                                          </p:stCondLst>
+                                        </p:cTn>
+                                        <p:tgtEl>
+                                          <p:spTgt spid="78"/>
+                                        </p:tgtEl>
+                                        <p:attrNameLst>
+                                          <p:attrName>style.visibility</p:attrName>
+                                        </p:attrNameLst>
+                                      </p:cBhvr>
+                                      <p:to>
+                                        <p:strVal val="visible"/>
+                                      </p:to>
+                                    </p:set>
+                                  </p:childTnLst>
+                                </p:cTn>
+                              </p:par>
+                              <p:par>
+                                <p:cTn id="145" presetID="1" presetClass="entr" presetSubtype="0" fill="hold" nodeType="withEffect">
+                                  <p:stCondLst>
+                                    <p:cond delay="0"/>
+                                  </p:stCondLst>
+                                  <p:childTnLst>
+                                    <p:set>
+                                      <p:cBhvr>
+                                        <p:cTn id="146" dur="1" fill="hold">
+                                          <p:stCondLst>
+                                            <p:cond delay="0"/>
+                                          </p:stCondLst>
+                                        </p:cTn>
+                                        <p:tgtEl>
+                                          <p:spTgt spid="80"/>
+                                        </p:tgtEl>
+                                        <p:attrNameLst>
+                                          <p:attrName>style.visibility</p:attrName>
+                                        </p:attrNameLst>
+                                      </p:cBhvr>
+                                      <p:to>
+                                        <p:strVal val="visible"/>
+                                      </p:to>
+                                    </p:set>
+                                  </p:childTnLst>
+                                </p:cTn>
+                              </p:par>
+                              <p:par>
+                                <p:cTn id="147" presetID="1" presetClass="entr" presetSubtype="0" fill="hold" nodeType="withEffect">
+                                  <p:stCondLst>
+                                    <p:cond delay="0"/>
+                                  </p:stCondLst>
+                                  <p:childTnLst>
+                                    <p:set>
+                                      <p:cBhvr>
+                                        <p:cTn id="148" dur="1" fill="hold">
+                                          <p:stCondLst>
+                                            <p:cond delay="0"/>
+                                          </p:stCondLst>
+                                        </p:cTn>
+                                        <p:tgtEl>
+                                          <p:spTgt spid="79"/>
+                                        </p:tgtEl>
+                                        <p:attrNameLst>
+                                          <p:attrName>style.visibility</p:attrName>
+                                        </p:attrNameLst>
+                                      </p:cBhvr>
+                                      <p:to>
+                                        <p:strVal val="visible"/>
+                                      </p:to>
+                                    </p:set>
+                                  </p:childTnLst>
+                                </p:cTn>
+                              </p:par>
+                              <p:par>
+                                <p:cTn id="149" presetID="1" presetClass="entr" presetSubtype="0" fill="hold" nodeType="withEffect">
+                                  <p:stCondLst>
+                                    <p:cond delay="0"/>
+                                  </p:stCondLst>
+                                  <p:childTnLst>
+                                    <p:set>
+                                      <p:cBhvr>
+                                        <p:cTn id="150" dur="1" fill="hold">
+                                          <p:stCondLst>
+                                            <p:cond delay="0"/>
+                                          </p:stCondLst>
+                                        </p:cTn>
+                                        <p:tgtEl>
                                           <p:spTgt spid="56"/>
                                         </p:tgtEl>
                                         <p:attrNameLst>
@@ -8360,14 +8354,14 @@
                                 </p:cTn>
                               </p:par>
                               <p:par>
-                                <p:cTn id="137" presetID="1" presetClass="entr" presetSubtype="0" fill="hold" grpId="0" nodeType="withEffect">
+                                <p:cTn id="151" presetID="1" presetClass="entr" presetSubtype="0" fill="hold" grpId="0" nodeType="withEffect">
                                   <p:stCondLst>
                                     <p:cond delay="0"/>
                                   </p:stCondLst>
                                   <p:childTnLst>
                                     <p:set>
                                       <p:cBhvr>
-                                        <p:cTn id="138" dur="1" fill="hold">
+                                        <p:cTn id="152" dur="1" fill="hold">
                                           <p:stCondLst>
                                             <p:cond delay="0"/>
                                           </p:stCondLst>
@@ -8437,6 +8431,7 @@
       <p:bldP spid="99" grpId="0"/>
       <p:bldP spid="100" grpId="0"/>
       <p:bldP spid="59" grpId="0"/>
+      <p:bldP spid="91" grpId="0"/>
     </p:bldLst>
   </p:timing>
 </p:sld>
@@ -8469,7 +8464,12 @@
             <p:ph type="title"/>
           </p:nvPr>
         </p:nvSpPr>
-        <p:spPr/>
+        <p:spPr>
+          <a:xfrm>
+            <a:off x="457200" y="0"/>
+            <a:ext cx="7239000" cy="1066800"/>
+          </a:xfrm>
+        </p:spPr>
         <p:txBody>
           <a:bodyPr>
             <a:normAutofit/>
@@ -8478,7 +8478,11 @@
           <a:p>
             <a:r>
               <a:rPr lang="en-US" sz="3600" dirty="0" smtClean="0"/>
-              <a:t>What you can do with caIntegrator2</a:t>
+              <a:t>What </a:t>
+            </a:r>
+            <a:r>
+              <a:rPr lang="en-US" sz="3600" dirty="0" smtClean="0"/>
+              <a:t>caIntegrator2 can do</a:t>
             </a:r>
             <a:endParaRPr lang="en-US" sz="3600" dirty="0"/>
           </a:p>
@@ -8497,81 +8501,81 @@
         <p:spPr/>
         <p:txBody>
           <a:bodyPr>
-            <a:normAutofit fontScale="92500" lnSpcReduction="10000"/>
+            <a:normAutofit/>
           </a:bodyPr>
           <a:lstStyle/>
           <a:p>
             <a:r>
-              <a:rPr lang="en-US" dirty="0" smtClean="0"/>
+              <a:rPr lang="en-US" sz="2000" dirty="0" smtClean="0"/>
               <a:t>Browse and filter lists of major entities</a:t>
             </a:r>
           </a:p>
           <a:p>
             <a:pPr lvl="1"/>
             <a:r>
-              <a:rPr lang="en-US" dirty="0" smtClean="0"/>
+              <a:rPr lang="en-US" sz="2000" dirty="0" smtClean="0"/>
               <a:t>Subjects</a:t>
             </a:r>
           </a:p>
           <a:p>
             <a:pPr lvl="1"/>
             <a:r>
-              <a:rPr lang="en-US" dirty="0" smtClean="0"/>
+              <a:rPr lang="en-US" sz="2000" dirty="0" smtClean="0"/>
               <a:t>Samples</a:t>
             </a:r>
           </a:p>
           <a:p>
             <a:r>
-              <a:rPr lang="en-US" dirty="0" smtClean="0"/>
+              <a:rPr lang="en-US" sz="2000" dirty="0" smtClean="0"/>
               <a:t>Write complex queries</a:t>
             </a:r>
           </a:p>
           <a:p>
             <a:pPr lvl="1"/>
             <a:r>
-              <a:rPr lang="en-US" dirty="0" smtClean="0"/>
+              <a:rPr lang="en-US" sz="2000" dirty="0" smtClean="0"/>
               <a:t>Join across clinical, microarray and image data</a:t>
             </a:r>
           </a:p>
           <a:p>
             <a:pPr lvl="1"/>
             <a:r>
-              <a:rPr lang="en-US" dirty="0" smtClean="0"/>
+              <a:rPr lang="en-US" sz="2000" dirty="0" smtClean="0"/>
               <a:t>Publish queries to other users that return lists of interesting genes, subjects and/or images</a:t>
             </a:r>
           </a:p>
           <a:p>
             <a:r>
-              <a:rPr lang="en-US" dirty="0" smtClean="0"/>
+              <a:rPr lang="en-US" sz="2000" dirty="0" smtClean="0"/>
               <a:t>Do analysis</a:t>
             </a:r>
           </a:p>
           <a:p>
             <a:pPr lvl="1"/>
             <a:r>
-              <a:rPr lang="en-US" dirty="0" smtClean="0"/>
+              <a:rPr lang="en-US" sz="2000" dirty="0" smtClean="0"/>
               <a:t>Kaplan-Meier Survival Curves</a:t>
             </a:r>
           </a:p>
           <a:p>
             <a:pPr lvl="1"/>
             <a:r>
-              <a:rPr lang="en-US" dirty="0" smtClean="0"/>
+              <a:rPr lang="en-US" sz="2000" dirty="0" smtClean="0"/>
               <a:t>Export to </a:t>
             </a:r>
             <a:r>
-              <a:rPr lang="en-US" dirty="0" err="1" smtClean="0"/>
+              <a:rPr lang="en-US" sz="2000" dirty="0" err="1" smtClean="0"/>
               <a:t>GenePattern</a:t>
             </a:r>
             <a:r>
-              <a:rPr lang="en-US" dirty="0" smtClean="0"/>
+              <a:rPr lang="en-US" sz="2000" dirty="0" smtClean="0"/>
               <a:t> or </a:t>
             </a:r>
             <a:r>
-              <a:rPr lang="en-US" dirty="0" err="1" smtClean="0"/>
+              <a:rPr lang="en-US" sz="2000" dirty="0" err="1" smtClean="0"/>
               <a:t>GEWorkbench</a:t>
             </a:r>
-            <a:endParaRPr lang="en-US" dirty="0" smtClean="0"/>
+            <a:endParaRPr lang="en-US" sz="2000" dirty="0" smtClean="0"/>
           </a:p>
         </p:txBody>
       </p:sp>
@@ -8901,114 +8905,56 @@
 </file>
 
 <file path=ppt/theme/theme1.xml><?xml version="1.0" encoding="utf-8"?>
-<a:theme xmlns:a="http://schemas.openxmlformats.org/drawingml/2006/main" name="Office Theme">
+<a:theme xmlns:a="http://schemas.openxmlformats.org/drawingml/2006/main" name="Default Design">
   <a:themeElements>
-    <a:clrScheme name="Office">
+    <a:clrScheme name="Default Design 1">
       <a:dk1>
-        <a:sysClr val="windowText" lastClr="000000"/>
+        <a:srgbClr val="000000"/>
       </a:dk1>
       <a:lt1>
-        <a:sysClr val="window" lastClr="FFFFFF"/>
+        <a:srgbClr val="FFFFFF"/>
       </a:lt1>
       <a:dk2>
-        <a:srgbClr val="1F497D"/>
+        <a:srgbClr val="000000"/>
       </a:dk2>
       <a:lt2>
-        <a:srgbClr val="EEECE1"/>
+        <a:srgbClr val="808080"/>
       </a:lt2>
       <a:accent1>
-        <a:srgbClr val="4F81BD"/>
+        <a:srgbClr val="BBE0E3"/>
       </a:accent1>
       <a:accent2>
-        <a:srgbClr val="C0504D"/>
+        <a:srgbClr val="333399"/>
       </a:accent2>
       <a:accent3>
-        <a:srgbClr val="9BBB59"/>
+        <a:srgbClr val="FFFFFF"/>
       </a:accent3>
       <a:accent4>
-        <a:srgbClr val="8064A2"/>
+        <a:srgbClr val="000000"/>
       </a:accent4>
       <a:accent5>
-        <a:srgbClr val="4BACC6"/>
+        <a:srgbClr val="DAEDEF"/>
       </a:accent5>
       <a:accent6>
-        <a:srgbClr val="F79646"/>
+        <a:srgbClr val="2D2D8A"/>
       </a:accent6>
       <a:hlink>
-        <a:srgbClr val="0000FF"/>
+        <a:srgbClr val="009999"/>
       </a:hlink>
       <a:folHlink>
-        <a:srgbClr val="800080"/>
+        <a:srgbClr val="99CC00"/>
       </a:folHlink>
     </a:clrScheme>
-    <a:fontScheme name="Office">
+    <a:fontScheme name="Default Design">
       <a:majorFont>
-        <a:latin typeface="Calibri"/>
+        <a:latin typeface="Arial"/>
         <a:ea typeface=""/>
         <a:cs typeface=""/>
-        <a:font script="Jpan" typeface="ＭＳ Ｐゴシック"/>
-        <a:font script="Hang" typeface="맑은 고딕"/>
-        <a:font script="Hans" typeface="宋体"/>
-        <a:font script="Hant" typeface="新細明體"/>
-        <a:font script="Arab" typeface="Times New Roman"/>
-        <a:font script="Hebr" typeface="Times New Roman"/>
-        <a:font script="Thai" typeface="Angsana New"/>
-        <a:font script="Ethi" typeface="Nyala"/>
-        <a:font script="Beng" typeface="Vrinda"/>
-        <a:font script="Gujr" typeface="Shruti"/>
-        <a:font script="Khmr" typeface="MoolBoran"/>
-        <a:font script="Knda" typeface="Tunga"/>
-        <a:font script="Guru" typeface="Raavi"/>
-        <a:font script="Cans" typeface="Euphemia"/>
-        <a:font script="Cher" typeface="Plantagenet Cherokee"/>
-        <a:font script="Yiii" typeface="Microsoft Yi Baiti"/>
-        <a:font script="Tibt" typeface="Microsoft Himalaya"/>
-        <a:font script="Thaa" typeface="MV Boli"/>
-        <a:font script="Deva" typeface="Mangal"/>
-        <a:font script="Telu" typeface="Gautami"/>
-        <a:font script="Taml" typeface="Latha"/>
-        <a:font script="Syrc" typeface="Estrangelo Edessa"/>
-        <a:font script="Orya" typeface="Kalinga"/>
-        <a:font script="Mlym" typeface="Kartika"/>
-        <a:font script="Laoo" typeface="DokChampa"/>
-        <a:font script="Sinh" typeface="Iskoola Pota"/>
-        <a:font script="Mong" typeface="Mongolian Baiti"/>
-        <a:font script="Viet" typeface="Times New Roman"/>
-        <a:font script="Uigh" typeface="Microsoft Uighur"/>
       </a:majorFont>
       <a:minorFont>
-        <a:latin typeface="Calibri"/>
+        <a:latin typeface="Arial"/>
         <a:ea typeface=""/>
         <a:cs typeface=""/>
-        <a:font script="Jpan" typeface="ＭＳ Ｐゴシック"/>
-        <a:font script="Hang" typeface="맑은 고딕"/>
-        <a:font script="Hans" typeface="宋体"/>
-        <a:font script="Hant" typeface="新細明體"/>
-        <a:font script="Arab" typeface="Arial"/>
-        <a:font script="Hebr" typeface="Arial"/>
-        <a:font script="Thai" typeface="Cordia New"/>
-        <a:font script="Ethi" typeface="Nyala"/>
-        <a:font script="Beng" typeface="Vrinda"/>
-        <a:font script="Gujr" typeface="Shruti"/>
-        <a:font script="Khmr" typeface="DaunPenh"/>
-        <a:font script="Knda" typeface="Tunga"/>
-        <a:font script="Guru" typeface="Raavi"/>
-        <a:font script="Cans" typeface="Euphemia"/>
-        <a:font script="Cher" typeface="Plantagenet Cherokee"/>
-        <a:font script="Yiii" typeface="Microsoft Yi Baiti"/>
-        <a:font script="Tibt" typeface="Microsoft Himalaya"/>
-        <a:font script="Thaa" typeface="MV Boli"/>
-        <a:font script="Deva" typeface="Mangal"/>
-        <a:font script="Telu" typeface="Gautami"/>
-        <a:font script="Taml" typeface="Latha"/>
-        <a:font script="Syrc" typeface="Estrangelo Edessa"/>
-        <a:font script="Orya" typeface="Kalinga"/>
-        <a:font script="Mlym" typeface="Kartika"/>
-        <a:font script="Laoo" typeface="DokChampa"/>
-        <a:font script="Sinh" typeface="Iskoola Pota"/>
-        <a:font script="Mong" typeface="Mongolian Baiti"/>
-        <a:font script="Viet" typeface="Arial"/>
-        <a:font script="Uigh" typeface="Microsoft Uighur"/>
       </a:minorFont>
     </a:fontScheme>
     <a:fmtScheme name="Office">
@@ -9178,7 +9124,527 @@
       </a:bgFillStyleLst>
     </a:fmtScheme>
   </a:themeElements>
-  <a:objectDefaults/>
-  <a:extraClrSchemeLst/>
+  <a:objectDefaults>
+    <a:lnDef>
+      <a:spPr>
+        <a:ln w="12700">
+          <a:solidFill>
+            <a:schemeClr val="accent2"/>
+          </a:solidFill>
+          <a:tailEnd type="arrow"/>
+        </a:ln>
+      </a:spPr>
+      <a:bodyPr/>
+      <a:lstStyle/>
+      <a:style>
+        <a:lnRef idx="1">
+          <a:schemeClr val="accent1"/>
+        </a:lnRef>
+        <a:fillRef idx="0">
+          <a:schemeClr val="accent1"/>
+        </a:fillRef>
+        <a:effectRef idx="0">
+          <a:schemeClr val="accent1"/>
+        </a:effectRef>
+        <a:fontRef idx="minor">
+          <a:schemeClr val="tx1"/>
+        </a:fontRef>
+      </a:style>
+    </a:lnDef>
+  </a:objectDefaults>
+  <a:extraClrSchemeLst>
+    <a:extraClrScheme>
+      <a:clrScheme name="Default Design 1">
+        <a:dk1>
+          <a:srgbClr val="000000"/>
+        </a:dk1>
+        <a:lt1>
+          <a:srgbClr val="FFFFFF"/>
+        </a:lt1>
+        <a:dk2>
+          <a:srgbClr val="000000"/>
+        </a:dk2>
+        <a:lt2>
+          <a:srgbClr val="808080"/>
+        </a:lt2>
+        <a:accent1>
+          <a:srgbClr val="BBE0E3"/>
+        </a:accent1>
+        <a:accent2>
+          <a:srgbClr val="333399"/>
+        </a:accent2>
+        <a:accent3>
+          <a:srgbClr val="FFFFFF"/>
+        </a:accent3>
+        <a:accent4>
+          <a:srgbClr val="000000"/>
+        </a:accent4>
+        <a:accent5>
+          <a:srgbClr val="DAEDEF"/>
+        </a:accent5>
+        <a:accent6>
+          <a:srgbClr val="2D2D8A"/>
+        </a:accent6>
+        <a:hlink>
+          <a:srgbClr val="009999"/>
+        </a:hlink>
+        <a:folHlink>
+          <a:srgbClr val="99CC00"/>
+        </a:folHlink>
+      </a:clrScheme>
+      <a:clrMap bg1="lt1" tx1="dk1" bg2="lt2" tx2="dk2" accent1="accent1" accent2="accent2" accent3="accent3" accent4="accent4" accent5="accent5" accent6="accent6" hlink="hlink" folHlink="folHlink"/>
+    </a:extraClrScheme>
+    <a:extraClrScheme>
+      <a:clrScheme name="Default Design 2">
+        <a:dk1>
+          <a:srgbClr val="000000"/>
+        </a:dk1>
+        <a:lt1>
+          <a:srgbClr val="FFFFFF"/>
+        </a:lt1>
+        <a:dk2>
+          <a:srgbClr val="000000"/>
+        </a:dk2>
+        <a:lt2>
+          <a:srgbClr val="969696"/>
+        </a:lt2>
+        <a:accent1>
+          <a:srgbClr val="FBDF53"/>
+        </a:accent1>
+        <a:accent2>
+          <a:srgbClr val="FF9966"/>
+        </a:accent2>
+        <a:accent3>
+          <a:srgbClr val="FFFFFF"/>
+        </a:accent3>
+        <a:accent4>
+          <a:srgbClr val="000000"/>
+        </a:accent4>
+        <a:accent5>
+          <a:srgbClr val="FDECB3"/>
+        </a:accent5>
+        <a:accent6>
+          <a:srgbClr val="E78A5C"/>
+        </a:accent6>
+        <a:hlink>
+          <a:srgbClr val="CC3300"/>
+        </a:hlink>
+        <a:folHlink>
+          <a:srgbClr val="996600"/>
+        </a:folHlink>
+      </a:clrScheme>
+      <a:clrMap bg1="lt1" tx1="dk1" bg2="lt2" tx2="dk2" accent1="accent1" accent2="accent2" accent3="accent3" accent4="accent4" accent5="accent5" accent6="accent6" hlink="hlink" folHlink="folHlink"/>
+    </a:extraClrScheme>
+    <a:extraClrScheme>
+      <a:clrScheme name="Default Design 3">
+        <a:dk1>
+          <a:srgbClr val="000000"/>
+        </a:dk1>
+        <a:lt1>
+          <a:srgbClr val="FFFFFF"/>
+        </a:lt1>
+        <a:dk2>
+          <a:srgbClr val="000000"/>
+        </a:dk2>
+        <a:lt2>
+          <a:srgbClr val="808080"/>
+        </a:lt2>
+        <a:accent1>
+          <a:srgbClr val="99CCFF"/>
+        </a:accent1>
+        <a:accent2>
+          <a:srgbClr val="CCCCFF"/>
+        </a:accent2>
+        <a:accent3>
+          <a:srgbClr val="FFFFFF"/>
+        </a:accent3>
+        <a:accent4>
+          <a:srgbClr val="000000"/>
+        </a:accent4>
+        <a:accent5>
+          <a:srgbClr val="CAE2FF"/>
+        </a:accent5>
+        <a:accent6>
+          <a:srgbClr val="B9B9E7"/>
+        </a:accent6>
+        <a:hlink>
+          <a:srgbClr val="3333CC"/>
+        </a:hlink>
+        <a:folHlink>
+          <a:srgbClr val="AF67FF"/>
+        </a:folHlink>
+      </a:clrScheme>
+      <a:clrMap bg1="lt1" tx1="dk1" bg2="lt2" tx2="dk2" accent1="accent1" accent2="accent2" accent3="accent3" accent4="accent4" accent5="accent5" accent6="accent6" hlink="hlink" folHlink="folHlink"/>
+    </a:extraClrScheme>
+    <a:extraClrScheme>
+      <a:clrScheme name="Default Design 4">
+        <a:dk1>
+          <a:srgbClr val="000000"/>
+        </a:dk1>
+        <a:lt1>
+          <a:srgbClr val="DEF6F1"/>
+        </a:lt1>
+        <a:dk2>
+          <a:srgbClr val="000000"/>
+        </a:dk2>
+        <a:lt2>
+          <a:srgbClr val="969696"/>
+        </a:lt2>
+        <a:accent1>
+          <a:srgbClr val="FFFFFF"/>
+        </a:accent1>
+        <a:accent2>
+          <a:srgbClr val="8DC6FF"/>
+        </a:accent2>
+        <a:accent3>
+          <a:srgbClr val="ECFAF7"/>
+        </a:accent3>
+        <a:accent4>
+          <a:srgbClr val="000000"/>
+        </a:accent4>
+        <a:accent5>
+          <a:srgbClr val="FFFFFF"/>
+        </a:accent5>
+        <a:accent6>
+          <a:srgbClr val="7FB3E7"/>
+        </a:accent6>
+        <a:hlink>
+          <a:srgbClr val="0066CC"/>
+        </a:hlink>
+        <a:folHlink>
+          <a:srgbClr val="00A800"/>
+        </a:folHlink>
+      </a:clrScheme>
+      <a:clrMap bg1="lt1" tx1="dk1" bg2="lt2" tx2="dk2" accent1="accent1" accent2="accent2" accent3="accent3" accent4="accent4" accent5="accent5" accent6="accent6" hlink="hlink" folHlink="folHlink"/>
+    </a:extraClrScheme>
+    <a:extraClrScheme>
+      <a:clrScheme name="Default Design 5">
+        <a:dk1>
+          <a:srgbClr val="000000"/>
+        </a:dk1>
+        <a:lt1>
+          <a:srgbClr val="FFFFD9"/>
+        </a:lt1>
+        <a:dk2>
+          <a:srgbClr val="000000"/>
+        </a:dk2>
+        <a:lt2>
+          <a:srgbClr val="777777"/>
+        </a:lt2>
+        <a:accent1>
+          <a:srgbClr val="FFFFF7"/>
+        </a:accent1>
+        <a:accent2>
+          <a:srgbClr val="33CCCC"/>
+        </a:accent2>
+        <a:accent3>
+          <a:srgbClr val="FFFFE9"/>
+        </a:accent3>
+        <a:accent4>
+          <a:srgbClr val="000000"/>
+        </a:accent4>
+        <a:accent5>
+          <a:srgbClr val="FFFFFA"/>
+        </a:accent5>
+        <a:accent6>
+          <a:srgbClr val="2DB9B9"/>
+        </a:accent6>
+        <a:hlink>
+          <a:srgbClr val="FF5050"/>
+        </a:hlink>
+        <a:folHlink>
+          <a:srgbClr val="FF9900"/>
+        </a:folHlink>
+      </a:clrScheme>
+      <a:clrMap bg1="lt1" tx1="dk1" bg2="lt2" tx2="dk2" accent1="accent1" accent2="accent2" accent3="accent3" accent4="accent4" accent5="accent5" accent6="accent6" hlink="hlink" folHlink="folHlink"/>
+    </a:extraClrScheme>
+    <a:extraClrScheme>
+      <a:clrScheme name="Default Design 6">
+        <a:dk1>
+          <a:srgbClr val="005A58"/>
+        </a:dk1>
+        <a:lt1>
+          <a:srgbClr val="FFFFFF"/>
+        </a:lt1>
+        <a:dk2>
+          <a:srgbClr val="008080"/>
+        </a:dk2>
+        <a:lt2>
+          <a:srgbClr val="FFFF99"/>
+        </a:lt2>
+        <a:accent1>
+          <a:srgbClr val="006462"/>
+        </a:accent1>
+        <a:accent2>
+          <a:srgbClr val="6D6FC7"/>
+        </a:accent2>
+        <a:accent3>
+          <a:srgbClr val="AAC0C0"/>
+        </a:accent3>
+        <a:accent4>
+          <a:srgbClr val="DADADA"/>
+        </a:accent4>
+        <a:accent5>
+          <a:srgbClr val="AAB8B7"/>
+        </a:accent5>
+        <a:accent6>
+          <a:srgbClr val="6264B4"/>
+        </a:accent6>
+        <a:hlink>
+          <a:srgbClr val="00FFFF"/>
+        </a:hlink>
+        <a:folHlink>
+          <a:srgbClr val="00FF00"/>
+        </a:folHlink>
+      </a:clrScheme>
+      <a:clrMap bg1="dk2" tx1="lt1" bg2="dk1" tx2="lt2" accent1="accent1" accent2="accent2" accent3="accent3" accent4="accent4" accent5="accent5" accent6="accent6" hlink="hlink" folHlink="folHlink"/>
+    </a:extraClrScheme>
+    <a:extraClrScheme>
+      <a:clrScheme name="Default Design 7">
+        <a:dk1>
+          <a:srgbClr val="5C1F00"/>
+        </a:dk1>
+        <a:lt1>
+          <a:srgbClr val="FFFFFF"/>
+        </a:lt1>
+        <a:dk2>
+          <a:srgbClr val="800000"/>
+        </a:dk2>
+        <a:lt2>
+          <a:srgbClr val="DFD293"/>
+        </a:lt2>
+        <a:accent1>
+          <a:srgbClr val="CC3300"/>
+        </a:accent1>
+        <a:accent2>
+          <a:srgbClr val="BE7960"/>
+        </a:accent2>
+        <a:accent3>
+          <a:srgbClr val="C0AAAA"/>
+        </a:accent3>
+        <a:accent4>
+          <a:srgbClr val="DADADA"/>
+        </a:accent4>
+        <a:accent5>
+          <a:srgbClr val="E2ADAA"/>
+        </a:accent5>
+        <a:accent6>
+          <a:srgbClr val="AC6D56"/>
+        </a:accent6>
+        <a:hlink>
+          <a:srgbClr val="FFFF99"/>
+        </a:hlink>
+        <a:folHlink>
+          <a:srgbClr val="D3A219"/>
+        </a:folHlink>
+      </a:clrScheme>
+      <a:clrMap bg1="dk2" tx1="lt1" bg2="dk1" tx2="lt2" accent1="accent1" accent2="accent2" accent3="accent3" accent4="accent4" accent5="accent5" accent6="accent6" hlink="hlink" folHlink="folHlink"/>
+    </a:extraClrScheme>
+    <a:extraClrScheme>
+      <a:clrScheme name="Default Design 8">
+        <a:dk1>
+          <a:srgbClr val="003366"/>
+        </a:dk1>
+        <a:lt1>
+          <a:srgbClr val="FFFFFF"/>
+        </a:lt1>
+        <a:dk2>
+          <a:srgbClr val="000099"/>
+        </a:dk2>
+        <a:lt2>
+          <a:srgbClr val="CCFFFF"/>
+        </a:lt2>
+        <a:accent1>
+          <a:srgbClr val="3366CC"/>
+        </a:accent1>
+        <a:accent2>
+          <a:srgbClr val="00B000"/>
+        </a:accent2>
+        <a:accent3>
+          <a:srgbClr val="AAAACA"/>
+        </a:accent3>
+        <a:accent4>
+          <a:srgbClr val="DADADA"/>
+        </a:accent4>
+        <a:accent5>
+          <a:srgbClr val="ADB8E2"/>
+        </a:accent5>
+        <a:accent6>
+          <a:srgbClr val="009F00"/>
+        </a:accent6>
+        <a:hlink>
+          <a:srgbClr val="66CCFF"/>
+        </a:hlink>
+        <a:folHlink>
+          <a:srgbClr val="FFE701"/>
+        </a:folHlink>
+      </a:clrScheme>
+      <a:clrMap bg1="dk2" tx1="lt1" bg2="dk1" tx2="lt2" accent1="accent1" accent2="accent2" accent3="accent3" accent4="accent4" accent5="accent5" accent6="accent6" hlink="hlink" folHlink="folHlink"/>
+    </a:extraClrScheme>
+    <a:extraClrScheme>
+      <a:clrScheme name="Default Design 9">
+        <a:dk1>
+          <a:srgbClr val="336699"/>
+        </a:dk1>
+        <a:lt1>
+          <a:srgbClr val="FFFFFF"/>
+        </a:lt1>
+        <a:dk2>
+          <a:srgbClr val="000000"/>
+        </a:dk2>
+        <a:lt2>
+          <a:srgbClr val="E3EBF1"/>
+        </a:lt2>
+        <a:accent1>
+          <a:srgbClr val="003399"/>
+        </a:accent1>
+        <a:accent2>
+          <a:srgbClr val="468A4B"/>
+        </a:accent2>
+        <a:accent3>
+          <a:srgbClr val="AAAAAA"/>
+        </a:accent3>
+        <a:accent4>
+          <a:srgbClr val="DADADA"/>
+        </a:accent4>
+        <a:accent5>
+          <a:srgbClr val="AAADCA"/>
+        </a:accent5>
+        <a:accent6>
+          <a:srgbClr val="3F7D43"/>
+        </a:accent6>
+        <a:hlink>
+          <a:srgbClr val="66CCFF"/>
+        </a:hlink>
+        <a:folHlink>
+          <a:srgbClr val="F0E500"/>
+        </a:folHlink>
+      </a:clrScheme>
+      <a:clrMap bg1="dk2" tx1="lt1" bg2="dk1" tx2="lt2" accent1="accent1" accent2="accent2" accent3="accent3" accent4="accent4" accent5="accent5" accent6="accent6" hlink="hlink" folHlink="folHlink"/>
+    </a:extraClrScheme>
+    <a:extraClrScheme>
+      <a:clrScheme name="Default Design 10">
+        <a:dk1>
+          <a:srgbClr val="777777"/>
+        </a:dk1>
+        <a:lt1>
+          <a:srgbClr val="FFFFFF"/>
+        </a:lt1>
+        <a:dk2>
+          <a:srgbClr val="686B5D"/>
+        </a:dk2>
+        <a:lt2>
+          <a:srgbClr val="D1D1CB"/>
+        </a:lt2>
+        <a:accent1>
+          <a:srgbClr val="909082"/>
+        </a:accent1>
+        <a:accent2>
+          <a:srgbClr val="809EA8"/>
+        </a:accent2>
+        <a:accent3>
+          <a:srgbClr val="B9BAB6"/>
+        </a:accent3>
+        <a:accent4>
+          <a:srgbClr val="DADADA"/>
+        </a:accent4>
+        <a:accent5>
+          <a:srgbClr val="C6C6C1"/>
+        </a:accent5>
+        <a:accent6>
+          <a:srgbClr val="738F98"/>
+        </a:accent6>
+        <a:hlink>
+          <a:srgbClr val="FFCC66"/>
+        </a:hlink>
+        <a:folHlink>
+          <a:srgbClr val="E9DCB9"/>
+        </a:folHlink>
+      </a:clrScheme>
+      <a:clrMap bg1="dk2" tx1="lt1" bg2="dk1" tx2="lt2" accent1="accent1" accent2="accent2" accent3="accent3" accent4="accent4" accent5="accent5" accent6="accent6" hlink="hlink" folHlink="folHlink"/>
+    </a:extraClrScheme>
+    <a:extraClrScheme>
+      <a:clrScheme name="Default Design 11">
+        <a:dk1>
+          <a:srgbClr val="3E3E5C"/>
+        </a:dk1>
+        <a:lt1>
+          <a:srgbClr val="FFFFFF"/>
+        </a:lt1>
+        <a:dk2>
+          <a:srgbClr val="666699"/>
+        </a:dk2>
+        <a:lt2>
+          <a:srgbClr val="FFFFFF"/>
+        </a:lt2>
+        <a:accent1>
+          <a:srgbClr val="60597B"/>
+        </a:accent1>
+        <a:accent2>
+          <a:srgbClr val="6666FF"/>
+        </a:accent2>
+        <a:accent3>
+          <a:srgbClr val="B8B8CA"/>
+        </a:accent3>
+        <a:accent4>
+          <a:srgbClr val="DADADA"/>
+        </a:accent4>
+        <a:accent5>
+          <a:srgbClr val="B6B5BF"/>
+        </a:accent5>
+        <a:accent6>
+          <a:srgbClr val="5C5CE7"/>
+        </a:accent6>
+        <a:hlink>
+          <a:srgbClr val="99CCFF"/>
+        </a:hlink>
+        <a:folHlink>
+          <a:srgbClr val="FFFF99"/>
+        </a:folHlink>
+      </a:clrScheme>
+      <a:clrMap bg1="dk2" tx1="lt1" bg2="dk1" tx2="lt2" accent1="accent1" accent2="accent2" accent3="accent3" accent4="accent4" accent5="accent5" accent6="accent6" hlink="hlink" folHlink="folHlink"/>
+    </a:extraClrScheme>
+    <a:extraClrScheme>
+      <a:clrScheme name="Default Design 12">
+        <a:dk1>
+          <a:srgbClr val="2D2015"/>
+        </a:dk1>
+        <a:lt1>
+          <a:srgbClr val="FFFFFF"/>
+        </a:lt1>
+        <a:dk2>
+          <a:srgbClr val="523E26"/>
+        </a:dk2>
+        <a:lt2>
+          <a:srgbClr val="DFC08D"/>
+        </a:lt2>
+        <a:accent1>
+          <a:srgbClr val="8C7B70"/>
+        </a:accent1>
+        <a:accent2>
+          <a:srgbClr val="8F5F2F"/>
+        </a:accent2>
+        <a:accent3>
+          <a:srgbClr val="B3AFAC"/>
+        </a:accent3>
+        <a:accent4>
+          <a:srgbClr val="DADADA"/>
+        </a:accent4>
+        <a:accent5>
+          <a:srgbClr val="C5BFBB"/>
+        </a:accent5>
+        <a:accent6>
+          <a:srgbClr val="81552A"/>
+        </a:accent6>
+        <a:hlink>
+          <a:srgbClr val="CCB400"/>
+        </a:hlink>
+        <a:folHlink>
+          <a:srgbClr val="8C9EA0"/>
+        </a:folHlink>
+      </a:clrScheme>
+      <a:clrMap bg1="dk2" tx1="lt1" bg2="dk1" tx2="lt2" accent1="accent1" accent2="accent2" accent3="accent3" accent4="accent4" accent5="accent5" accent6="accent6" hlink="hlink" folHlink="folHlink"/>
+    </a:extraClrScheme>
+  </a:extraClrSchemeLst>
 </a:theme>
 </file>
--- a/project_management/external_meetings/ICR Workspace Mtg Sept 2008 Slides.pptx
+++ b/project_management/external_meetings/ICR Workspace Mtg Sept 2008 Slides.pptx
@@ -175,59 +175,6 @@
           </a:ln>
         </p:spPr>
       </p:pic>
-      <p:sp>
-        <p:nvSpPr>
-          <p:cNvPr id="5" name="Text Box 18"/>
-          <p:cNvSpPr txBox="1">
-            <a:spLocks noChangeArrowheads="1"/>
-          </p:cNvSpPr>
-          <p:nvPr userDrawn="1"/>
-        </p:nvSpPr>
-        <p:spPr bwMode="auto">
-          <a:xfrm>
-            <a:off x="171450" y="6457950"/>
-            <a:ext cx="990600" cy="214313"/>
-          </a:xfrm>
-          <a:prstGeom prst="rect">
-            <a:avLst/>
-          </a:prstGeom>
-          <a:noFill/>
-          <a:ln w="9525">
-            <a:noFill/>
-            <a:miter lim="800000"/>
-            <a:headEnd/>
-            <a:tailEnd/>
-          </a:ln>
-          <a:effectLst/>
-        </p:spPr>
-        <p:txBody>
-          <a:bodyPr>
-            <a:spAutoFit/>
-          </a:bodyPr>
-          <a:lstStyle/>
-          <a:p>
-            <a:pPr>
-              <a:spcBef>
-                <a:spcPct val="50000"/>
-              </a:spcBef>
-              <a:defRPr/>
-            </a:pPr>
-            <a:r>
-              <a:rPr lang="en-US" sz="800" dirty="0" smtClean="0">
-                <a:solidFill>
-                  <a:srgbClr val="C0C0C0"/>
-                </a:solidFill>
-              </a:rPr>
-              <a:t>September 2008</a:t>
-            </a:r>
-            <a:endParaRPr lang="en-US" sz="800" dirty="0">
-              <a:solidFill>
-                <a:srgbClr val="C0C0C0"/>
-              </a:solidFill>
-            </a:endParaRPr>
-          </a:p>
-        </p:txBody>
-      </p:sp>
       <p:sp>
         <p:nvSpPr>
           <p:cNvPr id="4098" name="Rectangle 2"/>
@@ -2466,28 +2413,33 @@
               </a:rPr>
               <a:t>FitzHugh</a:t>
             </a:r>
+            <a:endParaRPr lang="en-US" sz="1400" dirty="0" smtClean="0">
+              <a:solidFill>
+                <a:schemeClr val="bg2"/>
+              </a:solidFill>
+            </a:endParaRPr>
+          </a:p>
+          <a:p>
+            <a:pPr>
+              <a:spcBef>
+                <a:spcPct val="50000"/>
+              </a:spcBef>
+            </a:pPr>
             <a:r>
               <a:rPr lang="en-US" sz="1400" dirty="0" smtClean="0">
                 <a:solidFill>
                   <a:schemeClr val="bg2"/>
                 </a:solidFill>
               </a:rPr>
-              <a:t> – 5AM Solutions</a:t>
-            </a:r>
-          </a:p>
-          <a:p>
-            <a:pPr>
-              <a:spcBef>
-                <a:spcPct val="50000"/>
-              </a:spcBef>
-            </a:pPr>
-            <a:r>
-              <a:rPr lang="en-US" sz="1400" dirty="0" smtClean="0">
+              <a:t>Eric </a:t>
+            </a:r>
+            <a:r>
+              <a:rPr lang="en-US" sz="1400" dirty="0" err="1" smtClean="0">
                 <a:solidFill>
                   <a:schemeClr val="bg2"/>
                 </a:solidFill>
               </a:rPr>
-              <a:t>wfitzhugh@5amsolutions.com</a:t>
+              <a:t>Tavela</a:t>
             </a:r>
             <a:endParaRPr lang="en-US" sz="1400" dirty="0">
               <a:solidFill>
@@ -2888,10 +2840,10 @@
           <a:lstStyle/>
           <a:p>
             <a:r>
-              <a:rPr lang="en-US" dirty="0" smtClean="0"/>
-              <a:t>The Future</a:t>
-            </a:r>
-            <a:endParaRPr lang="en-US" dirty="0"/>
+              <a:rPr lang="en-US" sz="3600" dirty="0" smtClean="0"/>
+              <a:t>What’s next</a:t>
+            </a:r>
+            <a:endParaRPr lang="en-US" sz="3600" dirty="0"/>
           </a:p>
         </p:txBody>
       </p:sp>
@@ -2950,11 +2902,7 @@
             <a:pPr lvl="1"/>
             <a:r>
               <a:rPr lang="en-US" dirty="0" smtClean="0"/>
-              <a:t>Incorporate </a:t>
-            </a:r>
-            <a:r>
-              <a:rPr lang="en-US" dirty="0" smtClean="0"/>
-              <a:t>other types of genomic data such as copy number, </a:t>
+              <a:t>Incorporate other types of genomic data such as copy number, </a:t>
             </a:r>
             <a:r>
               <a:rPr lang="en-US" dirty="0" err="1" smtClean="0"/>
@@ -2962,15 +2910,7 @@
             </a:r>
             <a:r>
               <a:rPr lang="en-US" dirty="0" smtClean="0"/>
-              <a:t>, </a:t>
-            </a:r>
-            <a:r>
-              <a:rPr lang="en-US" dirty="0" smtClean="0"/>
-              <a:t>tissue microarray, and </a:t>
-            </a:r>
-            <a:r>
-              <a:rPr lang="en-US" dirty="0" smtClean="0"/>
-              <a:t>genotypes</a:t>
+              <a:t>, tissue microarray, and genotypes</a:t>
             </a:r>
           </a:p>
           <a:p>
@@ -2989,11 +2929,7 @@
             </a:r>
             <a:r>
               <a:rPr lang="en-US" dirty="0" smtClean="0"/>
-              <a:t> and other analysis </a:t>
-            </a:r>
-            <a:r>
-              <a:rPr lang="en-US" dirty="0" smtClean="0"/>
-              <a:t>tools</a:t>
+              <a:t> and other analysis tools</a:t>
             </a:r>
           </a:p>
           <a:p>
@@ -3028,11 +2964,7 @@
             <a:pPr lvl="1"/>
             <a:r>
               <a:rPr lang="en-US" dirty="0" smtClean="0"/>
-              <a:t>Allow </a:t>
-            </a:r>
-            <a:r>
-              <a:rPr lang="en-US" dirty="0" smtClean="0"/>
-              <a:t>regular updates of data</a:t>
+              <a:t>Allow regular updates of data</a:t>
             </a:r>
           </a:p>
         </p:txBody>
@@ -3341,11 +3273,7 @@
             <a:p>
               <a:r>
                 <a:rPr lang="en-US" sz="1100" dirty="0" smtClean="0"/>
-                <a:t>Diagnosis   Treatment    </a:t>
-              </a:r>
-              <a:r>
-                <a:rPr lang="en-US" sz="1100" dirty="0" smtClean="0"/>
-                <a:t>    </a:t>
+                <a:t>Diagnosis   Treatment        </a:t>
               </a:r>
               <a:r>
                 <a:rPr lang="en-US" sz="1100" dirty="0" err="1" smtClean="0"/>
@@ -3438,10 +3366,10 @@
           <a:lstStyle/>
           <a:p>
             <a:r>
-              <a:rPr lang="en-US" dirty="0" smtClean="0"/>
+              <a:rPr lang="en-US" sz="3600" dirty="0" smtClean="0"/>
               <a:t>Credits</a:t>
             </a:r>
-            <a:endParaRPr lang="en-US" dirty="0"/>
+            <a:endParaRPr lang="en-US" sz="3600" dirty="0"/>
           </a:p>
         </p:txBody>
       </p:sp>
@@ -3471,13 +3399,16 @@
               <a:rPr lang="en-US" sz="2400" dirty="0" smtClean="0"/>
               <a:t>caIntegrator2 Team</a:t>
             </a:r>
-            <a:endParaRPr lang="en-US" sz="2400" dirty="0" smtClean="0"/>
           </a:p>
           <a:p>
             <a:pPr lvl="1"/>
             <a:r>
               <a:rPr lang="en-US" dirty="0" smtClean="0"/>
-              <a:t>TJ Andrews</a:t>
+              <a:t>TJ </a:t>
+            </a:r>
+            <a:r>
+              <a:rPr lang="en-US" dirty="0" smtClean="0"/>
+              <a:t>Andrews</a:t>
             </a:r>
           </a:p>
           <a:p>
@@ -3598,7 +3529,6 @@
               <a:rPr lang="en-US" sz="2400" dirty="0" smtClean="0"/>
               <a:t>Leadership and Vision</a:t>
             </a:r>
-            <a:endParaRPr lang="en-US" sz="2400" dirty="0" smtClean="0"/>
           </a:p>
           <a:p>
             <a:pPr lvl="1"/>
@@ -3672,11 +3602,7 @@
             <a:pPr lvl="1"/>
             <a:r>
               <a:rPr lang="en-US" sz="2000" dirty="0" smtClean="0"/>
-              <a:t>Daniel </a:t>
-            </a:r>
-            <a:r>
-              <a:rPr lang="en-US" sz="2000" dirty="0" smtClean="0"/>
-              <a:t>Rubin</a:t>
+              <a:t>Daniel Rubin</a:t>
             </a:r>
           </a:p>
           <a:p>
@@ -3692,7 +3618,6 @@
               <a:rPr lang="en-US" sz="2400" dirty="0" smtClean="0"/>
               <a:t> Development Teams</a:t>
             </a:r>
-            <a:endParaRPr lang="en-US" sz="2400" dirty="0" smtClean="0"/>
           </a:p>
           <a:p>
             <a:endParaRPr lang="en-US" sz="2400" dirty="0"/>
@@ -3752,10 +3677,10 @@
           <a:lstStyle/>
           <a:p>
             <a:r>
-              <a:rPr lang="en-US" sz="2800" dirty="0" smtClean="0"/>
+              <a:rPr lang="en-US" sz="3600" dirty="0" smtClean="0"/>
               <a:t>Goals</a:t>
             </a:r>
-            <a:endParaRPr lang="en-US" sz="2800" dirty="0"/>
+            <a:endParaRPr lang="en-US" sz="3600" dirty="0"/>
           </a:p>
         </p:txBody>
       </p:sp>
@@ -3896,14 +3821,14 @@
           <a:lstStyle/>
           <a:p>
             <a:r>
-              <a:rPr lang="en-US" sz="2800" dirty="0" err="1" smtClean="0"/>
+              <a:rPr lang="en-US" sz="3600" dirty="0" err="1" smtClean="0"/>
               <a:t>caIntegrator</a:t>
             </a:r>
             <a:r>
-              <a:rPr lang="en-US" sz="2800" dirty="0" smtClean="0"/>
+              <a:rPr lang="en-US" sz="3600" dirty="0" smtClean="0"/>
               <a:t> Examples</a:t>
             </a:r>
-            <a:endParaRPr lang="en-US" sz="2800" dirty="0"/>
+            <a:endParaRPr lang="en-US" sz="3600" dirty="0"/>
           </a:p>
         </p:txBody>
       </p:sp>
@@ -3942,11 +3867,7 @@
             </a:r>
             <a:r>
               <a:rPr lang="en-US" dirty="0" err="1" smtClean="0"/>
-              <a:t>g</a:t>
-            </a:r>
-            <a:r>
-              <a:rPr lang="en-US" dirty="0" err="1" smtClean="0"/>
-              <a:t>liomas</a:t>
+              <a:t>gliomas</a:t>
             </a:r>
             <a:endParaRPr lang="en-US" dirty="0" smtClean="0"/>
           </a:p>
@@ -3967,11 +3888,7 @@
             <a:pPr lvl="1"/>
             <a:r>
               <a:rPr lang="en-US" dirty="0" smtClean="0"/>
-              <a:t>A project to identify genetic alterations that make people susceptible to prostate and breast cancer</a:t>
-            </a:r>
-            <a:r>
-              <a:rPr lang="en-US" dirty="0" smtClean="0"/>
-              <a:t> </a:t>
+              <a:t>A project to identify genetic alterations that make people susceptible to prostate and breast cancer </a:t>
             </a:r>
           </a:p>
           <a:p>
@@ -3989,17 +3906,12 @@
               <a:rPr lang="en-US" dirty="0" smtClean="0"/>
               <a:t>I-SPY</a:t>
             </a:r>
-            <a:endParaRPr lang="en-US" dirty="0" smtClean="0"/>
           </a:p>
           <a:p>
             <a:pPr lvl="1"/>
             <a:r>
               <a:rPr lang="en-US" dirty="0" err="1" smtClean="0"/>
-              <a:t>c</a:t>
-            </a:r>
-            <a:r>
-              <a:rPr lang="en-US" dirty="0" err="1" smtClean="0"/>
-              <a:t>aGWAS</a:t>
+              <a:t>caGWAS</a:t>
             </a:r>
             <a:endParaRPr lang="en-US" dirty="0" smtClean="0"/>
           </a:p>
@@ -4112,7 +4024,7 @@
           <p:nvPr/>
         </p:nvPicPr>
         <p:blipFill>
-          <a:blip r:embed="rId2">
+          <a:blip r:embed="rId2" cstate="print">
             <a:lum/>
           </a:blip>
           <a:srcRect/>
@@ -4147,7 +4059,7 @@
           <p:nvPr/>
         </p:nvPicPr>
         <p:blipFill>
-          <a:blip r:embed="rId2">
+          <a:blip r:embed="rId3">
             <a:lum/>
           </a:blip>
           <a:srcRect/>
@@ -4182,7 +4094,7 @@
           <p:nvPr/>
         </p:nvPicPr>
         <p:blipFill>
-          <a:blip r:embed="rId3"/>
+          <a:blip r:embed="rId4"/>
           <a:srcRect/>
           <a:stretch>
             <a:fillRect/>
@@ -4215,7 +4127,7 @@
           <p:nvPr/>
         </p:nvPicPr>
         <p:blipFill>
-          <a:blip r:embed="rId4"/>
+          <a:blip r:embed="rId5"/>
           <a:stretch>
             <a:fillRect/>
           </a:stretch>
@@ -4239,7 +4151,7 @@
           <p:nvPr/>
         </p:nvPicPr>
         <p:blipFill>
-          <a:blip r:embed="rId5" cstate="print"/>
+          <a:blip r:embed="rId6" cstate="print"/>
           <a:srcRect/>
           <a:stretch>
             <a:fillRect/>
@@ -4272,7 +4184,7 @@
           <p:nvPr/>
         </p:nvPicPr>
         <p:blipFill>
-          <a:blip r:embed="rId5" cstate="print"/>
+          <a:blip r:embed="rId6" cstate="print"/>
           <a:srcRect/>
           <a:stretch>
             <a:fillRect/>
@@ -4791,7 +4703,7 @@
           <p:nvPr/>
         </p:nvPicPr>
         <p:blipFill>
-          <a:blip r:embed="rId6" cstate="print"/>
+          <a:blip r:embed="rId7" cstate="print"/>
           <a:srcRect/>
           <a:stretch>
             <a:fillRect/>
@@ -4956,13 +4868,15 @@
       <p:cxnSp>
         <p:nvCxnSpPr>
           <p:cNvPr id="30" name="Straight Arrow Connector 29"/>
-          <p:cNvCxnSpPr/>
+          <p:cNvCxnSpPr>
+            <a:endCxn id="21" idx="1"/>
+          </p:cNvCxnSpPr>
           <p:nvPr/>
         </p:nvCxnSpPr>
         <p:spPr>
           <a:xfrm>
             <a:off x="5638800" y="5562600"/>
-            <a:ext cx="457200" cy="73324"/>
+            <a:ext cx="457200" cy="28545"/>
           </a:xfrm>
           <a:prstGeom prst="straightConnector1">
             <a:avLst/>
@@ -5108,8 +5022,8 @@
         </p:nvSpPr>
         <p:spPr>
           <a:xfrm>
-            <a:off x="4495800" y="6248400"/>
-            <a:ext cx="2971800" cy="461665"/>
+            <a:off x="3810000" y="6172200"/>
+            <a:ext cx="3200400" cy="523220"/>
           </a:xfrm>
           <a:prstGeom prst="rect">
             <a:avLst/>
@@ -5123,10 +5037,22 @@
           <a:lstStyle/>
           <a:p>
             <a:r>
-              <a:rPr lang="en-US" sz="1200" dirty="0" smtClean="0"/>
-              <a:t>Process repeated again for each project, reusing code and developer expertise.</a:t>
-            </a:r>
-            <a:endParaRPr lang="en-US" sz="1200" dirty="0"/>
+              <a:rPr lang="en-US" sz="1400" dirty="0" smtClean="0"/>
+              <a:t>Process repeated </a:t>
+            </a:r>
+            <a:r>
+              <a:rPr lang="en-US" sz="1400" dirty="0" smtClean="0"/>
+              <a:t>for </a:t>
+            </a:r>
+            <a:r>
+              <a:rPr lang="en-US" sz="1400" dirty="0" smtClean="0"/>
+              <a:t>each project, reusing code and developer </a:t>
+            </a:r>
+            <a:r>
+              <a:rPr lang="en-US" sz="1400" dirty="0" smtClean="0"/>
+              <a:t>expertise</a:t>
+            </a:r>
+            <a:endParaRPr lang="en-US" sz="1400" dirty="0"/>
           </a:p>
         </p:txBody>
       </p:sp>
@@ -5536,7 +5462,7 @@
           <p:nvPr/>
         </p:nvPicPr>
         <p:blipFill>
-          <a:blip r:embed="rId7" cstate="print"/>
+          <a:blip r:embed="rId8" cstate="print"/>
           <a:stretch>
             <a:fillRect/>
           </a:stretch>
@@ -5869,7 +5795,7 @@
           <p:nvPr/>
         </p:nvPicPr>
         <p:blipFill>
-          <a:blip r:embed="rId8" cstate="print"/>
+          <a:blip r:embed="rId9" cstate="print"/>
           <a:stretch>
             <a:fillRect/>
           </a:stretch>
@@ -6163,7 +6089,7 @@
           <p:nvPr/>
         </p:nvPicPr>
         <p:blipFill>
-          <a:blip r:embed="rId9"/>
+          <a:blip r:embed="rId10"/>
           <a:srcRect/>
           <a:stretch>
             <a:fillRect/>
@@ -6267,7 +6193,7 @@
         </p:nvSpPr>
         <p:spPr>
           <a:xfrm>
-            <a:off x="1752600" y="4202668"/>
+            <a:off x="1828800" y="4202668"/>
             <a:ext cx="2209800" cy="338554"/>
           </a:xfrm>
           <a:prstGeom prst="rect">
@@ -6283,15 +6209,7 @@
           <a:p>
             <a:r>
               <a:rPr lang="en-US" sz="1600" dirty="0" smtClean="0"/>
-              <a:t>Tissue</a:t>
-            </a:r>
-            <a:r>
-              <a:rPr lang="en-US" sz="1600" dirty="0" smtClean="0"/>
-              <a:t> </a:t>
-            </a:r>
-            <a:r>
-              <a:rPr lang="en-US" sz="1600" dirty="0" smtClean="0"/>
-              <a:t>Data</a:t>
+              <a:t>Tissue Data</a:t>
             </a:r>
             <a:endParaRPr lang="en-US" sz="1600" dirty="0"/>
           </a:p>
@@ -6306,7 +6224,7 @@
         <p:spPr>
           <a:xfrm>
             <a:off x="685800" y="3505200"/>
-            <a:ext cx="1080245" cy="829235"/>
+            <a:ext cx="1143000" cy="762000"/>
           </a:xfrm>
           <a:prstGeom prst="straightConnector1">
             <a:avLst/>
@@ -6342,7 +6260,7 @@
           <p:nvPr/>
         </p:nvPicPr>
         <p:blipFill>
-          <a:blip r:embed="rId10"/>
+          <a:blip r:embed="rId11"/>
           <a:srcRect/>
           <a:stretch>
             <a:fillRect/>
@@ -6374,8 +6292,8 @@
         </p:nvCxnSpPr>
         <p:spPr>
           <a:xfrm>
-            <a:off x="3048000" y="4343400"/>
-            <a:ext cx="1219200" cy="1588"/>
+            <a:off x="3092940" y="4366845"/>
+            <a:ext cx="1143000" cy="1588"/>
           </a:xfrm>
           <a:prstGeom prst="straightConnector1">
             <a:avLst/>
@@ -8478,11 +8396,7 @@
           <a:p>
             <a:r>
               <a:rPr lang="en-US" sz="3600" dirty="0" smtClean="0"/>
-              <a:t>What </a:t>
-            </a:r>
-            <a:r>
-              <a:rPr lang="en-US" sz="3600" dirty="0" smtClean="0"/>
-              <a:t>caIntegrator2 can do</a:t>
+              <a:t>What caIntegrator2 can do</a:t>
             </a:r>
             <a:endParaRPr lang="en-US" sz="3600" dirty="0"/>
           </a:p>

--- a/project_management/external_meetings/ICR Workspace Mtg Sept 2008 Slides.pptx
+++ b/project_management/external_meetings/ICR Workspace Mtg Sept 2008 Slides.pptx
@@ -250,6 +250,190 @@
 </file>
 
 <file path=ppt/slideLayouts/slideLayout10.xml><?xml version="1.0" encoding="utf-8"?>
+<p:sldLayout xmlns:a="http://schemas.openxmlformats.org/drawingml/2006/main" xmlns:r="http://schemas.openxmlformats.org/officeDocument/2006/relationships" xmlns:p="http://schemas.openxmlformats.org/presentationml/2006/main" type="picTx" preserve="1">
+  <p:cSld name="Picture with Caption">
+    <p:spTree>
+      <p:nvGrpSpPr>
+        <p:cNvPr id="1" name=""/>
+        <p:cNvGrpSpPr/>
+        <p:nvPr/>
+      </p:nvGrpSpPr>
+      <p:grpSpPr>
+        <a:xfrm>
+          <a:off x="0" y="0"/>
+          <a:ext cx="0" cy="0"/>
+          <a:chOff x="0" y="0"/>
+          <a:chExt cx="0" cy="0"/>
+        </a:xfrm>
+      </p:grpSpPr>
+      <p:sp>
+        <p:nvSpPr>
+          <p:cNvPr id="2" name="Title 1"/>
+          <p:cNvSpPr>
+            <a:spLocks noGrp="1"/>
+          </p:cNvSpPr>
+          <p:nvPr>
+            <p:ph type="title"/>
+          </p:nvPr>
+        </p:nvSpPr>
+        <p:spPr>
+          <a:xfrm>
+            <a:off x="1792288" y="4800600"/>
+            <a:ext cx="5486400" cy="566738"/>
+          </a:xfrm>
+        </p:spPr>
+        <p:txBody>
+          <a:bodyPr anchor="b"/>
+          <a:lstStyle>
+            <a:lvl1pPr algn="l">
+              <a:defRPr sz="2000" b="1"/>
+            </a:lvl1pPr>
+          </a:lstStyle>
+          <a:p>
+            <a:r>
+              <a:rPr lang="en-US" smtClean="0"/>
+              <a:t>Click to edit Master title style</a:t>
+            </a:r>
+            <a:endParaRPr lang="en-US"/>
+          </a:p>
+        </p:txBody>
+      </p:sp>
+      <p:sp>
+        <p:nvSpPr>
+          <p:cNvPr id="3" name="Picture Placeholder 2"/>
+          <p:cNvSpPr>
+            <a:spLocks noGrp="1"/>
+          </p:cNvSpPr>
+          <p:nvPr>
+            <p:ph type="pic" idx="1"/>
+          </p:nvPr>
+        </p:nvSpPr>
+        <p:spPr>
+          <a:xfrm>
+            <a:off x="1792288" y="612775"/>
+            <a:ext cx="5486400" cy="4114800"/>
+          </a:xfrm>
+        </p:spPr>
+        <p:txBody>
+          <a:bodyPr/>
+          <a:lstStyle>
+            <a:lvl1pPr marL="0" indent="0">
+              <a:buNone/>
+              <a:defRPr sz="3200"/>
+            </a:lvl1pPr>
+            <a:lvl2pPr marL="457200" indent="0">
+              <a:buNone/>
+              <a:defRPr sz="2800"/>
+            </a:lvl2pPr>
+            <a:lvl3pPr marL="914400" indent="0">
+              <a:buNone/>
+              <a:defRPr sz="2400"/>
+            </a:lvl3pPr>
+            <a:lvl4pPr marL="1371600" indent="0">
+              <a:buNone/>
+              <a:defRPr sz="2000"/>
+            </a:lvl4pPr>
+            <a:lvl5pPr marL="1828800" indent="0">
+              <a:buNone/>
+              <a:defRPr sz="2000"/>
+            </a:lvl5pPr>
+            <a:lvl6pPr marL="2286000" indent="0">
+              <a:buNone/>
+              <a:defRPr sz="2000"/>
+            </a:lvl6pPr>
+            <a:lvl7pPr marL="2743200" indent="0">
+              <a:buNone/>
+              <a:defRPr sz="2000"/>
+            </a:lvl7pPr>
+            <a:lvl8pPr marL="3200400" indent="0">
+              <a:buNone/>
+              <a:defRPr sz="2000"/>
+            </a:lvl8pPr>
+            <a:lvl9pPr marL="3657600" indent="0">
+              <a:buNone/>
+              <a:defRPr sz="2000"/>
+            </a:lvl9pPr>
+          </a:lstStyle>
+          <a:p>
+            <a:pPr lvl="0"/>
+            <a:endParaRPr lang="en-US" noProof="0" smtClean="0"/>
+          </a:p>
+        </p:txBody>
+      </p:sp>
+      <p:sp>
+        <p:nvSpPr>
+          <p:cNvPr id="4" name="Text Placeholder 3"/>
+          <p:cNvSpPr>
+            <a:spLocks noGrp="1"/>
+          </p:cNvSpPr>
+          <p:nvPr>
+            <p:ph type="body" sz="half" idx="2"/>
+          </p:nvPr>
+        </p:nvSpPr>
+        <p:spPr>
+          <a:xfrm>
+            <a:off x="1792288" y="5367338"/>
+            <a:ext cx="5486400" cy="804862"/>
+          </a:xfrm>
+        </p:spPr>
+        <p:txBody>
+          <a:bodyPr/>
+          <a:lstStyle>
+            <a:lvl1pPr marL="0" indent="0">
+              <a:buNone/>
+              <a:defRPr sz="1400"/>
+            </a:lvl1pPr>
+            <a:lvl2pPr marL="457200" indent="0">
+              <a:buNone/>
+              <a:defRPr sz="1200"/>
+            </a:lvl2pPr>
+            <a:lvl3pPr marL="914400" indent="0">
+              <a:buNone/>
+              <a:defRPr sz="1000"/>
+            </a:lvl3pPr>
+            <a:lvl4pPr marL="1371600" indent="0">
+              <a:buNone/>
+              <a:defRPr sz="900"/>
+            </a:lvl4pPr>
+            <a:lvl5pPr marL="1828800" indent="0">
+              <a:buNone/>
+              <a:defRPr sz="900"/>
+            </a:lvl5pPr>
+            <a:lvl6pPr marL="2286000" indent="0">
+              <a:buNone/>
+              <a:defRPr sz="900"/>
+            </a:lvl6pPr>
+            <a:lvl7pPr marL="2743200" indent="0">
+              <a:buNone/>
+              <a:defRPr sz="900"/>
+            </a:lvl7pPr>
+            <a:lvl8pPr marL="3200400" indent="0">
+              <a:buNone/>
+              <a:defRPr sz="900"/>
+            </a:lvl8pPr>
+            <a:lvl9pPr marL="3657600" indent="0">
+              <a:buNone/>
+              <a:defRPr sz="900"/>
+            </a:lvl9pPr>
+          </a:lstStyle>
+          <a:p>
+            <a:pPr lvl="0"/>
+            <a:r>
+              <a:rPr lang="en-US" smtClean="0"/>
+              <a:t>Click to edit Master text styles</a:t>
+            </a:r>
+          </a:p>
+        </p:txBody>
+      </p:sp>
+    </p:spTree>
+  </p:cSld>
+  <p:clrMapOvr>
+    <a:masterClrMapping/>
+  </p:clrMapOvr>
+</p:sldLayout>
+</file>
+
+<file path=ppt/slideLayouts/slideLayout11.xml><?xml version="1.0" encoding="utf-8"?>
 <p:sldLayout xmlns:a="http://schemas.openxmlformats.org/drawingml/2006/main" xmlns:r="http://schemas.openxmlformats.org/officeDocument/2006/relationships" xmlns:p="http://schemas.openxmlformats.org/presentationml/2006/main" type="vertTx" preserve="1">
   <p:cSld name="Title and Vertical Text">
     <p:spTree>
@@ -349,7 +533,7 @@
 </p:sldLayout>
 </file>
 
-<file path=ppt/slideLayouts/slideLayout11.xml><?xml version="1.0" encoding="utf-8"?>
+<file path=ppt/slideLayouts/slideLayout12.xml><?xml version="1.0" encoding="utf-8"?>
 <p:sldLayout xmlns:a="http://schemas.openxmlformats.org/drawingml/2006/main" xmlns:r="http://schemas.openxmlformats.org/officeDocument/2006/relationships" xmlns:p="http://schemas.openxmlformats.org/presentationml/2006/main" type="vertTitleAndTx" preserve="1">
   <p:cSld name="Vertical Title and Text">
     <p:spTree>
@@ -460,6 +644,125 @@
 </file>
 
 <file path=ppt/slideLayouts/slideLayout2.xml><?xml version="1.0" encoding="utf-8"?>
+<p:sldLayout xmlns:a="http://schemas.openxmlformats.org/drawingml/2006/main" xmlns:r="http://schemas.openxmlformats.org/officeDocument/2006/relationships" xmlns:p="http://schemas.openxmlformats.org/presentationml/2006/main" showMasterSp="0" type="title" preserve="1">
+  <p:cSld name="1_Title Slide">
+    <p:spTree>
+      <p:nvGrpSpPr>
+        <p:cNvPr id="1" name=""/>
+        <p:cNvGrpSpPr/>
+        <p:nvPr/>
+      </p:nvGrpSpPr>
+      <p:grpSpPr>
+        <a:xfrm>
+          <a:off x="0" y="0"/>
+          <a:ext cx="0" cy="0"/>
+          <a:chOff x="0" y="0"/>
+          <a:chExt cx="0" cy="0"/>
+        </a:xfrm>
+      </p:grpSpPr>
+      <p:pic>
+        <p:nvPicPr>
+          <p:cNvPr id="4119" name="Picture 23" descr="caBIG-PPT-template---COVER"/>
+          <p:cNvPicPr>
+            <a:picLocks noChangeAspect="1" noChangeArrowheads="1"/>
+          </p:cNvPicPr>
+          <p:nvPr userDrawn="1"/>
+        </p:nvPicPr>
+        <p:blipFill>
+          <a:blip r:embed="rId2"/>
+          <a:srcRect/>
+          <a:stretch>
+            <a:fillRect/>
+          </a:stretch>
+        </p:blipFill>
+        <p:spPr bwMode="auto">
+          <a:xfrm>
+            <a:off x="0" y="0"/>
+            <a:ext cx="9144000" cy="6858000"/>
+          </a:xfrm>
+          <a:prstGeom prst="rect">
+            <a:avLst/>
+          </a:prstGeom>
+          <a:noFill/>
+        </p:spPr>
+      </p:pic>
+      <p:sp>
+        <p:nvSpPr>
+          <p:cNvPr id="4098" name="Rectangle 2"/>
+          <p:cNvSpPr>
+            <a:spLocks noGrp="1" noChangeArrowheads="1"/>
+          </p:cNvSpPr>
+          <p:nvPr>
+            <p:ph type="ctrTitle"/>
+          </p:nvPr>
+        </p:nvSpPr>
+        <p:spPr>
+          <a:xfrm>
+            <a:off x="4953000" y="2286000"/>
+            <a:ext cx="3810000" cy="609600"/>
+          </a:xfrm>
+        </p:spPr>
+        <p:txBody>
+          <a:bodyPr anchor="t"/>
+          <a:lstStyle>
+            <a:lvl1pPr algn="r">
+              <a:defRPr sz="4400">
+                <a:solidFill>
+                  <a:schemeClr val="accent2"/>
+                </a:solidFill>
+              </a:defRPr>
+            </a:lvl1pPr>
+          </a:lstStyle>
+          <a:p>
+            <a:r>
+              <a:rPr lang="en-US"/>
+              <a:t>Click to edit Master title style</a:t>
+            </a:r>
+          </a:p>
+        </p:txBody>
+      </p:sp>
+      <p:sp>
+        <p:nvSpPr>
+          <p:cNvPr id="4099" name="Rectangle 3"/>
+          <p:cNvSpPr>
+            <a:spLocks noGrp="1" noChangeArrowheads="1"/>
+          </p:cNvSpPr>
+          <p:nvPr>
+            <p:ph type="subTitle" idx="1"/>
+          </p:nvPr>
+        </p:nvSpPr>
+        <p:spPr>
+          <a:xfrm>
+            <a:off x="5486400" y="4114800"/>
+            <a:ext cx="3200400" cy="457200"/>
+          </a:xfrm>
+        </p:spPr>
+        <p:txBody>
+          <a:bodyPr/>
+          <a:lstStyle>
+            <a:lvl1pPr marL="0" indent="0" algn="r">
+              <a:buFontTx/>
+              <a:buNone/>
+              <a:defRPr/>
+            </a:lvl1pPr>
+          </a:lstStyle>
+          <a:p>
+            <a:r>
+              <a:rPr lang="en-US"/>
+              <a:t>Click to edit Master subtitle style</a:t>
+            </a:r>
+          </a:p>
+        </p:txBody>
+      </p:sp>
+    </p:spTree>
+  </p:cSld>
+  <p:clrMapOvr>
+    <a:masterClrMapping/>
+  </p:clrMapOvr>
+</p:sldLayout>
+</file>
+
+<file path=ppt/slideLayouts/slideLayout3.xml><?xml version="1.0" encoding="utf-8"?>
 <p:sldLayout xmlns:a="http://schemas.openxmlformats.org/drawingml/2006/main" xmlns:r="http://schemas.openxmlformats.org/officeDocument/2006/relationships" xmlns:p="http://schemas.openxmlformats.org/presentationml/2006/main" type="obj" preserve="1">
   <p:cSld name="Title and Content">
     <p:spTree>
@@ -559,7 +862,7 @@
 </p:sldLayout>
 </file>
 
-<file path=ppt/slideLayouts/slideLayout3.xml><?xml version="1.0" encoding="utf-8"?>
+<file path=ppt/slideLayouts/slideLayout4.xml><?xml version="1.0" encoding="utf-8"?>
 <p:sldLayout xmlns:a="http://schemas.openxmlformats.org/drawingml/2006/main" xmlns:r="http://schemas.openxmlformats.org/officeDocument/2006/relationships" xmlns:p="http://schemas.openxmlformats.org/presentationml/2006/main" type="secHead" preserve="1">
   <p:cSld name="Section Header">
     <p:spTree>
@@ -681,7 +984,7 @@
 </p:sldLayout>
 </file>
 
-<file path=ppt/slideLayouts/slideLayout4.xml><?xml version="1.0" encoding="utf-8"?>
+<file path=ppt/slideLayouts/slideLayout5.xml><?xml version="1.0" encoding="utf-8"?>
 <p:sldLayout xmlns:a="http://schemas.openxmlformats.org/drawingml/2006/main" xmlns:r="http://schemas.openxmlformats.org/officeDocument/2006/relationships" xmlns:p="http://schemas.openxmlformats.org/presentationml/2006/main" type="twoObj" preserve="1">
   <p:cSld name="Two Content">
     <p:spTree>
@@ -899,7 +1202,7 @@
 </p:sldLayout>
 </file>
 
-<file path=ppt/slideLayouts/slideLayout5.xml><?xml version="1.0" encoding="utf-8"?>
+<file path=ppt/slideLayouts/slideLayout6.xml><?xml version="1.0" encoding="utf-8"?>
 <p:sldLayout xmlns:a="http://schemas.openxmlformats.org/drawingml/2006/main" xmlns:r="http://schemas.openxmlformats.org/officeDocument/2006/relationships" xmlns:p="http://schemas.openxmlformats.org/presentationml/2006/main" type="twoTxTwoObj" preserve="1">
   <p:cSld name="Comparison">
     <p:spTree>
@@ -1256,7 +1559,7 @@
 </p:sldLayout>
 </file>
 
-<file path=ppt/slideLayouts/slideLayout6.xml><?xml version="1.0" encoding="utf-8"?>
+<file path=ppt/slideLayouts/slideLayout7.xml><?xml version="1.0" encoding="utf-8"?>
 <p:sldLayout xmlns:a="http://schemas.openxmlformats.org/drawingml/2006/main" xmlns:r="http://schemas.openxmlformats.org/officeDocument/2006/relationships" xmlns:p="http://schemas.openxmlformats.org/presentationml/2006/main" type="titleOnly" preserve="1">
   <p:cSld name="Title Only">
     <p:spTree>
@@ -1304,7 +1607,7 @@
 </p:sldLayout>
 </file>
 
-<file path=ppt/slideLayouts/slideLayout7.xml><?xml version="1.0" encoding="utf-8"?>
+<file path=ppt/slideLayouts/slideLayout8.xml><?xml version="1.0" encoding="utf-8"?>
 <p:sldLayout xmlns:a="http://schemas.openxmlformats.org/drawingml/2006/main" xmlns:r="http://schemas.openxmlformats.org/officeDocument/2006/relationships" xmlns:p="http://schemas.openxmlformats.org/presentationml/2006/main" type="blank" preserve="1">
   <p:cSld name="Blank">
     <p:spTree>
@@ -1329,7 +1632,7 @@
 </p:sldLayout>
 </file>
 
-<file path=ppt/slideLayouts/slideLayout8.xml><?xml version="1.0" encoding="utf-8"?>
+<file path=ppt/slideLayouts/slideLayout9.xml><?xml version="1.0" encoding="utf-8"?>
 <p:sldLayout xmlns:a="http://schemas.openxmlformats.org/drawingml/2006/main" xmlns:r="http://schemas.openxmlformats.org/officeDocument/2006/relationships" xmlns:p="http://schemas.openxmlformats.org/presentationml/2006/main" type="objTx" preserve="1">
   <p:cSld name="Content with Caption">
     <p:spTree>
@@ -1477,190 +1780,6 @@
           <a:xfrm>
             <a:off x="457200" y="1435100"/>
             <a:ext cx="3008313" cy="4691063"/>
-          </a:xfrm>
-        </p:spPr>
-        <p:txBody>
-          <a:bodyPr/>
-          <a:lstStyle>
-            <a:lvl1pPr marL="0" indent="0">
-              <a:buNone/>
-              <a:defRPr sz="1400"/>
-            </a:lvl1pPr>
-            <a:lvl2pPr marL="457200" indent="0">
-              <a:buNone/>
-              <a:defRPr sz="1200"/>
-            </a:lvl2pPr>
-            <a:lvl3pPr marL="914400" indent="0">
-              <a:buNone/>
-              <a:defRPr sz="1000"/>
-            </a:lvl3pPr>
-            <a:lvl4pPr marL="1371600" indent="0">
-              <a:buNone/>
-              <a:defRPr sz="900"/>
-            </a:lvl4pPr>
-            <a:lvl5pPr marL="1828800" indent="0">
-              <a:buNone/>
-              <a:defRPr sz="900"/>
-            </a:lvl5pPr>
-            <a:lvl6pPr marL="2286000" indent="0">
-              <a:buNone/>
-              <a:defRPr sz="900"/>
-            </a:lvl6pPr>
-            <a:lvl7pPr marL="2743200" indent="0">
-              <a:buNone/>
-              <a:defRPr sz="900"/>
-            </a:lvl7pPr>
-            <a:lvl8pPr marL="3200400" indent="0">
-              <a:buNone/>
-              <a:defRPr sz="900"/>
-            </a:lvl8pPr>
-            <a:lvl9pPr marL="3657600" indent="0">
-              <a:buNone/>
-              <a:defRPr sz="900"/>
-            </a:lvl9pPr>
-          </a:lstStyle>
-          <a:p>
-            <a:pPr lvl="0"/>
-            <a:r>
-              <a:rPr lang="en-US" smtClean="0"/>
-              <a:t>Click to edit Master text styles</a:t>
-            </a:r>
-          </a:p>
-        </p:txBody>
-      </p:sp>
-    </p:spTree>
-  </p:cSld>
-  <p:clrMapOvr>
-    <a:masterClrMapping/>
-  </p:clrMapOvr>
-</p:sldLayout>
-</file>
-
-<file path=ppt/slideLayouts/slideLayout9.xml><?xml version="1.0" encoding="utf-8"?>
-<p:sldLayout xmlns:a="http://schemas.openxmlformats.org/drawingml/2006/main" xmlns:r="http://schemas.openxmlformats.org/officeDocument/2006/relationships" xmlns:p="http://schemas.openxmlformats.org/presentationml/2006/main" type="picTx" preserve="1">
-  <p:cSld name="Picture with Caption">
-    <p:spTree>
-      <p:nvGrpSpPr>
-        <p:cNvPr id="1" name=""/>
-        <p:cNvGrpSpPr/>
-        <p:nvPr/>
-      </p:nvGrpSpPr>
-      <p:grpSpPr>
-        <a:xfrm>
-          <a:off x="0" y="0"/>
-          <a:ext cx="0" cy="0"/>
-          <a:chOff x="0" y="0"/>
-          <a:chExt cx="0" cy="0"/>
-        </a:xfrm>
-      </p:grpSpPr>
-      <p:sp>
-        <p:nvSpPr>
-          <p:cNvPr id="2" name="Title 1"/>
-          <p:cNvSpPr>
-            <a:spLocks noGrp="1"/>
-          </p:cNvSpPr>
-          <p:nvPr>
-            <p:ph type="title"/>
-          </p:nvPr>
-        </p:nvSpPr>
-        <p:spPr>
-          <a:xfrm>
-            <a:off x="1792288" y="4800600"/>
-            <a:ext cx="5486400" cy="566738"/>
-          </a:xfrm>
-        </p:spPr>
-        <p:txBody>
-          <a:bodyPr anchor="b"/>
-          <a:lstStyle>
-            <a:lvl1pPr algn="l">
-              <a:defRPr sz="2000" b="1"/>
-            </a:lvl1pPr>
-          </a:lstStyle>
-          <a:p>
-            <a:r>
-              <a:rPr lang="en-US" smtClean="0"/>
-              <a:t>Click to edit Master title style</a:t>
-            </a:r>
-            <a:endParaRPr lang="en-US"/>
-          </a:p>
-        </p:txBody>
-      </p:sp>
-      <p:sp>
-        <p:nvSpPr>
-          <p:cNvPr id="3" name="Picture Placeholder 2"/>
-          <p:cNvSpPr>
-            <a:spLocks noGrp="1"/>
-          </p:cNvSpPr>
-          <p:nvPr>
-            <p:ph type="pic" idx="1"/>
-          </p:nvPr>
-        </p:nvSpPr>
-        <p:spPr>
-          <a:xfrm>
-            <a:off x="1792288" y="612775"/>
-            <a:ext cx="5486400" cy="4114800"/>
-          </a:xfrm>
-        </p:spPr>
-        <p:txBody>
-          <a:bodyPr/>
-          <a:lstStyle>
-            <a:lvl1pPr marL="0" indent="0">
-              <a:buNone/>
-              <a:defRPr sz="3200"/>
-            </a:lvl1pPr>
-            <a:lvl2pPr marL="457200" indent="0">
-              <a:buNone/>
-              <a:defRPr sz="2800"/>
-            </a:lvl2pPr>
-            <a:lvl3pPr marL="914400" indent="0">
-              <a:buNone/>
-              <a:defRPr sz="2400"/>
-            </a:lvl3pPr>
-            <a:lvl4pPr marL="1371600" indent="0">
-              <a:buNone/>
-              <a:defRPr sz="2000"/>
-            </a:lvl4pPr>
-            <a:lvl5pPr marL="1828800" indent="0">
-              <a:buNone/>
-              <a:defRPr sz="2000"/>
-            </a:lvl5pPr>
-            <a:lvl6pPr marL="2286000" indent="0">
-              <a:buNone/>
-              <a:defRPr sz="2000"/>
-            </a:lvl6pPr>
-            <a:lvl7pPr marL="2743200" indent="0">
-              <a:buNone/>
-              <a:defRPr sz="2000"/>
-            </a:lvl7pPr>
-            <a:lvl8pPr marL="3200400" indent="0">
-              <a:buNone/>
-              <a:defRPr sz="2000"/>
-            </a:lvl8pPr>
-            <a:lvl9pPr marL="3657600" indent="0">
-              <a:buNone/>
-              <a:defRPr sz="2000"/>
-            </a:lvl9pPr>
-          </a:lstStyle>
-          <a:p>
-            <a:pPr lvl="0"/>
-            <a:endParaRPr lang="en-US" noProof="0" smtClean="0"/>
-          </a:p>
-        </p:txBody>
-      </p:sp>
-      <p:sp>
-        <p:nvSpPr>
-          <p:cNvPr id="4" name="Text Placeholder 3"/>
-          <p:cNvSpPr>
-            <a:spLocks noGrp="1"/>
-          </p:cNvSpPr>
-          <p:nvPr>
-            <p:ph type="body" sz="half" idx="2"/>
-          </p:nvPr>
-        </p:nvSpPr>
-        <p:spPr>
-          <a:xfrm>
-            <a:off x="1792288" y="5367338"/>
-            <a:ext cx="5486400" cy="804862"/>
           </a:xfrm>
         </p:spPr>
         <p:txBody>
@@ -1754,7 +1873,7 @@
           <p:nvPr userDrawn="1"/>
         </p:nvPicPr>
         <p:blipFill>
-          <a:blip r:embed="rId13"/>
+          <a:blip r:embed="rId14"/>
           <a:srcRect/>
           <a:stretch>
             <a:fillRect/>
@@ -1894,16 +2013,17 @@
   <p:clrMap bg1="lt1" tx1="dk1" bg2="lt2" tx2="dk2" accent1="accent1" accent2="accent2" accent3="accent3" accent4="accent4" accent5="accent5" accent6="accent6" hlink="hlink" folHlink="folHlink"/>
   <p:sldLayoutIdLst>
     <p:sldLayoutId id="2147483661" r:id="rId1"/>
-    <p:sldLayoutId id="2147483662" r:id="rId2"/>
-    <p:sldLayoutId id="2147483663" r:id="rId3"/>
-    <p:sldLayoutId id="2147483664" r:id="rId4"/>
-    <p:sldLayoutId id="2147483665" r:id="rId5"/>
-    <p:sldLayoutId id="2147483666" r:id="rId6"/>
-    <p:sldLayoutId id="2147483667" r:id="rId7"/>
-    <p:sldLayoutId id="2147483668" r:id="rId8"/>
-    <p:sldLayoutId id="2147483669" r:id="rId9"/>
-    <p:sldLayoutId id="2147483670" r:id="rId10"/>
-    <p:sldLayoutId id="2147483671" r:id="rId11"/>
+    <p:sldLayoutId id="2147483672" r:id="rId2"/>
+    <p:sldLayoutId id="2147483662" r:id="rId3"/>
+    <p:sldLayoutId id="2147483663" r:id="rId4"/>
+    <p:sldLayoutId id="2147483664" r:id="rId5"/>
+    <p:sldLayoutId id="2147483665" r:id="rId6"/>
+    <p:sldLayoutId id="2147483666" r:id="rId7"/>
+    <p:sldLayoutId id="2147483667" r:id="rId8"/>
+    <p:sldLayoutId id="2147483668" r:id="rId9"/>
+    <p:sldLayoutId id="2147483669" r:id="rId10"/>
+    <p:sldLayoutId id="2147483670" r:id="rId11"/>
+    <p:sldLayoutId id="2147483671" r:id="rId12"/>
   </p:sldLayoutIdLst>
   <p:txStyles>
     <p:titleStyle>
@@ -2330,8 +2450,8 @@
         </p:nvSpPr>
         <p:spPr>
           <a:xfrm>
-            <a:off x="3733800" y="1806575"/>
-            <a:ext cx="5562600" cy="1470025"/>
+            <a:off x="4724400" y="1676400"/>
+            <a:ext cx="4038600" cy="609600"/>
           </a:xfrm>
         </p:spPr>
         <p:txBody>
@@ -2359,113 +2479,6 @@
               <a:rPr lang="en-US" sz="2400" dirty="0" smtClean="0"/>
             </a:br>
             <a:endParaRPr lang="en-US" sz="2400" dirty="0"/>
-          </a:p>
-        </p:txBody>
-      </p:sp>
-      <p:sp>
-        <p:nvSpPr>
-          <p:cNvPr id="7" name="Text Box 7"/>
-          <p:cNvSpPr txBox="1">
-            <a:spLocks noChangeArrowheads="1"/>
-          </p:cNvSpPr>
-          <p:nvPr/>
-        </p:nvSpPr>
-        <p:spPr bwMode="auto">
-          <a:xfrm>
-            <a:off x="3733800" y="4876800"/>
-            <a:ext cx="4343400" cy="954107"/>
-          </a:xfrm>
-          <a:prstGeom prst="rect">
-            <a:avLst/>
-          </a:prstGeom>
-          <a:noFill/>
-          <a:ln w="9525">
-            <a:noFill/>
-            <a:miter lim="800000"/>
-            <a:headEnd/>
-            <a:tailEnd/>
-          </a:ln>
-        </p:spPr>
-        <p:txBody>
-          <a:bodyPr wrap="square">
-            <a:spAutoFit/>
-          </a:bodyPr>
-          <a:lstStyle/>
-          <a:p>
-            <a:pPr>
-              <a:spcBef>
-                <a:spcPct val="50000"/>
-              </a:spcBef>
-            </a:pPr>
-            <a:r>
-              <a:rPr lang="en-US" sz="1400" dirty="0" smtClean="0">
-                <a:solidFill>
-                  <a:schemeClr val="bg2"/>
-                </a:solidFill>
-              </a:rPr>
-              <a:t>William </a:t>
-            </a:r>
-            <a:r>
-              <a:rPr lang="en-US" sz="1400" dirty="0" err="1" smtClean="0">
-                <a:solidFill>
-                  <a:schemeClr val="bg2"/>
-                </a:solidFill>
-              </a:rPr>
-              <a:t>FitzHugh</a:t>
-            </a:r>
-            <a:endParaRPr lang="en-US" sz="1400" dirty="0" smtClean="0">
-              <a:solidFill>
-                <a:schemeClr val="bg2"/>
-              </a:solidFill>
-            </a:endParaRPr>
-          </a:p>
-          <a:p>
-            <a:pPr>
-              <a:spcBef>
-                <a:spcPct val="50000"/>
-              </a:spcBef>
-            </a:pPr>
-            <a:r>
-              <a:rPr lang="en-US" sz="1400" dirty="0" smtClean="0">
-                <a:solidFill>
-                  <a:schemeClr val="bg2"/>
-                </a:solidFill>
-              </a:rPr>
-              <a:t>Eric </a:t>
-            </a:r>
-            <a:r>
-              <a:rPr lang="en-US" sz="1400" dirty="0" err="1" smtClean="0">
-                <a:solidFill>
-                  <a:schemeClr val="bg2"/>
-                </a:solidFill>
-              </a:rPr>
-              <a:t>Tavela</a:t>
-            </a:r>
-            <a:endParaRPr lang="en-US" sz="1400" dirty="0">
-              <a:solidFill>
-                <a:schemeClr val="bg2"/>
-              </a:solidFill>
-            </a:endParaRPr>
-          </a:p>
-          <a:p>
-            <a:pPr>
-              <a:spcBef>
-                <a:spcPct val="50000"/>
-              </a:spcBef>
-            </a:pPr>
-            <a:r>
-              <a:rPr lang="en-US" sz="1400" b="1" dirty="0" smtClean="0">
-                <a:solidFill>
-                  <a:schemeClr val="bg2"/>
-                </a:solidFill>
-              </a:rPr>
-              <a:t>September 23, 2008</a:t>
-            </a:r>
-            <a:endParaRPr lang="en-US" sz="1400" b="1" dirty="0">
-              <a:solidFill>
-                <a:schemeClr val="bg2"/>
-              </a:solidFill>
-            </a:endParaRPr>
           </a:p>
         </p:txBody>
       </p:sp>
@@ -2481,8 +2494,8 @@
         </p:nvSpPr>
         <p:spPr>
           <a:xfrm>
-            <a:off x="3733800" y="3962400"/>
-            <a:ext cx="4267200" cy="457200"/>
+            <a:off x="5023335" y="4038600"/>
+            <a:ext cx="3733800" cy="457200"/>
           </a:xfrm>
         </p:spPr>
         <p:txBody>
@@ -2494,6 +2507,113 @@
               <a:t>A Tool for Publishing and Analyzing Integrated Study Data</a:t>
             </a:r>
             <a:endParaRPr lang="en-US" dirty="0"/>
+          </a:p>
+        </p:txBody>
+      </p:sp>
+      <p:sp>
+        <p:nvSpPr>
+          <p:cNvPr id="7" name="Text Box 7"/>
+          <p:cNvSpPr txBox="1">
+            <a:spLocks noChangeArrowheads="1"/>
+          </p:cNvSpPr>
+          <p:nvPr/>
+        </p:nvSpPr>
+        <p:spPr bwMode="auto">
+          <a:xfrm>
+            <a:off x="4411785" y="4953000"/>
+            <a:ext cx="4343400" cy="954107"/>
+          </a:xfrm>
+          <a:prstGeom prst="rect">
+            <a:avLst/>
+          </a:prstGeom>
+          <a:noFill/>
+          <a:ln w="9525">
+            <a:noFill/>
+            <a:miter lim="800000"/>
+            <a:headEnd/>
+            <a:tailEnd/>
+          </a:ln>
+        </p:spPr>
+        <p:txBody>
+          <a:bodyPr wrap="square">
+            <a:spAutoFit/>
+          </a:bodyPr>
+          <a:lstStyle/>
+          <a:p>
+            <a:pPr algn="r">
+              <a:spcBef>
+                <a:spcPct val="50000"/>
+              </a:spcBef>
+            </a:pPr>
+            <a:r>
+              <a:rPr lang="en-US" sz="1400" dirty="0" smtClean="0">
+                <a:solidFill>
+                  <a:schemeClr val="bg2"/>
+                </a:solidFill>
+              </a:rPr>
+              <a:t>William </a:t>
+            </a:r>
+            <a:r>
+              <a:rPr lang="en-US" sz="1400" dirty="0" err="1" smtClean="0">
+                <a:solidFill>
+                  <a:schemeClr val="bg2"/>
+                </a:solidFill>
+              </a:rPr>
+              <a:t>FitzHugh</a:t>
+            </a:r>
+            <a:endParaRPr lang="en-US" sz="1400" dirty="0" smtClean="0">
+              <a:solidFill>
+                <a:schemeClr val="bg2"/>
+              </a:solidFill>
+            </a:endParaRPr>
+          </a:p>
+          <a:p>
+            <a:pPr algn="r">
+              <a:spcBef>
+                <a:spcPct val="50000"/>
+              </a:spcBef>
+            </a:pPr>
+            <a:r>
+              <a:rPr lang="en-US" sz="1400" dirty="0" smtClean="0">
+                <a:solidFill>
+                  <a:schemeClr val="bg2"/>
+                </a:solidFill>
+              </a:rPr>
+              <a:t>Eric </a:t>
+            </a:r>
+            <a:r>
+              <a:rPr lang="en-US" sz="1400" dirty="0" err="1" smtClean="0">
+                <a:solidFill>
+                  <a:schemeClr val="bg2"/>
+                </a:solidFill>
+              </a:rPr>
+              <a:t>Tavela</a:t>
+            </a:r>
+            <a:endParaRPr lang="en-US" sz="1400" dirty="0">
+              <a:solidFill>
+                <a:schemeClr val="bg2"/>
+              </a:solidFill>
+            </a:endParaRPr>
+          </a:p>
+          <a:p>
+            <a:pPr algn="r">
+              <a:spcBef>
+                <a:spcPct val="50000"/>
+              </a:spcBef>
+            </a:pPr>
+            <a:r>
+              <a:rPr lang="en-US" sz="1400" b="1" dirty="0" smtClean="0">
+                <a:solidFill>
+                  <a:schemeClr val="bg2"/>
+                </a:solidFill>
+              </a:rPr>
+              <a:t>September 23, 2008</a:t>
+            </a:r>
+            <a:endParaRPr lang="en-US" sz="1400" b="1" dirty="0">
+              <a:solidFill>
+                <a:schemeClr val="bg2"/>
+              </a:solidFill>
+            </a:endParaRPr>
           </a:p>
         </p:txBody>
       </p:sp>
@@ -3404,11 +3524,7 @@
             <a:pPr lvl="1"/>
             <a:r>
               <a:rPr lang="en-US" dirty="0" smtClean="0"/>
-              <a:t>TJ </a:t>
-            </a:r>
-            <a:r>
-              <a:rPr lang="en-US" dirty="0" smtClean="0"/>
-              <a:t>Andrews</a:t>
+              <a:t>TJ Andrews</a:t>
             </a:r>
           </a:p>
           <a:p>
@@ -5038,19 +5154,7 @@
           <a:p>
             <a:r>
               <a:rPr lang="en-US" sz="1400" dirty="0" smtClean="0"/>
-              <a:t>Process repeated </a:t>
-            </a:r>
-            <a:r>
-              <a:rPr lang="en-US" sz="1400" dirty="0" smtClean="0"/>
-              <a:t>for </a:t>
-            </a:r>
-            <a:r>
-              <a:rPr lang="en-US" sz="1400" dirty="0" smtClean="0"/>
-              <a:t>each project, reusing code and developer </a:t>
-            </a:r>
-            <a:r>
-              <a:rPr lang="en-US" sz="1400" dirty="0" smtClean="0"/>
-              <a:t>expertise</a:t>
+              <a:t>Process repeated for each project, reusing code and developer expertise</a:t>
             </a:r>
             <a:endParaRPr lang="en-US" sz="1400" dirty="0"/>
           </a:p>
